--- a/final_demo.pptx
+++ b/final_demo.pptx
@@ -109,6 +109,11 @@
       </a:defRPr>
     </a:lvl9pPr>
   </p:defaultTextStyle>
+  <p:extLst>
+    <p:ext uri="{EFAFB233-063F-42B5-8137-9DF3F51BA10A}">
+      <p15:sldGuideLst xmlns:p15="http://schemas.microsoft.com/office/powerpoint/2012/main"/>
+    </p:ext>
+  </p:extLst>
 </p:presentation>
 </file>
 
@@ -685,6 +690,8 @@
                 <a:solidFill>
                   <a:schemeClr val="accent1"/>
                 </a:solidFill>
+                <a:latin typeface="Microsoft JhengHei" panose="020B0604030504040204" pitchFamily="34" charset="-120"/>
+                <a:ea typeface="Microsoft JhengHei" panose="020B0604030504040204" pitchFamily="34" charset="-120"/>
               </a:defRPr>
             </a:lvl1pPr>
           </a:lstStyle>
@@ -725,6 +732,8 @@
                     <a:lumOff val="50000"/>
                   </a:schemeClr>
                 </a:solidFill>
+                <a:latin typeface="Microsoft JhengHei" panose="020B0604030504040204" pitchFamily="34" charset="-120"/>
+                <a:ea typeface="Microsoft JhengHei" panose="020B0604030504040204" pitchFamily="34" charset="-120"/>
               </a:defRPr>
             </a:lvl1pPr>
             <a:lvl2pPr marL="457200" indent="0" algn="ctr">
@@ -2884,7 +2893,10 @@
           </a:bodyPr>
           <a:lstStyle>
             <a:lvl1pPr>
-              <a:defRPr sz="3600"/>
+              <a:defRPr sz="4000">
+                <a:latin typeface="Microsoft JhengHei" panose="020B0604030504040204" pitchFamily="34" charset="-120"/>
+                <a:ea typeface="Microsoft JhengHei" panose="020B0604030504040204" pitchFamily="34" charset="-120"/>
+              </a:defRPr>
             </a:lvl1pPr>
           </a:lstStyle>
           <a:p>
@@ -2908,8 +2920,17 @@
         </p:nvSpPr>
         <p:spPr/>
         <p:txBody>
-          <a:bodyPr/>
-          <a:lstStyle/>
+          <a:bodyPr>
+            <a:normAutofit/>
+          </a:bodyPr>
+          <a:lstStyle>
+            <a:lvl1pPr>
+              <a:defRPr sz="2800">
+                <a:latin typeface="Microsoft JhengHei" panose="020B0604030504040204" pitchFamily="34" charset="-120"/>
+                <a:ea typeface="Microsoft JhengHei" panose="020B0604030504040204" pitchFamily="34" charset="-120"/>
+              </a:defRPr>
+            </a:lvl1pPr>
+          </a:lstStyle>
           <a:p>
             <a:pPr lvl="0"/>
             <a:r>
@@ -5699,7 +5720,62 @@
           <a:bodyPr/>
           <a:lstStyle/>
           <a:p>
-            <a:endParaRPr kumimoji="1" lang="zh-TW" altLang="en-US" dirty="0"/>
+            <a:r>
+              <a:rPr kumimoji="1" lang="zh-CN" altLang="en-US" sz="4400" dirty="0">
+                <a:latin typeface="Microsoft JhengHei" panose="020B0604030504040204" pitchFamily="34" charset="-120"/>
+                <a:ea typeface="Microsoft JhengHei" panose="020B0604030504040204" pitchFamily="34" charset="-120"/>
+              </a:rPr>
+              <a:t>利用</a:t>
+            </a:r>
+            <a:r>
+              <a:rPr kumimoji="1" lang="en-US" altLang="zh-CN" sz="4400" dirty="0">
+                <a:latin typeface="Microsoft JhengHei" panose="020B0604030504040204" pitchFamily="34" charset="-120"/>
+                <a:ea typeface="Microsoft JhengHei" panose="020B0604030504040204" pitchFamily="34" charset="-120"/>
+              </a:rPr>
+              <a:t>model output </a:t>
+            </a:r>
+            <a:r>
+              <a:rPr kumimoji="1" lang="zh-CN" altLang="en-US" sz="4400" dirty="0">
+                <a:latin typeface="Microsoft JhengHei" panose="020B0604030504040204" pitchFamily="34" charset="-120"/>
+                <a:ea typeface="Microsoft JhengHei" panose="020B0604030504040204" pitchFamily="34" charset="-120"/>
+              </a:rPr>
+              <a:t>偷取</a:t>
+            </a:r>
+            <a:r>
+              <a:rPr kumimoji="1" lang="en-US" altLang="zh-CN" sz="4400" dirty="0">
+                <a:latin typeface="Microsoft JhengHei" panose="020B0604030504040204" pitchFamily="34" charset="-120"/>
+                <a:ea typeface="Microsoft JhengHei" panose="020B0604030504040204" pitchFamily="34" charset="-120"/>
+              </a:rPr>
+              <a:t> </a:t>
+            </a:r>
+            <a:br>
+              <a:rPr kumimoji="1" lang="en-US" altLang="zh-CN" sz="4400" dirty="0">
+                <a:latin typeface="Microsoft JhengHei" panose="020B0604030504040204" pitchFamily="34" charset="-120"/>
+                <a:ea typeface="Microsoft JhengHei" panose="020B0604030504040204" pitchFamily="34" charset="-120"/>
+              </a:rPr>
+            </a:br>
+            <a:r>
+              <a:rPr kumimoji="1" lang="en-US" altLang="zh-CN" sz="4400" dirty="0">
+                <a:latin typeface="Microsoft JhengHei" panose="020B0604030504040204" pitchFamily="34" charset="-120"/>
+                <a:ea typeface="Microsoft JhengHei" panose="020B0604030504040204" pitchFamily="34" charset="-120"/>
+              </a:rPr>
+              <a:t>Machine Learning-as-a-Service </a:t>
+            </a:r>
+            <a:r>
+              <a:rPr kumimoji="1" lang="zh-CN" altLang="en-US" sz="4400" dirty="0">
+                <a:latin typeface="Microsoft JhengHei" panose="020B0604030504040204" pitchFamily="34" charset="-120"/>
+                <a:ea typeface="Microsoft JhengHei" panose="020B0604030504040204" pitchFamily="34" charset="-120"/>
+              </a:rPr>
+              <a:t>平台</a:t>
+            </a:r>
+            <a:r>
+              <a:rPr kumimoji="1" lang="en-US" altLang="zh-CN" sz="4400" dirty="0">
+                <a:latin typeface="Microsoft JhengHei" panose="020B0604030504040204" pitchFamily="34" charset="-120"/>
+                <a:ea typeface="Microsoft JhengHei" panose="020B0604030504040204" pitchFamily="34" charset="-120"/>
+              </a:rPr>
+              <a:t> model</a:t>
+            </a:r>
+            <a:endParaRPr kumimoji="1" lang="zh-TW" altLang="en-US" sz="4400" dirty="0"/>
           </a:p>
         </p:txBody>
       </p:sp>
@@ -5719,12 +5795,22 @@
             <p:ph type="subTitle" idx="1"/>
           </p:nvPr>
         </p:nvSpPr>
-        <p:spPr/>
-        <p:txBody>
-          <a:bodyPr/>
+        <p:spPr>
+          <a:xfrm>
+            <a:off x="1507067" y="4531479"/>
+            <a:ext cx="7766936" cy="1096899"/>
+          </a:xfrm>
+        </p:spPr>
+        <p:txBody>
+          <a:bodyPr>
+            <a:normAutofit/>
+          </a:bodyPr>
           <a:lstStyle/>
           <a:p>
-            <a:endParaRPr kumimoji="1" lang="zh-TW" altLang="en-US"/>
+            <a:r>
+              <a:rPr kumimoji="1" lang="zh-TW" altLang="en-US" sz="2800" dirty="0"/>
+              <a:t>網路多媒體實驗</a:t>
+            </a:r>
           </a:p>
         </p:txBody>
       </p:sp>
@@ -5776,10 +5862,16 @@
         </p:nvSpPr>
         <p:spPr/>
         <p:txBody>
-          <a:bodyPr/>
+          <a:bodyPr>
+            <a:normAutofit/>
+          </a:bodyPr>
           <a:lstStyle/>
           <a:p>
-            <a:endParaRPr kumimoji="1" lang="zh-TW" altLang="en-US"/>
+            <a:r>
+              <a:rPr kumimoji="1" lang="zh-CN" altLang="en-US" sz="4000" dirty="0"/>
+              <a:t>資料集</a:t>
+            </a:r>
+            <a:endParaRPr kumimoji="1" lang="zh-TW" altLang="en-US" sz="4000" dirty="0"/>
           </a:p>
         </p:txBody>
       </p:sp>
@@ -5804,7 +5896,15 @@
           <a:bodyPr/>
           <a:lstStyle/>
           <a:p>
-            <a:endParaRPr kumimoji="1" lang="zh-TW" altLang="en-US"/>
+            <a:r>
+              <a:rPr kumimoji="1" lang="en-US" altLang="zh-TW" dirty="0"/>
+              <a:t>MNIST </a:t>
+            </a:r>
+            <a:r>
+              <a:rPr kumimoji="1" lang="zh-CN" altLang="en-US" dirty="0"/>
+              <a:t>資料集</a:t>
+            </a:r>
+            <a:endParaRPr kumimoji="1" lang="zh-TW" altLang="en-US" dirty="0"/>
           </a:p>
         </p:txBody>
       </p:sp>
@@ -5830,7 +5930,7 @@
         </p:blipFill>
         <p:spPr>
           <a:xfrm>
-            <a:off x="677334" y="2472581"/>
+            <a:off x="677334" y="2784574"/>
             <a:ext cx="9310170" cy="3256788"/>
           </a:xfrm>
           <a:prstGeom prst="rect">
@@ -5889,7 +5989,19 @@
           <a:bodyPr/>
           <a:lstStyle/>
           <a:p>
-            <a:endParaRPr kumimoji="1" lang="zh-TW" altLang="en-US"/>
+            <a:r>
+              <a:rPr kumimoji="1" lang="en-US" altLang="zh-TW" b="1" u="sng" dirty="0"/>
+              <a:t>Target Model</a:t>
+            </a:r>
+            <a:r>
+              <a:rPr kumimoji="1" lang="en-US" altLang="zh-TW" dirty="0"/>
+              <a:t> </a:t>
+            </a:r>
+            <a:r>
+              <a:rPr kumimoji="1" lang="zh-CN" altLang="en-US" dirty="0"/>
+              <a:t>建立</a:t>
+            </a:r>
+            <a:endParaRPr kumimoji="1" lang="zh-TW" altLang="en-US" dirty="0"/>
           </a:p>
         </p:txBody>
       </p:sp>
@@ -5914,16 +6026,16 @@
           <a:bodyPr/>
           <a:lstStyle/>
           <a:p>
-            <a:endParaRPr kumimoji="1" lang="zh-TW" altLang="en-US"/>
+            <a:endParaRPr kumimoji="1" lang="zh-TW" altLang="en-US" dirty="0"/>
           </a:p>
         </p:txBody>
       </p:sp>
       <p:grpSp>
         <p:nvGrpSpPr>
-          <p:cNvPr id="4" name="群組 3">
+          <p:cNvPr id="10" name="群組 9">
             <a:extLst>
               <a:ext uri="{FF2B5EF4-FFF2-40B4-BE49-F238E27FC236}">
-                <a16:creationId xmlns:a16="http://schemas.microsoft.com/office/drawing/2014/main" id="{582303E1-0223-494D-8245-D9377995ADB3}"/>
+                <a16:creationId xmlns:a16="http://schemas.microsoft.com/office/drawing/2014/main" id="{F3E40C42-BE5D-1B44-A8E8-FEFA0ABBBC23}"/>
               </a:ext>
             </a:extLst>
           </p:cNvPr>
@@ -5932,18 +6044,18 @@
         </p:nvGrpSpPr>
         <p:grpSpPr>
           <a:xfrm>
-            <a:off x="1254041" y="2434893"/>
-            <a:ext cx="7443253" cy="3606469"/>
-            <a:chOff x="1925609" y="8900808"/>
-            <a:chExt cx="7443253" cy="3606469"/>
+            <a:off x="1930401" y="1889617"/>
+            <a:ext cx="6570132" cy="4688561"/>
+            <a:chOff x="1166818" y="23117199"/>
+            <a:chExt cx="9074898" cy="6476006"/>
           </a:xfrm>
         </p:grpSpPr>
         <p:sp>
           <p:nvSpPr>
-            <p:cNvPr id="5" name="圓角矩形 4">
+            <p:cNvPr id="11" name="圓角矩形 10">
               <a:extLst>
                 <a:ext uri="{FF2B5EF4-FFF2-40B4-BE49-F238E27FC236}">
-                  <a16:creationId xmlns:a16="http://schemas.microsoft.com/office/drawing/2014/main" id="{FCFBB6D9-586C-0148-9A8D-E3B1F681D348}"/>
+                  <a16:creationId xmlns:a16="http://schemas.microsoft.com/office/drawing/2014/main" id="{AE0F239D-FE19-3544-BD17-9B1464D9E269}"/>
                 </a:ext>
               </a:extLst>
             </p:cNvPr>
@@ -5952,8 +6064,8 @@
           </p:nvSpPr>
           <p:spPr>
             <a:xfrm>
-              <a:off x="1925609" y="8900808"/>
-              <a:ext cx="7440821" cy="815497"/>
+              <a:off x="2579727" y="24566910"/>
+              <a:ext cx="5903576" cy="908288"/>
             </a:xfrm>
             <a:prstGeom prst="roundRect">
               <a:avLst/>
@@ -5961,13 +6073,6 @@
             <a:solidFill>
               <a:schemeClr val="accent1"/>
             </a:solidFill>
-            <a:ln>
-              <a:solidFill>
-                <a:schemeClr val="accent1">
-                  <a:lumMod val="75000"/>
-                </a:schemeClr>
-              </a:solidFill>
-            </a:ln>
           </p:spPr>
           <p:style>
             <a:lnRef idx="2">
@@ -5991,16 +6096,16 @@
             <a:p>
               <a:pPr algn="ctr"/>
               <a:r>
-                <a:rPr kumimoji="1" lang="en-US" altLang="zh-TW" sz="3000" b="1" dirty="0">
+                <a:rPr kumimoji="1" lang="en-US" altLang="zh-TW" sz="2000" dirty="0">
                   <a:solidFill>
                     <a:schemeClr val="bg1"/>
                   </a:solidFill>
                   <a:latin typeface="Microsoft JhengHei" panose="020B0604030504040204" pitchFamily="34" charset="-120"/>
                   <a:ea typeface="Microsoft JhengHei" panose="020B0604030504040204" pitchFamily="34" charset="-120"/>
                 </a:rPr>
-                <a:t>Choose Target Model</a:t>
+                <a:t>Train Model</a:t>
               </a:r>
-              <a:endParaRPr kumimoji="1" lang="zh-TW" altLang="en-US" sz="3000" b="1" dirty="0">
+              <a:endParaRPr kumimoji="1" lang="zh-TW" altLang="en-US" sz="2000" dirty="0">
                 <a:solidFill>
                   <a:schemeClr val="bg1"/>
                 </a:solidFill>
@@ -6012,10 +6117,10 @@
         </p:sp>
         <p:sp>
           <p:nvSpPr>
-            <p:cNvPr id="6" name="圓角矩形 5">
+            <p:cNvPr id="12" name="圓角矩形 11">
               <a:extLst>
                 <a:ext uri="{FF2B5EF4-FFF2-40B4-BE49-F238E27FC236}">
-                  <a16:creationId xmlns:a16="http://schemas.microsoft.com/office/drawing/2014/main" id="{BDAEC1DC-1153-F441-9C57-D04E3DA381D8}"/>
+                  <a16:creationId xmlns:a16="http://schemas.microsoft.com/office/drawing/2014/main" id="{1892D5C7-EB47-6746-B314-661CF310298C}"/>
                 </a:ext>
               </a:extLst>
             </p:cNvPr>
@@ -6024,8 +6129,8 @@
           </p:nvSpPr>
           <p:spPr>
             <a:xfrm>
-              <a:off x="1925609" y="10170010"/>
-              <a:ext cx="7411771" cy="938419"/>
+              <a:off x="1361382" y="25993758"/>
+              <a:ext cx="2399642" cy="908288"/>
             </a:xfrm>
             <a:prstGeom prst="roundRect">
               <a:avLst/>
@@ -6033,13 +6138,6 @@
             <a:solidFill>
               <a:schemeClr val="accent1"/>
             </a:solidFill>
-            <a:ln>
-              <a:solidFill>
-                <a:schemeClr val="accent1">
-                  <a:lumMod val="75000"/>
-                </a:schemeClr>
-              </a:solidFill>
-            </a:ln>
           </p:spPr>
           <p:style>
             <a:lnRef idx="2">
@@ -6063,16 +6161,16 @@
             <a:p>
               <a:pPr algn="ctr"/>
               <a:r>
-                <a:rPr kumimoji="1" lang="en-US" altLang="zh-CN" sz="3000" b="1" dirty="0">
+                <a:rPr kumimoji="1" lang="en-US" altLang="zh-TW" sz="2000" dirty="0" err="1">
                   <a:solidFill>
                     <a:schemeClr val="bg1"/>
                   </a:solidFill>
                   <a:latin typeface="Microsoft JhengHei" panose="020B0604030504040204" pitchFamily="34" charset="-120"/>
                   <a:ea typeface="Microsoft JhengHei" panose="020B0604030504040204" pitchFamily="34" charset="-120"/>
                 </a:rPr>
-                <a:t>Prediction for Stealing</a:t>
+                <a:t>Deepnet</a:t>
               </a:r>
-              <a:endParaRPr kumimoji="1" lang="zh-TW" altLang="en-US" sz="3000" b="1" dirty="0">
+              <a:endParaRPr kumimoji="1" lang="zh-TW" altLang="en-US" sz="2000" dirty="0">
                 <a:solidFill>
                   <a:schemeClr val="bg1"/>
                 </a:solidFill>
@@ -6084,10 +6182,10 @@
         </p:sp>
         <p:sp>
           <p:nvSpPr>
-            <p:cNvPr id="7" name="向下箭號 6">
+            <p:cNvPr id="13" name="圓角矩形 12">
               <a:extLst>
                 <a:ext uri="{FF2B5EF4-FFF2-40B4-BE49-F238E27FC236}">
-                  <a16:creationId xmlns:a16="http://schemas.microsoft.com/office/drawing/2014/main" id="{09540392-B71F-7C4B-912A-5B99D57B2032}"/>
+                  <a16:creationId xmlns:a16="http://schemas.microsoft.com/office/drawing/2014/main" id="{D280BB8B-8612-E343-AD11-006BCD9F0B9C}"/>
                 </a:ext>
               </a:extLst>
             </p:cNvPr>
@@ -6096,7 +6194,212 @@
           </p:nvSpPr>
           <p:spPr>
             <a:xfrm>
-              <a:off x="4164960" y="9659427"/>
+              <a:off x="4187230" y="25978260"/>
+              <a:ext cx="2814140" cy="908288"/>
+            </a:xfrm>
+            <a:prstGeom prst="roundRect">
+              <a:avLst/>
+            </a:prstGeom>
+            <a:solidFill>
+              <a:schemeClr val="accent1"/>
+            </a:solidFill>
+          </p:spPr>
+          <p:style>
+            <a:lnRef idx="2">
+              <a:schemeClr val="accent1">
+                <a:shade val="50000"/>
+              </a:schemeClr>
+            </a:lnRef>
+            <a:fillRef idx="1">
+              <a:schemeClr val="accent1"/>
+            </a:fillRef>
+            <a:effectRef idx="0">
+              <a:schemeClr val="accent1"/>
+            </a:effectRef>
+            <a:fontRef idx="minor">
+              <a:schemeClr val="lt1"/>
+            </a:fontRef>
+          </p:style>
+          <p:txBody>
+            <a:bodyPr rtlCol="0" anchor="ctr"/>
+            <a:lstStyle/>
+            <a:p>
+              <a:pPr algn="ctr"/>
+              <a:r>
+                <a:rPr kumimoji="1" lang="en-US" altLang="zh-TW" sz="2000" dirty="0">
+                  <a:solidFill>
+                    <a:schemeClr val="bg1"/>
+                  </a:solidFill>
+                  <a:latin typeface="Microsoft JhengHei" panose="020B0604030504040204" pitchFamily="34" charset="-120"/>
+                  <a:ea typeface="Microsoft JhengHei" panose="020B0604030504040204" pitchFamily="34" charset="-120"/>
+                </a:rPr>
+                <a:t>Decision Tree</a:t>
+              </a:r>
+              <a:endParaRPr kumimoji="1" lang="zh-TW" altLang="en-US" sz="2000" dirty="0">
+                <a:solidFill>
+                  <a:schemeClr val="bg1"/>
+                </a:solidFill>
+                <a:latin typeface="Microsoft JhengHei" panose="020B0604030504040204" pitchFamily="34" charset="-120"/>
+                <a:ea typeface="Microsoft JhengHei" panose="020B0604030504040204" pitchFamily="34" charset="-120"/>
+              </a:endParaRPr>
+            </a:p>
+          </p:txBody>
+        </p:sp>
+        <p:sp>
+          <p:nvSpPr>
+            <p:cNvPr id="14" name="圓角矩形 13">
+              <a:extLst>
+                <a:ext uri="{FF2B5EF4-FFF2-40B4-BE49-F238E27FC236}">
+                  <a16:creationId xmlns:a16="http://schemas.microsoft.com/office/drawing/2014/main" id="{A5F7FEC7-A0E0-4740-838D-5C3D7B8A4B52}"/>
+                </a:ext>
+              </a:extLst>
+            </p:cNvPr>
+            <p:cNvSpPr/>
+            <p:nvPr/>
+          </p:nvSpPr>
+          <p:spPr>
+            <a:xfrm>
+              <a:off x="7427576" y="25978260"/>
+              <a:ext cx="2814140" cy="908288"/>
+            </a:xfrm>
+            <a:prstGeom prst="roundRect">
+              <a:avLst/>
+            </a:prstGeom>
+            <a:solidFill>
+              <a:schemeClr val="accent1"/>
+            </a:solidFill>
+          </p:spPr>
+          <p:style>
+            <a:lnRef idx="2">
+              <a:schemeClr val="accent1">
+                <a:shade val="50000"/>
+              </a:schemeClr>
+            </a:lnRef>
+            <a:fillRef idx="1">
+              <a:schemeClr val="accent1"/>
+            </a:fillRef>
+            <a:effectRef idx="0">
+              <a:schemeClr val="accent1"/>
+            </a:effectRef>
+            <a:fontRef idx="minor">
+              <a:schemeClr val="lt1"/>
+            </a:fontRef>
+          </p:style>
+          <p:txBody>
+            <a:bodyPr rtlCol="0" anchor="ctr"/>
+            <a:lstStyle/>
+            <a:p>
+              <a:pPr algn="ctr"/>
+              <a:r>
+                <a:rPr kumimoji="1" lang="en-US" altLang="zh-TW" sz="2000" dirty="0">
+                  <a:solidFill>
+                    <a:schemeClr val="bg1"/>
+                  </a:solidFill>
+                  <a:latin typeface="Microsoft JhengHei" panose="020B0604030504040204" pitchFamily="34" charset="-120"/>
+                  <a:ea typeface="Microsoft JhengHei" panose="020B0604030504040204" pitchFamily="34" charset="-120"/>
+                </a:rPr>
+                <a:t>Ensemble</a:t>
+              </a:r>
+              <a:endParaRPr kumimoji="1" lang="zh-TW" altLang="en-US" sz="2000" dirty="0">
+                <a:solidFill>
+                  <a:schemeClr val="bg1"/>
+                </a:solidFill>
+                <a:latin typeface="Microsoft JhengHei" panose="020B0604030504040204" pitchFamily="34" charset="-120"/>
+                <a:ea typeface="Microsoft JhengHei" panose="020B0604030504040204" pitchFamily="34" charset="-120"/>
+              </a:endParaRPr>
+            </a:p>
+          </p:txBody>
+        </p:sp>
+        <p:sp>
+          <p:nvSpPr>
+            <p:cNvPr id="15" name="圓角矩形 14">
+              <a:extLst>
+                <a:ext uri="{FF2B5EF4-FFF2-40B4-BE49-F238E27FC236}">
+                  <a16:creationId xmlns:a16="http://schemas.microsoft.com/office/drawing/2014/main" id="{58F57881-3C14-5244-BF1F-48FD8CC91230}"/>
+                </a:ext>
+              </a:extLst>
+            </p:cNvPr>
+            <p:cNvSpPr/>
+            <p:nvPr/>
+          </p:nvSpPr>
+          <p:spPr>
+            <a:xfrm>
+              <a:off x="2573583" y="23117199"/>
+              <a:ext cx="5903576" cy="908288"/>
+            </a:xfrm>
+            <a:prstGeom prst="roundRect">
+              <a:avLst/>
+            </a:prstGeom>
+            <a:solidFill>
+              <a:schemeClr val="accent1"/>
+            </a:solidFill>
+          </p:spPr>
+          <p:style>
+            <a:lnRef idx="2">
+              <a:schemeClr val="accent1">
+                <a:shade val="50000"/>
+              </a:schemeClr>
+            </a:lnRef>
+            <a:fillRef idx="1">
+              <a:schemeClr val="accent1"/>
+            </a:fillRef>
+            <a:effectRef idx="0">
+              <a:schemeClr val="accent1"/>
+            </a:effectRef>
+            <a:fontRef idx="minor">
+              <a:schemeClr val="lt1"/>
+            </a:fontRef>
+          </p:style>
+          <p:txBody>
+            <a:bodyPr rtlCol="0" anchor="ctr"/>
+            <a:lstStyle/>
+            <a:p>
+              <a:pPr algn="ctr"/>
+              <a:r>
+                <a:rPr kumimoji="1" lang="en-US" altLang="zh-TW" sz="2000" dirty="0">
+                  <a:solidFill>
+                    <a:schemeClr val="bg1"/>
+                  </a:solidFill>
+                  <a:latin typeface="Microsoft JhengHei" panose="020B0604030504040204" pitchFamily="34" charset="-120"/>
+                  <a:ea typeface="Microsoft JhengHei" panose="020B0604030504040204" pitchFamily="34" charset="-120"/>
+                </a:rPr>
+                <a:t>Upload data to </a:t>
+              </a:r>
+              <a:r>
+                <a:rPr kumimoji="1" lang="en-US" altLang="zh-TW" sz="2000" b="1" dirty="0">
+                  <a:solidFill>
+                    <a:schemeClr val="bg1"/>
+                  </a:solidFill>
+                  <a:latin typeface="Microsoft JhengHei" panose="020B0604030504040204" pitchFamily="34" charset="-120"/>
+                  <a:ea typeface="Microsoft JhengHei" panose="020B0604030504040204" pitchFamily="34" charset="-120"/>
+                </a:rPr>
+                <a:t>BigML</a:t>
+              </a:r>
+              <a:endParaRPr kumimoji="1" lang="zh-TW" altLang="en-US" sz="2000" b="1" dirty="0">
+                <a:solidFill>
+                  <a:schemeClr val="bg1"/>
+                </a:solidFill>
+                <a:latin typeface="Microsoft JhengHei" panose="020B0604030504040204" pitchFamily="34" charset="-120"/>
+                <a:ea typeface="Microsoft JhengHei" panose="020B0604030504040204" pitchFamily="34" charset="-120"/>
+              </a:endParaRPr>
+            </a:p>
+          </p:txBody>
+        </p:sp>
+        <p:sp>
+          <p:nvSpPr>
+            <p:cNvPr id="16" name="向下箭號 15">
+              <a:extLst>
+                <a:ext uri="{FF2B5EF4-FFF2-40B4-BE49-F238E27FC236}">
+                  <a16:creationId xmlns:a16="http://schemas.microsoft.com/office/drawing/2014/main" id="{C6A4A9BC-03D2-7441-B806-AE833D5F5ECB}"/>
+                </a:ext>
+              </a:extLst>
+            </p:cNvPr>
+            <p:cNvSpPr/>
+            <p:nvPr/>
+          </p:nvSpPr>
+          <p:spPr>
+            <a:xfrm>
+              <a:off x="4976965" y="24028156"/>
               <a:ext cx="1338107" cy="479109"/>
             </a:xfrm>
             <a:prstGeom prst="downArrow">
@@ -6129,16 +6432,16 @@
             <a:lstStyle/>
             <a:p>
               <a:pPr algn="ctr"/>
-              <a:endParaRPr kumimoji="1" lang="zh-TW" altLang="en-US" dirty="0"/>
+              <a:endParaRPr kumimoji="1" lang="zh-TW" altLang="en-US" sz="1200" dirty="0"/>
             </a:p>
           </p:txBody>
         </p:sp>
         <p:sp>
           <p:nvSpPr>
-            <p:cNvPr id="8" name="向下箭號 7">
+            <p:cNvPr id="17" name="向下箭號 16">
               <a:extLst>
                 <a:ext uri="{FF2B5EF4-FFF2-40B4-BE49-F238E27FC236}">
-                  <a16:creationId xmlns:a16="http://schemas.microsoft.com/office/drawing/2014/main" id="{84CA4875-D5C9-B545-B629-02AF77EB2655}"/>
+                  <a16:creationId xmlns:a16="http://schemas.microsoft.com/office/drawing/2014/main" id="{A9382121-20AF-8D49-81E7-AA00999743A4}"/>
                 </a:ext>
               </a:extLst>
             </p:cNvPr>
@@ -6147,7 +6450,7 @@
           </p:nvSpPr>
           <p:spPr>
             <a:xfrm>
-              <a:off x="4164960" y="11072575"/>
+              <a:off x="2242574" y="25483873"/>
               <a:ext cx="1338107" cy="479109"/>
             </a:xfrm>
             <a:prstGeom prst="downArrow">
@@ -6180,16 +6483,16 @@
             <a:lstStyle/>
             <a:p>
               <a:pPr algn="ctr"/>
-              <a:endParaRPr kumimoji="1" lang="zh-TW" altLang="en-US" dirty="0"/>
+              <a:endParaRPr kumimoji="1" lang="zh-TW" altLang="en-US" sz="1200" dirty="0"/>
             </a:p>
           </p:txBody>
         </p:sp>
         <p:sp>
           <p:nvSpPr>
-            <p:cNvPr id="9" name="圓角矩形 8">
+            <p:cNvPr id="18" name="向下箭號 17">
               <a:extLst>
                 <a:ext uri="{FF2B5EF4-FFF2-40B4-BE49-F238E27FC236}">
-                  <a16:creationId xmlns:a16="http://schemas.microsoft.com/office/drawing/2014/main" id="{37807517-2B12-A04A-AA48-0BB44ABBDE06}"/>
+                  <a16:creationId xmlns:a16="http://schemas.microsoft.com/office/drawing/2014/main" id="{77C85F1E-E056-1D4A-930C-1976EE84291C}"/>
                 </a:ext>
               </a:extLst>
             </p:cNvPr>
@@ -6198,8 +6501,110 @@
           </p:nvSpPr>
           <p:spPr>
             <a:xfrm>
-              <a:off x="1925610" y="11568858"/>
-              <a:ext cx="7443252" cy="938419"/>
+              <a:off x="5015143" y="26915350"/>
+              <a:ext cx="1338107" cy="479109"/>
+            </a:xfrm>
+            <a:prstGeom prst="downArrow">
+              <a:avLst/>
+            </a:prstGeom>
+            <a:solidFill>
+              <a:schemeClr val="tx2">
+                <a:lumMod val="75000"/>
+              </a:schemeClr>
+            </a:solidFill>
+          </p:spPr>
+          <p:style>
+            <a:lnRef idx="2">
+              <a:schemeClr val="accent1">
+                <a:shade val="50000"/>
+              </a:schemeClr>
+            </a:lnRef>
+            <a:fillRef idx="1">
+              <a:schemeClr val="accent1"/>
+            </a:fillRef>
+            <a:effectRef idx="0">
+              <a:schemeClr val="accent1"/>
+            </a:effectRef>
+            <a:fontRef idx="minor">
+              <a:schemeClr val="lt1"/>
+            </a:fontRef>
+          </p:style>
+          <p:txBody>
+            <a:bodyPr rtlCol="0" anchor="ctr"/>
+            <a:lstStyle/>
+            <a:p>
+              <a:pPr algn="ctr"/>
+              <a:endParaRPr kumimoji="1" lang="zh-TW" altLang="en-US" sz="1200" dirty="0"/>
+            </a:p>
+          </p:txBody>
+        </p:sp>
+        <p:sp>
+          <p:nvSpPr>
+            <p:cNvPr id="19" name="向下箭號 18">
+              <a:extLst>
+                <a:ext uri="{FF2B5EF4-FFF2-40B4-BE49-F238E27FC236}">
+                  <a16:creationId xmlns:a16="http://schemas.microsoft.com/office/drawing/2014/main" id="{CD6B3275-3FA8-A64B-B244-BBFC67C8B7A1}"/>
+                </a:ext>
+              </a:extLst>
+            </p:cNvPr>
+            <p:cNvSpPr/>
+            <p:nvPr/>
+          </p:nvSpPr>
+          <p:spPr>
+            <a:xfrm>
+              <a:off x="7455579" y="25483871"/>
+              <a:ext cx="1338107" cy="479109"/>
+            </a:xfrm>
+            <a:prstGeom prst="downArrow">
+              <a:avLst/>
+            </a:prstGeom>
+            <a:solidFill>
+              <a:schemeClr val="tx2">
+                <a:lumMod val="75000"/>
+              </a:schemeClr>
+            </a:solidFill>
+          </p:spPr>
+          <p:style>
+            <a:lnRef idx="2">
+              <a:schemeClr val="accent1">
+                <a:shade val="50000"/>
+              </a:schemeClr>
+            </a:lnRef>
+            <a:fillRef idx="1">
+              <a:schemeClr val="accent1"/>
+            </a:fillRef>
+            <a:effectRef idx="0">
+              <a:schemeClr val="accent1"/>
+            </a:effectRef>
+            <a:fontRef idx="minor">
+              <a:schemeClr val="lt1"/>
+            </a:fontRef>
+          </p:style>
+          <p:txBody>
+            <a:bodyPr rtlCol="0" anchor="ctr"/>
+            <a:lstStyle/>
+            <a:p>
+              <a:pPr algn="ctr"/>
+              <a:endParaRPr kumimoji="1" lang="zh-TW" altLang="en-US" sz="1200" dirty="0"/>
+            </a:p>
+          </p:txBody>
+        </p:sp>
+        <p:sp>
+          <p:nvSpPr>
+            <p:cNvPr id="20" name="圓角矩形 19">
+              <a:extLst>
+                <a:ext uri="{FF2B5EF4-FFF2-40B4-BE49-F238E27FC236}">
+                  <a16:creationId xmlns:a16="http://schemas.microsoft.com/office/drawing/2014/main" id="{8423031B-48CE-AC46-A388-08C2739A7794}"/>
+                </a:ext>
+              </a:extLst>
+            </p:cNvPr>
+            <p:cNvSpPr/>
+            <p:nvPr/>
+          </p:nvSpPr>
+          <p:spPr>
+            <a:xfrm>
+              <a:off x="1166818" y="28500085"/>
+              <a:ext cx="4278907" cy="1093120"/>
             </a:xfrm>
             <a:prstGeom prst="roundRect">
               <a:avLst/>
@@ -6207,13 +6612,6 @@
             <a:solidFill>
               <a:schemeClr val="accent1"/>
             </a:solidFill>
-            <a:ln>
-              <a:solidFill>
-                <a:schemeClr val="accent1">
-                  <a:lumMod val="75000"/>
-                </a:schemeClr>
-              </a:solidFill>
-            </a:ln>
           </p:spPr>
           <p:style>
             <a:lnRef idx="2">
@@ -6237,16 +6635,236 @@
             <a:p>
               <a:pPr algn="ctr"/>
               <a:r>
-                <a:rPr kumimoji="1" lang="en-US" altLang="zh-TW" sz="3000" b="1" dirty="0">
+                <a:rPr kumimoji="1" lang="en-US" altLang="zh-TW" sz="2000" dirty="0">
                   <a:solidFill>
                     <a:schemeClr val="bg1"/>
                   </a:solidFill>
                   <a:latin typeface="Microsoft JhengHei" panose="020B0604030504040204" pitchFamily="34" charset="-120"/>
                   <a:ea typeface="Microsoft JhengHei" panose="020B0604030504040204" pitchFamily="34" charset="-120"/>
                 </a:rPr>
-                <a:t>Testing (Evaluate the result)</a:t>
+                <a:t>Local : </a:t>
               </a:r>
-              <a:endParaRPr kumimoji="1" lang="zh-TW" altLang="en-US" sz="3000" b="1" dirty="0">
+            </a:p>
+            <a:p>
+              <a:pPr algn="ctr"/>
+              <a:r>
+                <a:rPr kumimoji="1" lang="en-US" altLang="zh-TW" sz="2000" dirty="0">
+                  <a:solidFill>
+                    <a:schemeClr val="bg1"/>
+                  </a:solidFill>
+                  <a:latin typeface="Microsoft JhengHei" panose="020B0604030504040204" pitchFamily="34" charset="-120"/>
+                  <a:ea typeface="Microsoft JhengHei" panose="020B0604030504040204" pitchFamily="34" charset="-120"/>
+                </a:rPr>
+                <a:t>Model parameters</a:t>
+              </a:r>
+              <a:endParaRPr kumimoji="1" lang="zh-TW" altLang="en-US" sz="2000" dirty="0">
+                <a:solidFill>
+                  <a:schemeClr val="bg1"/>
+                </a:solidFill>
+                <a:latin typeface="Microsoft JhengHei" panose="020B0604030504040204" pitchFamily="34" charset="-120"/>
+                <a:ea typeface="Microsoft JhengHei" panose="020B0604030504040204" pitchFamily="34" charset="-120"/>
+              </a:endParaRPr>
+            </a:p>
+          </p:txBody>
+        </p:sp>
+        <p:sp>
+          <p:nvSpPr>
+            <p:cNvPr id="21" name="圓角矩形 20">
+              <a:extLst>
+                <a:ext uri="{FF2B5EF4-FFF2-40B4-BE49-F238E27FC236}">
+                  <a16:creationId xmlns:a16="http://schemas.microsoft.com/office/drawing/2014/main" id="{1906E4A1-3BA2-3C4D-9731-9ADAB56A87A9}"/>
+                </a:ext>
+              </a:extLst>
+            </p:cNvPr>
+            <p:cNvSpPr/>
+            <p:nvPr/>
+          </p:nvSpPr>
+          <p:spPr>
+            <a:xfrm>
+              <a:off x="5571000" y="28500085"/>
+              <a:ext cx="4601420" cy="1088702"/>
+            </a:xfrm>
+            <a:prstGeom prst="roundRect">
+              <a:avLst/>
+            </a:prstGeom>
+            <a:solidFill>
+              <a:schemeClr val="accent1"/>
+            </a:solidFill>
+          </p:spPr>
+          <p:style>
+            <a:lnRef idx="2">
+              <a:schemeClr val="accent1">
+                <a:shade val="50000"/>
+              </a:schemeClr>
+            </a:lnRef>
+            <a:fillRef idx="1">
+              <a:schemeClr val="accent1"/>
+            </a:fillRef>
+            <a:effectRef idx="0">
+              <a:schemeClr val="accent1"/>
+            </a:effectRef>
+            <a:fontRef idx="minor">
+              <a:schemeClr val="lt1"/>
+            </a:fontRef>
+          </p:style>
+          <p:txBody>
+            <a:bodyPr rtlCol="0" anchor="ctr"/>
+            <a:lstStyle/>
+            <a:p>
+              <a:pPr algn="ctr"/>
+              <a:r>
+                <a:rPr kumimoji="1" lang="en-US" altLang="zh-TW" sz="2000" dirty="0">
+                  <a:solidFill>
+                    <a:schemeClr val="bg1"/>
+                  </a:solidFill>
+                  <a:latin typeface="Microsoft JhengHei" panose="020B0604030504040204" pitchFamily="34" charset="-120"/>
+                  <a:ea typeface="Microsoft JhengHei" panose="020B0604030504040204" pitchFamily="34" charset="-120"/>
+                </a:rPr>
+                <a:t>BigML Server : </a:t>
+              </a:r>
+            </a:p>
+            <a:p>
+              <a:pPr algn="ctr"/>
+              <a:r>
+                <a:rPr kumimoji="1" lang="en-US" altLang="zh-TW" sz="2000" dirty="0">
+                  <a:solidFill>
+                    <a:schemeClr val="bg1"/>
+                  </a:solidFill>
+                  <a:latin typeface="Microsoft JhengHei" panose="020B0604030504040204" pitchFamily="34" charset="-120"/>
+                  <a:ea typeface="Microsoft JhengHei" panose="020B0604030504040204" pitchFamily="34" charset="-120"/>
+                </a:rPr>
+                <a:t>Available for prediction</a:t>
+              </a:r>
+            </a:p>
+          </p:txBody>
+        </p:sp>
+        <p:sp>
+          <p:nvSpPr>
+            <p:cNvPr id="22" name="向下箭號 21">
+              <a:extLst>
+                <a:ext uri="{FF2B5EF4-FFF2-40B4-BE49-F238E27FC236}">
+                  <a16:creationId xmlns:a16="http://schemas.microsoft.com/office/drawing/2014/main" id="{0F8DE2E6-1B71-A54D-92CC-42FD0B41B360}"/>
+                </a:ext>
+              </a:extLst>
+            </p:cNvPr>
+            <p:cNvSpPr/>
+            <p:nvPr/>
+          </p:nvSpPr>
+          <p:spPr>
+            <a:xfrm>
+              <a:off x="5077890" y="25515957"/>
+              <a:ext cx="1338107" cy="479109"/>
+            </a:xfrm>
+            <a:prstGeom prst="downArrow">
+              <a:avLst/>
+            </a:prstGeom>
+            <a:solidFill>
+              <a:schemeClr val="tx2">
+                <a:lumMod val="75000"/>
+              </a:schemeClr>
+            </a:solidFill>
+          </p:spPr>
+          <p:style>
+            <a:lnRef idx="2">
+              <a:schemeClr val="accent1">
+                <a:shade val="50000"/>
+              </a:schemeClr>
+            </a:lnRef>
+            <a:fillRef idx="1">
+              <a:schemeClr val="accent1"/>
+            </a:fillRef>
+            <a:effectRef idx="0">
+              <a:schemeClr val="accent1"/>
+            </a:effectRef>
+            <a:fontRef idx="minor">
+              <a:schemeClr val="lt1"/>
+            </a:fontRef>
+          </p:style>
+          <p:txBody>
+            <a:bodyPr rtlCol="0" anchor="ctr"/>
+            <a:lstStyle/>
+            <a:p>
+              <a:pPr algn="ctr"/>
+              <a:endParaRPr kumimoji="1" lang="zh-TW" altLang="en-US" sz="1200" dirty="0"/>
+            </a:p>
+          </p:txBody>
+        </p:sp>
+        <p:sp>
+          <p:nvSpPr>
+            <p:cNvPr id="23" name="圓角矩形 22">
+              <a:extLst>
+                <a:ext uri="{FF2B5EF4-FFF2-40B4-BE49-F238E27FC236}">
+                  <a16:creationId xmlns:a16="http://schemas.microsoft.com/office/drawing/2014/main" id="{76755201-5237-B444-866E-41D89F55A754}"/>
+                </a:ext>
+              </a:extLst>
+            </p:cNvPr>
+            <p:cNvSpPr/>
+            <p:nvPr/>
+          </p:nvSpPr>
+          <p:spPr>
+            <a:xfrm>
+              <a:off x="2766070" y="27429677"/>
+              <a:ext cx="5903576" cy="908288"/>
+            </a:xfrm>
+            <a:prstGeom prst="roundRect">
+              <a:avLst/>
+            </a:prstGeom>
+            <a:solidFill>
+              <a:schemeClr val="accent1"/>
+            </a:solidFill>
+          </p:spPr>
+          <p:style>
+            <a:lnRef idx="2">
+              <a:schemeClr val="accent1">
+                <a:shade val="50000"/>
+              </a:schemeClr>
+            </a:lnRef>
+            <a:fillRef idx="1">
+              <a:schemeClr val="accent1"/>
+            </a:fillRef>
+            <a:effectRef idx="0">
+              <a:schemeClr val="accent1"/>
+            </a:effectRef>
+            <a:fontRef idx="minor">
+              <a:schemeClr val="lt1"/>
+            </a:fontRef>
+          </p:style>
+          <p:txBody>
+            <a:bodyPr rtlCol="0" anchor="ctr"/>
+            <a:lstStyle/>
+            <a:p>
+              <a:pPr algn="ctr"/>
+              <a:r>
+                <a:rPr kumimoji="1" lang="en-US" altLang="zh-TW" sz="2000" b="1" u="sng" dirty="0">
+                  <a:solidFill>
+                    <a:schemeClr val="bg1"/>
+                  </a:solidFill>
+                  <a:latin typeface="Microsoft JhengHei" panose="020B0604030504040204" pitchFamily="34" charset="-120"/>
+                  <a:ea typeface="Microsoft JhengHei" panose="020B0604030504040204" pitchFamily="34" charset="-120"/>
+                </a:rPr>
+                <a:t>Target Model</a:t>
+              </a:r>
+              <a:r>
+                <a:rPr kumimoji="1" lang="en-US" altLang="zh-TW" sz="2000" b="1" dirty="0">
+                  <a:solidFill>
+                    <a:schemeClr val="bg1"/>
+                  </a:solidFill>
+                  <a:latin typeface="Microsoft JhengHei" panose="020B0604030504040204" pitchFamily="34" charset="-120"/>
+                  <a:ea typeface="Microsoft JhengHei" panose="020B0604030504040204" pitchFamily="34" charset="-120"/>
+                </a:rPr>
+                <a:t> </a:t>
+              </a:r>
+              <a:r>
+                <a:rPr kumimoji="1" lang="en-US" altLang="zh-TW" sz="2000" dirty="0">
+                  <a:solidFill>
+                    <a:schemeClr val="bg1"/>
+                  </a:solidFill>
+                  <a:latin typeface="Microsoft JhengHei" panose="020B0604030504040204" pitchFamily="34" charset="-120"/>
+                  <a:ea typeface="Microsoft JhengHei" panose="020B0604030504040204" pitchFamily="34" charset="-120"/>
+                </a:rPr>
+                <a:t>Available</a:t>
+              </a:r>
+              <a:endParaRPr kumimoji="1" lang="zh-TW" altLang="en-US" sz="2000" dirty="0">
                 <a:solidFill>
                   <a:schemeClr val="bg1"/>
                 </a:solidFill>
@@ -6308,32 +6926,27 @@
           <a:bodyPr/>
           <a:lstStyle/>
           <a:p>
-            <a:endParaRPr kumimoji="1" lang="zh-TW" altLang="en-US"/>
-          </a:p>
-        </p:txBody>
-      </p:sp>
-      <p:sp>
-        <p:nvSpPr>
-          <p:cNvPr id="3" name="內容版面配置區 2">
-            <a:extLst>
-              <a:ext uri="{FF2B5EF4-FFF2-40B4-BE49-F238E27FC236}">
-                <a16:creationId xmlns:a16="http://schemas.microsoft.com/office/drawing/2014/main" id="{6913851D-7C07-584C-81EC-9AA192D7BC7F}"/>
-              </a:ext>
-            </a:extLst>
-          </p:cNvPr>
-          <p:cNvSpPr>
-            <a:spLocks noGrp="1"/>
-          </p:cNvSpPr>
-          <p:nvPr>
-            <p:ph idx="1"/>
-          </p:nvPr>
-        </p:nvSpPr>
-        <p:spPr/>
-        <p:txBody>
-          <a:bodyPr/>
-          <a:lstStyle/>
-          <a:p>
-            <a:endParaRPr kumimoji="1" lang="zh-TW" altLang="en-US"/>
+            <a:r>
+              <a:rPr kumimoji="1" lang="en-US" altLang="zh-TW" b="1" u="sng" dirty="0"/>
+              <a:t>Copy Model</a:t>
+            </a:r>
+            <a:r>
+              <a:rPr kumimoji="1" lang="en-US" altLang="zh-TW" dirty="0"/>
+              <a:t> </a:t>
+            </a:r>
+            <a:r>
+              <a:rPr kumimoji="1" lang="zh-TW" altLang="en-US" dirty="0"/>
+              <a:t> </a:t>
+            </a:r>
+            <a:r>
+              <a:rPr kumimoji="1" lang="en-US" altLang="zh-TW" dirty="0"/>
+              <a:t>VS  </a:t>
+            </a:r>
+            <a:r>
+              <a:rPr kumimoji="1" lang="en-US" altLang="zh-TW" b="1" u="sng" dirty="0"/>
+              <a:t>Control Model</a:t>
+            </a:r>
+            <a:endParaRPr kumimoji="1" lang="zh-TW" altLang="en-US" b="1" u="sng" dirty="0"/>
           </a:p>
         </p:txBody>
       </p:sp>
@@ -6351,10 +6964,10 @@
         </p:nvGrpSpPr>
         <p:grpSpPr>
           <a:xfrm>
-            <a:off x="2917998" y="609600"/>
-            <a:ext cx="6772167" cy="5966100"/>
-            <a:chOff x="12180790" y="11483745"/>
-            <a:chExt cx="8684076" cy="7650442"/>
+            <a:off x="1495599" y="1626048"/>
+            <a:ext cx="7377469" cy="5059131"/>
+            <a:chOff x="12180790" y="11192034"/>
+            <a:chExt cx="8684076" cy="7942153"/>
           </a:xfrm>
         </p:grpSpPr>
         <p:sp>
@@ -6501,8 +7114,8 @@
           </p:nvSpPr>
           <p:spPr>
             <a:xfrm>
-              <a:off x="12598169" y="11483745"/>
-              <a:ext cx="7978042" cy="592002"/>
+              <a:off x="12274636" y="11192034"/>
+              <a:ext cx="8499008" cy="821385"/>
             </a:xfrm>
             <a:prstGeom prst="rect">
               <a:avLst/>
@@ -6516,23 +7129,23 @@
             <a:lstStyle/>
             <a:p>
               <a:r>
-                <a:rPr kumimoji="1" lang="en-US" altLang="zh-CN" sz="2400" dirty="0"/>
+                <a:rPr kumimoji="1" lang="en-US" altLang="zh-CN" sz="2800" dirty="0"/>
                 <a:t>( </a:t>
               </a:r>
               <a:r>
-                <a:rPr kumimoji="1" lang="en-US" altLang="zh-CN" sz="2400" b="1" dirty="0" err="1"/>
+                <a:rPr kumimoji="1" lang="en-US" altLang="zh-CN" sz="2800" b="1" dirty="0" err="1"/>
                 <a:t>X_copy_testing</a:t>
               </a:r>
               <a:r>
-                <a:rPr kumimoji="1" lang="en-US" altLang="zh-CN" sz="2400" dirty="0"/>
+                <a:rPr kumimoji="1" lang="en-US" altLang="zh-CN" sz="2800" dirty="0"/>
                 <a:t>, </a:t>
               </a:r>
               <a:r>
-                <a:rPr kumimoji="1" lang="en-US" altLang="zh-CN" sz="2400" b="1" dirty="0"/>
+                <a:rPr kumimoji="1" lang="en-US" altLang="zh-CN" sz="2800" b="1" dirty="0"/>
                 <a:t>Y_copy_training_label</a:t>
               </a:r>
               <a:r>
-                <a:rPr kumimoji="1" lang="en-US" altLang="zh-CN" sz="2400" dirty="0"/>
+                <a:rPr kumimoji="1" lang="en-US" altLang="zh-CN" sz="2800" dirty="0"/>
                 <a:t> )</a:t>
               </a:r>
             </a:p>
@@ -7396,7 +8009,15 @@
           <a:bodyPr/>
           <a:lstStyle/>
           <a:p>
-            <a:endParaRPr kumimoji="1" lang="zh-TW" altLang="en-US"/>
+            <a:r>
+              <a:rPr kumimoji="1" lang="zh-CN" altLang="en-US" dirty="0"/>
+              <a:t>改變參數偷取</a:t>
+            </a:r>
+            <a:r>
+              <a:rPr kumimoji="1" lang="en-US" altLang="zh-CN" dirty="0"/>
+              <a:t> Model</a:t>
+            </a:r>
+            <a:endParaRPr kumimoji="1" lang="zh-TW" altLang="en-US" dirty="0"/>
           </a:p>
         </p:txBody>
       </p:sp>
@@ -7439,8 +8060,8 @@
         </p:nvGrpSpPr>
         <p:grpSpPr>
           <a:xfrm>
-            <a:off x="2214105" y="1413404"/>
-            <a:ext cx="7059897" cy="5444596"/>
+            <a:off x="1465124" y="1779829"/>
+            <a:ext cx="8280398" cy="4965627"/>
             <a:chOff x="14526124" y="7242222"/>
             <a:chExt cx="8387863" cy="6468724"/>
           </a:xfrm>
@@ -7496,65 +8117,65 @@
             <a:p>
               <a:pPr algn="ctr"/>
               <a:r>
-                <a:rPr lang="en-US" altLang="zh-TW" sz="1400" dirty="0"/>
+                <a:rPr lang="en-US" altLang="zh-TW" sz="1600" dirty="0"/>
                 <a:t>Training Data</a:t>
               </a:r>
             </a:p>
             <a:p>
               <a:pPr algn="ctr"/>
               <a:r>
-                <a:rPr lang="en-US" altLang="zh-TW" sz="1400" dirty="0"/>
+                <a:rPr lang="en-US" altLang="zh-TW" sz="1600" dirty="0"/>
                 <a:t>Size : 100</a:t>
               </a:r>
               <a:r>
-                <a:rPr lang="zh-TW" altLang="en-US" sz="1400" dirty="0"/>
+                <a:rPr lang="zh-TW" altLang="en-US" sz="1600" dirty="0"/>
                 <a:t>、</a:t>
               </a:r>
               <a:r>
-                <a:rPr lang="en-US" altLang="zh-TW" sz="1400" dirty="0"/>
+                <a:rPr lang="en-US" altLang="zh-TW" sz="1600" dirty="0"/>
                 <a:t>200</a:t>
               </a:r>
               <a:r>
-                <a:rPr lang="zh-TW" altLang="en-US" sz="1400" dirty="0"/>
+                <a:rPr lang="zh-TW" altLang="en-US" sz="1600" dirty="0"/>
                 <a:t>、</a:t>
               </a:r>
               <a:r>
-                <a:rPr lang="en-US" altLang="zh-TW" sz="1400" dirty="0"/>
+                <a:rPr lang="en-US" altLang="zh-TW" sz="1600" dirty="0"/>
                 <a:t>500</a:t>
               </a:r>
               <a:r>
-                <a:rPr lang="zh-TW" altLang="en-US" sz="1400" dirty="0"/>
+                <a:rPr lang="zh-TW" altLang="en-US" sz="1600" dirty="0"/>
                 <a:t>、</a:t>
               </a:r>
               <a:r>
-                <a:rPr lang="en-US" altLang="zh-TW" sz="1400" dirty="0"/>
+                <a:rPr lang="en-US" altLang="zh-TW" sz="1600" dirty="0"/>
                 <a:t>1000</a:t>
               </a:r>
               <a:r>
-                <a:rPr lang="zh-TW" altLang="en-US" sz="1400" dirty="0"/>
+                <a:rPr lang="zh-TW" altLang="en-US" sz="1600" dirty="0"/>
                 <a:t>、</a:t>
               </a:r>
               <a:r>
-                <a:rPr lang="en-US" altLang="zh-TW" sz="1400" dirty="0"/>
+                <a:rPr lang="en-US" altLang="zh-TW" sz="1600" dirty="0"/>
                 <a:t>2000</a:t>
               </a:r>
               <a:r>
-                <a:rPr lang="zh-TW" altLang="en-US" sz="1400" dirty="0"/>
+                <a:rPr lang="zh-TW" altLang="en-US" sz="1600" dirty="0"/>
                 <a:t>、</a:t>
               </a:r>
               <a:r>
-                <a:rPr lang="en-US" altLang="zh-TW" sz="1400" dirty="0"/>
+                <a:rPr lang="en-US" altLang="zh-TW" sz="1600" dirty="0"/>
                 <a:t>5000</a:t>
               </a:r>
               <a:r>
-                <a:rPr lang="zh-TW" altLang="en-US" sz="1400" dirty="0"/>
+                <a:rPr lang="zh-TW" altLang="en-US" sz="1600" dirty="0"/>
                 <a:t>、</a:t>
               </a:r>
               <a:r>
-                <a:rPr lang="en-US" altLang="zh-TW" sz="1400" dirty="0"/>
+                <a:rPr lang="en-US" altLang="zh-TW" sz="1600" dirty="0"/>
                 <a:t>7000</a:t>
               </a:r>
-              <a:endParaRPr lang="zh-TW" altLang="en-US" sz="1400" dirty="0"/>
+              <a:endParaRPr lang="zh-TW" altLang="en-US" sz="1600" dirty="0"/>
             </a:p>
           </p:txBody>
         </p:sp>
@@ -7621,19 +8242,19 @@
               <a:p>
                 <a:pPr algn="ctr"/>
                 <a:r>
-                  <a:rPr lang="en-US" altLang="zh-TW" sz="1600" dirty="0"/>
+                  <a:rPr lang="en-US" altLang="zh-TW" dirty="0"/>
                   <a:t>Fully-Connected</a:t>
                 </a:r>
                 <a:r>
-                  <a:rPr lang="zh-TW" altLang="en-US" sz="1600" dirty="0"/>
+                  <a:rPr lang="zh-TW" altLang="en-US" dirty="0"/>
                   <a:t>（</a:t>
                 </a:r>
                 <a:r>
-                  <a:rPr lang="en-US" altLang="zh-TW" sz="1600" dirty="0"/>
+                  <a:rPr lang="en-US" altLang="zh-TW" dirty="0"/>
                   <a:t>784x100</a:t>
                 </a:r>
                 <a:r>
-                  <a:rPr lang="zh-TW" altLang="en-US" sz="1600" dirty="0"/>
+                  <a:rPr lang="zh-TW" altLang="en-US" dirty="0"/>
                   <a:t>）</a:t>
                 </a:r>
               </a:p>
@@ -7682,19 +8303,19 @@
               <a:p>
                 <a:pPr algn="ctr"/>
                 <a:r>
-                  <a:rPr lang="en-US" altLang="zh-TW" sz="1600" dirty="0"/>
+                  <a:rPr lang="en-US" altLang="zh-TW" dirty="0"/>
                   <a:t>Fully-Connected</a:t>
                 </a:r>
                 <a:r>
-                  <a:rPr lang="zh-TW" altLang="en-US" sz="1600" dirty="0"/>
+                  <a:rPr lang="zh-TW" altLang="en-US" dirty="0"/>
                   <a:t>（</a:t>
                 </a:r>
                 <a:r>
-                  <a:rPr lang="en-US" altLang="zh-TW" sz="1600" dirty="0"/>
+                  <a:rPr lang="en-US" altLang="zh-TW" dirty="0"/>
                   <a:t>100x100</a:t>
                 </a:r>
                 <a:r>
-                  <a:rPr lang="zh-TW" altLang="en-US" sz="1600" dirty="0"/>
+                  <a:rPr lang="zh-TW" altLang="en-US" dirty="0"/>
                   <a:t>）</a:t>
                 </a:r>
               </a:p>
@@ -7743,19 +8364,19 @@
               <a:p>
                 <a:pPr algn="ctr"/>
                 <a:r>
-                  <a:rPr lang="en-US" altLang="zh-TW" sz="1600" dirty="0"/>
+                  <a:rPr lang="en-US" altLang="zh-TW" dirty="0"/>
                   <a:t>Fully-Connected</a:t>
                 </a:r>
                 <a:r>
-                  <a:rPr lang="zh-TW" altLang="en-US" sz="1600" dirty="0"/>
+                  <a:rPr lang="zh-TW" altLang="en-US" dirty="0"/>
                   <a:t>（</a:t>
                 </a:r>
                 <a:r>
-                  <a:rPr lang="en-US" altLang="zh-TW" sz="1600" dirty="0"/>
+                  <a:rPr lang="en-US" altLang="zh-TW" dirty="0"/>
                   <a:t>100x10</a:t>
                 </a:r>
                 <a:r>
-                  <a:rPr lang="zh-TW" altLang="en-US" sz="1600" dirty="0"/>
+                  <a:rPr lang="zh-TW" altLang="en-US" dirty="0"/>
                   <a:t>）</a:t>
                 </a:r>
               </a:p>
@@ -7804,10 +8425,10 @@
               <a:p>
                 <a:pPr algn="ctr"/>
                 <a:r>
-                  <a:rPr lang="en-US" altLang="zh-TW" sz="1600" dirty="0" err="1"/>
+                  <a:rPr lang="en-US" altLang="zh-TW" dirty="0" err="1"/>
                   <a:t>ReLU</a:t>
                 </a:r>
-                <a:endParaRPr lang="zh-TW" altLang="en-US" sz="1200" dirty="0"/>
+                <a:endParaRPr lang="zh-TW" altLang="en-US" sz="1400" dirty="0"/>
               </a:p>
             </p:txBody>
           </p:sp>
@@ -7854,10 +8475,10 @@
               <a:p>
                 <a:pPr algn="ctr"/>
                 <a:r>
-                  <a:rPr lang="en-US" altLang="zh-TW" sz="1600" dirty="0" err="1"/>
+                  <a:rPr lang="en-US" altLang="zh-TW" dirty="0" err="1"/>
                   <a:t>ReLU</a:t>
                 </a:r>
-                <a:endParaRPr lang="zh-TW" altLang="en-US" sz="1600" dirty="0"/>
+                <a:endParaRPr lang="zh-TW" altLang="en-US" dirty="0"/>
               </a:p>
             </p:txBody>
           </p:sp>
@@ -7904,10 +8525,10 @@
               <a:p>
                 <a:pPr algn="ctr"/>
                 <a:r>
-                  <a:rPr lang="en-US" altLang="zh-TW" sz="1600" dirty="0" err="1"/>
+                  <a:rPr lang="en-US" altLang="zh-TW" dirty="0" err="1"/>
                   <a:t>Softmax</a:t>
                 </a:r>
-                <a:endParaRPr lang="zh-TW" altLang="en-US" sz="1600" dirty="0"/>
+                <a:endParaRPr lang="zh-TW" altLang="en-US" dirty="0"/>
               </a:p>
             </p:txBody>
           </p:sp>
@@ -7953,7 +8574,7 @@
               <a:lstStyle/>
               <a:p>
                 <a:pPr algn="ctr"/>
-                <a:endParaRPr lang="zh-TW" altLang="en-US" sz="1200"/>
+                <a:endParaRPr lang="zh-TW" altLang="en-US" sz="1400"/>
               </a:p>
             </p:txBody>
           </p:sp>
@@ -7999,7 +8620,7 @@
               <a:lstStyle/>
               <a:p>
                 <a:pPr algn="ctr"/>
-                <a:endParaRPr lang="zh-TW" altLang="en-US" sz="1200"/>
+                <a:endParaRPr lang="zh-TW" altLang="en-US" sz="1400"/>
               </a:p>
             </p:txBody>
           </p:sp>
@@ -8045,7 +8666,7 @@
               <a:lstStyle/>
               <a:p>
                 <a:pPr algn="ctr"/>
-                <a:endParaRPr lang="zh-TW" altLang="en-US" sz="1200"/>
+                <a:endParaRPr lang="zh-TW" altLang="en-US" sz="1400"/>
               </a:p>
             </p:txBody>
           </p:sp>
@@ -8091,7 +8712,7 @@
               <a:lstStyle/>
               <a:p>
                 <a:pPr algn="ctr"/>
-                <a:endParaRPr lang="zh-TW" altLang="en-US" sz="1200"/>
+                <a:endParaRPr lang="zh-TW" altLang="en-US" sz="1400"/>
               </a:p>
             </p:txBody>
           </p:sp>
@@ -8139,7 +8760,7 @@
               <a:lstStyle/>
               <a:p>
                 <a:pPr algn="ctr"/>
-                <a:endParaRPr lang="zh-TW" altLang="en-US" sz="1200">
+                <a:endParaRPr lang="zh-TW" altLang="en-US" sz="1400">
                   <a:solidFill>
                     <a:schemeClr val="tx1"/>
                   </a:solidFill>
@@ -8162,7 +8783,7 @@
             <p:spPr>
               <a:xfrm>
                 <a:off x="1345223" y="947479"/>
-                <a:ext cx="975500" cy="438803"/>
+                <a:ext cx="1004984" cy="521223"/>
               </a:xfrm>
               <a:prstGeom prst="rect">
                 <a:avLst/>
@@ -8176,10 +8797,10 @@
               <a:lstStyle/>
               <a:p>
                 <a:r>
-                  <a:rPr lang="en-US" altLang="zh-TW" b="1" dirty="0"/>
+                  <a:rPr lang="en-US" altLang="zh-TW" sz="2000" b="1" dirty="0"/>
                   <a:t>Model</a:t>
                 </a:r>
-                <a:endParaRPr lang="zh-TW" altLang="en-US" sz="1200" b="1" dirty="0"/>
+                <a:endParaRPr lang="zh-TW" altLang="en-US" sz="1400" b="1" dirty="0"/>
               </a:p>
             </p:txBody>
           </p:sp>
@@ -8225,7 +8846,7 @@
               <a:lstStyle/>
               <a:p>
                 <a:pPr algn="ctr"/>
-                <a:endParaRPr lang="zh-TW" altLang="en-US" sz="1200"/>
+                <a:endParaRPr lang="zh-TW" altLang="en-US" sz="1400"/>
               </a:p>
             </p:txBody>
           </p:sp>
@@ -8277,7 +8898,7 @@
             <a:lstStyle/>
             <a:p>
               <a:pPr algn="ctr"/>
-              <a:endParaRPr lang="zh-TW" altLang="en-US" sz="1200"/>
+              <a:endParaRPr lang="zh-TW" altLang="en-US" sz="1400"/>
             </a:p>
           </p:txBody>
         </p:sp>
@@ -8324,25 +8945,25 @@
             <a:p>
               <a:pPr algn="ctr"/>
               <a:r>
-                <a:rPr lang="en-US" altLang="zh-TW" sz="1600" dirty="0"/>
+                <a:rPr lang="en-US" altLang="zh-TW" dirty="0"/>
                 <a:t>Control Model :</a:t>
               </a:r>
               <a:r>
-                <a:rPr lang="zh-TW" altLang="en-US" sz="1600" dirty="0"/>
+                <a:rPr lang="zh-TW" altLang="en-US" dirty="0"/>
                 <a:t> </a:t>
               </a:r>
               <a:r>
-                <a:rPr lang="en-US" altLang="zh-TW" sz="1600" dirty="0"/>
+                <a:rPr lang="en-US" altLang="zh-TW" dirty="0"/>
                 <a:t>label of each data</a:t>
               </a:r>
             </a:p>
             <a:p>
               <a:pPr algn="ctr"/>
               <a:r>
-                <a:rPr lang="en-US" altLang="zh-TW" sz="1600" dirty="0"/>
+                <a:rPr lang="en-US" altLang="zh-TW" dirty="0"/>
                 <a:t>Copy Model : probability of each data given by target model</a:t>
               </a:r>
-              <a:endParaRPr lang="zh-TW" altLang="en-US" sz="1600" dirty="0"/>
+              <a:endParaRPr lang="zh-TW" altLang="en-US" dirty="0"/>
             </a:p>
           </p:txBody>
         </p:sp>
@@ -8389,41 +9010,41 @@
             <a:p>
               <a:pPr algn="ctr"/>
               <a:r>
-                <a:rPr lang="en-US" altLang="zh-TW" sz="2800" dirty="0"/>
+                <a:rPr lang="en-US" altLang="zh-TW" sz="3200" dirty="0"/>
                 <a:t>Loss function</a:t>
               </a:r>
             </a:p>
             <a:p>
               <a:pPr algn="ctr"/>
               <a:r>
-                <a:rPr lang="en-US" altLang="zh-TW" sz="1400" dirty="0"/>
+                <a:rPr lang="en-US" altLang="zh-TW" sz="1600" dirty="0"/>
                 <a:t>Control Model : </a:t>
               </a:r>
               <a:r>
-                <a:rPr lang="en-US" altLang="zh-TW" sz="1400" dirty="0" err="1"/>
+                <a:rPr lang="en-US" altLang="zh-TW" sz="1600" dirty="0" err="1"/>
                 <a:t>CorssEntropy</a:t>
               </a:r>
-              <a:endParaRPr lang="en-US" altLang="zh-TW" sz="1400" dirty="0"/>
+              <a:endParaRPr lang="en-US" altLang="zh-TW" sz="1600" dirty="0"/>
             </a:p>
             <a:p>
               <a:pPr algn="ctr"/>
               <a:r>
-                <a:rPr lang="en-US" altLang="zh-TW" sz="1400" dirty="0"/>
+                <a:rPr lang="en-US" altLang="zh-TW" sz="1600" dirty="0"/>
                 <a:t>Copy Model : </a:t>
               </a:r>
               <a:r>
-                <a:rPr lang="en-US" altLang="zh-TW" sz="1400" dirty="0" err="1"/>
+                <a:rPr lang="en-US" altLang="zh-TW" sz="1600" dirty="0" err="1"/>
                 <a:t>BCEloss</a:t>
               </a:r>
               <a:r>
-                <a:rPr lang="en-US" altLang="zh-TW" sz="1400" dirty="0"/>
+                <a:rPr lang="en-US" altLang="zh-TW" sz="1600" dirty="0"/>
                 <a:t>, </a:t>
               </a:r>
               <a:r>
-                <a:rPr lang="en-US" altLang="zh-TW" sz="1400" dirty="0" err="1"/>
+                <a:rPr lang="en-US" altLang="zh-TW" sz="1600" dirty="0" err="1"/>
                 <a:t>MSELoss</a:t>
               </a:r>
-              <a:endParaRPr lang="zh-TW" altLang="en-US" sz="1400" dirty="0"/>
+              <a:endParaRPr lang="zh-TW" altLang="en-US" sz="1600" dirty="0"/>
             </a:p>
           </p:txBody>
         </p:sp>
@@ -8475,7 +9096,7 @@
             <a:lstStyle/>
             <a:p>
               <a:pPr algn="ctr"/>
-              <a:endParaRPr lang="zh-TW" altLang="en-US" sz="1200">
+              <a:endParaRPr lang="zh-TW" altLang="en-US" sz="1400">
                 <a:solidFill>
                   <a:schemeClr val="tx1"/>
                 </a:solidFill>
@@ -8530,7 +9151,7 @@
             <a:lstStyle/>
             <a:p>
               <a:pPr algn="ctr"/>
-              <a:endParaRPr lang="zh-TW" altLang="en-US" sz="1200"/>
+              <a:endParaRPr lang="zh-TW" altLang="en-US" sz="1400"/>
             </a:p>
           </p:txBody>
         </p:sp>
@@ -8577,25 +9198,25 @@
             <a:p>
               <a:pPr algn="ctr"/>
               <a:r>
-                <a:rPr lang="en-US" altLang="zh-TW" sz="2800" dirty="0" err="1"/>
+                <a:rPr lang="en-US" altLang="zh-TW" sz="3200" dirty="0" err="1"/>
                 <a:t>Optimizar</a:t>
               </a:r>
-              <a:endParaRPr lang="en-US" altLang="zh-TW" sz="2800" dirty="0"/>
+              <a:endParaRPr lang="en-US" altLang="zh-TW" sz="3200" dirty="0"/>
             </a:p>
             <a:p>
               <a:pPr algn="ctr"/>
               <a:r>
-                <a:rPr lang="en-US" altLang="zh-TW" sz="1400" dirty="0"/>
+                <a:rPr lang="en-US" altLang="zh-TW" sz="1600" dirty="0"/>
                 <a:t>Adam</a:t>
               </a:r>
             </a:p>
             <a:p>
               <a:pPr algn="ctr"/>
               <a:r>
-                <a:rPr lang="en-US" altLang="zh-TW" sz="1400" dirty="0"/>
+                <a:rPr lang="en-US" altLang="zh-TW" sz="1600" dirty="0"/>
                 <a:t>Learning rate : 1e-5, 5e-5, 1e-4</a:t>
               </a:r>
-              <a:endParaRPr lang="zh-TW" altLang="en-US" sz="1400" dirty="0"/>
+              <a:endParaRPr lang="zh-TW" altLang="en-US" sz="1600" dirty="0"/>
             </a:p>
           </p:txBody>
         </p:sp>
@@ -8646,7 +9267,7 @@
             <a:lstStyle/>
             <a:p>
               <a:pPr algn="ctr"/>
-              <a:endParaRPr lang="zh-TW" altLang="en-US" sz="1200"/>
+              <a:endParaRPr lang="zh-TW" altLang="en-US" sz="1400"/>
             </a:p>
           </p:txBody>
         </p:sp>
@@ -8665,7 +9286,7 @@
           <p:spPr>
             <a:xfrm>
               <a:off x="21528101" y="9854627"/>
-              <a:ext cx="762192" cy="438803"/>
+              <a:ext cx="779530" cy="521223"/>
             </a:xfrm>
             <a:prstGeom prst="rect">
               <a:avLst/>
@@ -8679,10 +9300,10 @@
             <a:lstStyle/>
             <a:p>
               <a:r>
-                <a:rPr lang="en-US" altLang="zh-TW" b="1" dirty="0"/>
+                <a:rPr lang="en-US" altLang="zh-TW" sz="2000" b="1" dirty="0"/>
                 <a:t>Loss</a:t>
               </a:r>
-              <a:endParaRPr lang="zh-TW" altLang="en-US" sz="1200" b="1" dirty="0"/>
+              <a:endParaRPr lang="zh-TW" altLang="en-US" sz="1400" b="1" dirty="0"/>
             </a:p>
           </p:txBody>
         </p:sp>
@@ -8733,7 +9354,7 @@
             <a:lstStyle/>
             <a:p>
               <a:pPr algn="ctr"/>
-              <a:endParaRPr lang="zh-TW" altLang="en-US" sz="1200"/>
+              <a:endParaRPr lang="zh-TW" altLang="en-US" sz="1400"/>
             </a:p>
           </p:txBody>
         </p:sp>
@@ -8751,8 +9372,8 @@
           </p:nvSpPr>
           <p:spPr>
             <a:xfrm>
-              <a:off x="18163507" y="9396702"/>
-              <a:ext cx="1748738" cy="767906"/>
+              <a:off x="18130467" y="9396702"/>
+              <a:ext cx="1814816" cy="922163"/>
             </a:xfrm>
             <a:prstGeom prst="rect">
               <a:avLst/>
@@ -8767,17 +9388,17 @@
             <a:p>
               <a:pPr algn="ctr"/>
               <a:r>
-                <a:rPr lang="en-US" altLang="zh-TW" b="1" dirty="0"/>
+                <a:rPr lang="en-US" altLang="zh-TW" sz="2000" b="1" dirty="0"/>
                 <a:t>Back </a:t>
               </a:r>
             </a:p>
             <a:p>
               <a:pPr algn="ctr"/>
               <a:r>
-                <a:rPr lang="en-US" altLang="zh-TW" b="1" dirty="0"/>
+                <a:rPr lang="en-US" altLang="zh-TW" sz="2000" b="1" dirty="0"/>
                 <a:t>propagation</a:t>
               </a:r>
-              <a:endParaRPr lang="zh-TW" altLang="en-US" sz="1200" b="1" dirty="0"/>
+              <a:endParaRPr lang="zh-TW" altLang="en-US" sz="1400" b="1" dirty="0"/>
             </a:p>
           </p:txBody>
         </p:sp>
@@ -8833,7 +9454,10 @@
           <a:bodyPr/>
           <a:lstStyle/>
           <a:p>
-            <a:endParaRPr kumimoji="1" lang="zh-TW" altLang="en-US"/>
+            <a:r>
+              <a:rPr kumimoji="1" lang="zh-TW" altLang="en-US" dirty="0"/>
+              <a:t>結論</a:t>
+            </a:r>
           </a:p>
         </p:txBody>
       </p:sp>

--- a/final_demo.pptx
+++ b/final_demo.pptx
@@ -6,11 +6,12 @@
   </p:sldMasterIdLst>
   <p:sldIdLst>
     <p:sldId id="256" r:id="rId2"/>
-    <p:sldId id="261" r:id="rId3"/>
-    <p:sldId id="257" r:id="rId4"/>
+    <p:sldId id="262" r:id="rId3"/>
+    <p:sldId id="261" r:id="rId4"/>
     <p:sldId id="258" r:id="rId5"/>
-    <p:sldId id="259" r:id="rId6"/>
-    <p:sldId id="260" r:id="rId7"/>
+    <p:sldId id="257" r:id="rId6"/>
+    <p:sldId id="259" r:id="rId7"/>
+    <p:sldId id="260" r:id="rId8"/>
   </p:sldIdLst>
   <p:sldSz cx="12192000" cy="6858000"/>
   <p:notesSz cx="6858000" cy="9144000"/>
@@ -5846,6 +5847,679 @@
       </p:grpSpPr>
       <p:sp>
         <p:nvSpPr>
+          <p:cNvPr id="2" name="標題 1"/>
+          <p:cNvSpPr>
+            <a:spLocks noGrp="1"/>
+          </p:cNvSpPr>
+          <p:nvPr>
+            <p:ph type="title"/>
+          </p:nvPr>
+        </p:nvSpPr>
+        <p:spPr/>
+        <p:txBody>
+          <a:bodyPr/>
+          <a:lstStyle/>
+          <a:p>
+            <a:r>
+              <a:rPr lang="en-US" altLang="zh-TW" dirty="0" smtClean="0"/>
+              <a:t>Motivation</a:t>
+            </a:r>
+            <a:endParaRPr lang="zh-TW" altLang="en-US" dirty="0"/>
+          </a:p>
+        </p:txBody>
+      </p:sp>
+      <p:graphicFrame>
+        <p:nvGraphicFramePr>
+          <p:cNvPr id="4" name="內容版面配置區 3"/>
+          <p:cNvGraphicFramePr>
+            <a:graphicFrameLocks noGrp="1"/>
+          </p:cNvGraphicFramePr>
+          <p:nvPr>
+            <p:ph idx="1"/>
+            <p:extLst>
+              <p:ext uri="{D42A27DB-BD31-4B8C-83A1-F6EECF244321}">
+                <p14:modId xmlns:p14="http://schemas.microsoft.com/office/powerpoint/2010/main" val="3808945664"/>
+              </p:ext>
+            </p:extLst>
+          </p:nvPr>
+        </p:nvGraphicFramePr>
+        <p:xfrm>
+          <a:off x="263770" y="4815866"/>
+          <a:ext cx="11482752" cy="1188720"/>
+        </p:xfrm>
+        <a:graphic>
+          <a:graphicData uri="http://schemas.openxmlformats.org/drawingml/2006/table">
+            <a:tbl>
+              <a:tblPr firstRow="1" bandRow="1">
+                <a:tableStyleId>{5C22544A-7EE6-4342-B048-85BDC9FD1C3A}</a:tableStyleId>
+              </a:tblPr>
+              <a:tblGrid>
+                <a:gridCol w="1451278">
+                  <a:extLst>
+                    <a:ext uri="{9D8B030D-6E8A-4147-A177-3AD203B41FA5}">
+                      <a16:colId xmlns:a16="http://schemas.microsoft.com/office/drawing/2014/main" val="2407410849"/>
+                    </a:ext>
+                  </a:extLst>
+                </a:gridCol>
+                <a:gridCol w="994322">
+                  <a:extLst>
+                    <a:ext uri="{9D8B030D-6E8A-4147-A177-3AD203B41FA5}">
+                      <a16:colId xmlns:a16="http://schemas.microsoft.com/office/drawing/2014/main" val="3693949230"/>
+                    </a:ext>
+                  </a:extLst>
+                </a:gridCol>
+                <a:gridCol w="1004128">
+                  <a:extLst>
+                    <a:ext uri="{9D8B030D-6E8A-4147-A177-3AD203B41FA5}">
+                      <a16:colId xmlns:a16="http://schemas.microsoft.com/office/drawing/2014/main" val="4243875662"/>
+                    </a:ext>
+                  </a:extLst>
+                </a:gridCol>
+                <a:gridCol w="1004128">
+                  <a:extLst>
+                    <a:ext uri="{9D8B030D-6E8A-4147-A177-3AD203B41FA5}">
+                      <a16:colId xmlns:a16="http://schemas.microsoft.com/office/drawing/2014/main" val="2992120634"/>
+                    </a:ext>
+                  </a:extLst>
+                </a:gridCol>
+                <a:gridCol w="1004128">
+                  <a:extLst>
+                    <a:ext uri="{9D8B030D-6E8A-4147-A177-3AD203B41FA5}">
+                      <a16:colId xmlns:a16="http://schemas.microsoft.com/office/drawing/2014/main" val="1867942492"/>
+                    </a:ext>
+                  </a:extLst>
+                </a:gridCol>
+                <a:gridCol w="1004128">
+                  <a:extLst>
+                    <a:ext uri="{9D8B030D-6E8A-4147-A177-3AD203B41FA5}">
+                      <a16:colId xmlns:a16="http://schemas.microsoft.com/office/drawing/2014/main" val="2452384759"/>
+                    </a:ext>
+                  </a:extLst>
+                </a:gridCol>
+                <a:gridCol w="1004128">
+                  <a:extLst>
+                    <a:ext uri="{9D8B030D-6E8A-4147-A177-3AD203B41FA5}">
+                      <a16:colId xmlns:a16="http://schemas.microsoft.com/office/drawing/2014/main" val="1032808255"/>
+                    </a:ext>
+                  </a:extLst>
+                </a:gridCol>
+                <a:gridCol w="1004128">
+                  <a:extLst>
+                    <a:ext uri="{9D8B030D-6E8A-4147-A177-3AD203B41FA5}">
+                      <a16:colId xmlns:a16="http://schemas.microsoft.com/office/drawing/2014/main" val="1531103223"/>
+                    </a:ext>
+                  </a:extLst>
+                </a:gridCol>
+                <a:gridCol w="1004128">
+                  <a:extLst>
+                    <a:ext uri="{9D8B030D-6E8A-4147-A177-3AD203B41FA5}">
+                      <a16:colId xmlns:a16="http://schemas.microsoft.com/office/drawing/2014/main" val="4182859306"/>
+                    </a:ext>
+                  </a:extLst>
+                </a:gridCol>
+                <a:gridCol w="1004128">
+                  <a:extLst>
+                    <a:ext uri="{9D8B030D-6E8A-4147-A177-3AD203B41FA5}">
+                      <a16:colId xmlns:a16="http://schemas.microsoft.com/office/drawing/2014/main" val="2484112645"/>
+                    </a:ext>
+                  </a:extLst>
+                </a:gridCol>
+                <a:gridCol w="1004128">
+                  <a:extLst>
+                    <a:ext uri="{9D8B030D-6E8A-4147-A177-3AD203B41FA5}">
+                      <a16:colId xmlns:a16="http://schemas.microsoft.com/office/drawing/2014/main" val="1788546447"/>
+                    </a:ext>
+                  </a:extLst>
+                </a:gridCol>
+              </a:tblGrid>
+              <a:tr h="370840">
+                <a:tc>
+                  <a:txBody>
+                    <a:bodyPr/>
+                    <a:lstStyle/>
+                    <a:p>
+                      <a:r>
+                        <a:rPr lang="en-US" altLang="zh-TW" sz="2000" dirty="0" smtClean="0"/>
+                        <a:t>classes</a:t>
+                      </a:r>
+                      <a:endParaRPr lang="zh-TW" altLang="en-US" sz="2000" dirty="0"/>
+                    </a:p>
+                  </a:txBody>
+                  <a:tcPr/>
+                </a:tc>
+                <a:tc>
+                  <a:txBody>
+                    <a:bodyPr/>
+                    <a:lstStyle/>
+                    <a:p>
+                      <a:r>
+                        <a:rPr lang="en-US" altLang="zh-TW" sz="2000" dirty="0" smtClean="0"/>
+                        <a:t>0</a:t>
+                      </a:r>
+                      <a:endParaRPr lang="zh-TW" altLang="en-US" sz="2000" dirty="0"/>
+                    </a:p>
+                  </a:txBody>
+                  <a:tcPr/>
+                </a:tc>
+                <a:tc>
+                  <a:txBody>
+                    <a:bodyPr/>
+                    <a:lstStyle/>
+                    <a:p>
+                      <a:r>
+                        <a:rPr lang="en-US" altLang="zh-TW" sz="2000" dirty="0" smtClean="0"/>
+                        <a:t>1</a:t>
+                      </a:r>
+                      <a:endParaRPr lang="zh-TW" altLang="en-US" sz="2000" dirty="0"/>
+                    </a:p>
+                  </a:txBody>
+                  <a:tcPr/>
+                </a:tc>
+                <a:tc>
+                  <a:txBody>
+                    <a:bodyPr/>
+                    <a:lstStyle/>
+                    <a:p>
+                      <a:r>
+                        <a:rPr lang="en-US" altLang="zh-TW" sz="2000" dirty="0" smtClean="0"/>
+                        <a:t>2</a:t>
+                      </a:r>
+                      <a:endParaRPr lang="zh-TW" altLang="en-US" sz="2000" dirty="0"/>
+                    </a:p>
+                  </a:txBody>
+                  <a:tcPr/>
+                </a:tc>
+                <a:tc>
+                  <a:txBody>
+                    <a:bodyPr/>
+                    <a:lstStyle/>
+                    <a:p>
+                      <a:r>
+                        <a:rPr lang="en-US" altLang="zh-TW" sz="2000" dirty="0" smtClean="0"/>
+                        <a:t>3</a:t>
+                      </a:r>
+                      <a:endParaRPr lang="zh-TW" altLang="en-US" sz="2000" dirty="0"/>
+                    </a:p>
+                  </a:txBody>
+                  <a:tcPr/>
+                </a:tc>
+                <a:tc>
+                  <a:txBody>
+                    <a:bodyPr/>
+                    <a:lstStyle/>
+                    <a:p>
+                      <a:r>
+                        <a:rPr lang="en-US" altLang="zh-TW" sz="2000" dirty="0" smtClean="0"/>
+                        <a:t>4</a:t>
+                      </a:r>
+                      <a:endParaRPr lang="zh-TW" altLang="en-US" sz="2000" dirty="0"/>
+                    </a:p>
+                  </a:txBody>
+                  <a:tcPr/>
+                </a:tc>
+                <a:tc>
+                  <a:txBody>
+                    <a:bodyPr/>
+                    <a:lstStyle/>
+                    <a:p>
+                      <a:r>
+                        <a:rPr lang="en-US" altLang="zh-TW" sz="2000" dirty="0" smtClean="0"/>
+                        <a:t>5</a:t>
+                      </a:r>
+                      <a:endParaRPr lang="zh-TW" altLang="en-US" sz="2000" dirty="0"/>
+                    </a:p>
+                  </a:txBody>
+                  <a:tcPr/>
+                </a:tc>
+                <a:tc>
+                  <a:txBody>
+                    <a:bodyPr/>
+                    <a:lstStyle/>
+                    <a:p>
+                      <a:r>
+                        <a:rPr lang="en-US" altLang="zh-TW" sz="2000" dirty="0" smtClean="0"/>
+                        <a:t>6</a:t>
+                      </a:r>
+                      <a:endParaRPr lang="zh-TW" altLang="en-US" sz="2000" dirty="0"/>
+                    </a:p>
+                  </a:txBody>
+                  <a:tcPr/>
+                </a:tc>
+                <a:tc>
+                  <a:txBody>
+                    <a:bodyPr/>
+                    <a:lstStyle/>
+                    <a:p>
+                      <a:r>
+                        <a:rPr lang="en-US" altLang="zh-TW" sz="2000" dirty="0" smtClean="0"/>
+                        <a:t>7</a:t>
+                      </a:r>
+                      <a:endParaRPr lang="zh-TW" altLang="en-US" sz="2000" dirty="0"/>
+                    </a:p>
+                  </a:txBody>
+                  <a:tcPr/>
+                </a:tc>
+                <a:tc>
+                  <a:txBody>
+                    <a:bodyPr/>
+                    <a:lstStyle/>
+                    <a:p>
+                      <a:r>
+                        <a:rPr lang="en-US" altLang="zh-TW" sz="2000" dirty="0" smtClean="0"/>
+                        <a:t>8</a:t>
+                      </a:r>
+                      <a:endParaRPr lang="zh-TW" altLang="en-US" sz="2000" dirty="0"/>
+                    </a:p>
+                  </a:txBody>
+                  <a:tcPr/>
+                </a:tc>
+                <a:tc>
+                  <a:txBody>
+                    <a:bodyPr/>
+                    <a:lstStyle/>
+                    <a:p>
+                      <a:r>
+                        <a:rPr lang="en-US" altLang="zh-TW" sz="2000" dirty="0" smtClean="0"/>
+                        <a:t>9</a:t>
+                      </a:r>
+                      <a:endParaRPr lang="zh-TW" altLang="en-US" sz="2000" dirty="0"/>
+                    </a:p>
+                  </a:txBody>
+                  <a:tcPr/>
+                </a:tc>
+                <a:extLst>
+                  <a:ext uri="{0D108BD9-81ED-4DB2-BD59-A6C34878D82A}">
+                    <a16:rowId xmlns:a16="http://schemas.microsoft.com/office/drawing/2014/main" val="3494595557"/>
+                  </a:ext>
+                </a:extLst>
+              </a:tr>
+              <a:tr h="370840">
+                <a:tc>
+                  <a:txBody>
+                    <a:bodyPr/>
+                    <a:lstStyle/>
+                    <a:p>
+                      <a:r>
+                        <a:rPr lang="en-US" altLang="zh-TW" sz="2000" dirty="0" smtClean="0"/>
+                        <a:t>label</a:t>
+                      </a:r>
+                      <a:endParaRPr lang="zh-TW" altLang="en-US" sz="2000" dirty="0"/>
+                    </a:p>
+                  </a:txBody>
+                  <a:tcPr/>
+                </a:tc>
+                <a:tc>
+                  <a:txBody>
+                    <a:bodyPr/>
+                    <a:lstStyle/>
+                    <a:p>
+                      <a:r>
+                        <a:rPr lang="en-US" altLang="zh-TW" sz="2000" dirty="0" smtClean="0"/>
+                        <a:t>0</a:t>
+                      </a:r>
+                      <a:endParaRPr lang="zh-TW" altLang="en-US" sz="2000" dirty="0"/>
+                    </a:p>
+                  </a:txBody>
+                  <a:tcPr/>
+                </a:tc>
+                <a:tc>
+                  <a:txBody>
+                    <a:bodyPr/>
+                    <a:lstStyle/>
+                    <a:p>
+                      <a:r>
+                        <a:rPr lang="en-US" altLang="zh-TW" sz="2000" dirty="0" smtClean="0"/>
+                        <a:t>1</a:t>
+                      </a:r>
+                      <a:endParaRPr lang="zh-TW" altLang="en-US" sz="2000" dirty="0"/>
+                    </a:p>
+                  </a:txBody>
+                  <a:tcPr/>
+                </a:tc>
+                <a:tc>
+                  <a:txBody>
+                    <a:bodyPr/>
+                    <a:lstStyle/>
+                    <a:p>
+                      <a:r>
+                        <a:rPr lang="en-US" altLang="zh-TW" sz="2000" dirty="0" smtClean="0"/>
+                        <a:t>0</a:t>
+                      </a:r>
+                      <a:endParaRPr lang="zh-TW" altLang="en-US" sz="2000" dirty="0"/>
+                    </a:p>
+                  </a:txBody>
+                  <a:tcPr/>
+                </a:tc>
+                <a:tc>
+                  <a:txBody>
+                    <a:bodyPr/>
+                    <a:lstStyle/>
+                    <a:p>
+                      <a:r>
+                        <a:rPr lang="en-US" altLang="zh-TW" sz="2000" dirty="0" smtClean="0"/>
+                        <a:t>0</a:t>
+                      </a:r>
+                      <a:endParaRPr lang="zh-TW" altLang="en-US" sz="2000" dirty="0"/>
+                    </a:p>
+                  </a:txBody>
+                  <a:tcPr/>
+                </a:tc>
+                <a:tc>
+                  <a:txBody>
+                    <a:bodyPr/>
+                    <a:lstStyle/>
+                    <a:p>
+                      <a:r>
+                        <a:rPr lang="en-US" altLang="zh-TW" sz="2000" dirty="0" smtClean="0"/>
+                        <a:t>0</a:t>
+                      </a:r>
+                      <a:endParaRPr lang="zh-TW" altLang="en-US" sz="2000" dirty="0"/>
+                    </a:p>
+                  </a:txBody>
+                  <a:tcPr/>
+                </a:tc>
+                <a:tc>
+                  <a:txBody>
+                    <a:bodyPr/>
+                    <a:lstStyle/>
+                    <a:p>
+                      <a:r>
+                        <a:rPr lang="en-US" altLang="zh-TW" sz="2000" dirty="0" smtClean="0"/>
+                        <a:t>0</a:t>
+                      </a:r>
+                      <a:endParaRPr lang="zh-TW" altLang="en-US" sz="2000" dirty="0"/>
+                    </a:p>
+                  </a:txBody>
+                  <a:tcPr/>
+                </a:tc>
+                <a:tc>
+                  <a:txBody>
+                    <a:bodyPr/>
+                    <a:lstStyle/>
+                    <a:p>
+                      <a:r>
+                        <a:rPr lang="en-US" altLang="zh-TW" sz="2000" dirty="0" smtClean="0"/>
+                        <a:t>0</a:t>
+                      </a:r>
+                      <a:endParaRPr lang="zh-TW" altLang="en-US" sz="2000" dirty="0"/>
+                    </a:p>
+                  </a:txBody>
+                  <a:tcPr/>
+                </a:tc>
+                <a:tc>
+                  <a:txBody>
+                    <a:bodyPr/>
+                    <a:lstStyle/>
+                    <a:p>
+                      <a:r>
+                        <a:rPr lang="en-US" altLang="zh-TW" sz="2000" dirty="0" smtClean="0"/>
+                        <a:t>0</a:t>
+                      </a:r>
+                      <a:endParaRPr lang="zh-TW" altLang="en-US" sz="2000" dirty="0"/>
+                    </a:p>
+                  </a:txBody>
+                  <a:tcPr/>
+                </a:tc>
+                <a:tc>
+                  <a:txBody>
+                    <a:bodyPr/>
+                    <a:lstStyle/>
+                    <a:p>
+                      <a:r>
+                        <a:rPr lang="en-US" altLang="zh-TW" sz="2000" dirty="0" smtClean="0"/>
+                        <a:t>0</a:t>
+                      </a:r>
+                      <a:endParaRPr lang="zh-TW" altLang="en-US" sz="2000" dirty="0"/>
+                    </a:p>
+                  </a:txBody>
+                  <a:tcPr/>
+                </a:tc>
+                <a:tc>
+                  <a:txBody>
+                    <a:bodyPr/>
+                    <a:lstStyle/>
+                    <a:p>
+                      <a:r>
+                        <a:rPr lang="en-US" altLang="zh-TW" sz="2000" dirty="0" smtClean="0"/>
+                        <a:t>0</a:t>
+                      </a:r>
+                      <a:endParaRPr lang="zh-TW" altLang="en-US" sz="2000" dirty="0"/>
+                    </a:p>
+                  </a:txBody>
+                  <a:tcPr/>
+                </a:tc>
+                <a:extLst>
+                  <a:ext uri="{0D108BD9-81ED-4DB2-BD59-A6C34878D82A}">
+                    <a16:rowId xmlns:a16="http://schemas.microsoft.com/office/drawing/2014/main" val="1625389951"/>
+                  </a:ext>
+                </a:extLst>
+              </a:tr>
+              <a:tr h="370840">
+                <a:tc>
+                  <a:txBody>
+                    <a:bodyPr/>
+                    <a:lstStyle/>
+                    <a:p>
+                      <a:r>
+                        <a:rPr lang="en-US" altLang="zh-TW" sz="2000" dirty="0" smtClean="0"/>
+                        <a:t>probability</a:t>
+                      </a:r>
+                      <a:endParaRPr lang="zh-TW" altLang="en-US" sz="2000" dirty="0"/>
+                    </a:p>
+                  </a:txBody>
+                  <a:tcPr/>
+                </a:tc>
+                <a:tc>
+                  <a:txBody>
+                    <a:bodyPr/>
+                    <a:lstStyle/>
+                    <a:p>
+                      <a:r>
+                        <a:rPr lang="en-US" altLang="zh-TW" sz="2000" dirty="0" smtClean="0"/>
+                        <a:t>0.005</a:t>
+                      </a:r>
+                      <a:endParaRPr lang="zh-TW" altLang="en-US" sz="2000" dirty="0"/>
+                    </a:p>
+                  </a:txBody>
+                  <a:tcPr/>
+                </a:tc>
+                <a:tc>
+                  <a:txBody>
+                    <a:bodyPr/>
+                    <a:lstStyle/>
+                    <a:p>
+                      <a:r>
+                        <a:rPr lang="en-US" altLang="zh-TW" sz="2000" dirty="0" smtClean="0"/>
+                        <a:t>0.8</a:t>
+                      </a:r>
+                      <a:endParaRPr lang="zh-TW" altLang="en-US" sz="2000" dirty="0"/>
+                    </a:p>
+                  </a:txBody>
+                  <a:tcPr/>
+                </a:tc>
+                <a:tc>
+                  <a:txBody>
+                    <a:bodyPr/>
+                    <a:lstStyle/>
+                    <a:p>
+                      <a:r>
+                        <a:rPr lang="en-US" altLang="zh-TW" sz="2000" dirty="0" smtClean="0"/>
+                        <a:t>0.005</a:t>
+                      </a:r>
+                      <a:endParaRPr lang="zh-TW" altLang="en-US" sz="2000" dirty="0"/>
+                    </a:p>
+                  </a:txBody>
+                  <a:tcPr/>
+                </a:tc>
+                <a:tc>
+                  <a:txBody>
+                    <a:bodyPr/>
+                    <a:lstStyle/>
+                    <a:p>
+                      <a:r>
+                        <a:rPr lang="en-US" altLang="zh-TW" sz="2000" dirty="0" smtClean="0"/>
+                        <a:t>0.005</a:t>
+                      </a:r>
+                      <a:endParaRPr lang="zh-TW" altLang="en-US" sz="2000" dirty="0"/>
+                    </a:p>
+                  </a:txBody>
+                  <a:tcPr/>
+                </a:tc>
+                <a:tc>
+                  <a:txBody>
+                    <a:bodyPr/>
+                    <a:lstStyle/>
+                    <a:p>
+                      <a:r>
+                        <a:rPr lang="en-US" altLang="zh-TW" sz="2000" dirty="0" smtClean="0"/>
+                        <a:t>0.005</a:t>
+                      </a:r>
+                      <a:endParaRPr lang="zh-TW" altLang="en-US" sz="2000" dirty="0"/>
+                    </a:p>
+                  </a:txBody>
+                  <a:tcPr/>
+                </a:tc>
+                <a:tc>
+                  <a:txBody>
+                    <a:bodyPr/>
+                    <a:lstStyle/>
+                    <a:p>
+                      <a:r>
+                        <a:rPr lang="en-US" altLang="zh-TW" sz="2000" dirty="0" smtClean="0"/>
+                        <a:t>0.005</a:t>
+                      </a:r>
+                      <a:endParaRPr lang="zh-TW" altLang="en-US" sz="2000" dirty="0"/>
+                    </a:p>
+                  </a:txBody>
+                  <a:tcPr/>
+                </a:tc>
+                <a:tc>
+                  <a:txBody>
+                    <a:bodyPr/>
+                    <a:lstStyle/>
+                    <a:p>
+                      <a:r>
+                        <a:rPr lang="en-US" altLang="zh-TW" sz="2000" dirty="0" smtClean="0"/>
+                        <a:t>0.005</a:t>
+                      </a:r>
+                      <a:endParaRPr lang="zh-TW" altLang="en-US" sz="2000" dirty="0"/>
+                    </a:p>
+                  </a:txBody>
+                  <a:tcPr/>
+                </a:tc>
+                <a:tc>
+                  <a:txBody>
+                    <a:bodyPr/>
+                    <a:lstStyle/>
+                    <a:p>
+                      <a:r>
+                        <a:rPr lang="en-US" altLang="zh-TW" sz="2000" dirty="0" smtClean="0"/>
+                        <a:t>0.16</a:t>
+                      </a:r>
+                      <a:endParaRPr lang="zh-TW" altLang="en-US" sz="2000" dirty="0"/>
+                    </a:p>
+                  </a:txBody>
+                  <a:tcPr/>
+                </a:tc>
+                <a:tc>
+                  <a:txBody>
+                    <a:bodyPr/>
+                    <a:lstStyle/>
+                    <a:p>
+                      <a:r>
+                        <a:rPr lang="en-US" altLang="zh-TW" sz="2000" dirty="0" smtClean="0"/>
+                        <a:t>0.005</a:t>
+                      </a:r>
+                      <a:endParaRPr lang="zh-TW" altLang="en-US" sz="2000" dirty="0"/>
+                    </a:p>
+                  </a:txBody>
+                  <a:tcPr/>
+                </a:tc>
+                <a:tc>
+                  <a:txBody>
+                    <a:bodyPr/>
+                    <a:lstStyle/>
+                    <a:p>
+                      <a:r>
+                        <a:rPr lang="en-US" altLang="zh-TW" sz="2000" dirty="0" smtClean="0"/>
+                        <a:t>0.005</a:t>
+                      </a:r>
+                      <a:endParaRPr lang="zh-TW" altLang="en-US" sz="2000" dirty="0"/>
+                    </a:p>
+                  </a:txBody>
+                  <a:tcPr/>
+                </a:tc>
+                <a:extLst>
+                  <a:ext uri="{0D108BD9-81ED-4DB2-BD59-A6C34878D82A}">
+                    <a16:rowId xmlns:a16="http://schemas.microsoft.com/office/drawing/2014/main" val="2588321996"/>
+                  </a:ext>
+                </a:extLst>
+              </a:tr>
+            </a:tbl>
+          </a:graphicData>
+        </a:graphic>
+      </p:graphicFrame>
+      <p:pic>
+        <p:nvPicPr>
+          <p:cNvPr id="5" name="圖片 4" descr="一張含有 物件, 量表, 裝置 的圖片&#10;&#10;&#10;&#10;自動產生的描述">
+            <a:extLst>
+              <a:ext uri="{FF2B5EF4-FFF2-40B4-BE49-F238E27FC236}">
+                <a16:creationId xmlns:a16="http://schemas.microsoft.com/office/drawing/2014/main" id="{2AB0F37F-A7BB-F54F-95E9-A45542ECCE23}"/>
+              </a:ext>
+            </a:extLst>
+          </p:cNvPr>
+          <p:cNvPicPr>
+            <a:picLocks noChangeAspect="1"/>
+          </p:cNvPicPr>
+          <p:nvPr/>
+        </p:nvPicPr>
+        <p:blipFill rotWithShape="1">
+          <a:blip r:embed="rId2"/>
+          <a:srcRect l="20867" r="60717" b="49523"/>
+          <a:stretch/>
+        </p:blipFill>
+        <p:spPr>
+          <a:xfrm>
+            <a:off x="4593979" y="1561374"/>
+            <a:ext cx="2413489" cy="2314120"/>
+          </a:xfrm>
+          <a:prstGeom prst="rect">
+            <a:avLst/>
+          </a:prstGeom>
+        </p:spPr>
+      </p:pic>
+    </p:spTree>
+    <p:extLst>
+      <p:ext uri="{BB962C8B-B14F-4D97-AF65-F5344CB8AC3E}">
+        <p14:creationId xmlns:p14="http://schemas.microsoft.com/office/powerpoint/2010/main" val="2088486203"/>
+      </p:ext>
+    </p:extLst>
+  </p:cSld>
+  <p:clrMapOvr>
+    <a:masterClrMapping/>
+  </p:clrMapOvr>
+</p:sld>
+</file>
+
+<file path=ppt/slides/slide3.xml><?xml version="1.0" encoding="utf-8"?>
+<p:sld xmlns:a="http://schemas.openxmlformats.org/drawingml/2006/main" xmlns:r="http://schemas.openxmlformats.org/officeDocument/2006/relationships" xmlns:p="http://schemas.openxmlformats.org/presentationml/2006/main">
+  <p:cSld>
+    <p:spTree>
+      <p:nvGrpSpPr>
+        <p:cNvPr id="1" name=""/>
+        <p:cNvGrpSpPr/>
+        <p:nvPr/>
+      </p:nvGrpSpPr>
+      <p:grpSpPr>
+        <a:xfrm>
+          <a:off x="0" y="0"/>
+          <a:ext cx="0" cy="0"/>
+          <a:chOff x="0" y="0"/>
+          <a:chExt cx="0" cy="0"/>
+        </a:xfrm>
+      </p:grpSpPr>
+      <p:sp>
+        <p:nvSpPr>
           <p:cNvPr id="2" name="標題 1">
             <a:extLst>
               <a:ext uri="{FF2B5EF4-FFF2-40B4-BE49-F238E27FC236}">
@@ -5868,8 +6542,8 @@
           <a:lstStyle/>
           <a:p>
             <a:r>
-              <a:rPr kumimoji="1" lang="zh-CN" altLang="en-US" sz="4000" dirty="0"/>
-              <a:t>資料集</a:t>
+              <a:rPr kumimoji="1" lang="en-US" altLang="zh-TW" dirty="0" smtClean="0"/>
+              <a:t>Datasets</a:t>
             </a:r>
             <a:endParaRPr kumimoji="1" lang="zh-TW" altLang="en-US" sz="4000" dirty="0"/>
           </a:p>
@@ -5942,943 +6616,6 @@
     <p:extLst>
       <p:ext uri="{BB962C8B-B14F-4D97-AF65-F5344CB8AC3E}">
         <p14:creationId xmlns:p14="http://schemas.microsoft.com/office/powerpoint/2010/main" val="3721574167"/>
-      </p:ext>
-    </p:extLst>
-  </p:cSld>
-  <p:clrMapOvr>
-    <a:masterClrMapping/>
-  </p:clrMapOvr>
-</p:sld>
-</file>
-
-<file path=ppt/slides/slide3.xml><?xml version="1.0" encoding="utf-8"?>
-<p:sld xmlns:a="http://schemas.openxmlformats.org/drawingml/2006/main" xmlns:r="http://schemas.openxmlformats.org/officeDocument/2006/relationships" xmlns:p="http://schemas.openxmlformats.org/presentationml/2006/main">
-  <p:cSld>
-    <p:spTree>
-      <p:nvGrpSpPr>
-        <p:cNvPr id="1" name=""/>
-        <p:cNvGrpSpPr/>
-        <p:nvPr/>
-      </p:nvGrpSpPr>
-      <p:grpSpPr>
-        <a:xfrm>
-          <a:off x="0" y="0"/>
-          <a:ext cx="0" cy="0"/>
-          <a:chOff x="0" y="0"/>
-          <a:chExt cx="0" cy="0"/>
-        </a:xfrm>
-      </p:grpSpPr>
-      <p:sp>
-        <p:nvSpPr>
-          <p:cNvPr id="2" name="標題 1">
-            <a:extLst>
-              <a:ext uri="{FF2B5EF4-FFF2-40B4-BE49-F238E27FC236}">
-                <a16:creationId xmlns:a16="http://schemas.microsoft.com/office/drawing/2014/main" id="{F9D2C69C-8FFA-234D-A415-83F0D61E99B1}"/>
-              </a:ext>
-            </a:extLst>
-          </p:cNvPr>
-          <p:cNvSpPr>
-            <a:spLocks noGrp="1"/>
-          </p:cNvSpPr>
-          <p:nvPr>
-            <p:ph type="title"/>
-          </p:nvPr>
-        </p:nvSpPr>
-        <p:spPr/>
-        <p:txBody>
-          <a:bodyPr/>
-          <a:lstStyle/>
-          <a:p>
-            <a:r>
-              <a:rPr kumimoji="1" lang="en-US" altLang="zh-TW" b="1" u="sng" dirty="0"/>
-              <a:t>Target Model</a:t>
-            </a:r>
-            <a:r>
-              <a:rPr kumimoji="1" lang="en-US" altLang="zh-TW" dirty="0"/>
-              <a:t> </a:t>
-            </a:r>
-            <a:r>
-              <a:rPr kumimoji="1" lang="zh-CN" altLang="en-US" dirty="0"/>
-              <a:t>建立</a:t>
-            </a:r>
-            <a:endParaRPr kumimoji="1" lang="zh-TW" altLang="en-US" dirty="0"/>
-          </a:p>
-        </p:txBody>
-      </p:sp>
-      <p:sp>
-        <p:nvSpPr>
-          <p:cNvPr id="3" name="內容版面配置區 2">
-            <a:extLst>
-              <a:ext uri="{FF2B5EF4-FFF2-40B4-BE49-F238E27FC236}">
-                <a16:creationId xmlns:a16="http://schemas.microsoft.com/office/drawing/2014/main" id="{341CF6B0-BE5B-7342-B154-83E19791310D}"/>
-              </a:ext>
-            </a:extLst>
-          </p:cNvPr>
-          <p:cNvSpPr>
-            <a:spLocks noGrp="1"/>
-          </p:cNvSpPr>
-          <p:nvPr>
-            <p:ph idx="1"/>
-          </p:nvPr>
-        </p:nvSpPr>
-        <p:spPr/>
-        <p:txBody>
-          <a:bodyPr/>
-          <a:lstStyle/>
-          <a:p>
-            <a:endParaRPr kumimoji="1" lang="zh-TW" altLang="en-US" dirty="0"/>
-          </a:p>
-        </p:txBody>
-      </p:sp>
-      <p:grpSp>
-        <p:nvGrpSpPr>
-          <p:cNvPr id="10" name="群組 9">
-            <a:extLst>
-              <a:ext uri="{FF2B5EF4-FFF2-40B4-BE49-F238E27FC236}">
-                <a16:creationId xmlns:a16="http://schemas.microsoft.com/office/drawing/2014/main" id="{F3E40C42-BE5D-1B44-A8E8-FEFA0ABBBC23}"/>
-              </a:ext>
-            </a:extLst>
-          </p:cNvPr>
-          <p:cNvGrpSpPr/>
-          <p:nvPr/>
-        </p:nvGrpSpPr>
-        <p:grpSpPr>
-          <a:xfrm>
-            <a:off x="1930401" y="1889617"/>
-            <a:ext cx="6570132" cy="4688561"/>
-            <a:chOff x="1166818" y="23117199"/>
-            <a:chExt cx="9074898" cy="6476006"/>
-          </a:xfrm>
-        </p:grpSpPr>
-        <p:sp>
-          <p:nvSpPr>
-            <p:cNvPr id="11" name="圓角矩形 10">
-              <a:extLst>
-                <a:ext uri="{FF2B5EF4-FFF2-40B4-BE49-F238E27FC236}">
-                  <a16:creationId xmlns:a16="http://schemas.microsoft.com/office/drawing/2014/main" id="{AE0F239D-FE19-3544-BD17-9B1464D9E269}"/>
-                </a:ext>
-              </a:extLst>
-            </p:cNvPr>
-            <p:cNvSpPr/>
-            <p:nvPr/>
-          </p:nvSpPr>
-          <p:spPr>
-            <a:xfrm>
-              <a:off x="2579727" y="24566910"/>
-              <a:ext cx="5903576" cy="908288"/>
-            </a:xfrm>
-            <a:prstGeom prst="roundRect">
-              <a:avLst/>
-            </a:prstGeom>
-            <a:solidFill>
-              <a:schemeClr val="accent1"/>
-            </a:solidFill>
-          </p:spPr>
-          <p:style>
-            <a:lnRef idx="2">
-              <a:schemeClr val="accent1">
-                <a:shade val="50000"/>
-              </a:schemeClr>
-            </a:lnRef>
-            <a:fillRef idx="1">
-              <a:schemeClr val="accent1"/>
-            </a:fillRef>
-            <a:effectRef idx="0">
-              <a:schemeClr val="accent1"/>
-            </a:effectRef>
-            <a:fontRef idx="minor">
-              <a:schemeClr val="lt1"/>
-            </a:fontRef>
-          </p:style>
-          <p:txBody>
-            <a:bodyPr rtlCol="0" anchor="ctr"/>
-            <a:lstStyle/>
-            <a:p>
-              <a:pPr algn="ctr"/>
-              <a:r>
-                <a:rPr kumimoji="1" lang="en-US" altLang="zh-TW" sz="2000" dirty="0">
-                  <a:solidFill>
-                    <a:schemeClr val="bg1"/>
-                  </a:solidFill>
-                  <a:latin typeface="Microsoft JhengHei" panose="020B0604030504040204" pitchFamily="34" charset="-120"/>
-                  <a:ea typeface="Microsoft JhengHei" panose="020B0604030504040204" pitchFamily="34" charset="-120"/>
-                </a:rPr>
-                <a:t>Train Model</a:t>
-              </a:r>
-              <a:endParaRPr kumimoji="1" lang="zh-TW" altLang="en-US" sz="2000" dirty="0">
-                <a:solidFill>
-                  <a:schemeClr val="bg1"/>
-                </a:solidFill>
-                <a:latin typeface="Microsoft JhengHei" panose="020B0604030504040204" pitchFamily="34" charset="-120"/>
-                <a:ea typeface="Microsoft JhengHei" panose="020B0604030504040204" pitchFamily="34" charset="-120"/>
-              </a:endParaRPr>
-            </a:p>
-          </p:txBody>
-        </p:sp>
-        <p:sp>
-          <p:nvSpPr>
-            <p:cNvPr id="12" name="圓角矩形 11">
-              <a:extLst>
-                <a:ext uri="{FF2B5EF4-FFF2-40B4-BE49-F238E27FC236}">
-                  <a16:creationId xmlns:a16="http://schemas.microsoft.com/office/drawing/2014/main" id="{1892D5C7-EB47-6746-B314-661CF310298C}"/>
-                </a:ext>
-              </a:extLst>
-            </p:cNvPr>
-            <p:cNvSpPr/>
-            <p:nvPr/>
-          </p:nvSpPr>
-          <p:spPr>
-            <a:xfrm>
-              <a:off x="1361382" y="25993758"/>
-              <a:ext cx="2399642" cy="908288"/>
-            </a:xfrm>
-            <a:prstGeom prst="roundRect">
-              <a:avLst/>
-            </a:prstGeom>
-            <a:solidFill>
-              <a:schemeClr val="accent1"/>
-            </a:solidFill>
-          </p:spPr>
-          <p:style>
-            <a:lnRef idx="2">
-              <a:schemeClr val="accent1">
-                <a:shade val="50000"/>
-              </a:schemeClr>
-            </a:lnRef>
-            <a:fillRef idx="1">
-              <a:schemeClr val="accent1"/>
-            </a:fillRef>
-            <a:effectRef idx="0">
-              <a:schemeClr val="accent1"/>
-            </a:effectRef>
-            <a:fontRef idx="minor">
-              <a:schemeClr val="lt1"/>
-            </a:fontRef>
-          </p:style>
-          <p:txBody>
-            <a:bodyPr rtlCol="0" anchor="ctr"/>
-            <a:lstStyle/>
-            <a:p>
-              <a:pPr algn="ctr"/>
-              <a:r>
-                <a:rPr kumimoji="1" lang="en-US" altLang="zh-TW" sz="2000" dirty="0" err="1">
-                  <a:solidFill>
-                    <a:schemeClr val="bg1"/>
-                  </a:solidFill>
-                  <a:latin typeface="Microsoft JhengHei" panose="020B0604030504040204" pitchFamily="34" charset="-120"/>
-                  <a:ea typeface="Microsoft JhengHei" panose="020B0604030504040204" pitchFamily="34" charset="-120"/>
-                </a:rPr>
-                <a:t>Deepnet</a:t>
-              </a:r>
-              <a:endParaRPr kumimoji="1" lang="zh-TW" altLang="en-US" sz="2000" dirty="0">
-                <a:solidFill>
-                  <a:schemeClr val="bg1"/>
-                </a:solidFill>
-                <a:latin typeface="Microsoft JhengHei" panose="020B0604030504040204" pitchFamily="34" charset="-120"/>
-                <a:ea typeface="Microsoft JhengHei" panose="020B0604030504040204" pitchFamily="34" charset="-120"/>
-              </a:endParaRPr>
-            </a:p>
-          </p:txBody>
-        </p:sp>
-        <p:sp>
-          <p:nvSpPr>
-            <p:cNvPr id="13" name="圓角矩形 12">
-              <a:extLst>
-                <a:ext uri="{FF2B5EF4-FFF2-40B4-BE49-F238E27FC236}">
-                  <a16:creationId xmlns:a16="http://schemas.microsoft.com/office/drawing/2014/main" id="{D280BB8B-8612-E343-AD11-006BCD9F0B9C}"/>
-                </a:ext>
-              </a:extLst>
-            </p:cNvPr>
-            <p:cNvSpPr/>
-            <p:nvPr/>
-          </p:nvSpPr>
-          <p:spPr>
-            <a:xfrm>
-              <a:off x="4187230" y="25978260"/>
-              <a:ext cx="2814140" cy="908288"/>
-            </a:xfrm>
-            <a:prstGeom prst="roundRect">
-              <a:avLst/>
-            </a:prstGeom>
-            <a:solidFill>
-              <a:schemeClr val="accent1"/>
-            </a:solidFill>
-          </p:spPr>
-          <p:style>
-            <a:lnRef idx="2">
-              <a:schemeClr val="accent1">
-                <a:shade val="50000"/>
-              </a:schemeClr>
-            </a:lnRef>
-            <a:fillRef idx="1">
-              <a:schemeClr val="accent1"/>
-            </a:fillRef>
-            <a:effectRef idx="0">
-              <a:schemeClr val="accent1"/>
-            </a:effectRef>
-            <a:fontRef idx="minor">
-              <a:schemeClr val="lt1"/>
-            </a:fontRef>
-          </p:style>
-          <p:txBody>
-            <a:bodyPr rtlCol="0" anchor="ctr"/>
-            <a:lstStyle/>
-            <a:p>
-              <a:pPr algn="ctr"/>
-              <a:r>
-                <a:rPr kumimoji="1" lang="en-US" altLang="zh-TW" sz="2000" dirty="0">
-                  <a:solidFill>
-                    <a:schemeClr val="bg1"/>
-                  </a:solidFill>
-                  <a:latin typeface="Microsoft JhengHei" panose="020B0604030504040204" pitchFamily="34" charset="-120"/>
-                  <a:ea typeface="Microsoft JhengHei" panose="020B0604030504040204" pitchFamily="34" charset="-120"/>
-                </a:rPr>
-                <a:t>Decision Tree</a:t>
-              </a:r>
-              <a:endParaRPr kumimoji="1" lang="zh-TW" altLang="en-US" sz="2000" dirty="0">
-                <a:solidFill>
-                  <a:schemeClr val="bg1"/>
-                </a:solidFill>
-                <a:latin typeface="Microsoft JhengHei" panose="020B0604030504040204" pitchFamily="34" charset="-120"/>
-                <a:ea typeface="Microsoft JhengHei" panose="020B0604030504040204" pitchFamily="34" charset="-120"/>
-              </a:endParaRPr>
-            </a:p>
-          </p:txBody>
-        </p:sp>
-        <p:sp>
-          <p:nvSpPr>
-            <p:cNvPr id="14" name="圓角矩形 13">
-              <a:extLst>
-                <a:ext uri="{FF2B5EF4-FFF2-40B4-BE49-F238E27FC236}">
-                  <a16:creationId xmlns:a16="http://schemas.microsoft.com/office/drawing/2014/main" id="{A5F7FEC7-A0E0-4740-838D-5C3D7B8A4B52}"/>
-                </a:ext>
-              </a:extLst>
-            </p:cNvPr>
-            <p:cNvSpPr/>
-            <p:nvPr/>
-          </p:nvSpPr>
-          <p:spPr>
-            <a:xfrm>
-              <a:off x="7427576" y="25978260"/>
-              <a:ext cx="2814140" cy="908288"/>
-            </a:xfrm>
-            <a:prstGeom prst="roundRect">
-              <a:avLst/>
-            </a:prstGeom>
-            <a:solidFill>
-              <a:schemeClr val="accent1"/>
-            </a:solidFill>
-          </p:spPr>
-          <p:style>
-            <a:lnRef idx="2">
-              <a:schemeClr val="accent1">
-                <a:shade val="50000"/>
-              </a:schemeClr>
-            </a:lnRef>
-            <a:fillRef idx="1">
-              <a:schemeClr val="accent1"/>
-            </a:fillRef>
-            <a:effectRef idx="0">
-              <a:schemeClr val="accent1"/>
-            </a:effectRef>
-            <a:fontRef idx="minor">
-              <a:schemeClr val="lt1"/>
-            </a:fontRef>
-          </p:style>
-          <p:txBody>
-            <a:bodyPr rtlCol="0" anchor="ctr"/>
-            <a:lstStyle/>
-            <a:p>
-              <a:pPr algn="ctr"/>
-              <a:r>
-                <a:rPr kumimoji="1" lang="en-US" altLang="zh-TW" sz="2000" dirty="0">
-                  <a:solidFill>
-                    <a:schemeClr val="bg1"/>
-                  </a:solidFill>
-                  <a:latin typeface="Microsoft JhengHei" panose="020B0604030504040204" pitchFamily="34" charset="-120"/>
-                  <a:ea typeface="Microsoft JhengHei" panose="020B0604030504040204" pitchFamily="34" charset="-120"/>
-                </a:rPr>
-                <a:t>Ensemble</a:t>
-              </a:r>
-              <a:endParaRPr kumimoji="1" lang="zh-TW" altLang="en-US" sz="2000" dirty="0">
-                <a:solidFill>
-                  <a:schemeClr val="bg1"/>
-                </a:solidFill>
-                <a:latin typeface="Microsoft JhengHei" panose="020B0604030504040204" pitchFamily="34" charset="-120"/>
-                <a:ea typeface="Microsoft JhengHei" panose="020B0604030504040204" pitchFamily="34" charset="-120"/>
-              </a:endParaRPr>
-            </a:p>
-          </p:txBody>
-        </p:sp>
-        <p:sp>
-          <p:nvSpPr>
-            <p:cNvPr id="15" name="圓角矩形 14">
-              <a:extLst>
-                <a:ext uri="{FF2B5EF4-FFF2-40B4-BE49-F238E27FC236}">
-                  <a16:creationId xmlns:a16="http://schemas.microsoft.com/office/drawing/2014/main" id="{58F57881-3C14-5244-BF1F-48FD8CC91230}"/>
-                </a:ext>
-              </a:extLst>
-            </p:cNvPr>
-            <p:cNvSpPr/>
-            <p:nvPr/>
-          </p:nvSpPr>
-          <p:spPr>
-            <a:xfrm>
-              <a:off x="2573583" y="23117199"/>
-              <a:ext cx="5903576" cy="908288"/>
-            </a:xfrm>
-            <a:prstGeom prst="roundRect">
-              <a:avLst/>
-            </a:prstGeom>
-            <a:solidFill>
-              <a:schemeClr val="accent1"/>
-            </a:solidFill>
-          </p:spPr>
-          <p:style>
-            <a:lnRef idx="2">
-              <a:schemeClr val="accent1">
-                <a:shade val="50000"/>
-              </a:schemeClr>
-            </a:lnRef>
-            <a:fillRef idx="1">
-              <a:schemeClr val="accent1"/>
-            </a:fillRef>
-            <a:effectRef idx="0">
-              <a:schemeClr val="accent1"/>
-            </a:effectRef>
-            <a:fontRef idx="minor">
-              <a:schemeClr val="lt1"/>
-            </a:fontRef>
-          </p:style>
-          <p:txBody>
-            <a:bodyPr rtlCol="0" anchor="ctr"/>
-            <a:lstStyle/>
-            <a:p>
-              <a:pPr algn="ctr"/>
-              <a:r>
-                <a:rPr kumimoji="1" lang="en-US" altLang="zh-TW" sz="2000" dirty="0">
-                  <a:solidFill>
-                    <a:schemeClr val="bg1"/>
-                  </a:solidFill>
-                  <a:latin typeface="Microsoft JhengHei" panose="020B0604030504040204" pitchFamily="34" charset="-120"/>
-                  <a:ea typeface="Microsoft JhengHei" panose="020B0604030504040204" pitchFamily="34" charset="-120"/>
-                </a:rPr>
-                <a:t>Upload data to </a:t>
-              </a:r>
-              <a:r>
-                <a:rPr kumimoji="1" lang="en-US" altLang="zh-TW" sz="2000" b="1" dirty="0">
-                  <a:solidFill>
-                    <a:schemeClr val="bg1"/>
-                  </a:solidFill>
-                  <a:latin typeface="Microsoft JhengHei" panose="020B0604030504040204" pitchFamily="34" charset="-120"/>
-                  <a:ea typeface="Microsoft JhengHei" panose="020B0604030504040204" pitchFamily="34" charset="-120"/>
-                </a:rPr>
-                <a:t>BigML</a:t>
-              </a:r>
-              <a:endParaRPr kumimoji="1" lang="zh-TW" altLang="en-US" sz="2000" b="1" dirty="0">
-                <a:solidFill>
-                  <a:schemeClr val="bg1"/>
-                </a:solidFill>
-                <a:latin typeface="Microsoft JhengHei" panose="020B0604030504040204" pitchFamily="34" charset="-120"/>
-                <a:ea typeface="Microsoft JhengHei" panose="020B0604030504040204" pitchFamily="34" charset="-120"/>
-              </a:endParaRPr>
-            </a:p>
-          </p:txBody>
-        </p:sp>
-        <p:sp>
-          <p:nvSpPr>
-            <p:cNvPr id="16" name="向下箭號 15">
-              <a:extLst>
-                <a:ext uri="{FF2B5EF4-FFF2-40B4-BE49-F238E27FC236}">
-                  <a16:creationId xmlns:a16="http://schemas.microsoft.com/office/drawing/2014/main" id="{C6A4A9BC-03D2-7441-B806-AE833D5F5ECB}"/>
-                </a:ext>
-              </a:extLst>
-            </p:cNvPr>
-            <p:cNvSpPr/>
-            <p:nvPr/>
-          </p:nvSpPr>
-          <p:spPr>
-            <a:xfrm>
-              <a:off x="4976965" y="24028156"/>
-              <a:ext cx="1338107" cy="479109"/>
-            </a:xfrm>
-            <a:prstGeom prst="downArrow">
-              <a:avLst/>
-            </a:prstGeom>
-            <a:solidFill>
-              <a:schemeClr val="tx2">
-                <a:lumMod val="75000"/>
-              </a:schemeClr>
-            </a:solidFill>
-          </p:spPr>
-          <p:style>
-            <a:lnRef idx="2">
-              <a:schemeClr val="accent1">
-                <a:shade val="50000"/>
-              </a:schemeClr>
-            </a:lnRef>
-            <a:fillRef idx="1">
-              <a:schemeClr val="accent1"/>
-            </a:fillRef>
-            <a:effectRef idx="0">
-              <a:schemeClr val="accent1"/>
-            </a:effectRef>
-            <a:fontRef idx="minor">
-              <a:schemeClr val="lt1"/>
-            </a:fontRef>
-          </p:style>
-          <p:txBody>
-            <a:bodyPr rtlCol="0" anchor="ctr"/>
-            <a:lstStyle/>
-            <a:p>
-              <a:pPr algn="ctr"/>
-              <a:endParaRPr kumimoji="1" lang="zh-TW" altLang="en-US" sz="1200" dirty="0"/>
-            </a:p>
-          </p:txBody>
-        </p:sp>
-        <p:sp>
-          <p:nvSpPr>
-            <p:cNvPr id="17" name="向下箭號 16">
-              <a:extLst>
-                <a:ext uri="{FF2B5EF4-FFF2-40B4-BE49-F238E27FC236}">
-                  <a16:creationId xmlns:a16="http://schemas.microsoft.com/office/drawing/2014/main" id="{A9382121-20AF-8D49-81E7-AA00999743A4}"/>
-                </a:ext>
-              </a:extLst>
-            </p:cNvPr>
-            <p:cNvSpPr/>
-            <p:nvPr/>
-          </p:nvSpPr>
-          <p:spPr>
-            <a:xfrm>
-              <a:off x="2242574" y="25483873"/>
-              <a:ext cx="1338107" cy="479109"/>
-            </a:xfrm>
-            <a:prstGeom prst="downArrow">
-              <a:avLst/>
-            </a:prstGeom>
-            <a:solidFill>
-              <a:schemeClr val="tx2">
-                <a:lumMod val="75000"/>
-              </a:schemeClr>
-            </a:solidFill>
-          </p:spPr>
-          <p:style>
-            <a:lnRef idx="2">
-              <a:schemeClr val="accent1">
-                <a:shade val="50000"/>
-              </a:schemeClr>
-            </a:lnRef>
-            <a:fillRef idx="1">
-              <a:schemeClr val="accent1"/>
-            </a:fillRef>
-            <a:effectRef idx="0">
-              <a:schemeClr val="accent1"/>
-            </a:effectRef>
-            <a:fontRef idx="minor">
-              <a:schemeClr val="lt1"/>
-            </a:fontRef>
-          </p:style>
-          <p:txBody>
-            <a:bodyPr rtlCol="0" anchor="ctr"/>
-            <a:lstStyle/>
-            <a:p>
-              <a:pPr algn="ctr"/>
-              <a:endParaRPr kumimoji="1" lang="zh-TW" altLang="en-US" sz="1200" dirty="0"/>
-            </a:p>
-          </p:txBody>
-        </p:sp>
-        <p:sp>
-          <p:nvSpPr>
-            <p:cNvPr id="18" name="向下箭號 17">
-              <a:extLst>
-                <a:ext uri="{FF2B5EF4-FFF2-40B4-BE49-F238E27FC236}">
-                  <a16:creationId xmlns:a16="http://schemas.microsoft.com/office/drawing/2014/main" id="{77C85F1E-E056-1D4A-930C-1976EE84291C}"/>
-                </a:ext>
-              </a:extLst>
-            </p:cNvPr>
-            <p:cNvSpPr/>
-            <p:nvPr/>
-          </p:nvSpPr>
-          <p:spPr>
-            <a:xfrm>
-              <a:off x="5015143" y="26915350"/>
-              <a:ext cx="1338107" cy="479109"/>
-            </a:xfrm>
-            <a:prstGeom prst="downArrow">
-              <a:avLst/>
-            </a:prstGeom>
-            <a:solidFill>
-              <a:schemeClr val="tx2">
-                <a:lumMod val="75000"/>
-              </a:schemeClr>
-            </a:solidFill>
-          </p:spPr>
-          <p:style>
-            <a:lnRef idx="2">
-              <a:schemeClr val="accent1">
-                <a:shade val="50000"/>
-              </a:schemeClr>
-            </a:lnRef>
-            <a:fillRef idx="1">
-              <a:schemeClr val="accent1"/>
-            </a:fillRef>
-            <a:effectRef idx="0">
-              <a:schemeClr val="accent1"/>
-            </a:effectRef>
-            <a:fontRef idx="minor">
-              <a:schemeClr val="lt1"/>
-            </a:fontRef>
-          </p:style>
-          <p:txBody>
-            <a:bodyPr rtlCol="0" anchor="ctr"/>
-            <a:lstStyle/>
-            <a:p>
-              <a:pPr algn="ctr"/>
-              <a:endParaRPr kumimoji="1" lang="zh-TW" altLang="en-US" sz="1200" dirty="0"/>
-            </a:p>
-          </p:txBody>
-        </p:sp>
-        <p:sp>
-          <p:nvSpPr>
-            <p:cNvPr id="19" name="向下箭號 18">
-              <a:extLst>
-                <a:ext uri="{FF2B5EF4-FFF2-40B4-BE49-F238E27FC236}">
-                  <a16:creationId xmlns:a16="http://schemas.microsoft.com/office/drawing/2014/main" id="{CD6B3275-3FA8-A64B-B244-BBFC67C8B7A1}"/>
-                </a:ext>
-              </a:extLst>
-            </p:cNvPr>
-            <p:cNvSpPr/>
-            <p:nvPr/>
-          </p:nvSpPr>
-          <p:spPr>
-            <a:xfrm>
-              <a:off x="7455579" y="25483871"/>
-              <a:ext cx="1338107" cy="479109"/>
-            </a:xfrm>
-            <a:prstGeom prst="downArrow">
-              <a:avLst/>
-            </a:prstGeom>
-            <a:solidFill>
-              <a:schemeClr val="tx2">
-                <a:lumMod val="75000"/>
-              </a:schemeClr>
-            </a:solidFill>
-          </p:spPr>
-          <p:style>
-            <a:lnRef idx="2">
-              <a:schemeClr val="accent1">
-                <a:shade val="50000"/>
-              </a:schemeClr>
-            </a:lnRef>
-            <a:fillRef idx="1">
-              <a:schemeClr val="accent1"/>
-            </a:fillRef>
-            <a:effectRef idx="0">
-              <a:schemeClr val="accent1"/>
-            </a:effectRef>
-            <a:fontRef idx="minor">
-              <a:schemeClr val="lt1"/>
-            </a:fontRef>
-          </p:style>
-          <p:txBody>
-            <a:bodyPr rtlCol="0" anchor="ctr"/>
-            <a:lstStyle/>
-            <a:p>
-              <a:pPr algn="ctr"/>
-              <a:endParaRPr kumimoji="1" lang="zh-TW" altLang="en-US" sz="1200" dirty="0"/>
-            </a:p>
-          </p:txBody>
-        </p:sp>
-        <p:sp>
-          <p:nvSpPr>
-            <p:cNvPr id="20" name="圓角矩形 19">
-              <a:extLst>
-                <a:ext uri="{FF2B5EF4-FFF2-40B4-BE49-F238E27FC236}">
-                  <a16:creationId xmlns:a16="http://schemas.microsoft.com/office/drawing/2014/main" id="{8423031B-48CE-AC46-A388-08C2739A7794}"/>
-                </a:ext>
-              </a:extLst>
-            </p:cNvPr>
-            <p:cNvSpPr/>
-            <p:nvPr/>
-          </p:nvSpPr>
-          <p:spPr>
-            <a:xfrm>
-              <a:off x="1166818" y="28500085"/>
-              <a:ext cx="4278907" cy="1093120"/>
-            </a:xfrm>
-            <a:prstGeom prst="roundRect">
-              <a:avLst/>
-            </a:prstGeom>
-            <a:solidFill>
-              <a:schemeClr val="accent1"/>
-            </a:solidFill>
-          </p:spPr>
-          <p:style>
-            <a:lnRef idx="2">
-              <a:schemeClr val="accent1">
-                <a:shade val="50000"/>
-              </a:schemeClr>
-            </a:lnRef>
-            <a:fillRef idx="1">
-              <a:schemeClr val="accent1"/>
-            </a:fillRef>
-            <a:effectRef idx="0">
-              <a:schemeClr val="accent1"/>
-            </a:effectRef>
-            <a:fontRef idx="minor">
-              <a:schemeClr val="lt1"/>
-            </a:fontRef>
-          </p:style>
-          <p:txBody>
-            <a:bodyPr rtlCol="0" anchor="ctr"/>
-            <a:lstStyle/>
-            <a:p>
-              <a:pPr algn="ctr"/>
-              <a:r>
-                <a:rPr kumimoji="1" lang="en-US" altLang="zh-TW" sz="2000" dirty="0">
-                  <a:solidFill>
-                    <a:schemeClr val="bg1"/>
-                  </a:solidFill>
-                  <a:latin typeface="Microsoft JhengHei" panose="020B0604030504040204" pitchFamily="34" charset="-120"/>
-                  <a:ea typeface="Microsoft JhengHei" panose="020B0604030504040204" pitchFamily="34" charset="-120"/>
-                </a:rPr>
-                <a:t>Local : </a:t>
-              </a:r>
-            </a:p>
-            <a:p>
-              <a:pPr algn="ctr"/>
-              <a:r>
-                <a:rPr kumimoji="1" lang="en-US" altLang="zh-TW" sz="2000" dirty="0">
-                  <a:solidFill>
-                    <a:schemeClr val="bg1"/>
-                  </a:solidFill>
-                  <a:latin typeface="Microsoft JhengHei" panose="020B0604030504040204" pitchFamily="34" charset="-120"/>
-                  <a:ea typeface="Microsoft JhengHei" panose="020B0604030504040204" pitchFamily="34" charset="-120"/>
-                </a:rPr>
-                <a:t>Model parameters</a:t>
-              </a:r>
-              <a:endParaRPr kumimoji="1" lang="zh-TW" altLang="en-US" sz="2000" dirty="0">
-                <a:solidFill>
-                  <a:schemeClr val="bg1"/>
-                </a:solidFill>
-                <a:latin typeface="Microsoft JhengHei" panose="020B0604030504040204" pitchFamily="34" charset="-120"/>
-                <a:ea typeface="Microsoft JhengHei" panose="020B0604030504040204" pitchFamily="34" charset="-120"/>
-              </a:endParaRPr>
-            </a:p>
-          </p:txBody>
-        </p:sp>
-        <p:sp>
-          <p:nvSpPr>
-            <p:cNvPr id="21" name="圓角矩形 20">
-              <a:extLst>
-                <a:ext uri="{FF2B5EF4-FFF2-40B4-BE49-F238E27FC236}">
-                  <a16:creationId xmlns:a16="http://schemas.microsoft.com/office/drawing/2014/main" id="{1906E4A1-3BA2-3C4D-9731-9ADAB56A87A9}"/>
-                </a:ext>
-              </a:extLst>
-            </p:cNvPr>
-            <p:cNvSpPr/>
-            <p:nvPr/>
-          </p:nvSpPr>
-          <p:spPr>
-            <a:xfrm>
-              <a:off x="5571000" y="28500085"/>
-              <a:ext cx="4601420" cy="1088702"/>
-            </a:xfrm>
-            <a:prstGeom prst="roundRect">
-              <a:avLst/>
-            </a:prstGeom>
-            <a:solidFill>
-              <a:schemeClr val="accent1"/>
-            </a:solidFill>
-          </p:spPr>
-          <p:style>
-            <a:lnRef idx="2">
-              <a:schemeClr val="accent1">
-                <a:shade val="50000"/>
-              </a:schemeClr>
-            </a:lnRef>
-            <a:fillRef idx="1">
-              <a:schemeClr val="accent1"/>
-            </a:fillRef>
-            <a:effectRef idx="0">
-              <a:schemeClr val="accent1"/>
-            </a:effectRef>
-            <a:fontRef idx="minor">
-              <a:schemeClr val="lt1"/>
-            </a:fontRef>
-          </p:style>
-          <p:txBody>
-            <a:bodyPr rtlCol="0" anchor="ctr"/>
-            <a:lstStyle/>
-            <a:p>
-              <a:pPr algn="ctr"/>
-              <a:r>
-                <a:rPr kumimoji="1" lang="en-US" altLang="zh-TW" sz="2000" dirty="0">
-                  <a:solidFill>
-                    <a:schemeClr val="bg1"/>
-                  </a:solidFill>
-                  <a:latin typeface="Microsoft JhengHei" panose="020B0604030504040204" pitchFamily="34" charset="-120"/>
-                  <a:ea typeface="Microsoft JhengHei" panose="020B0604030504040204" pitchFamily="34" charset="-120"/>
-                </a:rPr>
-                <a:t>BigML Server : </a:t>
-              </a:r>
-            </a:p>
-            <a:p>
-              <a:pPr algn="ctr"/>
-              <a:r>
-                <a:rPr kumimoji="1" lang="en-US" altLang="zh-TW" sz="2000" dirty="0">
-                  <a:solidFill>
-                    <a:schemeClr val="bg1"/>
-                  </a:solidFill>
-                  <a:latin typeface="Microsoft JhengHei" panose="020B0604030504040204" pitchFamily="34" charset="-120"/>
-                  <a:ea typeface="Microsoft JhengHei" panose="020B0604030504040204" pitchFamily="34" charset="-120"/>
-                </a:rPr>
-                <a:t>Available for prediction</a:t>
-              </a:r>
-            </a:p>
-          </p:txBody>
-        </p:sp>
-        <p:sp>
-          <p:nvSpPr>
-            <p:cNvPr id="22" name="向下箭號 21">
-              <a:extLst>
-                <a:ext uri="{FF2B5EF4-FFF2-40B4-BE49-F238E27FC236}">
-                  <a16:creationId xmlns:a16="http://schemas.microsoft.com/office/drawing/2014/main" id="{0F8DE2E6-1B71-A54D-92CC-42FD0B41B360}"/>
-                </a:ext>
-              </a:extLst>
-            </p:cNvPr>
-            <p:cNvSpPr/>
-            <p:nvPr/>
-          </p:nvSpPr>
-          <p:spPr>
-            <a:xfrm>
-              <a:off x="5077890" y="25515957"/>
-              <a:ext cx="1338107" cy="479109"/>
-            </a:xfrm>
-            <a:prstGeom prst="downArrow">
-              <a:avLst/>
-            </a:prstGeom>
-            <a:solidFill>
-              <a:schemeClr val="tx2">
-                <a:lumMod val="75000"/>
-              </a:schemeClr>
-            </a:solidFill>
-          </p:spPr>
-          <p:style>
-            <a:lnRef idx="2">
-              <a:schemeClr val="accent1">
-                <a:shade val="50000"/>
-              </a:schemeClr>
-            </a:lnRef>
-            <a:fillRef idx="1">
-              <a:schemeClr val="accent1"/>
-            </a:fillRef>
-            <a:effectRef idx="0">
-              <a:schemeClr val="accent1"/>
-            </a:effectRef>
-            <a:fontRef idx="minor">
-              <a:schemeClr val="lt1"/>
-            </a:fontRef>
-          </p:style>
-          <p:txBody>
-            <a:bodyPr rtlCol="0" anchor="ctr"/>
-            <a:lstStyle/>
-            <a:p>
-              <a:pPr algn="ctr"/>
-              <a:endParaRPr kumimoji="1" lang="zh-TW" altLang="en-US" sz="1200" dirty="0"/>
-            </a:p>
-          </p:txBody>
-        </p:sp>
-        <p:sp>
-          <p:nvSpPr>
-            <p:cNvPr id="23" name="圓角矩形 22">
-              <a:extLst>
-                <a:ext uri="{FF2B5EF4-FFF2-40B4-BE49-F238E27FC236}">
-                  <a16:creationId xmlns:a16="http://schemas.microsoft.com/office/drawing/2014/main" id="{76755201-5237-B444-866E-41D89F55A754}"/>
-                </a:ext>
-              </a:extLst>
-            </p:cNvPr>
-            <p:cNvSpPr/>
-            <p:nvPr/>
-          </p:nvSpPr>
-          <p:spPr>
-            <a:xfrm>
-              <a:off x="2766070" y="27429677"/>
-              <a:ext cx="5903576" cy="908288"/>
-            </a:xfrm>
-            <a:prstGeom prst="roundRect">
-              <a:avLst/>
-            </a:prstGeom>
-            <a:solidFill>
-              <a:schemeClr val="accent1"/>
-            </a:solidFill>
-          </p:spPr>
-          <p:style>
-            <a:lnRef idx="2">
-              <a:schemeClr val="accent1">
-                <a:shade val="50000"/>
-              </a:schemeClr>
-            </a:lnRef>
-            <a:fillRef idx="1">
-              <a:schemeClr val="accent1"/>
-            </a:fillRef>
-            <a:effectRef idx="0">
-              <a:schemeClr val="accent1"/>
-            </a:effectRef>
-            <a:fontRef idx="minor">
-              <a:schemeClr val="lt1"/>
-            </a:fontRef>
-          </p:style>
-          <p:txBody>
-            <a:bodyPr rtlCol="0" anchor="ctr"/>
-            <a:lstStyle/>
-            <a:p>
-              <a:pPr algn="ctr"/>
-              <a:r>
-                <a:rPr kumimoji="1" lang="en-US" altLang="zh-TW" sz="2000" b="1" u="sng" dirty="0">
-                  <a:solidFill>
-                    <a:schemeClr val="bg1"/>
-                  </a:solidFill>
-                  <a:latin typeface="Microsoft JhengHei" panose="020B0604030504040204" pitchFamily="34" charset="-120"/>
-                  <a:ea typeface="Microsoft JhengHei" panose="020B0604030504040204" pitchFamily="34" charset="-120"/>
-                </a:rPr>
-                <a:t>Target Model</a:t>
-              </a:r>
-              <a:r>
-                <a:rPr kumimoji="1" lang="en-US" altLang="zh-TW" sz="2000" b="1" dirty="0">
-                  <a:solidFill>
-                    <a:schemeClr val="bg1"/>
-                  </a:solidFill>
-                  <a:latin typeface="Microsoft JhengHei" panose="020B0604030504040204" pitchFamily="34" charset="-120"/>
-                  <a:ea typeface="Microsoft JhengHei" panose="020B0604030504040204" pitchFamily="34" charset="-120"/>
-                </a:rPr>
-                <a:t> </a:t>
-              </a:r>
-              <a:r>
-                <a:rPr kumimoji="1" lang="en-US" altLang="zh-TW" sz="2000" dirty="0">
-                  <a:solidFill>
-                    <a:schemeClr val="bg1"/>
-                  </a:solidFill>
-                  <a:latin typeface="Microsoft JhengHei" panose="020B0604030504040204" pitchFamily="34" charset="-120"/>
-                  <a:ea typeface="Microsoft JhengHei" panose="020B0604030504040204" pitchFamily="34" charset="-120"/>
-                </a:rPr>
-                <a:t>Available</a:t>
-              </a:r>
-              <a:endParaRPr kumimoji="1" lang="zh-TW" altLang="en-US" sz="2000" dirty="0">
-                <a:solidFill>
-                  <a:schemeClr val="bg1"/>
-                </a:solidFill>
-                <a:latin typeface="Microsoft JhengHei" panose="020B0604030504040204" pitchFamily="34" charset="-120"/>
-                <a:ea typeface="Microsoft JhengHei" panose="020B0604030504040204" pitchFamily="34" charset="-120"/>
-              </a:endParaRPr>
-            </a:p>
-          </p:txBody>
-        </p:sp>
-      </p:grpSp>
-    </p:spTree>
-    <p:extLst>
-      <p:ext uri="{BB962C8B-B14F-4D97-AF65-F5344CB8AC3E}">
-        <p14:creationId xmlns:p14="http://schemas.microsoft.com/office/powerpoint/2010/main" val="318089992"/>
       </p:ext>
     </p:extLst>
   </p:cSld>
@@ -7197,6 +6934,16 @@
             <a:p>
               <a:pPr algn="ctr"/>
               <a:r>
+                <a:rPr kumimoji="1" lang="en-US" altLang="zh-TW" sz="2000" dirty="0" smtClean="0">
+                  <a:solidFill>
+                    <a:schemeClr val="bg1"/>
+                  </a:solidFill>
+                  <a:latin typeface="Microsoft JhengHei" panose="020B0604030504040204" pitchFamily="34" charset="-120"/>
+                  <a:ea typeface="Microsoft JhengHei" panose="020B0604030504040204" pitchFamily="34" charset="-120"/>
+                </a:rPr>
+                <a:t>Target </a:t>
+              </a:r>
+              <a:r>
                 <a:rPr kumimoji="1" lang="en-US" altLang="zh-TW" sz="2000" dirty="0">
                   <a:solidFill>
                     <a:schemeClr val="bg1"/>
@@ -7204,7 +6951,7 @@
                   <a:latin typeface="Microsoft JhengHei" panose="020B0604030504040204" pitchFamily="34" charset="-120"/>
                   <a:ea typeface="Microsoft JhengHei" panose="020B0604030504040204" pitchFamily="34" charset="-120"/>
                 </a:rPr>
-                <a:t>Prediction of Target model (pre-trained)</a:t>
+                <a:t>model (pre-trained)</a:t>
               </a:r>
               <a:endParaRPr kumimoji="1" lang="zh-TW" altLang="en-US" sz="2000" dirty="0">
                 <a:solidFill>
@@ -7993,6 +7740,943 @@
           <p:cNvPr id="2" name="標題 1">
             <a:extLst>
               <a:ext uri="{FF2B5EF4-FFF2-40B4-BE49-F238E27FC236}">
+                <a16:creationId xmlns:a16="http://schemas.microsoft.com/office/drawing/2014/main" id="{F9D2C69C-8FFA-234D-A415-83F0D61E99B1}"/>
+              </a:ext>
+            </a:extLst>
+          </p:cNvPr>
+          <p:cNvSpPr>
+            <a:spLocks noGrp="1"/>
+          </p:cNvSpPr>
+          <p:nvPr>
+            <p:ph type="title"/>
+          </p:nvPr>
+        </p:nvSpPr>
+        <p:spPr/>
+        <p:txBody>
+          <a:bodyPr/>
+          <a:lstStyle/>
+          <a:p>
+            <a:r>
+              <a:rPr kumimoji="1" lang="en-US" altLang="zh-TW" b="1" u="sng" dirty="0"/>
+              <a:t>Target Model</a:t>
+            </a:r>
+            <a:r>
+              <a:rPr kumimoji="1" lang="en-US" altLang="zh-TW" dirty="0"/>
+              <a:t> </a:t>
+            </a:r>
+            <a:r>
+              <a:rPr kumimoji="1" lang="zh-CN" altLang="en-US" dirty="0"/>
+              <a:t>建立</a:t>
+            </a:r>
+            <a:endParaRPr kumimoji="1" lang="zh-TW" altLang="en-US" dirty="0"/>
+          </a:p>
+        </p:txBody>
+      </p:sp>
+      <p:sp>
+        <p:nvSpPr>
+          <p:cNvPr id="3" name="內容版面配置區 2">
+            <a:extLst>
+              <a:ext uri="{FF2B5EF4-FFF2-40B4-BE49-F238E27FC236}">
+                <a16:creationId xmlns:a16="http://schemas.microsoft.com/office/drawing/2014/main" id="{341CF6B0-BE5B-7342-B154-83E19791310D}"/>
+              </a:ext>
+            </a:extLst>
+          </p:cNvPr>
+          <p:cNvSpPr>
+            <a:spLocks noGrp="1"/>
+          </p:cNvSpPr>
+          <p:nvPr>
+            <p:ph idx="1"/>
+          </p:nvPr>
+        </p:nvSpPr>
+        <p:spPr/>
+        <p:txBody>
+          <a:bodyPr/>
+          <a:lstStyle/>
+          <a:p>
+            <a:endParaRPr kumimoji="1" lang="zh-TW" altLang="en-US" dirty="0"/>
+          </a:p>
+        </p:txBody>
+      </p:sp>
+      <p:grpSp>
+        <p:nvGrpSpPr>
+          <p:cNvPr id="10" name="群組 9">
+            <a:extLst>
+              <a:ext uri="{FF2B5EF4-FFF2-40B4-BE49-F238E27FC236}">
+                <a16:creationId xmlns:a16="http://schemas.microsoft.com/office/drawing/2014/main" id="{F3E40C42-BE5D-1B44-A8E8-FEFA0ABBBC23}"/>
+              </a:ext>
+            </a:extLst>
+          </p:cNvPr>
+          <p:cNvGrpSpPr/>
+          <p:nvPr/>
+        </p:nvGrpSpPr>
+        <p:grpSpPr>
+          <a:xfrm>
+            <a:off x="1930401" y="1889617"/>
+            <a:ext cx="6570132" cy="4688561"/>
+            <a:chOff x="1166818" y="23117199"/>
+            <a:chExt cx="9074898" cy="6476006"/>
+          </a:xfrm>
+        </p:grpSpPr>
+        <p:sp>
+          <p:nvSpPr>
+            <p:cNvPr id="11" name="圓角矩形 10">
+              <a:extLst>
+                <a:ext uri="{FF2B5EF4-FFF2-40B4-BE49-F238E27FC236}">
+                  <a16:creationId xmlns:a16="http://schemas.microsoft.com/office/drawing/2014/main" id="{AE0F239D-FE19-3544-BD17-9B1464D9E269}"/>
+                </a:ext>
+              </a:extLst>
+            </p:cNvPr>
+            <p:cNvSpPr/>
+            <p:nvPr/>
+          </p:nvSpPr>
+          <p:spPr>
+            <a:xfrm>
+              <a:off x="2579727" y="24566910"/>
+              <a:ext cx="5903576" cy="908288"/>
+            </a:xfrm>
+            <a:prstGeom prst="roundRect">
+              <a:avLst/>
+            </a:prstGeom>
+            <a:solidFill>
+              <a:schemeClr val="accent1"/>
+            </a:solidFill>
+          </p:spPr>
+          <p:style>
+            <a:lnRef idx="2">
+              <a:schemeClr val="accent1">
+                <a:shade val="50000"/>
+              </a:schemeClr>
+            </a:lnRef>
+            <a:fillRef idx="1">
+              <a:schemeClr val="accent1"/>
+            </a:fillRef>
+            <a:effectRef idx="0">
+              <a:schemeClr val="accent1"/>
+            </a:effectRef>
+            <a:fontRef idx="minor">
+              <a:schemeClr val="lt1"/>
+            </a:fontRef>
+          </p:style>
+          <p:txBody>
+            <a:bodyPr rtlCol="0" anchor="ctr"/>
+            <a:lstStyle/>
+            <a:p>
+              <a:pPr algn="ctr"/>
+              <a:r>
+                <a:rPr kumimoji="1" lang="en-US" altLang="zh-TW" sz="2000" dirty="0">
+                  <a:solidFill>
+                    <a:schemeClr val="bg1"/>
+                  </a:solidFill>
+                  <a:latin typeface="Microsoft JhengHei" panose="020B0604030504040204" pitchFamily="34" charset="-120"/>
+                  <a:ea typeface="Microsoft JhengHei" panose="020B0604030504040204" pitchFamily="34" charset="-120"/>
+                </a:rPr>
+                <a:t>Train Model</a:t>
+              </a:r>
+              <a:endParaRPr kumimoji="1" lang="zh-TW" altLang="en-US" sz="2000" dirty="0">
+                <a:solidFill>
+                  <a:schemeClr val="bg1"/>
+                </a:solidFill>
+                <a:latin typeface="Microsoft JhengHei" panose="020B0604030504040204" pitchFamily="34" charset="-120"/>
+                <a:ea typeface="Microsoft JhengHei" panose="020B0604030504040204" pitchFamily="34" charset="-120"/>
+              </a:endParaRPr>
+            </a:p>
+          </p:txBody>
+        </p:sp>
+        <p:sp>
+          <p:nvSpPr>
+            <p:cNvPr id="12" name="圓角矩形 11">
+              <a:extLst>
+                <a:ext uri="{FF2B5EF4-FFF2-40B4-BE49-F238E27FC236}">
+                  <a16:creationId xmlns:a16="http://schemas.microsoft.com/office/drawing/2014/main" id="{1892D5C7-EB47-6746-B314-661CF310298C}"/>
+                </a:ext>
+              </a:extLst>
+            </p:cNvPr>
+            <p:cNvSpPr/>
+            <p:nvPr/>
+          </p:nvSpPr>
+          <p:spPr>
+            <a:xfrm>
+              <a:off x="1361382" y="25993758"/>
+              <a:ext cx="2399642" cy="908288"/>
+            </a:xfrm>
+            <a:prstGeom prst="roundRect">
+              <a:avLst/>
+            </a:prstGeom>
+            <a:solidFill>
+              <a:schemeClr val="accent1"/>
+            </a:solidFill>
+          </p:spPr>
+          <p:style>
+            <a:lnRef idx="2">
+              <a:schemeClr val="accent1">
+                <a:shade val="50000"/>
+              </a:schemeClr>
+            </a:lnRef>
+            <a:fillRef idx="1">
+              <a:schemeClr val="accent1"/>
+            </a:fillRef>
+            <a:effectRef idx="0">
+              <a:schemeClr val="accent1"/>
+            </a:effectRef>
+            <a:fontRef idx="minor">
+              <a:schemeClr val="lt1"/>
+            </a:fontRef>
+          </p:style>
+          <p:txBody>
+            <a:bodyPr rtlCol="0" anchor="ctr"/>
+            <a:lstStyle/>
+            <a:p>
+              <a:pPr algn="ctr"/>
+              <a:r>
+                <a:rPr kumimoji="1" lang="en-US" altLang="zh-TW" sz="2000" dirty="0" err="1">
+                  <a:solidFill>
+                    <a:schemeClr val="bg1"/>
+                  </a:solidFill>
+                  <a:latin typeface="Microsoft JhengHei" panose="020B0604030504040204" pitchFamily="34" charset="-120"/>
+                  <a:ea typeface="Microsoft JhengHei" panose="020B0604030504040204" pitchFamily="34" charset="-120"/>
+                </a:rPr>
+                <a:t>Deepnet</a:t>
+              </a:r>
+              <a:endParaRPr kumimoji="1" lang="zh-TW" altLang="en-US" sz="2000" dirty="0">
+                <a:solidFill>
+                  <a:schemeClr val="bg1"/>
+                </a:solidFill>
+                <a:latin typeface="Microsoft JhengHei" panose="020B0604030504040204" pitchFamily="34" charset="-120"/>
+                <a:ea typeface="Microsoft JhengHei" panose="020B0604030504040204" pitchFamily="34" charset="-120"/>
+              </a:endParaRPr>
+            </a:p>
+          </p:txBody>
+        </p:sp>
+        <p:sp>
+          <p:nvSpPr>
+            <p:cNvPr id="13" name="圓角矩形 12">
+              <a:extLst>
+                <a:ext uri="{FF2B5EF4-FFF2-40B4-BE49-F238E27FC236}">
+                  <a16:creationId xmlns:a16="http://schemas.microsoft.com/office/drawing/2014/main" id="{D280BB8B-8612-E343-AD11-006BCD9F0B9C}"/>
+                </a:ext>
+              </a:extLst>
+            </p:cNvPr>
+            <p:cNvSpPr/>
+            <p:nvPr/>
+          </p:nvSpPr>
+          <p:spPr>
+            <a:xfrm>
+              <a:off x="4187230" y="25978260"/>
+              <a:ext cx="2814140" cy="908288"/>
+            </a:xfrm>
+            <a:prstGeom prst="roundRect">
+              <a:avLst/>
+            </a:prstGeom>
+            <a:solidFill>
+              <a:schemeClr val="accent1"/>
+            </a:solidFill>
+          </p:spPr>
+          <p:style>
+            <a:lnRef idx="2">
+              <a:schemeClr val="accent1">
+                <a:shade val="50000"/>
+              </a:schemeClr>
+            </a:lnRef>
+            <a:fillRef idx="1">
+              <a:schemeClr val="accent1"/>
+            </a:fillRef>
+            <a:effectRef idx="0">
+              <a:schemeClr val="accent1"/>
+            </a:effectRef>
+            <a:fontRef idx="minor">
+              <a:schemeClr val="lt1"/>
+            </a:fontRef>
+          </p:style>
+          <p:txBody>
+            <a:bodyPr rtlCol="0" anchor="ctr"/>
+            <a:lstStyle/>
+            <a:p>
+              <a:pPr algn="ctr"/>
+              <a:r>
+                <a:rPr kumimoji="1" lang="en-US" altLang="zh-TW" sz="2000" dirty="0">
+                  <a:solidFill>
+                    <a:schemeClr val="bg1"/>
+                  </a:solidFill>
+                  <a:latin typeface="Microsoft JhengHei" panose="020B0604030504040204" pitchFamily="34" charset="-120"/>
+                  <a:ea typeface="Microsoft JhengHei" panose="020B0604030504040204" pitchFamily="34" charset="-120"/>
+                </a:rPr>
+                <a:t>Decision Tree</a:t>
+              </a:r>
+              <a:endParaRPr kumimoji="1" lang="zh-TW" altLang="en-US" sz="2000" dirty="0">
+                <a:solidFill>
+                  <a:schemeClr val="bg1"/>
+                </a:solidFill>
+                <a:latin typeface="Microsoft JhengHei" panose="020B0604030504040204" pitchFamily="34" charset="-120"/>
+                <a:ea typeface="Microsoft JhengHei" panose="020B0604030504040204" pitchFamily="34" charset="-120"/>
+              </a:endParaRPr>
+            </a:p>
+          </p:txBody>
+        </p:sp>
+        <p:sp>
+          <p:nvSpPr>
+            <p:cNvPr id="14" name="圓角矩形 13">
+              <a:extLst>
+                <a:ext uri="{FF2B5EF4-FFF2-40B4-BE49-F238E27FC236}">
+                  <a16:creationId xmlns:a16="http://schemas.microsoft.com/office/drawing/2014/main" id="{A5F7FEC7-A0E0-4740-838D-5C3D7B8A4B52}"/>
+                </a:ext>
+              </a:extLst>
+            </p:cNvPr>
+            <p:cNvSpPr/>
+            <p:nvPr/>
+          </p:nvSpPr>
+          <p:spPr>
+            <a:xfrm>
+              <a:off x="7427576" y="25978260"/>
+              <a:ext cx="2814140" cy="908288"/>
+            </a:xfrm>
+            <a:prstGeom prst="roundRect">
+              <a:avLst/>
+            </a:prstGeom>
+            <a:solidFill>
+              <a:schemeClr val="accent1"/>
+            </a:solidFill>
+          </p:spPr>
+          <p:style>
+            <a:lnRef idx="2">
+              <a:schemeClr val="accent1">
+                <a:shade val="50000"/>
+              </a:schemeClr>
+            </a:lnRef>
+            <a:fillRef idx="1">
+              <a:schemeClr val="accent1"/>
+            </a:fillRef>
+            <a:effectRef idx="0">
+              <a:schemeClr val="accent1"/>
+            </a:effectRef>
+            <a:fontRef idx="minor">
+              <a:schemeClr val="lt1"/>
+            </a:fontRef>
+          </p:style>
+          <p:txBody>
+            <a:bodyPr rtlCol="0" anchor="ctr"/>
+            <a:lstStyle/>
+            <a:p>
+              <a:pPr algn="ctr"/>
+              <a:r>
+                <a:rPr kumimoji="1" lang="en-US" altLang="zh-TW" sz="2000" dirty="0">
+                  <a:solidFill>
+                    <a:schemeClr val="bg1"/>
+                  </a:solidFill>
+                  <a:latin typeface="Microsoft JhengHei" panose="020B0604030504040204" pitchFamily="34" charset="-120"/>
+                  <a:ea typeface="Microsoft JhengHei" panose="020B0604030504040204" pitchFamily="34" charset="-120"/>
+                </a:rPr>
+                <a:t>Ensemble</a:t>
+              </a:r>
+              <a:endParaRPr kumimoji="1" lang="zh-TW" altLang="en-US" sz="2000" dirty="0">
+                <a:solidFill>
+                  <a:schemeClr val="bg1"/>
+                </a:solidFill>
+                <a:latin typeface="Microsoft JhengHei" panose="020B0604030504040204" pitchFamily="34" charset="-120"/>
+                <a:ea typeface="Microsoft JhengHei" panose="020B0604030504040204" pitchFamily="34" charset="-120"/>
+              </a:endParaRPr>
+            </a:p>
+          </p:txBody>
+        </p:sp>
+        <p:sp>
+          <p:nvSpPr>
+            <p:cNvPr id="15" name="圓角矩形 14">
+              <a:extLst>
+                <a:ext uri="{FF2B5EF4-FFF2-40B4-BE49-F238E27FC236}">
+                  <a16:creationId xmlns:a16="http://schemas.microsoft.com/office/drawing/2014/main" id="{58F57881-3C14-5244-BF1F-48FD8CC91230}"/>
+                </a:ext>
+              </a:extLst>
+            </p:cNvPr>
+            <p:cNvSpPr/>
+            <p:nvPr/>
+          </p:nvSpPr>
+          <p:spPr>
+            <a:xfrm>
+              <a:off x="2573583" y="23117199"/>
+              <a:ext cx="5903576" cy="908288"/>
+            </a:xfrm>
+            <a:prstGeom prst="roundRect">
+              <a:avLst/>
+            </a:prstGeom>
+            <a:solidFill>
+              <a:schemeClr val="accent1"/>
+            </a:solidFill>
+          </p:spPr>
+          <p:style>
+            <a:lnRef idx="2">
+              <a:schemeClr val="accent1">
+                <a:shade val="50000"/>
+              </a:schemeClr>
+            </a:lnRef>
+            <a:fillRef idx="1">
+              <a:schemeClr val="accent1"/>
+            </a:fillRef>
+            <a:effectRef idx="0">
+              <a:schemeClr val="accent1"/>
+            </a:effectRef>
+            <a:fontRef idx="minor">
+              <a:schemeClr val="lt1"/>
+            </a:fontRef>
+          </p:style>
+          <p:txBody>
+            <a:bodyPr rtlCol="0" anchor="ctr"/>
+            <a:lstStyle/>
+            <a:p>
+              <a:pPr algn="ctr"/>
+              <a:r>
+                <a:rPr kumimoji="1" lang="en-US" altLang="zh-TW" sz="2000" dirty="0">
+                  <a:solidFill>
+                    <a:schemeClr val="bg1"/>
+                  </a:solidFill>
+                  <a:latin typeface="Microsoft JhengHei" panose="020B0604030504040204" pitchFamily="34" charset="-120"/>
+                  <a:ea typeface="Microsoft JhengHei" panose="020B0604030504040204" pitchFamily="34" charset="-120"/>
+                </a:rPr>
+                <a:t>Upload data to </a:t>
+              </a:r>
+              <a:r>
+                <a:rPr kumimoji="1" lang="en-US" altLang="zh-TW" sz="2000" b="1" dirty="0">
+                  <a:solidFill>
+                    <a:schemeClr val="bg1"/>
+                  </a:solidFill>
+                  <a:latin typeface="Microsoft JhengHei" panose="020B0604030504040204" pitchFamily="34" charset="-120"/>
+                  <a:ea typeface="Microsoft JhengHei" panose="020B0604030504040204" pitchFamily="34" charset="-120"/>
+                </a:rPr>
+                <a:t>BigML</a:t>
+              </a:r>
+              <a:endParaRPr kumimoji="1" lang="zh-TW" altLang="en-US" sz="2000" b="1" dirty="0">
+                <a:solidFill>
+                  <a:schemeClr val="bg1"/>
+                </a:solidFill>
+                <a:latin typeface="Microsoft JhengHei" panose="020B0604030504040204" pitchFamily="34" charset="-120"/>
+                <a:ea typeface="Microsoft JhengHei" panose="020B0604030504040204" pitchFamily="34" charset="-120"/>
+              </a:endParaRPr>
+            </a:p>
+          </p:txBody>
+        </p:sp>
+        <p:sp>
+          <p:nvSpPr>
+            <p:cNvPr id="16" name="向下箭號 15">
+              <a:extLst>
+                <a:ext uri="{FF2B5EF4-FFF2-40B4-BE49-F238E27FC236}">
+                  <a16:creationId xmlns:a16="http://schemas.microsoft.com/office/drawing/2014/main" id="{C6A4A9BC-03D2-7441-B806-AE833D5F5ECB}"/>
+                </a:ext>
+              </a:extLst>
+            </p:cNvPr>
+            <p:cNvSpPr/>
+            <p:nvPr/>
+          </p:nvSpPr>
+          <p:spPr>
+            <a:xfrm>
+              <a:off x="4976965" y="24028156"/>
+              <a:ext cx="1338107" cy="479109"/>
+            </a:xfrm>
+            <a:prstGeom prst="downArrow">
+              <a:avLst/>
+            </a:prstGeom>
+            <a:solidFill>
+              <a:schemeClr val="tx2">
+                <a:lumMod val="75000"/>
+              </a:schemeClr>
+            </a:solidFill>
+          </p:spPr>
+          <p:style>
+            <a:lnRef idx="2">
+              <a:schemeClr val="accent1">
+                <a:shade val="50000"/>
+              </a:schemeClr>
+            </a:lnRef>
+            <a:fillRef idx="1">
+              <a:schemeClr val="accent1"/>
+            </a:fillRef>
+            <a:effectRef idx="0">
+              <a:schemeClr val="accent1"/>
+            </a:effectRef>
+            <a:fontRef idx="minor">
+              <a:schemeClr val="lt1"/>
+            </a:fontRef>
+          </p:style>
+          <p:txBody>
+            <a:bodyPr rtlCol="0" anchor="ctr"/>
+            <a:lstStyle/>
+            <a:p>
+              <a:pPr algn="ctr"/>
+              <a:endParaRPr kumimoji="1" lang="zh-TW" altLang="en-US" sz="1200" dirty="0"/>
+            </a:p>
+          </p:txBody>
+        </p:sp>
+        <p:sp>
+          <p:nvSpPr>
+            <p:cNvPr id="17" name="向下箭號 16">
+              <a:extLst>
+                <a:ext uri="{FF2B5EF4-FFF2-40B4-BE49-F238E27FC236}">
+                  <a16:creationId xmlns:a16="http://schemas.microsoft.com/office/drawing/2014/main" id="{A9382121-20AF-8D49-81E7-AA00999743A4}"/>
+                </a:ext>
+              </a:extLst>
+            </p:cNvPr>
+            <p:cNvSpPr/>
+            <p:nvPr/>
+          </p:nvSpPr>
+          <p:spPr>
+            <a:xfrm>
+              <a:off x="2242574" y="25483873"/>
+              <a:ext cx="1338107" cy="479109"/>
+            </a:xfrm>
+            <a:prstGeom prst="downArrow">
+              <a:avLst/>
+            </a:prstGeom>
+            <a:solidFill>
+              <a:schemeClr val="tx2">
+                <a:lumMod val="75000"/>
+              </a:schemeClr>
+            </a:solidFill>
+          </p:spPr>
+          <p:style>
+            <a:lnRef idx="2">
+              <a:schemeClr val="accent1">
+                <a:shade val="50000"/>
+              </a:schemeClr>
+            </a:lnRef>
+            <a:fillRef idx="1">
+              <a:schemeClr val="accent1"/>
+            </a:fillRef>
+            <a:effectRef idx="0">
+              <a:schemeClr val="accent1"/>
+            </a:effectRef>
+            <a:fontRef idx="minor">
+              <a:schemeClr val="lt1"/>
+            </a:fontRef>
+          </p:style>
+          <p:txBody>
+            <a:bodyPr rtlCol="0" anchor="ctr"/>
+            <a:lstStyle/>
+            <a:p>
+              <a:pPr algn="ctr"/>
+              <a:endParaRPr kumimoji="1" lang="zh-TW" altLang="en-US" sz="1200" dirty="0"/>
+            </a:p>
+          </p:txBody>
+        </p:sp>
+        <p:sp>
+          <p:nvSpPr>
+            <p:cNvPr id="18" name="向下箭號 17">
+              <a:extLst>
+                <a:ext uri="{FF2B5EF4-FFF2-40B4-BE49-F238E27FC236}">
+                  <a16:creationId xmlns:a16="http://schemas.microsoft.com/office/drawing/2014/main" id="{77C85F1E-E056-1D4A-930C-1976EE84291C}"/>
+                </a:ext>
+              </a:extLst>
+            </p:cNvPr>
+            <p:cNvSpPr/>
+            <p:nvPr/>
+          </p:nvSpPr>
+          <p:spPr>
+            <a:xfrm>
+              <a:off x="5015143" y="26915350"/>
+              <a:ext cx="1338107" cy="479109"/>
+            </a:xfrm>
+            <a:prstGeom prst="downArrow">
+              <a:avLst/>
+            </a:prstGeom>
+            <a:solidFill>
+              <a:schemeClr val="tx2">
+                <a:lumMod val="75000"/>
+              </a:schemeClr>
+            </a:solidFill>
+          </p:spPr>
+          <p:style>
+            <a:lnRef idx="2">
+              <a:schemeClr val="accent1">
+                <a:shade val="50000"/>
+              </a:schemeClr>
+            </a:lnRef>
+            <a:fillRef idx="1">
+              <a:schemeClr val="accent1"/>
+            </a:fillRef>
+            <a:effectRef idx="0">
+              <a:schemeClr val="accent1"/>
+            </a:effectRef>
+            <a:fontRef idx="minor">
+              <a:schemeClr val="lt1"/>
+            </a:fontRef>
+          </p:style>
+          <p:txBody>
+            <a:bodyPr rtlCol="0" anchor="ctr"/>
+            <a:lstStyle/>
+            <a:p>
+              <a:pPr algn="ctr"/>
+              <a:endParaRPr kumimoji="1" lang="zh-TW" altLang="en-US" sz="1200" dirty="0"/>
+            </a:p>
+          </p:txBody>
+        </p:sp>
+        <p:sp>
+          <p:nvSpPr>
+            <p:cNvPr id="19" name="向下箭號 18">
+              <a:extLst>
+                <a:ext uri="{FF2B5EF4-FFF2-40B4-BE49-F238E27FC236}">
+                  <a16:creationId xmlns:a16="http://schemas.microsoft.com/office/drawing/2014/main" id="{CD6B3275-3FA8-A64B-B244-BBFC67C8B7A1}"/>
+                </a:ext>
+              </a:extLst>
+            </p:cNvPr>
+            <p:cNvSpPr/>
+            <p:nvPr/>
+          </p:nvSpPr>
+          <p:spPr>
+            <a:xfrm>
+              <a:off x="7455579" y="25483871"/>
+              <a:ext cx="1338107" cy="479109"/>
+            </a:xfrm>
+            <a:prstGeom prst="downArrow">
+              <a:avLst/>
+            </a:prstGeom>
+            <a:solidFill>
+              <a:schemeClr val="tx2">
+                <a:lumMod val="75000"/>
+              </a:schemeClr>
+            </a:solidFill>
+          </p:spPr>
+          <p:style>
+            <a:lnRef idx="2">
+              <a:schemeClr val="accent1">
+                <a:shade val="50000"/>
+              </a:schemeClr>
+            </a:lnRef>
+            <a:fillRef idx="1">
+              <a:schemeClr val="accent1"/>
+            </a:fillRef>
+            <a:effectRef idx="0">
+              <a:schemeClr val="accent1"/>
+            </a:effectRef>
+            <a:fontRef idx="minor">
+              <a:schemeClr val="lt1"/>
+            </a:fontRef>
+          </p:style>
+          <p:txBody>
+            <a:bodyPr rtlCol="0" anchor="ctr"/>
+            <a:lstStyle/>
+            <a:p>
+              <a:pPr algn="ctr"/>
+              <a:endParaRPr kumimoji="1" lang="zh-TW" altLang="en-US" sz="1200" dirty="0"/>
+            </a:p>
+          </p:txBody>
+        </p:sp>
+        <p:sp>
+          <p:nvSpPr>
+            <p:cNvPr id="20" name="圓角矩形 19">
+              <a:extLst>
+                <a:ext uri="{FF2B5EF4-FFF2-40B4-BE49-F238E27FC236}">
+                  <a16:creationId xmlns:a16="http://schemas.microsoft.com/office/drawing/2014/main" id="{8423031B-48CE-AC46-A388-08C2739A7794}"/>
+                </a:ext>
+              </a:extLst>
+            </p:cNvPr>
+            <p:cNvSpPr/>
+            <p:nvPr/>
+          </p:nvSpPr>
+          <p:spPr>
+            <a:xfrm>
+              <a:off x="1166818" y="28500085"/>
+              <a:ext cx="4278907" cy="1093120"/>
+            </a:xfrm>
+            <a:prstGeom prst="roundRect">
+              <a:avLst/>
+            </a:prstGeom>
+            <a:solidFill>
+              <a:schemeClr val="accent1"/>
+            </a:solidFill>
+          </p:spPr>
+          <p:style>
+            <a:lnRef idx="2">
+              <a:schemeClr val="accent1">
+                <a:shade val="50000"/>
+              </a:schemeClr>
+            </a:lnRef>
+            <a:fillRef idx="1">
+              <a:schemeClr val="accent1"/>
+            </a:fillRef>
+            <a:effectRef idx="0">
+              <a:schemeClr val="accent1"/>
+            </a:effectRef>
+            <a:fontRef idx="minor">
+              <a:schemeClr val="lt1"/>
+            </a:fontRef>
+          </p:style>
+          <p:txBody>
+            <a:bodyPr rtlCol="0" anchor="ctr"/>
+            <a:lstStyle/>
+            <a:p>
+              <a:pPr algn="ctr"/>
+              <a:r>
+                <a:rPr kumimoji="1" lang="en-US" altLang="zh-TW" sz="2000" dirty="0">
+                  <a:solidFill>
+                    <a:schemeClr val="bg1"/>
+                  </a:solidFill>
+                  <a:latin typeface="Microsoft JhengHei" panose="020B0604030504040204" pitchFamily="34" charset="-120"/>
+                  <a:ea typeface="Microsoft JhengHei" panose="020B0604030504040204" pitchFamily="34" charset="-120"/>
+                </a:rPr>
+                <a:t>Local : </a:t>
+              </a:r>
+            </a:p>
+            <a:p>
+              <a:pPr algn="ctr"/>
+              <a:r>
+                <a:rPr kumimoji="1" lang="en-US" altLang="zh-TW" sz="2000" dirty="0">
+                  <a:solidFill>
+                    <a:schemeClr val="bg1"/>
+                  </a:solidFill>
+                  <a:latin typeface="Microsoft JhengHei" panose="020B0604030504040204" pitchFamily="34" charset="-120"/>
+                  <a:ea typeface="Microsoft JhengHei" panose="020B0604030504040204" pitchFamily="34" charset="-120"/>
+                </a:rPr>
+                <a:t>Model parameters</a:t>
+              </a:r>
+              <a:endParaRPr kumimoji="1" lang="zh-TW" altLang="en-US" sz="2000" dirty="0">
+                <a:solidFill>
+                  <a:schemeClr val="bg1"/>
+                </a:solidFill>
+                <a:latin typeface="Microsoft JhengHei" panose="020B0604030504040204" pitchFamily="34" charset="-120"/>
+                <a:ea typeface="Microsoft JhengHei" panose="020B0604030504040204" pitchFamily="34" charset="-120"/>
+              </a:endParaRPr>
+            </a:p>
+          </p:txBody>
+        </p:sp>
+        <p:sp>
+          <p:nvSpPr>
+            <p:cNvPr id="21" name="圓角矩形 20">
+              <a:extLst>
+                <a:ext uri="{FF2B5EF4-FFF2-40B4-BE49-F238E27FC236}">
+                  <a16:creationId xmlns:a16="http://schemas.microsoft.com/office/drawing/2014/main" id="{1906E4A1-3BA2-3C4D-9731-9ADAB56A87A9}"/>
+                </a:ext>
+              </a:extLst>
+            </p:cNvPr>
+            <p:cNvSpPr/>
+            <p:nvPr/>
+          </p:nvSpPr>
+          <p:spPr>
+            <a:xfrm>
+              <a:off x="5571000" y="28500085"/>
+              <a:ext cx="4601420" cy="1088702"/>
+            </a:xfrm>
+            <a:prstGeom prst="roundRect">
+              <a:avLst/>
+            </a:prstGeom>
+            <a:solidFill>
+              <a:schemeClr val="accent1"/>
+            </a:solidFill>
+          </p:spPr>
+          <p:style>
+            <a:lnRef idx="2">
+              <a:schemeClr val="accent1">
+                <a:shade val="50000"/>
+              </a:schemeClr>
+            </a:lnRef>
+            <a:fillRef idx="1">
+              <a:schemeClr val="accent1"/>
+            </a:fillRef>
+            <a:effectRef idx="0">
+              <a:schemeClr val="accent1"/>
+            </a:effectRef>
+            <a:fontRef idx="minor">
+              <a:schemeClr val="lt1"/>
+            </a:fontRef>
+          </p:style>
+          <p:txBody>
+            <a:bodyPr rtlCol="0" anchor="ctr"/>
+            <a:lstStyle/>
+            <a:p>
+              <a:pPr algn="ctr"/>
+              <a:r>
+                <a:rPr kumimoji="1" lang="en-US" altLang="zh-TW" sz="2000" dirty="0">
+                  <a:solidFill>
+                    <a:schemeClr val="bg1"/>
+                  </a:solidFill>
+                  <a:latin typeface="Microsoft JhengHei" panose="020B0604030504040204" pitchFamily="34" charset="-120"/>
+                  <a:ea typeface="Microsoft JhengHei" panose="020B0604030504040204" pitchFamily="34" charset="-120"/>
+                </a:rPr>
+                <a:t>BigML Server : </a:t>
+              </a:r>
+            </a:p>
+            <a:p>
+              <a:pPr algn="ctr"/>
+              <a:r>
+                <a:rPr kumimoji="1" lang="en-US" altLang="zh-TW" sz="2000" dirty="0">
+                  <a:solidFill>
+                    <a:schemeClr val="bg1"/>
+                  </a:solidFill>
+                  <a:latin typeface="Microsoft JhengHei" panose="020B0604030504040204" pitchFamily="34" charset="-120"/>
+                  <a:ea typeface="Microsoft JhengHei" panose="020B0604030504040204" pitchFamily="34" charset="-120"/>
+                </a:rPr>
+                <a:t>Available for prediction</a:t>
+              </a:r>
+            </a:p>
+          </p:txBody>
+        </p:sp>
+        <p:sp>
+          <p:nvSpPr>
+            <p:cNvPr id="22" name="向下箭號 21">
+              <a:extLst>
+                <a:ext uri="{FF2B5EF4-FFF2-40B4-BE49-F238E27FC236}">
+                  <a16:creationId xmlns:a16="http://schemas.microsoft.com/office/drawing/2014/main" id="{0F8DE2E6-1B71-A54D-92CC-42FD0B41B360}"/>
+                </a:ext>
+              </a:extLst>
+            </p:cNvPr>
+            <p:cNvSpPr/>
+            <p:nvPr/>
+          </p:nvSpPr>
+          <p:spPr>
+            <a:xfrm>
+              <a:off x="5077890" y="25515957"/>
+              <a:ext cx="1338107" cy="479109"/>
+            </a:xfrm>
+            <a:prstGeom prst="downArrow">
+              <a:avLst/>
+            </a:prstGeom>
+            <a:solidFill>
+              <a:schemeClr val="tx2">
+                <a:lumMod val="75000"/>
+              </a:schemeClr>
+            </a:solidFill>
+          </p:spPr>
+          <p:style>
+            <a:lnRef idx="2">
+              <a:schemeClr val="accent1">
+                <a:shade val="50000"/>
+              </a:schemeClr>
+            </a:lnRef>
+            <a:fillRef idx="1">
+              <a:schemeClr val="accent1"/>
+            </a:fillRef>
+            <a:effectRef idx="0">
+              <a:schemeClr val="accent1"/>
+            </a:effectRef>
+            <a:fontRef idx="minor">
+              <a:schemeClr val="lt1"/>
+            </a:fontRef>
+          </p:style>
+          <p:txBody>
+            <a:bodyPr rtlCol="0" anchor="ctr"/>
+            <a:lstStyle/>
+            <a:p>
+              <a:pPr algn="ctr"/>
+              <a:endParaRPr kumimoji="1" lang="zh-TW" altLang="en-US" sz="1200" dirty="0"/>
+            </a:p>
+          </p:txBody>
+        </p:sp>
+        <p:sp>
+          <p:nvSpPr>
+            <p:cNvPr id="23" name="圓角矩形 22">
+              <a:extLst>
+                <a:ext uri="{FF2B5EF4-FFF2-40B4-BE49-F238E27FC236}">
+                  <a16:creationId xmlns:a16="http://schemas.microsoft.com/office/drawing/2014/main" id="{76755201-5237-B444-866E-41D89F55A754}"/>
+                </a:ext>
+              </a:extLst>
+            </p:cNvPr>
+            <p:cNvSpPr/>
+            <p:nvPr/>
+          </p:nvSpPr>
+          <p:spPr>
+            <a:xfrm>
+              <a:off x="2766070" y="27429677"/>
+              <a:ext cx="5903576" cy="908288"/>
+            </a:xfrm>
+            <a:prstGeom prst="roundRect">
+              <a:avLst/>
+            </a:prstGeom>
+            <a:solidFill>
+              <a:schemeClr val="accent1"/>
+            </a:solidFill>
+          </p:spPr>
+          <p:style>
+            <a:lnRef idx="2">
+              <a:schemeClr val="accent1">
+                <a:shade val="50000"/>
+              </a:schemeClr>
+            </a:lnRef>
+            <a:fillRef idx="1">
+              <a:schemeClr val="accent1"/>
+            </a:fillRef>
+            <a:effectRef idx="0">
+              <a:schemeClr val="accent1"/>
+            </a:effectRef>
+            <a:fontRef idx="minor">
+              <a:schemeClr val="lt1"/>
+            </a:fontRef>
+          </p:style>
+          <p:txBody>
+            <a:bodyPr rtlCol="0" anchor="ctr"/>
+            <a:lstStyle/>
+            <a:p>
+              <a:pPr algn="ctr"/>
+              <a:r>
+                <a:rPr kumimoji="1" lang="en-US" altLang="zh-TW" sz="2000" b="1" u="sng" dirty="0">
+                  <a:solidFill>
+                    <a:schemeClr val="bg1"/>
+                  </a:solidFill>
+                  <a:latin typeface="Microsoft JhengHei" panose="020B0604030504040204" pitchFamily="34" charset="-120"/>
+                  <a:ea typeface="Microsoft JhengHei" panose="020B0604030504040204" pitchFamily="34" charset="-120"/>
+                </a:rPr>
+                <a:t>Target Model</a:t>
+              </a:r>
+              <a:r>
+                <a:rPr kumimoji="1" lang="en-US" altLang="zh-TW" sz="2000" b="1" dirty="0">
+                  <a:solidFill>
+                    <a:schemeClr val="bg1"/>
+                  </a:solidFill>
+                  <a:latin typeface="Microsoft JhengHei" panose="020B0604030504040204" pitchFamily="34" charset="-120"/>
+                  <a:ea typeface="Microsoft JhengHei" panose="020B0604030504040204" pitchFamily="34" charset="-120"/>
+                </a:rPr>
+                <a:t> </a:t>
+              </a:r>
+              <a:r>
+                <a:rPr kumimoji="1" lang="en-US" altLang="zh-TW" sz="2000" dirty="0">
+                  <a:solidFill>
+                    <a:schemeClr val="bg1"/>
+                  </a:solidFill>
+                  <a:latin typeface="Microsoft JhengHei" panose="020B0604030504040204" pitchFamily="34" charset="-120"/>
+                  <a:ea typeface="Microsoft JhengHei" panose="020B0604030504040204" pitchFamily="34" charset="-120"/>
+                </a:rPr>
+                <a:t>Available</a:t>
+              </a:r>
+              <a:endParaRPr kumimoji="1" lang="zh-TW" altLang="en-US" sz="2000" dirty="0">
+                <a:solidFill>
+                  <a:schemeClr val="bg1"/>
+                </a:solidFill>
+                <a:latin typeface="Microsoft JhengHei" panose="020B0604030504040204" pitchFamily="34" charset="-120"/>
+                <a:ea typeface="Microsoft JhengHei" panose="020B0604030504040204" pitchFamily="34" charset="-120"/>
+              </a:endParaRPr>
+            </a:p>
+          </p:txBody>
+        </p:sp>
+      </p:grpSp>
+    </p:spTree>
+    <p:extLst>
+      <p:ext uri="{BB962C8B-B14F-4D97-AF65-F5344CB8AC3E}">
+        <p14:creationId xmlns:p14="http://schemas.microsoft.com/office/powerpoint/2010/main" val="318089992"/>
+      </p:ext>
+    </p:extLst>
+  </p:cSld>
+  <p:clrMapOvr>
+    <a:masterClrMapping/>
+  </p:clrMapOvr>
+</p:sld>
+</file>
+
+<file path=ppt/slides/slide6.xml><?xml version="1.0" encoding="utf-8"?>
+<p:sld xmlns:a="http://schemas.openxmlformats.org/drawingml/2006/main" xmlns:r="http://schemas.openxmlformats.org/officeDocument/2006/relationships" xmlns:p="http://schemas.openxmlformats.org/presentationml/2006/main">
+  <p:cSld>
+    <p:spTree>
+      <p:nvGrpSpPr>
+        <p:cNvPr id="1" name=""/>
+        <p:cNvGrpSpPr/>
+        <p:nvPr/>
+      </p:nvGrpSpPr>
+      <p:grpSpPr>
+        <a:xfrm>
+          <a:off x="0" y="0"/>
+          <a:ext cx="0" cy="0"/>
+          <a:chOff x="0" y="0"/>
+          <a:chExt cx="0" cy="0"/>
+        </a:xfrm>
+      </p:grpSpPr>
+      <p:sp>
+        <p:nvSpPr>
+          <p:cNvPr id="2" name="標題 1">
+            <a:extLst>
+              <a:ext uri="{FF2B5EF4-FFF2-40B4-BE49-F238E27FC236}">
                 <a16:creationId xmlns:a16="http://schemas.microsoft.com/office/drawing/2014/main" id="{A9E6EF75-9FE7-4349-B9EB-55747C4ECCCF}"/>
               </a:ext>
             </a:extLst>
@@ -8006,18 +8690,32 @@
         </p:nvSpPr>
         <p:spPr/>
         <p:txBody>
-          <a:bodyPr/>
+          <a:bodyPr>
+            <a:normAutofit/>
+          </a:bodyPr>
           <a:lstStyle/>
           <a:p>
             <a:r>
-              <a:rPr kumimoji="1" lang="zh-CN" altLang="en-US" dirty="0"/>
-              <a:t>改變參數偷取</a:t>
+              <a:rPr kumimoji="1" lang="en-US" altLang="zh-CN" b="1" u="sng" dirty="0" err="1"/>
+              <a:t>Trainning</a:t>
             </a:r>
             <a:r>
-              <a:rPr kumimoji="1" lang="en-US" altLang="zh-CN" dirty="0"/>
-              <a:t> Model</a:t>
+              <a:rPr kumimoji="1" lang="en-US" altLang="zh-CN" b="1" u="sng" dirty="0"/>
+              <a:t> of </a:t>
             </a:r>
-            <a:endParaRPr kumimoji="1" lang="zh-TW" altLang="en-US" dirty="0"/>
+            <a:r>
+              <a:rPr kumimoji="1" lang="en-US" altLang="zh-CN" b="1" u="sng" dirty="0" err="1"/>
+              <a:t>Contorl</a:t>
+            </a:r>
+            <a:r>
+              <a:rPr kumimoji="1" lang="en-US" altLang="zh-CN" b="1" u="sng" dirty="0"/>
+              <a:t>/Copy </a:t>
+            </a:r>
+            <a:r>
+              <a:rPr kumimoji="1" lang="en-US" altLang="zh-CN" b="1" u="sng" dirty="0"/>
+              <a:t>Model</a:t>
+            </a:r>
+            <a:endParaRPr kumimoji="1" lang="zh-TW" altLang="en-US" b="1" u="sng" dirty="0"/>
           </a:p>
         </p:txBody>
       </p:sp>
@@ -9416,7 +10114,7 @@
 </p:sld>
 </file>
 
-<file path=ppt/slides/slide6.xml><?xml version="1.0" encoding="utf-8"?>
+<file path=ppt/slides/slide7.xml><?xml version="1.0" encoding="utf-8"?>
 <p:sld xmlns:a="http://schemas.openxmlformats.org/drawingml/2006/main" xmlns:r="http://schemas.openxmlformats.org/officeDocument/2006/relationships" xmlns:p="http://schemas.openxmlformats.org/presentationml/2006/main">
   <p:cSld>
     <p:spTree>
@@ -9455,9 +10153,10 @@
           <a:lstStyle/>
           <a:p>
             <a:r>
-              <a:rPr kumimoji="1" lang="zh-TW" altLang="en-US" dirty="0"/>
-              <a:t>結論</a:t>
+              <a:rPr kumimoji="1" lang="en-US" altLang="zh-TW" dirty="0" smtClean="0"/>
+              <a:t>Conclusion</a:t>
             </a:r>
+            <a:endParaRPr kumimoji="1" lang="zh-TW" altLang="en-US" dirty="0"/>
           </a:p>
         </p:txBody>
       </p:sp>

--- a/final_demo.pptx
+++ b/final_demo.pptx
@@ -12,6 +12,9 @@
     <p:sldId id="257" r:id="rId6"/>
     <p:sldId id="259" r:id="rId7"/>
     <p:sldId id="260" r:id="rId8"/>
+    <p:sldId id="264" r:id="rId9"/>
+    <p:sldId id="265" r:id="rId10"/>
+    <p:sldId id="266" r:id="rId11"/>
   </p:sldIdLst>
   <p:sldSz cx="12192000" cy="6858000"/>
   <p:notesSz cx="6858000" cy="9144000"/>
@@ -5819,6 +5822,298 @@
     <p:extLst>
       <p:ext uri="{BB962C8B-B14F-4D97-AF65-F5344CB8AC3E}">
         <p14:creationId xmlns:p14="http://schemas.microsoft.com/office/powerpoint/2010/main" val="864492208"/>
+      </p:ext>
+    </p:extLst>
+  </p:cSld>
+  <p:clrMapOvr>
+    <a:masterClrMapping/>
+  </p:clrMapOvr>
+</p:sld>
+</file>
+
+<file path=ppt/slides/slide10.xml><?xml version="1.0" encoding="utf-8"?>
+<p:sld xmlns:a="http://schemas.openxmlformats.org/drawingml/2006/main" xmlns:r="http://schemas.openxmlformats.org/officeDocument/2006/relationships" xmlns:p="http://schemas.openxmlformats.org/presentationml/2006/main">
+  <p:cSld>
+    <p:spTree>
+      <p:nvGrpSpPr>
+        <p:cNvPr id="1" name=""/>
+        <p:cNvGrpSpPr/>
+        <p:nvPr/>
+      </p:nvGrpSpPr>
+      <p:grpSpPr>
+        <a:xfrm>
+          <a:off x="0" y="0"/>
+          <a:ext cx="0" cy="0"/>
+          <a:chOff x="0" y="0"/>
+          <a:chExt cx="0" cy="0"/>
+        </a:xfrm>
+      </p:grpSpPr>
+      <p:sp>
+        <p:nvSpPr>
+          <p:cNvPr id="2" name="標題 1"/>
+          <p:cNvSpPr>
+            <a:spLocks noGrp="1"/>
+          </p:cNvSpPr>
+          <p:nvPr>
+            <p:ph type="title"/>
+          </p:nvPr>
+        </p:nvSpPr>
+        <p:spPr/>
+        <p:txBody>
+          <a:bodyPr/>
+          <a:lstStyle/>
+          <a:p>
+            <a:r>
+              <a:rPr lang="en-US" altLang="zh-TW" dirty="0" smtClean="0"/>
+              <a:t>Testing Accuracy</a:t>
+            </a:r>
+            <a:endParaRPr lang="zh-TW" altLang="en-US" dirty="0"/>
+          </a:p>
+        </p:txBody>
+      </p:sp>
+      <p:pic>
+        <p:nvPicPr>
+          <p:cNvPr id="4" name="內容版面配置區 3"/>
+          <p:cNvPicPr>
+            <a:picLocks noGrp="1" noChangeAspect="1"/>
+          </p:cNvPicPr>
+          <p:nvPr>
+            <p:ph idx="1"/>
+          </p:nvPr>
+        </p:nvPicPr>
+        <p:blipFill>
+          <a:blip r:embed="rId2">
+            <a:extLst>
+              <a:ext uri="{28A0092B-C50C-407E-A947-70E740481C1C}">
+                <a14:useLocalDpi xmlns:a14="http://schemas.microsoft.com/office/drawing/2010/main" val="0"/>
+              </a:ext>
+            </a:extLst>
+          </a:blip>
+          <a:stretch>
+            <a:fillRect/>
+          </a:stretch>
+        </p:blipFill>
+        <p:spPr>
+          <a:xfrm>
+            <a:off x="6281668" y="1346387"/>
+            <a:ext cx="2520000" cy="2520000"/>
+          </a:xfrm>
+        </p:spPr>
+      </p:pic>
+      <p:pic>
+        <p:nvPicPr>
+          <p:cNvPr id="5" name="圖片 4"/>
+          <p:cNvPicPr>
+            <a:picLocks noChangeAspect="1"/>
+          </p:cNvPicPr>
+          <p:nvPr/>
+        </p:nvPicPr>
+        <p:blipFill>
+          <a:blip r:embed="rId3">
+            <a:extLst>
+              <a:ext uri="{28A0092B-C50C-407E-A947-70E740481C1C}">
+                <a14:useLocalDpi xmlns:a14="http://schemas.microsoft.com/office/drawing/2010/main" val="0"/>
+              </a:ext>
+            </a:extLst>
+          </a:blip>
+          <a:stretch>
+            <a:fillRect/>
+          </a:stretch>
+        </p:blipFill>
+        <p:spPr>
+          <a:xfrm>
+            <a:off x="6281668" y="4109722"/>
+            <a:ext cx="2520000" cy="2520000"/>
+          </a:xfrm>
+          <a:prstGeom prst="rect">
+            <a:avLst/>
+          </a:prstGeom>
+        </p:spPr>
+      </p:pic>
+      <p:pic>
+        <p:nvPicPr>
+          <p:cNvPr id="6" name="圖片 5"/>
+          <p:cNvPicPr>
+            <a:picLocks noChangeAspect="1"/>
+          </p:cNvPicPr>
+          <p:nvPr/>
+        </p:nvPicPr>
+        <p:blipFill>
+          <a:blip r:embed="rId4">
+            <a:extLst>
+              <a:ext uri="{28A0092B-C50C-407E-A947-70E740481C1C}">
+                <a14:useLocalDpi xmlns:a14="http://schemas.microsoft.com/office/drawing/2010/main" val="0"/>
+              </a:ext>
+            </a:extLst>
+          </a:blip>
+          <a:stretch>
+            <a:fillRect/>
+          </a:stretch>
+        </p:blipFill>
+        <p:spPr>
+          <a:xfrm>
+            <a:off x="297000" y="1346387"/>
+            <a:ext cx="2520000" cy="2520000"/>
+          </a:xfrm>
+          <a:prstGeom prst="rect">
+            <a:avLst/>
+          </a:prstGeom>
+        </p:spPr>
+      </p:pic>
+      <p:pic>
+        <p:nvPicPr>
+          <p:cNvPr id="7" name="圖片 6"/>
+          <p:cNvPicPr>
+            <a:picLocks noChangeAspect="1"/>
+          </p:cNvPicPr>
+          <p:nvPr/>
+        </p:nvPicPr>
+        <p:blipFill>
+          <a:blip r:embed="rId5">
+            <a:extLst>
+              <a:ext uri="{28A0092B-C50C-407E-A947-70E740481C1C}">
+                <a14:useLocalDpi xmlns:a14="http://schemas.microsoft.com/office/drawing/2010/main" val="0"/>
+              </a:ext>
+            </a:extLst>
+          </a:blip>
+          <a:stretch>
+            <a:fillRect/>
+          </a:stretch>
+        </p:blipFill>
+        <p:spPr>
+          <a:xfrm>
+            <a:off x="297000" y="4109722"/>
+            <a:ext cx="2520000" cy="2520000"/>
+          </a:xfrm>
+          <a:prstGeom prst="rect">
+            <a:avLst/>
+          </a:prstGeom>
+        </p:spPr>
+      </p:pic>
+      <p:pic>
+        <p:nvPicPr>
+          <p:cNvPr id="8" name="圖片 7"/>
+          <p:cNvPicPr>
+            <a:picLocks noChangeAspect="1"/>
+          </p:cNvPicPr>
+          <p:nvPr/>
+        </p:nvPicPr>
+        <p:blipFill>
+          <a:blip r:embed="rId6">
+            <a:extLst>
+              <a:ext uri="{28A0092B-C50C-407E-A947-70E740481C1C}">
+                <a14:useLocalDpi xmlns:a14="http://schemas.microsoft.com/office/drawing/2010/main" val="0"/>
+              </a:ext>
+            </a:extLst>
+          </a:blip>
+          <a:stretch>
+            <a:fillRect/>
+          </a:stretch>
+        </p:blipFill>
+        <p:spPr>
+          <a:xfrm>
+            <a:off x="3289334" y="1346387"/>
+            <a:ext cx="2520000" cy="2520000"/>
+          </a:xfrm>
+          <a:prstGeom prst="rect">
+            <a:avLst/>
+          </a:prstGeom>
+        </p:spPr>
+      </p:pic>
+      <p:pic>
+        <p:nvPicPr>
+          <p:cNvPr id="9" name="圖片 8"/>
+          <p:cNvPicPr>
+            <a:picLocks noChangeAspect="1"/>
+          </p:cNvPicPr>
+          <p:nvPr/>
+        </p:nvPicPr>
+        <p:blipFill>
+          <a:blip r:embed="rId7">
+            <a:extLst>
+              <a:ext uri="{28A0092B-C50C-407E-A947-70E740481C1C}">
+                <a14:useLocalDpi xmlns:a14="http://schemas.microsoft.com/office/drawing/2010/main" val="0"/>
+              </a:ext>
+            </a:extLst>
+          </a:blip>
+          <a:stretch>
+            <a:fillRect/>
+          </a:stretch>
+        </p:blipFill>
+        <p:spPr>
+          <a:xfrm>
+            <a:off x="3289334" y="4109722"/>
+            <a:ext cx="2520000" cy="2520000"/>
+          </a:xfrm>
+          <a:prstGeom prst="rect">
+            <a:avLst/>
+          </a:prstGeom>
+        </p:spPr>
+      </p:pic>
+      <p:pic>
+        <p:nvPicPr>
+          <p:cNvPr id="10" name="圖片 9"/>
+          <p:cNvPicPr>
+            <a:picLocks noChangeAspect="1"/>
+          </p:cNvPicPr>
+          <p:nvPr/>
+        </p:nvPicPr>
+        <p:blipFill>
+          <a:blip r:embed="rId8">
+            <a:extLst>
+              <a:ext uri="{28A0092B-C50C-407E-A947-70E740481C1C}">
+                <a14:useLocalDpi xmlns:a14="http://schemas.microsoft.com/office/drawing/2010/main" val="0"/>
+              </a:ext>
+            </a:extLst>
+          </a:blip>
+          <a:stretch>
+            <a:fillRect/>
+          </a:stretch>
+        </p:blipFill>
+        <p:spPr>
+          <a:xfrm>
+            <a:off x="9274002" y="1346387"/>
+            <a:ext cx="2520000" cy="2520000"/>
+          </a:xfrm>
+          <a:prstGeom prst="rect">
+            <a:avLst/>
+          </a:prstGeom>
+        </p:spPr>
+      </p:pic>
+      <p:pic>
+        <p:nvPicPr>
+          <p:cNvPr id="11" name="圖片 10"/>
+          <p:cNvPicPr>
+            <a:picLocks noChangeAspect="1"/>
+          </p:cNvPicPr>
+          <p:nvPr/>
+        </p:nvPicPr>
+        <p:blipFill>
+          <a:blip r:embed="rId9">
+            <a:extLst>
+              <a:ext uri="{28A0092B-C50C-407E-A947-70E740481C1C}">
+                <a14:useLocalDpi xmlns:a14="http://schemas.microsoft.com/office/drawing/2010/main" val="0"/>
+              </a:ext>
+            </a:extLst>
+          </a:blip>
+          <a:stretch>
+            <a:fillRect/>
+          </a:stretch>
+        </p:blipFill>
+        <p:spPr>
+          <a:xfrm>
+            <a:off x="9274002" y="4109722"/>
+            <a:ext cx="2520000" cy="2520000"/>
+          </a:xfrm>
+          <a:prstGeom prst="rect">
+            <a:avLst/>
+          </a:prstGeom>
+        </p:spPr>
+      </p:pic>
+    </p:spTree>
+    <p:extLst>
+      <p:ext uri="{BB962C8B-B14F-4D97-AF65-F5344CB8AC3E}">
+        <p14:creationId xmlns:p14="http://schemas.microsoft.com/office/powerpoint/2010/main" val="2980265868"/>
       </p:ext>
     </p:extLst>
   </p:cSld>
@@ -8709,11 +9004,7 @@
             </a:r>
             <a:r>
               <a:rPr kumimoji="1" lang="en-US" altLang="zh-CN" b="1" u="sng" dirty="0"/>
-              <a:t>/Copy </a:t>
-            </a:r>
-            <a:r>
-              <a:rPr kumimoji="1" lang="en-US" altLang="zh-CN" b="1" u="sng" dirty="0"/>
-              <a:t>Model</a:t>
+              <a:t>/Copy Model</a:t>
             </a:r>
             <a:endParaRPr kumimoji="1" lang="zh-TW" altLang="en-US" b="1" u="sng" dirty="0"/>
           </a:p>
@@ -10160,20 +10451,131 @@
           </a:p>
         </p:txBody>
       </p:sp>
+      <p:pic>
+        <p:nvPicPr>
+          <p:cNvPr id="4" name="內容版面配置區 3"/>
+          <p:cNvPicPr>
+            <a:picLocks noGrp="1" noChangeAspect="1"/>
+          </p:cNvPicPr>
+          <p:nvPr>
+            <p:ph idx="1"/>
+          </p:nvPr>
+        </p:nvPicPr>
+        <p:blipFill>
+          <a:blip r:embed="rId2">
+            <a:extLst>
+              <a:ext uri="{28A0092B-C50C-407E-A947-70E740481C1C}">
+                <a14:useLocalDpi xmlns:a14="http://schemas.microsoft.com/office/drawing/2010/main" val="0"/>
+              </a:ext>
+            </a:extLst>
+          </a:blip>
+          <a:stretch>
+            <a:fillRect/>
+          </a:stretch>
+        </p:blipFill>
+        <p:spPr>
+          <a:xfrm>
+            <a:off x="237890" y="1341316"/>
+            <a:ext cx="5283679" cy="5283679"/>
+          </a:xfrm>
+        </p:spPr>
+      </p:pic>
+      <p:pic>
+        <p:nvPicPr>
+          <p:cNvPr id="5" name="圖片 4"/>
+          <p:cNvPicPr>
+            <a:picLocks noChangeAspect="1"/>
+          </p:cNvPicPr>
+          <p:nvPr/>
+        </p:nvPicPr>
+        <p:blipFill>
+          <a:blip r:embed="rId3">
+            <a:extLst>
+              <a:ext uri="{28A0092B-C50C-407E-A947-70E740481C1C}">
+                <a14:useLocalDpi xmlns:a14="http://schemas.microsoft.com/office/drawing/2010/main" val="0"/>
+              </a:ext>
+            </a:extLst>
+          </a:blip>
+          <a:stretch>
+            <a:fillRect/>
+          </a:stretch>
+        </p:blipFill>
+        <p:spPr>
+          <a:xfrm>
+            <a:off x="6521582" y="1341316"/>
+            <a:ext cx="5283679" cy="5283679"/>
+          </a:xfrm>
+          <a:prstGeom prst="rect">
+            <a:avLst/>
+          </a:prstGeom>
+        </p:spPr>
+      </p:pic>
+    </p:spTree>
+    <p:extLst>
+      <p:ext uri="{BB962C8B-B14F-4D97-AF65-F5344CB8AC3E}">
+        <p14:creationId xmlns:p14="http://schemas.microsoft.com/office/powerpoint/2010/main" val="3732519401"/>
+      </p:ext>
+    </p:extLst>
+  </p:cSld>
+  <p:clrMapOvr>
+    <a:masterClrMapping/>
+  </p:clrMapOvr>
+</p:sld>
+</file>
+
+<file path=ppt/slides/slide8.xml><?xml version="1.0" encoding="utf-8"?>
+<p:sld xmlns:a="http://schemas.openxmlformats.org/drawingml/2006/main" xmlns:r="http://schemas.openxmlformats.org/officeDocument/2006/relationships" xmlns:p="http://schemas.openxmlformats.org/presentationml/2006/main">
+  <p:cSld>
+    <p:spTree>
+      <p:nvGrpSpPr>
+        <p:cNvPr id="1" name=""/>
+        <p:cNvGrpSpPr/>
+        <p:nvPr/>
+      </p:nvGrpSpPr>
+      <p:grpSpPr>
+        <a:xfrm>
+          <a:off x="0" y="0"/>
+          <a:ext cx="0" cy="0"/>
+          <a:chOff x="0" y="0"/>
+          <a:chExt cx="0" cy="0"/>
+        </a:xfrm>
+      </p:grpSpPr>
       <p:sp>
         <p:nvSpPr>
-          <p:cNvPr id="3" name="內容版面配置區 2">
-            <a:extLst>
-              <a:ext uri="{FF2B5EF4-FFF2-40B4-BE49-F238E27FC236}">
-                <a16:creationId xmlns:a16="http://schemas.microsoft.com/office/drawing/2014/main" id="{27E8108C-C5B6-E946-A8CD-AFEBFAE943EE}"/>
-              </a:ext>
-            </a:extLst>
-          </p:cNvPr>
+          <p:cNvPr id="2" name="標題 1"/>
           <p:cNvSpPr>
             <a:spLocks noGrp="1"/>
           </p:cNvSpPr>
           <p:nvPr>
-            <p:ph idx="1"/>
+            <p:ph type="ctrTitle"/>
+          </p:nvPr>
+        </p:nvSpPr>
+        <p:spPr>
+          <a:xfrm>
+            <a:off x="1125415" y="2404534"/>
+            <a:ext cx="8379070" cy="1646302"/>
+          </a:xfrm>
+        </p:spPr>
+        <p:txBody>
+          <a:bodyPr/>
+          <a:lstStyle/>
+          <a:p>
+            <a:r>
+              <a:rPr lang="en-US" altLang="zh-TW" dirty="0" smtClean="0"/>
+              <a:t>Thanks for your listening</a:t>
+            </a:r>
+            <a:endParaRPr lang="zh-TW" altLang="en-US" dirty="0"/>
+          </a:p>
+        </p:txBody>
+      </p:sp>
+      <p:sp>
+        <p:nvSpPr>
+          <p:cNvPr id="3" name="副標題 2"/>
+          <p:cNvSpPr>
+            <a:spLocks noGrp="1"/>
+          </p:cNvSpPr>
+          <p:nvPr>
+            <p:ph type="subTitle" idx="1"/>
           </p:nvPr>
         </p:nvSpPr>
         <p:spPr/>
@@ -10181,14 +10583,306 @@
           <a:bodyPr/>
           <a:lstStyle/>
           <a:p>
-            <a:endParaRPr kumimoji="1" lang="zh-TW" altLang="en-US"/>
+            <a:endParaRPr lang="zh-TW" altLang="en-US"/>
           </a:p>
         </p:txBody>
       </p:sp>
     </p:spTree>
     <p:extLst>
       <p:ext uri="{BB962C8B-B14F-4D97-AF65-F5344CB8AC3E}">
-        <p14:creationId xmlns:p14="http://schemas.microsoft.com/office/powerpoint/2010/main" val="3732519401"/>
+        <p14:creationId xmlns:p14="http://schemas.microsoft.com/office/powerpoint/2010/main" val="4049162539"/>
+      </p:ext>
+    </p:extLst>
+  </p:cSld>
+  <p:clrMapOvr>
+    <a:masterClrMapping/>
+  </p:clrMapOvr>
+</p:sld>
+</file>
+
+<file path=ppt/slides/slide9.xml><?xml version="1.0" encoding="utf-8"?>
+<p:sld xmlns:a="http://schemas.openxmlformats.org/drawingml/2006/main" xmlns:r="http://schemas.openxmlformats.org/officeDocument/2006/relationships" xmlns:p="http://schemas.openxmlformats.org/presentationml/2006/main">
+  <p:cSld>
+    <p:spTree>
+      <p:nvGrpSpPr>
+        <p:cNvPr id="1" name=""/>
+        <p:cNvGrpSpPr/>
+        <p:nvPr/>
+      </p:nvGrpSpPr>
+      <p:grpSpPr>
+        <a:xfrm>
+          <a:off x="0" y="0"/>
+          <a:ext cx="0" cy="0"/>
+          <a:chOff x="0" y="0"/>
+          <a:chExt cx="0" cy="0"/>
+        </a:xfrm>
+      </p:grpSpPr>
+      <p:sp>
+        <p:nvSpPr>
+          <p:cNvPr id="2" name="標題 1"/>
+          <p:cNvSpPr>
+            <a:spLocks noGrp="1"/>
+          </p:cNvSpPr>
+          <p:nvPr>
+            <p:ph type="title"/>
+          </p:nvPr>
+        </p:nvSpPr>
+        <p:spPr/>
+        <p:txBody>
+          <a:bodyPr/>
+          <a:lstStyle/>
+          <a:p>
+            <a:r>
+              <a:rPr lang="en-US" altLang="zh-TW" dirty="0" smtClean="0"/>
+              <a:t>Training accuracy</a:t>
+            </a:r>
+            <a:endParaRPr lang="zh-TW" altLang="en-US" dirty="0"/>
+          </a:p>
+        </p:txBody>
+      </p:sp>
+      <p:pic>
+        <p:nvPicPr>
+          <p:cNvPr id="4" name="內容版面配置區 3"/>
+          <p:cNvPicPr>
+            <a:picLocks noGrp="1" noChangeAspect="1"/>
+          </p:cNvPicPr>
+          <p:nvPr>
+            <p:ph idx="1"/>
+          </p:nvPr>
+        </p:nvPicPr>
+        <p:blipFill>
+          <a:blip r:embed="rId2">
+            <a:extLst>
+              <a:ext uri="{28A0092B-C50C-407E-A947-70E740481C1C}">
+                <a14:useLocalDpi xmlns:a14="http://schemas.microsoft.com/office/drawing/2010/main" val="0"/>
+              </a:ext>
+            </a:extLst>
+          </a:blip>
+          <a:stretch>
+            <a:fillRect/>
+          </a:stretch>
+        </p:blipFill>
+        <p:spPr>
+          <a:xfrm>
+            <a:off x="6250389" y="1387188"/>
+            <a:ext cx="2520000" cy="2520000"/>
+          </a:xfrm>
+        </p:spPr>
+      </p:pic>
+      <p:pic>
+        <p:nvPicPr>
+          <p:cNvPr id="5" name="圖片 4"/>
+          <p:cNvPicPr>
+            <a:picLocks noChangeAspect="1"/>
+          </p:cNvPicPr>
+          <p:nvPr/>
+        </p:nvPicPr>
+        <p:blipFill>
+          <a:blip r:embed="rId3">
+            <a:extLst>
+              <a:ext uri="{28A0092B-C50C-407E-A947-70E740481C1C}">
+                <a14:useLocalDpi xmlns:a14="http://schemas.microsoft.com/office/drawing/2010/main" val="0"/>
+              </a:ext>
+            </a:extLst>
+          </a:blip>
+          <a:stretch>
+            <a:fillRect/>
+          </a:stretch>
+        </p:blipFill>
+        <p:spPr>
+          <a:xfrm>
+            <a:off x="6250389" y="4190953"/>
+            <a:ext cx="2520000" cy="2520000"/>
+          </a:xfrm>
+          <a:prstGeom prst="rect">
+            <a:avLst/>
+          </a:prstGeom>
+        </p:spPr>
+      </p:pic>
+      <p:pic>
+        <p:nvPicPr>
+          <p:cNvPr id="6" name="圖片 5"/>
+          <p:cNvPicPr>
+            <a:picLocks noChangeAspect="1"/>
+          </p:cNvPicPr>
+          <p:nvPr/>
+        </p:nvPicPr>
+        <p:blipFill>
+          <a:blip r:embed="rId4">
+            <a:extLst>
+              <a:ext uri="{28A0092B-C50C-407E-A947-70E740481C1C}">
+                <a14:useLocalDpi xmlns:a14="http://schemas.microsoft.com/office/drawing/2010/main" val="0"/>
+              </a:ext>
+            </a:extLst>
+          </a:blip>
+          <a:stretch>
+            <a:fillRect/>
+          </a:stretch>
+        </p:blipFill>
+        <p:spPr>
+          <a:xfrm>
+            <a:off x="473831" y="1387188"/>
+            <a:ext cx="2520000" cy="2520000"/>
+          </a:xfrm>
+          <a:prstGeom prst="rect">
+            <a:avLst/>
+          </a:prstGeom>
+        </p:spPr>
+      </p:pic>
+      <p:pic>
+        <p:nvPicPr>
+          <p:cNvPr id="7" name="圖片 6"/>
+          <p:cNvPicPr>
+            <a:picLocks noChangeAspect="1"/>
+          </p:cNvPicPr>
+          <p:nvPr/>
+        </p:nvPicPr>
+        <p:blipFill>
+          <a:blip r:embed="rId5">
+            <a:extLst>
+              <a:ext uri="{28A0092B-C50C-407E-A947-70E740481C1C}">
+                <a14:useLocalDpi xmlns:a14="http://schemas.microsoft.com/office/drawing/2010/main" val="0"/>
+              </a:ext>
+            </a:extLst>
+          </a:blip>
+          <a:stretch>
+            <a:fillRect/>
+          </a:stretch>
+        </p:blipFill>
+        <p:spPr>
+          <a:xfrm>
+            <a:off x="473831" y="4190953"/>
+            <a:ext cx="2520000" cy="2520000"/>
+          </a:xfrm>
+          <a:prstGeom prst="rect">
+            <a:avLst/>
+          </a:prstGeom>
+        </p:spPr>
+      </p:pic>
+      <p:pic>
+        <p:nvPicPr>
+          <p:cNvPr id="8" name="圖片 7"/>
+          <p:cNvPicPr>
+            <a:picLocks noChangeAspect="1"/>
+          </p:cNvPicPr>
+          <p:nvPr/>
+        </p:nvPicPr>
+        <p:blipFill>
+          <a:blip r:embed="rId6">
+            <a:extLst>
+              <a:ext uri="{28A0092B-C50C-407E-A947-70E740481C1C}">
+                <a14:useLocalDpi xmlns:a14="http://schemas.microsoft.com/office/drawing/2010/main" val="0"/>
+              </a:ext>
+            </a:extLst>
+          </a:blip>
+          <a:stretch>
+            <a:fillRect/>
+          </a:stretch>
+        </p:blipFill>
+        <p:spPr>
+          <a:xfrm>
+            <a:off x="3362110" y="1387188"/>
+            <a:ext cx="2520000" cy="2520000"/>
+          </a:xfrm>
+          <a:prstGeom prst="rect">
+            <a:avLst/>
+          </a:prstGeom>
+        </p:spPr>
+      </p:pic>
+      <p:pic>
+        <p:nvPicPr>
+          <p:cNvPr id="9" name="圖片 8"/>
+          <p:cNvPicPr>
+            <a:picLocks noChangeAspect="1"/>
+          </p:cNvPicPr>
+          <p:nvPr/>
+        </p:nvPicPr>
+        <p:blipFill>
+          <a:blip r:embed="rId7">
+            <a:extLst>
+              <a:ext uri="{28A0092B-C50C-407E-A947-70E740481C1C}">
+                <a14:useLocalDpi xmlns:a14="http://schemas.microsoft.com/office/drawing/2010/main" val="0"/>
+              </a:ext>
+            </a:extLst>
+          </a:blip>
+          <a:stretch>
+            <a:fillRect/>
+          </a:stretch>
+        </p:blipFill>
+        <p:spPr>
+          <a:xfrm>
+            <a:off x="3362110" y="4190953"/>
+            <a:ext cx="2520000" cy="2520000"/>
+          </a:xfrm>
+          <a:prstGeom prst="rect">
+            <a:avLst/>
+          </a:prstGeom>
+        </p:spPr>
+      </p:pic>
+      <p:pic>
+        <p:nvPicPr>
+          <p:cNvPr id="10" name="圖片 9"/>
+          <p:cNvPicPr>
+            <a:picLocks noChangeAspect="1"/>
+          </p:cNvPicPr>
+          <p:nvPr/>
+        </p:nvPicPr>
+        <p:blipFill>
+          <a:blip r:embed="rId8">
+            <a:extLst>
+              <a:ext uri="{28A0092B-C50C-407E-A947-70E740481C1C}">
+                <a14:useLocalDpi xmlns:a14="http://schemas.microsoft.com/office/drawing/2010/main" val="0"/>
+              </a:ext>
+            </a:extLst>
+          </a:blip>
+          <a:stretch>
+            <a:fillRect/>
+          </a:stretch>
+        </p:blipFill>
+        <p:spPr>
+          <a:xfrm>
+            <a:off x="9138669" y="1387188"/>
+            <a:ext cx="2520000" cy="2520000"/>
+          </a:xfrm>
+          <a:prstGeom prst="rect">
+            <a:avLst/>
+          </a:prstGeom>
+        </p:spPr>
+      </p:pic>
+      <p:pic>
+        <p:nvPicPr>
+          <p:cNvPr id="11" name="圖片 10"/>
+          <p:cNvPicPr>
+            <a:picLocks noChangeAspect="1"/>
+          </p:cNvPicPr>
+          <p:nvPr/>
+        </p:nvPicPr>
+        <p:blipFill>
+          <a:blip r:embed="rId9">
+            <a:extLst>
+              <a:ext uri="{28A0092B-C50C-407E-A947-70E740481C1C}">
+                <a14:useLocalDpi xmlns:a14="http://schemas.microsoft.com/office/drawing/2010/main" val="0"/>
+              </a:ext>
+            </a:extLst>
+          </a:blip>
+          <a:stretch>
+            <a:fillRect/>
+          </a:stretch>
+        </p:blipFill>
+        <p:spPr>
+          <a:xfrm>
+            <a:off x="9138669" y="4190953"/>
+            <a:ext cx="2520000" cy="2520000"/>
+          </a:xfrm>
+          <a:prstGeom prst="rect">
+            <a:avLst/>
+          </a:prstGeom>
+        </p:spPr>
+      </p:pic>
+    </p:spTree>
+    <p:extLst>
+      <p:ext uri="{BB962C8B-B14F-4D97-AF65-F5344CB8AC3E}">
+        <p14:creationId xmlns:p14="http://schemas.microsoft.com/office/powerpoint/2010/main" val="1430431042"/>
       </p:ext>
     </p:extLst>
   </p:cSld>

--- a/final_demo.pptx
+++ b/final_demo.pptx
@@ -8,13 +8,14 @@
     <p:sldId id="256" r:id="rId2"/>
     <p:sldId id="262" r:id="rId3"/>
     <p:sldId id="261" r:id="rId4"/>
-    <p:sldId id="258" r:id="rId5"/>
+    <p:sldId id="267" r:id="rId5"/>
     <p:sldId id="257" r:id="rId6"/>
-    <p:sldId id="259" r:id="rId7"/>
-    <p:sldId id="260" r:id="rId8"/>
-    <p:sldId id="264" r:id="rId9"/>
-    <p:sldId id="265" r:id="rId10"/>
-    <p:sldId id="266" r:id="rId11"/>
+    <p:sldId id="258" r:id="rId7"/>
+    <p:sldId id="259" r:id="rId8"/>
+    <p:sldId id="260" r:id="rId9"/>
+    <p:sldId id="264" r:id="rId10"/>
+    <p:sldId id="265" r:id="rId11"/>
+    <p:sldId id="266" r:id="rId12"/>
   </p:sldIdLst>
   <p:sldSz cx="12192000" cy="6858000"/>
   <p:notesSz cx="6858000" cy="9144000"/>
@@ -5832,6 +5833,298 @@
 </file>
 
 <file path=ppt/slides/slide10.xml><?xml version="1.0" encoding="utf-8"?>
+<p:sld xmlns:a="http://schemas.openxmlformats.org/drawingml/2006/main" xmlns:r="http://schemas.openxmlformats.org/officeDocument/2006/relationships" xmlns:p="http://schemas.openxmlformats.org/presentationml/2006/main">
+  <p:cSld>
+    <p:spTree>
+      <p:nvGrpSpPr>
+        <p:cNvPr id="1" name=""/>
+        <p:cNvGrpSpPr/>
+        <p:nvPr/>
+      </p:nvGrpSpPr>
+      <p:grpSpPr>
+        <a:xfrm>
+          <a:off x="0" y="0"/>
+          <a:ext cx="0" cy="0"/>
+          <a:chOff x="0" y="0"/>
+          <a:chExt cx="0" cy="0"/>
+        </a:xfrm>
+      </p:grpSpPr>
+      <p:sp>
+        <p:nvSpPr>
+          <p:cNvPr id="2" name="標題 1"/>
+          <p:cNvSpPr>
+            <a:spLocks noGrp="1"/>
+          </p:cNvSpPr>
+          <p:nvPr>
+            <p:ph type="title"/>
+          </p:nvPr>
+        </p:nvSpPr>
+        <p:spPr/>
+        <p:txBody>
+          <a:bodyPr/>
+          <a:lstStyle/>
+          <a:p>
+            <a:r>
+              <a:rPr lang="en-US" altLang="zh-TW" dirty="0" smtClean="0"/>
+              <a:t>Training accuracy</a:t>
+            </a:r>
+            <a:endParaRPr lang="zh-TW" altLang="en-US" dirty="0"/>
+          </a:p>
+        </p:txBody>
+      </p:sp>
+      <p:pic>
+        <p:nvPicPr>
+          <p:cNvPr id="4" name="內容版面配置區 3"/>
+          <p:cNvPicPr>
+            <a:picLocks noGrp="1" noChangeAspect="1"/>
+          </p:cNvPicPr>
+          <p:nvPr>
+            <p:ph idx="1"/>
+          </p:nvPr>
+        </p:nvPicPr>
+        <p:blipFill>
+          <a:blip r:embed="rId2">
+            <a:extLst>
+              <a:ext uri="{28A0092B-C50C-407E-A947-70E740481C1C}">
+                <a14:useLocalDpi xmlns:a14="http://schemas.microsoft.com/office/drawing/2010/main" val="0"/>
+              </a:ext>
+            </a:extLst>
+          </a:blip>
+          <a:stretch>
+            <a:fillRect/>
+          </a:stretch>
+        </p:blipFill>
+        <p:spPr>
+          <a:xfrm>
+            <a:off x="6250389" y="1387188"/>
+            <a:ext cx="2520000" cy="2520000"/>
+          </a:xfrm>
+        </p:spPr>
+      </p:pic>
+      <p:pic>
+        <p:nvPicPr>
+          <p:cNvPr id="5" name="圖片 4"/>
+          <p:cNvPicPr>
+            <a:picLocks noChangeAspect="1"/>
+          </p:cNvPicPr>
+          <p:nvPr/>
+        </p:nvPicPr>
+        <p:blipFill>
+          <a:blip r:embed="rId3">
+            <a:extLst>
+              <a:ext uri="{28A0092B-C50C-407E-A947-70E740481C1C}">
+                <a14:useLocalDpi xmlns:a14="http://schemas.microsoft.com/office/drawing/2010/main" val="0"/>
+              </a:ext>
+            </a:extLst>
+          </a:blip>
+          <a:stretch>
+            <a:fillRect/>
+          </a:stretch>
+        </p:blipFill>
+        <p:spPr>
+          <a:xfrm>
+            <a:off x="6250389" y="4190953"/>
+            <a:ext cx="2520000" cy="2520000"/>
+          </a:xfrm>
+          <a:prstGeom prst="rect">
+            <a:avLst/>
+          </a:prstGeom>
+        </p:spPr>
+      </p:pic>
+      <p:pic>
+        <p:nvPicPr>
+          <p:cNvPr id="6" name="圖片 5"/>
+          <p:cNvPicPr>
+            <a:picLocks noChangeAspect="1"/>
+          </p:cNvPicPr>
+          <p:nvPr/>
+        </p:nvPicPr>
+        <p:blipFill>
+          <a:blip r:embed="rId4">
+            <a:extLst>
+              <a:ext uri="{28A0092B-C50C-407E-A947-70E740481C1C}">
+                <a14:useLocalDpi xmlns:a14="http://schemas.microsoft.com/office/drawing/2010/main" val="0"/>
+              </a:ext>
+            </a:extLst>
+          </a:blip>
+          <a:stretch>
+            <a:fillRect/>
+          </a:stretch>
+        </p:blipFill>
+        <p:spPr>
+          <a:xfrm>
+            <a:off x="473831" y="1387188"/>
+            <a:ext cx="2520000" cy="2520000"/>
+          </a:xfrm>
+          <a:prstGeom prst="rect">
+            <a:avLst/>
+          </a:prstGeom>
+        </p:spPr>
+      </p:pic>
+      <p:pic>
+        <p:nvPicPr>
+          <p:cNvPr id="7" name="圖片 6"/>
+          <p:cNvPicPr>
+            <a:picLocks noChangeAspect="1"/>
+          </p:cNvPicPr>
+          <p:nvPr/>
+        </p:nvPicPr>
+        <p:blipFill>
+          <a:blip r:embed="rId5">
+            <a:extLst>
+              <a:ext uri="{28A0092B-C50C-407E-A947-70E740481C1C}">
+                <a14:useLocalDpi xmlns:a14="http://schemas.microsoft.com/office/drawing/2010/main" val="0"/>
+              </a:ext>
+            </a:extLst>
+          </a:blip>
+          <a:stretch>
+            <a:fillRect/>
+          </a:stretch>
+        </p:blipFill>
+        <p:spPr>
+          <a:xfrm>
+            <a:off x="473831" y="4190953"/>
+            <a:ext cx="2520000" cy="2520000"/>
+          </a:xfrm>
+          <a:prstGeom prst="rect">
+            <a:avLst/>
+          </a:prstGeom>
+        </p:spPr>
+      </p:pic>
+      <p:pic>
+        <p:nvPicPr>
+          <p:cNvPr id="8" name="圖片 7"/>
+          <p:cNvPicPr>
+            <a:picLocks noChangeAspect="1"/>
+          </p:cNvPicPr>
+          <p:nvPr/>
+        </p:nvPicPr>
+        <p:blipFill>
+          <a:blip r:embed="rId6">
+            <a:extLst>
+              <a:ext uri="{28A0092B-C50C-407E-A947-70E740481C1C}">
+                <a14:useLocalDpi xmlns:a14="http://schemas.microsoft.com/office/drawing/2010/main" val="0"/>
+              </a:ext>
+            </a:extLst>
+          </a:blip>
+          <a:stretch>
+            <a:fillRect/>
+          </a:stretch>
+        </p:blipFill>
+        <p:spPr>
+          <a:xfrm>
+            <a:off x="3362110" y="1387188"/>
+            <a:ext cx="2520000" cy="2520000"/>
+          </a:xfrm>
+          <a:prstGeom prst="rect">
+            <a:avLst/>
+          </a:prstGeom>
+        </p:spPr>
+      </p:pic>
+      <p:pic>
+        <p:nvPicPr>
+          <p:cNvPr id="9" name="圖片 8"/>
+          <p:cNvPicPr>
+            <a:picLocks noChangeAspect="1"/>
+          </p:cNvPicPr>
+          <p:nvPr/>
+        </p:nvPicPr>
+        <p:blipFill>
+          <a:blip r:embed="rId7">
+            <a:extLst>
+              <a:ext uri="{28A0092B-C50C-407E-A947-70E740481C1C}">
+                <a14:useLocalDpi xmlns:a14="http://schemas.microsoft.com/office/drawing/2010/main" val="0"/>
+              </a:ext>
+            </a:extLst>
+          </a:blip>
+          <a:stretch>
+            <a:fillRect/>
+          </a:stretch>
+        </p:blipFill>
+        <p:spPr>
+          <a:xfrm>
+            <a:off x="3362110" y="4190953"/>
+            <a:ext cx="2520000" cy="2520000"/>
+          </a:xfrm>
+          <a:prstGeom prst="rect">
+            <a:avLst/>
+          </a:prstGeom>
+        </p:spPr>
+      </p:pic>
+      <p:pic>
+        <p:nvPicPr>
+          <p:cNvPr id="10" name="圖片 9"/>
+          <p:cNvPicPr>
+            <a:picLocks noChangeAspect="1"/>
+          </p:cNvPicPr>
+          <p:nvPr/>
+        </p:nvPicPr>
+        <p:blipFill>
+          <a:blip r:embed="rId8">
+            <a:extLst>
+              <a:ext uri="{28A0092B-C50C-407E-A947-70E740481C1C}">
+                <a14:useLocalDpi xmlns:a14="http://schemas.microsoft.com/office/drawing/2010/main" val="0"/>
+              </a:ext>
+            </a:extLst>
+          </a:blip>
+          <a:stretch>
+            <a:fillRect/>
+          </a:stretch>
+        </p:blipFill>
+        <p:spPr>
+          <a:xfrm>
+            <a:off x="9138669" y="1387188"/>
+            <a:ext cx="2520000" cy="2520000"/>
+          </a:xfrm>
+          <a:prstGeom prst="rect">
+            <a:avLst/>
+          </a:prstGeom>
+        </p:spPr>
+      </p:pic>
+      <p:pic>
+        <p:nvPicPr>
+          <p:cNvPr id="11" name="圖片 10"/>
+          <p:cNvPicPr>
+            <a:picLocks noChangeAspect="1"/>
+          </p:cNvPicPr>
+          <p:nvPr/>
+        </p:nvPicPr>
+        <p:blipFill>
+          <a:blip r:embed="rId9">
+            <a:extLst>
+              <a:ext uri="{28A0092B-C50C-407E-A947-70E740481C1C}">
+                <a14:useLocalDpi xmlns:a14="http://schemas.microsoft.com/office/drawing/2010/main" val="0"/>
+              </a:ext>
+            </a:extLst>
+          </a:blip>
+          <a:stretch>
+            <a:fillRect/>
+          </a:stretch>
+        </p:blipFill>
+        <p:spPr>
+          <a:xfrm>
+            <a:off x="9138669" y="4190953"/>
+            <a:ext cx="2520000" cy="2520000"/>
+          </a:xfrm>
+          <a:prstGeom prst="rect">
+            <a:avLst/>
+          </a:prstGeom>
+        </p:spPr>
+      </p:pic>
+    </p:spTree>
+    <p:extLst>
+      <p:ext uri="{BB962C8B-B14F-4D97-AF65-F5344CB8AC3E}">
+        <p14:creationId xmlns:p14="http://schemas.microsoft.com/office/powerpoint/2010/main" val="1430431042"/>
+      </p:ext>
+    </p:extLst>
+  </p:cSld>
+  <p:clrMapOvr>
+    <a:masterClrMapping/>
+  </p:clrMapOvr>
+</p:sld>
+</file>
+
+<file path=ppt/slides/slide11.xml><?xml version="1.0" encoding="utf-8"?>
 <p:sld xmlns:a="http://schemas.openxmlformats.org/drawingml/2006/main" xmlns:r="http://schemas.openxmlformats.org/officeDocument/2006/relationships" xmlns:p="http://schemas.openxmlformats.org/presentationml/2006/main">
   <p:cSld>
     <p:spTree>
@@ -6939,13 +7232,7 @@
       </p:grpSpPr>
       <p:sp>
         <p:nvSpPr>
-          <p:cNvPr id="2" name="標題 1">
-            <a:extLst>
-              <a:ext uri="{FF2B5EF4-FFF2-40B4-BE49-F238E27FC236}">
-                <a16:creationId xmlns:a16="http://schemas.microsoft.com/office/drawing/2014/main" id="{BB94A7B9-4006-7542-B1E5-697486C4B638}"/>
-              </a:ext>
-            </a:extLst>
-          </p:cNvPr>
+          <p:cNvPr id="2" name="標題 1"/>
           <p:cNvSpPr>
             <a:spLocks noGrp="1"/>
           </p:cNvSpPr>
@@ -6958,36 +7245,35 @@
           <a:bodyPr/>
           <a:lstStyle/>
           <a:p>
-            <a:r>
-              <a:rPr kumimoji="1" lang="en-US" altLang="zh-TW" b="1" u="sng" dirty="0"/>
-              <a:t>Copy Model</a:t>
-            </a:r>
-            <a:r>
-              <a:rPr kumimoji="1" lang="en-US" altLang="zh-TW" dirty="0"/>
-              <a:t> </a:t>
-            </a:r>
-            <a:r>
-              <a:rPr kumimoji="1" lang="zh-TW" altLang="en-US" dirty="0"/>
-              <a:t> </a:t>
-            </a:r>
-            <a:r>
-              <a:rPr kumimoji="1" lang="en-US" altLang="zh-TW" dirty="0"/>
-              <a:t>VS  </a:t>
-            </a:r>
-            <a:r>
-              <a:rPr kumimoji="1" lang="en-US" altLang="zh-TW" b="1" u="sng" dirty="0"/>
-              <a:t>Control Model</a:t>
-            </a:r>
-            <a:endParaRPr kumimoji="1" lang="zh-TW" altLang="en-US" b="1" u="sng" dirty="0"/>
+            <a:endParaRPr lang="zh-TW" altLang="en-US"/>
+          </a:p>
+        </p:txBody>
+      </p:sp>
+      <p:sp>
+        <p:nvSpPr>
+          <p:cNvPr id="3" name="內容版面配置區 2"/>
+          <p:cNvSpPr>
+            <a:spLocks noGrp="1"/>
+          </p:cNvSpPr>
+          <p:nvPr>
+            <p:ph idx="1"/>
+          </p:nvPr>
+        </p:nvSpPr>
+        <p:spPr/>
+        <p:txBody>
+          <a:bodyPr/>
+          <a:lstStyle/>
+          <a:p>
+            <a:endParaRPr lang="zh-TW" altLang="en-US"/>
           </a:p>
         </p:txBody>
       </p:sp>
       <p:grpSp>
         <p:nvGrpSpPr>
-          <p:cNvPr id="18" name="群組 17">
+          <p:cNvPr id="4" name="群組 3">
             <a:extLst>
               <a:ext uri="{FF2B5EF4-FFF2-40B4-BE49-F238E27FC236}">
-                <a16:creationId xmlns:a16="http://schemas.microsoft.com/office/drawing/2014/main" id="{AEF53F88-CBC8-BF46-AD0B-2210B5696E7C}"/>
+                <a16:creationId xmlns:a16="http://schemas.microsoft.com/office/drawing/2014/main" id="{A4406E0A-C6FD-8E44-8FB9-A08096962671}"/>
               </a:ext>
             </a:extLst>
           </p:cNvPr>
@@ -6996,18 +7282,18 @@
         </p:nvGrpSpPr>
         <p:grpSpPr>
           <a:xfrm>
-            <a:off x="1495599" y="1626048"/>
-            <a:ext cx="7377469" cy="5059131"/>
-            <a:chOff x="12180790" y="11192034"/>
-            <a:chExt cx="8684076" cy="7942153"/>
+            <a:off x="1380462" y="2392990"/>
+            <a:ext cx="7443253" cy="3415969"/>
+            <a:chOff x="1925609" y="8900808"/>
+            <a:chExt cx="7443253" cy="3415969"/>
           </a:xfrm>
         </p:grpSpPr>
         <p:sp>
           <p:nvSpPr>
-            <p:cNvPr id="19" name="圓角矩形 18">
+            <p:cNvPr id="5" name="圓角矩形 4">
               <a:extLst>
                 <a:ext uri="{FF2B5EF4-FFF2-40B4-BE49-F238E27FC236}">
-                  <a16:creationId xmlns:a16="http://schemas.microsoft.com/office/drawing/2014/main" id="{3E218CF9-776B-0F41-ABC3-62EE4EC84330}"/>
+                  <a16:creationId xmlns:a16="http://schemas.microsoft.com/office/drawing/2014/main" id="{1F25F085-0037-674D-8C1B-F2ABBFFA9AFD}"/>
                 </a:ext>
               </a:extLst>
             </p:cNvPr>
@@ -7016,8 +7302,8 @@
           </p:nvSpPr>
           <p:spPr>
             <a:xfrm>
-              <a:off x="17356466" y="17044488"/>
-              <a:ext cx="3508400" cy="912954"/>
+              <a:off x="1925610" y="11378358"/>
+              <a:ext cx="7443252" cy="938419"/>
             </a:xfrm>
             <a:prstGeom prst="roundRect">
               <a:avLst/>
@@ -7025,6 +7311,13 @@
             <a:solidFill>
               <a:schemeClr val="accent1"/>
             </a:solidFill>
+            <a:ln>
+              <a:solidFill>
+                <a:schemeClr val="accent1">
+                  <a:lumMod val="75000"/>
+                </a:schemeClr>
+              </a:solidFill>
+            </a:ln>
           </p:spPr>
           <p:style>
             <a:lnRef idx="2">
@@ -7048,16 +7341,16 @@
             <a:p>
               <a:pPr algn="ctr"/>
               <a:r>
-                <a:rPr kumimoji="1" lang="en-US" altLang="zh-TW" sz="2000" b="1" u="sng" dirty="0">
+                <a:rPr kumimoji="1" lang="en-US" altLang="zh-TW" sz="3000" b="1" dirty="0">
                   <a:solidFill>
                     <a:schemeClr val="bg1"/>
                   </a:solidFill>
                   <a:latin typeface="Microsoft JhengHei" panose="020B0604030504040204" pitchFamily="34" charset="-120"/>
                   <a:ea typeface="Microsoft JhengHei" panose="020B0604030504040204" pitchFamily="34" charset="-120"/>
                 </a:rPr>
-                <a:t>Control Model</a:t>
+                <a:t>Testing (Evaluate the result)</a:t>
               </a:r>
-              <a:endParaRPr kumimoji="1" lang="zh-TW" altLang="en-US" sz="2000" b="1" u="sng" dirty="0">
+              <a:endParaRPr kumimoji="1" lang="zh-TW" altLang="en-US" sz="3000" b="1" dirty="0">
                 <a:solidFill>
                   <a:schemeClr val="bg1"/>
                 </a:solidFill>
@@ -7069,10 +7362,10 @@
         </p:sp>
         <p:sp>
           <p:nvSpPr>
-            <p:cNvPr id="20" name="圓角矩形 19">
+            <p:cNvPr id="6" name="圓角矩形 5">
               <a:extLst>
                 <a:ext uri="{FF2B5EF4-FFF2-40B4-BE49-F238E27FC236}">
-                  <a16:creationId xmlns:a16="http://schemas.microsoft.com/office/drawing/2014/main" id="{1FDE5E49-27F1-4D40-8325-35756BB39A74}"/>
+                  <a16:creationId xmlns:a16="http://schemas.microsoft.com/office/drawing/2014/main" id="{F2BE0789-921D-1149-B7F6-B152F5DFE6E5}"/>
                 </a:ext>
               </a:extLst>
             </p:cNvPr>
@@ -7081,8 +7374,8 @@
           </p:nvSpPr>
           <p:spPr>
             <a:xfrm>
-              <a:off x="12180790" y="17030603"/>
-              <a:ext cx="3508396" cy="908288"/>
+              <a:off x="1925609" y="8900808"/>
+              <a:ext cx="7440821" cy="815497"/>
             </a:xfrm>
             <a:prstGeom prst="roundRect">
               <a:avLst/>
@@ -7090,6 +7383,13 @@
             <a:solidFill>
               <a:schemeClr val="accent1"/>
             </a:solidFill>
+            <a:ln>
+              <a:solidFill>
+                <a:schemeClr val="accent1">
+                  <a:lumMod val="75000"/>
+                </a:schemeClr>
+              </a:solidFill>
+            </a:ln>
           </p:spPr>
           <p:style>
             <a:lnRef idx="2">
@@ -7113,16 +7413,16 @@
             <a:p>
               <a:pPr algn="ctr"/>
               <a:r>
-                <a:rPr kumimoji="1" lang="en-US" altLang="zh-TW" sz="2000" b="1" u="sng" dirty="0">
+                <a:rPr kumimoji="1" lang="en-US" altLang="zh-TW" sz="3000" b="1" dirty="0">
                   <a:solidFill>
                     <a:schemeClr val="bg1"/>
                   </a:solidFill>
                   <a:latin typeface="Microsoft JhengHei" panose="020B0604030504040204" pitchFamily="34" charset="-120"/>
                   <a:ea typeface="Microsoft JhengHei" panose="020B0604030504040204" pitchFamily="34" charset="-120"/>
                 </a:rPr>
-                <a:t>Copy Model</a:t>
+                <a:t>Choose Target Model</a:t>
               </a:r>
-              <a:endParaRPr kumimoji="1" lang="zh-TW" altLang="en-US" sz="2000" b="1" u="sng" dirty="0">
+              <a:endParaRPr kumimoji="1" lang="zh-TW" altLang="en-US" sz="3000" b="1" dirty="0">
                 <a:solidFill>
                   <a:schemeClr val="bg1"/>
                 </a:solidFill>
@@ -7134,61 +7434,10 @@
         </p:sp>
         <p:sp>
           <p:nvSpPr>
-            <p:cNvPr id="21" name="文字方塊 20">
+            <p:cNvPr id="7" name="圓角矩形 6">
               <a:extLst>
                 <a:ext uri="{FF2B5EF4-FFF2-40B4-BE49-F238E27FC236}">
-                  <a16:creationId xmlns:a16="http://schemas.microsoft.com/office/drawing/2014/main" id="{B948C4C0-0C30-EA40-AB36-97EACE8443A9}"/>
-                </a:ext>
-              </a:extLst>
-            </p:cNvPr>
-            <p:cNvSpPr txBox="1"/>
-            <p:nvPr/>
-          </p:nvSpPr>
-          <p:spPr>
-            <a:xfrm>
-              <a:off x="12274636" y="11192034"/>
-              <a:ext cx="8499008" cy="821385"/>
-            </a:xfrm>
-            <a:prstGeom prst="rect">
-              <a:avLst/>
-            </a:prstGeom>
-            <a:noFill/>
-          </p:spPr>
-          <p:txBody>
-            <a:bodyPr wrap="none" rtlCol="0">
-              <a:spAutoFit/>
-            </a:bodyPr>
-            <a:lstStyle/>
-            <a:p>
-              <a:r>
-                <a:rPr kumimoji="1" lang="en-US" altLang="zh-CN" sz="2800" dirty="0"/>
-                <a:t>( </a:t>
-              </a:r>
-              <a:r>
-                <a:rPr kumimoji="1" lang="en-US" altLang="zh-CN" sz="2800" b="1" dirty="0" err="1"/>
-                <a:t>X_copy_testing</a:t>
-              </a:r>
-              <a:r>
-                <a:rPr kumimoji="1" lang="en-US" altLang="zh-CN" sz="2800" dirty="0"/>
-                <a:t>, </a:t>
-              </a:r>
-              <a:r>
-                <a:rPr kumimoji="1" lang="en-US" altLang="zh-CN" sz="2800" b="1" dirty="0"/>
-                <a:t>Y_copy_training_label</a:t>
-              </a:r>
-              <a:r>
-                <a:rPr kumimoji="1" lang="en-US" altLang="zh-CN" sz="2800" dirty="0"/>
-                <a:t> )</a:t>
-              </a:r>
-            </a:p>
-          </p:txBody>
-        </p:sp>
-        <p:sp>
-          <p:nvSpPr>
-            <p:cNvPr id="22" name="圓角矩形 21">
-              <a:extLst>
-                <a:ext uri="{FF2B5EF4-FFF2-40B4-BE49-F238E27FC236}">
-                  <a16:creationId xmlns:a16="http://schemas.microsoft.com/office/drawing/2014/main" id="{FD9332D2-A776-E740-AED3-D272A2C0B401}"/>
+                  <a16:creationId xmlns:a16="http://schemas.microsoft.com/office/drawing/2014/main" id="{3E680DDA-2DA4-C54F-BF2E-9253F91E9617}"/>
                 </a:ext>
               </a:extLst>
             </p:cNvPr>
@@ -7197,8 +7446,8 @@
           </p:nvSpPr>
           <p:spPr>
             <a:xfrm>
-              <a:off x="13478329" y="12726646"/>
-              <a:ext cx="5903576" cy="1488176"/>
+              <a:off x="1925609" y="10074760"/>
+              <a:ext cx="7411771" cy="938419"/>
             </a:xfrm>
             <a:prstGeom prst="roundRect">
               <a:avLst/>
@@ -7206,6 +7455,13 @@
             <a:solidFill>
               <a:schemeClr val="accent1"/>
             </a:solidFill>
+            <a:ln>
+              <a:solidFill>
+                <a:schemeClr val="accent1">
+                  <a:lumMod val="75000"/>
+                </a:schemeClr>
+              </a:solidFill>
+            </a:ln>
           </p:spPr>
           <p:style>
             <a:lnRef idx="2">
@@ -7229,26 +7485,16 @@
             <a:p>
               <a:pPr algn="ctr"/>
               <a:r>
-                <a:rPr kumimoji="1" lang="en-US" altLang="zh-TW" sz="2000" dirty="0" smtClean="0">
+                <a:rPr kumimoji="1" lang="en-US" altLang="zh-CN" sz="3000" b="1" dirty="0">
                   <a:solidFill>
                     <a:schemeClr val="bg1"/>
                   </a:solidFill>
                   <a:latin typeface="Microsoft JhengHei" panose="020B0604030504040204" pitchFamily="34" charset="-120"/>
                   <a:ea typeface="Microsoft JhengHei" panose="020B0604030504040204" pitchFamily="34" charset="-120"/>
                 </a:rPr>
-                <a:t>Target </a:t>
+                <a:t>Prediction for Stealing</a:t>
               </a:r>
-              <a:r>
-                <a:rPr kumimoji="1" lang="en-US" altLang="zh-TW" sz="2000" dirty="0">
-                  <a:solidFill>
-                    <a:schemeClr val="bg1"/>
-                  </a:solidFill>
-                  <a:latin typeface="Microsoft JhengHei" panose="020B0604030504040204" pitchFamily="34" charset="-120"/>
-                  <a:ea typeface="Microsoft JhengHei" panose="020B0604030504040204" pitchFamily="34" charset="-120"/>
-                </a:rPr>
-                <a:t>model (pre-trained)</a:t>
-              </a:r>
-              <a:endParaRPr kumimoji="1" lang="zh-TW" altLang="en-US" sz="2000" dirty="0">
+              <a:endParaRPr kumimoji="1" lang="zh-TW" altLang="en-US" sz="3000" b="1" dirty="0">
                 <a:solidFill>
                   <a:schemeClr val="bg1"/>
                 </a:solidFill>
@@ -7260,46 +7506,10 @@
         </p:sp>
         <p:sp>
           <p:nvSpPr>
-            <p:cNvPr id="23" name="文字方塊 22">
+            <p:cNvPr id="8" name="向下箭號 7">
               <a:extLst>
                 <a:ext uri="{FF2B5EF4-FFF2-40B4-BE49-F238E27FC236}">
-                  <a16:creationId xmlns:a16="http://schemas.microsoft.com/office/drawing/2014/main" id="{B78AC362-02CB-2A49-9E3F-6239D44CC080}"/>
-                </a:ext>
-              </a:extLst>
-            </p:cNvPr>
-            <p:cNvSpPr txBox="1"/>
-            <p:nvPr/>
-          </p:nvSpPr>
-          <p:spPr>
-            <a:xfrm>
-              <a:off x="13955683" y="14639469"/>
-              <a:ext cx="5470257" cy="592002"/>
-            </a:xfrm>
-            <a:prstGeom prst="rect">
-              <a:avLst/>
-            </a:prstGeom>
-            <a:noFill/>
-          </p:spPr>
-          <p:txBody>
-            <a:bodyPr wrap="none" rtlCol="0">
-              <a:spAutoFit/>
-            </a:bodyPr>
-            <a:lstStyle/>
-            <a:p>
-              <a:r>
-                <a:rPr kumimoji="1" lang="en-US" altLang="zh-CN" sz="2400" b="1" dirty="0" err="1"/>
-                <a:t>Y_copy_training_probability</a:t>
-              </a:r>
-              <a:endParaRPr kumimoji="1" lang="en-US" altLang="zh-CN" sz="2400" dirty="0"/>
-            </a:p>
-          </p:txBody>
-        </p:sp>
-        <p:sp>
-          <p:nvSpPr>
-            <p:cNvPr id="24" name="向下箭號 23">
-              <a:extLst>
-                <a:ext uri="{FF2B5EF4-FFF2-40B4-BE49-F238E27FC236}">
-                  <a16:creationId xmlns:a16="http://schemas.microsoft.com/office/drawing/2014/main" id="{43E7651D-A75D-134C-B7AC-56164AE22E1C}"/>
+                  <a16:creationId xmlns:a16="http://schemas.microsoft.com/office/drawing/2014/main" id="{01ED68E8-D0BE-974F-AD9A-03511871526A}"/>
                 </a:ext>
               </a:extLst>
             </p:cNvPr>
@@ -7308,58 +7518,7 @@
           </p:nvSpPr>
           <p:spPr>
             <a:xfrm>
-              <a:off x="14521580" y="12020204"/>
-              <a:ext cx="950494" cy="684072"/>
-            </a:xfrm>
-            <a:prstGeom prst="downArrow">
-              <a:avLst/>
-            </a:prstGeom>
-            <a:solidFill>
-              <a:schemeClr val="tx2">
-                <a:lumMod val="75000"/>
-              </a:schemeClr>
-            </a:solidFill>
-          </p:spPr>
-          <p:style>
-            <a:lnRef idx="2">
-              <a:schemeClr val="accent1">
-                <a:shade val="50000"/>
-              </a:schemeClr>
-            </a:lnRef>
-            <a:fillRef idx="1">
-              <a:schemeClr val="accent1"/>
-            </a:fillRef>
-            <a:effectRef idx="0">
-              <a:schemeClr val="accent1"/>
-            </a:effectRef>
-            <a:fontRef idx="minor">
-              <a:schemeClr val="lt1"/>
-            </a:fontRef>
-          </p:style>
-          <p:txBody>
-            <a:bodyPr rtlCol="0" anchor="ctr"/>
-            <a:lstStyle/>
-            <a:p>
-              <a:pPr algn="ctr"/>
-              <a:endParaRPr kumimoji="1" lang="zh-TW" altLang="en-US" dirty="0"/>
-            </a:p>
-          </p:txBody>
-        </p:sp>
-        <p:sp>
-          <p:nvSpPr>
-            <p:cNvPr id="25" name="向下箭號 24">
-              <a:extLst>
-                <a:ext uri="{FF2B5EF4-FFF2-40B4-BE49-F238E27FC236}">
-                  <a16:creationId xmlns:a16="http://schemas.microsoft.com/office/drawing/2014/main" id="{7F9E1DA1-4741-C744-B5FD-FDFB684D4D2A}"/>
-                </a:ext>
-              </a:extLst>
-            </p:cNvPr>
-            <p:cNvSpPr/>
-            <p:nvPr/>
-          </p:nvSpPr>
-          <p:spPr>
-            <a:xfrm>
-              <a:off x="15651380" y="14238340"/>
+              <a:off x="4956193" y="9659427"/>
               <a:ext cx="1338107" cy="479109"/>
             </a:xfrm>
             <a:prstGeom prst="downArrow">
@@ -7398,10 +7557,10 @@
         </p:sp>
         <p:sp>
           <p:nvSpPr>
-            <p:cNvPr id="26" name="圓角矩形 25">
+            <p:cNvPr id="9" name="向下箭號 8">
               <a:extLst>
                 <a:ext uri="{FF2B5EF4-FFF2-40B4-BE49-F238E27FC236}">
-                  <a16:creationId xmlns:a16="http://schemas.microsoft.com/office/drawing/2014/main" id="{8BABEDD7-9CDC-BD43-872D-3A6CCE918022}"/>
+                  <a16:creationId xmlns:a16="http://schemas.microsoft.com/office/drawing/2014/main" id="{FA10ECC6-0AB9-8D4F-A70A-141D0AD5CF80}"/>
                 </a:ext>
               </a:extLst>
             </p:cNvPr>
@@ -7410,443 +7569,7 @@
           </p:nvSpPr>
           <p:spPr>
             <a:xfrm>
-              <a:off x="12507193" y="16039829"/>
-              <a:ext cx="2690667" cy="430430"/>
-            </a:xfrm>
-            <a:prstGeom prst="roundRect">
-              <a:avLst/>
-            </a:prstGeom>
-            <a:solidFill>
-              <a:schemeClr val="accent1"/>
-            </a:solidFill>
-          </p:spPr>
-          <p:style>
-            <a:lnRef idx="2">
-              <a:schemeClr val="accent1">
-                <a:shade val="50000"/>
-              </a:schemeClr>
-            </a:lnRef>
-            <a:fillRef idx="1">
-              <a:schemeClr val="accent1"/>
-            </a:fillRef>
-            <a:effectRef idx="0">
-              <a:schemeClr val="accent1"/>
-            </a:effectRef>
-            <a:fontRef idx="minor">
-              <a:schemeClr val="lt1"/>
-            </a:fontRef>
-          </p:style>
-          <p:txBody>
-            <a:bodyPr rtlCol="0" anchor="ctr"/>
-            <a:lstStyle/>
-            <a:p>
-              <a:pPr algn="ctr"/>
-              <a:r>
-                <a:rPr kumimoji="1" lang="en-US" altLang="zh-TW" sz="2000" dirty="0">
-                  <a:solidFill>
-                    <a:schemeClr val="bg1"/>
-                  </a:solidFill>
-                  <a:latin typeface="Microsoft JhengHei" panose="020B0604030504040204" pitchFamily="34" charset="-120"/>
-                  <a:ea typeface="Microsoft JhengHei" panose="020B0604030504040204" pitchFamily="34" charset="-120"/>
-                </a:rPr>
-                <a:t>train</a:t>
-              </a:r>
-              <a:endParaRPr kumimoji="1" lang="zh-TW" altLang="en-US" sz="2000" dirty="0">
-                <a:solidFill>
-                  <a:schemeClr val="bg1"/>
-                </a:solidFill>
-                <a:latin typeface="Microsoft JhengHei" panose="020B0604030504040204" pitchFamily="34" charset="-120"/>
-                <a:ea typeface="Microsoft JhengHei" panose="020B0604030504040204" pitchFamily="34" charset="-120"/>
-              </a:endParaRPr>
-            </a:p>
-          </p:txBody>
-        </p:sp>
-        <p:sp>
-          <p:nvSpPr>
-            <p:cNvPr id="27" name="向下箭號 26">
-              <a:extLst>
-                <a:ext uri="{FF2B5EF4-FFF2-40B4-BE49-F238E27FC236}">
-                  <a16:creationId xmlns:a16="http://schemas.microsoft.com/office/drawing/2014/main" id="{CDE8FAAB-6612-0B46-BD02-B4B4CFC819BA}"/>
-                </a:ext>
-              </a:extLst>
-            </p:cNvPr>
-            <p:cNvSpPr/>
-            <p:nvPr/>
-          </p:nvSpPr>
-          <p:spPr>
-            <a:xfrm>
-              <a:off x="12697540" y="12088404"/>
-              <a:ext cx="403521" cy="3919308"/>
-            </a:xfrm>
-            <a:prstGeom prst="downArrow">
-              <a:avLst/>
-            </a:prstGeom>
-            <a:solidFill>
-              <a:schemeClr val="tx2">
-                <a:lumMod val="75000"/>
-              </a:schemeClr>
-            </a:solidFill>
-          </p:spPr>
-          <p:style>
-            <a:lnRef idx="2">
-              <a:schemeClr val="accent1">
-                <a:shade val="50000"/>
-              </a:schemeClr>
-            </a:lnRef>
-            <a:fillRef idx="1">
-              <a:schemeClr val="accent1"/>
-            </a:fillRef>
-            <a:effectRef idx="0">
-              <a:schemeClr val="accent1"/>
-            </a:effectRef>
-            <a:fontRef idx="minor">
-              <a:schemeClr val="lt1"/>
-            </a:fontRef>
-          </p:style>
-          <p:txBody>
-            <a:bodyPr rtlCol="0" anchor="ctr"/>
-            <a:lstStyle/>
-            <a:p>
-              <a:pPr algn="ctr"/>
-              <a:endParaRPr kumimoji="1" lang="zh-TW" altLang="en-US" dirty="0"/>
-            </a:p>
-          </p:txBody>
-        </p:sp>
-        <p:sp>
-          <p:nvSpPr>
-            <p:cNvPr id="28" name="向下箭號 27">
-              <a:extLst>
-                <a:ext uri="{FF2B5EF4-FFF2-40B4-BE49-F238E27FC236}">
-                  <a16:creationId xmlns:a16="http://schemas.microsoft.com/office/drawing/2014/main" id="{1A06FD12-29CB-BA40-876F-11CE1249EAC3}"/>
-                </a:ext>
-              </a:extLst>
-            </p:cNvPr>
-            <p:cNvSpPr/>
-            <p:nvPr/>
-          </p:nvSpPr>
-          <p:spPr>
-            <a:xfrm>
-              <a:off x="17899745" y="15418137"/>
-              <a:ext cx="403521" cy="589574"/>
-            </a:xfrm>
-            <a:prstGeom prst="downArrow">
-              <a:avLst/>
-            </a:prstGeom>
-            <a:solidFill>
-              <a:schemeClr val="tx2">
-                <a:lumMod val="75000"/>
-              </a:schemeClr>
-            </a:solidFill>
-          </p:spPr>
-          <p:style>
-            <a:lnRef idx="2">
-              <a:schemeClr val="accent1">
-                <a:shade val="50000"/>
-              </a:schemeClr>
-            </a:lnRef>
-            <a:fillRef idx="1">
-              <a:schemeClr val="accent1"/>
-            </a:fillRef>
-            <a:effectRef idx="0">
-              <a:schemeClr val="accent1"/>
-            </a:effectRef>
-            <a:fontRef idx="minor">
-              <a:schemeClr val="lt1"/>
-            </a:fontRef>
-          </p:style>
-          <p:txBody>
-            <a:bodyPr rtlCol="0" anchor="ctr"/>
-            <a:lstStyle/>
-            <a:p>
-              <a:pPr algn="ctr"/>
-              <a:endParaRPr kumimoji="1" lang="zh-TW" altLang="en-US" dirty="0"/>
-            </a:p>
-          </p:txBody>
-        </p:sp>
-        <p:sp>
-          <p:nvSpPr>
-            <p:cNvPr id="29" name="矩形 28">
-              <a:extLst>
-                <a:ext uri="{FF2B5EF4-FFF2-40B4-BE49-F238E27FC236}">
-                  <a16:creationId xmlns:a16="http://schemas.microsoft.com/office/drawing/2014/main" id="{E82DF509-2197-8E42-AE82-83D56FE76F16}"/>
-                </a:ext>
-              </a:extLst>
-            </p:cNvPr>
-            <p:cNvSpPr/>
-            <p:nvPr/>
-          </p:nvSpPr>
-          <p:spPr>
-            <a:xfrm>
-              <a:off x="13098324" y="12079766"/>
-              <a:ext cx="204213" cy="3346876"/>
-            </a:xfrm>
-            <a:prstGeom prst="rect">
-              <a:avLst/>
-            </a:prstGeom>
-            <a:solidFill>
-              <a:schemeClr val="tx2">
-                <a:lumMod val="75000"/>
-              </a:schemeClr>
-            </a:solidFill>
-          </p:spPr>
-          <p:style>
-            <a:lnRef idx="2">
-              <a:schemeClr val="accent1">
-                <a:shade val="50000"/>
-              </a:schemeClr>
-            </a:lnRef>
-            <a:fillRef idx="1">
-              <a:schemeClr val="accent1"/>
-            </a:fillRef>
-            <a:effectRef idx="0">
-              <a:schemeClr val="accent1"/>
-            </a:effectRef>
-            <a:fontRef idx="minor">
-              <a:schemeClr val="lt1"/>
-            </a:fontRef>
-          </p:style>
-          <p:txBody>
-            <a:bodyPr rtlCol="0" anchor="ctr"/>
-            <a:lstStyle/>
-            <a:p>
-              <a:pPr algn="ctr"/>
-              <a:endParaRPr kumimoji="1" lang="zh-TW" altLang="en-US" dirty="0"/>
-            </a:p>
-          </p:txBody>
-        </p:sp>
-        <p:sp>
-          <p:nvSpPr>
-            <p:cNvPr id="30" name="矩形 29">
-              <a:extLst>
-                <a:ext uri="{FF2B5EF4-FFF2-40B4-BE49-F238E27FC236}">
-                  <a16:creationId xmlns:a16="http://schemas.microsoft.com/office/drawing/2014/main" id="{C08245CA-C50A-4844-BFB0-4ED16053566F}"/>
-                </a:ext>
-              </a:extLst>
-            </p:cNvPr>
-            <p:cNvSpPr/>
-            <p:nvPr/>
-          </p:nvSpPr>
-          <p:spPr>
-            <a:xfrm rot="5400000">
-              <a:off x="15442813" y="13073648"/>
-              <a:ext cx="204213" cy="4893192"/>
-            </a:xfrm>
-            <a:prstGeom prst="rect">
-              <a:avLst/>
-            </a:prstGeom>
-            <a:solidFill>
-              <a:schemeClr val="tx2">
-                <a:lumMod val="75000"/>
-              </a:schemeClr>
-            </a:solidFill>
-          </p:spPr>
-          <p:style>
-            <a:lnRef idx="2">
-              <a:schemeClr val="accent1">
-                <a:shade val="50000"/>
-              </a:schemeClr>
-            </a:lnRef>
-            <a:fillRef idx="1">
-              <a:schemeClr val="accent1"/>
-            </a:fillRef>
-            <a:effectRef idx="0">
-              <a:schemeClr val="accent1"/>
-            </a:effectRef>
-            <a:fontRef idx="minor">
-              <a:schemeClr val="lt1"/>
-            </a:fontRef>
-          </p:style>
-          <p:txBody>
-            <a:bodyPr rtlCol="0" anchor="ctr"/>
-            <a:lstStyle/>
-            <a:p>
-              <a:pPr algn="ctr"/>
-              <a:endParaRPr kumimoji="1" lang="zh-TW" altLang="en-US" dirty="0"/>
-            </a:p>
-          </p:txBody>
-        </p:sp>
-        <p:sp>
-          <p:nvSpPr>
-            <p:cNvPr id="31" name="向下箭號 30">
-              <a:extLst>
-                <a:ext uri="{FF2B5EF4-FFF2-40B4-BE49-F238E27FC236}">
-                  <a16:creationId xmlns:a16="http://schemas.microsoft.com/office/drawing/2014/main" id="{6683D5DE-5FBE-8949-93A7-CB7E775BA286}"/>
-                </a:ext>
-              </a:extLst>
-            </p:cNvPr>
-            <p:cNvSpPr/>
-            <p:nvPr/>
-          </p:nvSpPr>
-          <p:spPr>
-            <a:xfrm>
-              <a:off x="19820292" y="12088404"/>
-              <a:ext cx="403521" cy="3919308"/>
-            </a:xfrm>
-            <a:prstGeom prst="downArrow">
-              <a:avLst/>
-            </a:prstGeom>
-            <a:solidFill>
-              <a:schemeClr val="tx2">
-                <a:lumMod val="75000"/>
-              </a:schemeClr>
-            </a:solidFill>
-          </p:spPr>
-          <p:style>
-            <a:lnRef idx="2">
-              <a:schemeClr val="accent1">
-                <a:shade val="50000"/>
-              </a:schemeClr>
-            </a:lnRef>
-            <a:fillRef idx="1">
-              <a:schemeClr val="accent1"/>
-            </a:fillRef>
-            <a:effectRef idx="0">
-              <a:schemeClr val="accent1"/>
-            </a:effectRef>
-            <a:fontRef idx="minor">
-              <a:schemeClr val="lt1"/>
-            </a:fontRef>
-          </p:style>
-          <p:txBody>
-            <a:bodyPr rtlCol="0" anchor="ctr"/>
-            <a:lstStyle/>
-            <a:p>
-              <a:pPr algn="ctr"/>
-              <a:endParaRPr kumimoji="1" lang="zh-TW" altLang="en-US" dirty="0"/>
-            </a:p>
-          </p:txBody>
-        </p:sp>
-        <p:sp>
-          <p:nvSpPr>
-            <p:cNvPr id="32" name="向下箭號 31">
-              <a:extLst>
-                <a:ext uri="{FF2B5EF4-FFF2-40B4-BE49-F238E27FC236}">
-                  <a16:creationId xmlns:a16="http://schemas.microsoft.com/office/drawing/2014/main" id="{80889E13-2CAF-BB46-AD2C-988627DA1BB5}"/>
-                </a:ext>
-              </a:extLst>
-            </p:cNvPr>
-            <p:cNvSpPr/>
-            <p:nvPr/>
-          </p:nvSpPr>
-          <p:spPr>
-            <a:xfrm>
-              <a:off x="14478171" y="15193435"/>
-              <a:ext cx="403521" cy="814276"/>
-            </a:xfrm>
-            <a:prstGeom prst="downArrow">
-              <a:avLst/>
-            </a:prstGeom>
-            <a:solidFill>
-              <a:schemeClr val="tx2">
-                <a:lumMod val="75000"/>
-              </a:schemeClr>
-            </a:solidFill>
-          </p:spPr>
-          <p:style>
-            <a:lnRef idx="2">
-              <a:schemeClr val="accent1">
-                <a:shade val="50000"/>
-              </a:schemeClr>
-            </a:lnRef>
-            <a:fillRef idx="1">
-              <a:schemeClr val="accent1"/>
-            </a:fillRef>
-            <a:effectRef idx="0">
-              <a:schemeClr val="accent1"/>
-            </a:effectRef>
-            <a:fontRef idx="minor">
-              <a:schemeClr val="lt1"/>
-            </a:fontRef>
-          </p:style>
-          <p:txBody>
-            <a:bodyPr rtlCol="0" anchor="ctr"/>
-            <a:lstStyle/>
-            <a:p>
-              <a:pPr algn="ctr"/>
-              <a:endParaRPr kumimoji="1" lang="zh-TW" altLang="en-US" dirty="0"/>
-            </a:p>
-          </p:txBody>
-        </p:sp>
-        <p:sp>
-          <p:nvSpPr>
-            <p:cNvPr id="33" name="圓角矩形 32">
-              <a:extLst>
-                <a:ext uri="{FF2B5EF4-FFF2-40B4-BE49-F238E27FC236}">
-                  <a16:creationId xmlns:a16="http://schemas.microsoft.com/office/drawing/2014/main" id="{F8F4EA00-9F54-104A-86E5-33A1826B7A21}"/>
-                </a:ext>
-              </a:extLst>
-            </p:cNvPr>
-            <p:cNvSpPr/>
-            <p:nvPr/>
-          </p:nvSpPr>
-          <p:spPr>
-            <a:xfrm>
-              <a:off x="17589638" y="16032692"/>
-              <a:ext cx="2690667" cy="430430"/>
-            </a:xfrm>
-            <a:prstGeom prst="roundRect">
-              <a:avLst/>
-            </a:prstGeom>
-            <a:solidFill>
-              <a:schemeClr val="accent1"/>
-            </a:solidFill>
-          </p:spPr>
-          <p:style>
-            <a:lnRef idx="2">
-              <a:schemeClr val="accent1">
-                <a:shade val="50000"/>
-              </a:schemeClr>
-            </a:lnRef>
-            <a:fillRef idx="1">
-              <a:schemeClr val="accent1"/>
-            </a:fillRef>
-            <a:effectRef idx="0">
-              <a:schemeClr val="accent1"/>
-            </a:effectRef>
-            <a:fontRef idx="minor">
-              <a:schemeClr val="lt1"/>
-            </a:fontRef>
-          </p:style>
-          <p:txBody>
-            <a:bodyPr rtlCol="0" anchor="ctr"/>
-            <a:lstStyle/>
-            <a:p>
-              <a:pPr algn="ctr"/>
-              <a:r>
-                <a:rPr kumimoji="1" lang="en-US" altLang="zh-TW" sz="2000" dirty="0">
-                  <a:solidFill>
-                    <a:schemeClr val="bg1"/>
-                  </a:solidFill>
-                  <a:latin typeface="Microsoft JhengHei" panose="020B0604030504040204" pitchFamily="34" charset="-120"/>
-                  <a:ea typeface="Microsoft JhengHei" panose="020B0604030504040204" pitchFamily="34" charset="-120"/>
-                </a:rPr>
-                <a:t>train</a:t>
-              </a:r>
-              <a:endParaRPr kumimoji="1" lang="zh-TW" altLang="en-US" sz="2000" dirty="0">
-                <a:solidFill>
-                  <a:schemeClr val="bg1"/>
-                </a:solidFill>
-                <a:latin typeface="Microsoft JhengHei" panose="020B0604030504040204" pitchFamily="34" charset="-120"/>
-                <a:ea typeface="Microsoft JhengHei" panose="020B0604030504040204" pitchFamily="34" charset="-120"/>
-              </a:endParaRPr>
-            </a:p>
-          </p:txBody>
-        </p:sp>
-        <p:sp>
-          <p:nvSpPr>
-            <p:cNvPr id="34" name="向下箭號 33">
-              <a:extLst>
-                <a:ext uri="{FF2B5EF4-FFF2-40B4-BE49-F238E27FC236}">
-                  <a16:creationId xmlns:a16="http://schemas.microsoft.com/office/drawing/2014/main" id="{F7B2D2FC-42B5-AC48-90C9-178AEF1EC405}"/>
-                </a:ext>
-              </a:extLst>
-            </p:cNvPr>
-            <p:cNvSpPr/>
-            <p:nvPr/>
-          </p:nvSpPr>
-          <p:spPr>
-            <a:xfrm>
-              <a:off x="13183472" y="16510747"/>
+              <a:off x="4956193" y="10977325"/>
               <a:ext cx="1338107" cy="479109"/>
             </a:xfrm>
             <a:prstGeom prst="downArrow">
@@ -7883,127 +7606,11 @@
             </a:p>
           </p:txBody>
         </p:sp>
-        <p:sp>
-          <p:nvSpPr>
-            <p:cNvPr id="35" name="向下箭號 34">
-              <a:extLst>
-                <a:ext uri="{FF2B5EF4-FFF2-40B4-BE49-F238E27FC236}">
-                  <a16:creationId xmlns:a16="http://schemas.microsoft.com/office/drawing/2014/main" id="{688A26C7-2319-5040-A49D-7B30C2CCCBF6}"/>
-                </a:ext>
-              </a:extLst>
-            </p:cNvPr>
-            <p:cNvSpPr/>
-            <p:nvPr/>
-          </p:nvSpPr>
-          <p:spPr>
-            <a:xfrm>
-              <a:off x="18308563" y="16516397"/>
-              <a:ext cx="1338107" cy="479109"/>
-            </a:xfrm>
-            <a:prstGeom prst="downArrow">
-              <a:avLst/>
-            </a:prstGeom>
-            <a:solidFill>
-              <a:schemeClr val="tx2">
-                <a:lumMod val="75000"/>
-              </a:schemeClr>
-            </a:solidFill>
-          </p:spPr>
-          <p:style>
-            <a:lnRef idx="2">
-              <a:schemeClr val="accent1">
-                <a:shade val="50000"/>
-              </a:schemeClr>
-            </a:lnRef>
-            <a:fillRef idx="1">
-              <a:schemeClr val="accent1"/>
-            </a:fillRef>
-            <a:effectRef idx="0">
-              <a:schemeClr val="accent1"/>
-            </a:effectRef>
-            <a:fontRef idx="minor">
-              <a:schemeClr val="lt1"/>
-            </a:fontRef>
-          </p:style>
-          <p:txBody>
-            <a:bodyPr rtlCol="0" anchor="ctr"/>
-            <a:lstStyle/>
-            <a:p>
-              <a:pPr algn="ctr"/>
-              <a:endParaRPr kumimoji="1" lang="zh-TW" altLang="en-US" dirty="0"/>
-            </a:p>
-          </p:txBody>
-        </p:sp>
-        <p:sp>
-          <p:nvSpPr>
-            <p:cNvPr id="36" name="圓角矩形 35">
-              <a:extLst>
-                <a:ext uri="{FF2B5EF4-FFF2-40B4-BE49-F238E27FC236}">
-                  <a16:creationId xmlns:a16="http://schemas.microsoft.com/office/drawing/2014/main" id="{43EBD8AE-ABB7-D24D-8386-E65D2760EBC2}"/>
-                </a:ext>
-              </a:extLst>
-            </p:cNvPr>
-            <p:cNvSpPr/>
-            <p:nvPr/>
-          </p:nvSpPr>
-          <p:spPr>
-            <a:xfrm>
-              <a:off x="12183420" y="18225899"/>
-              <a:ext cx="8681442" cy="908288"/>
-            </a:xfrm>
-            <a:prstGeom prst="roundRect">
-              <a:avLst/>
-            </a:prstGeom>
-            <a:solidFill>
-              <a:schemeClr val="accent1"/>
-            </a:solidFill>
-          </p:spPr>
-          <p:style>
-            <a:lnRef idx="2">
-              <a:schemeClr val="accent1">
-                <a:shade val="50000"/>
-              </a:schemeClr>
-            </a:lnRef>
-            <a:fillRef idx="1">
-              <a:schemeClr val="accent1"/>
-            </a:fillRef>
-            <a:effectRef idx="0">
-              <a:schemeClr val="accent1"/>
-            </a:effectRef>
-            <a:fontRef idx="minor">
-              <a:schemeClr val="lt1"/>
-            </a:fontRef>
-          </p:style>
-          <p:txBody>
-            <a:bodyPr rtlCol="0" anchor="ctr"/>
-            <a:lstStyle/>
-            <a:p>
-              <a:pPr algn="ctr"/>
-              <a:r>
-                <a:rPr kumimoji="1" lang="en-US" altLang="zh-TW" sz="2000" dirty="0">
-                  <a:solidFill>
-                    <a:schemeClr val="bg1"/>
-                  </a:solidFill>
-                  <a:latin typeface="Microsoft JhengHei" panose="020B0604030504040204" pitchFamily="34" charset="-120"/>
-                  <a:ea typeface="Microsoft JhengHei" panose="020B0604030504040204" pitchFamily="34" charset="-120"/>
-                </a:rPr>
-                <a:t>Accuracy Evaluation (vs Target Model)</a:t>
-              </a:r>
-              <a:endParaRPr kumimoji="1" lang="zh-TW" altLang="en-US" sz="2000" dirty="0">
-                <a:solidFill>
-                  <a:schemeClr val="bg1"/>
-                </a:solidFill>
-                <a:latin typeface="Microsoft JhengHei" panose="020B0604030504040204" pitchFamily="34" charset="-120"/>
-                <a:ea typeface="Microsoft JhengHei" panose="020B0604030504040204" pitchFamily="34" charset="-120"/>
-              </a:endParaRPr>
-            </a:p>
-          </p:txBody>
-        </p:sp>
       </p:grpSp>
     </p:spTree>
     <p:extLst>
       <p:ext uri="{BB962C8B-B14F-4D97-AF65-F5344CB8AC3E}">
-        <p14:creationId xmlns:p14="http://schemas.microsoft.com/office/powerpoint/2010/main" val="3054505412"/>
+        <p14:creationId xmlns:p14="http://schemas.microsoft.com/office/powerpoint/2010/main" val="1363449308"/>
       </p:ext>
     </p:extLst>
   </p:cSld>
@@ -8951,6 +8558,1099 @@
 </file>
 
 <file path=ppt/slides/slide6.xml><?xml version="1.0" encoding="utf-8"?>
+<p:sld xmlns:a="http://schemas.openxmlformats.org/drawingml/2006/main" xmlns:r="http://schemas.openxmlformats.org/officeDocument/2006/relationships" xmlns:p="http://schemas.openxmlformats.org/presentationml/2006/main">
+  <p:cSld>
+    <p:spTree>
+      <p:nvGrpSpPr>
+        <p:cNvPr id="1" name=""/>
+        <p:cNvGrpSpPr/>
+        <p:nvPr/>
+      </p:nvGrpSpPr>
+      <p:grpSpPr>
+        <a:xfrm>
+          <a:off x="0" y="0"/>
+          <a:ext cx="0" cy="0"/>
+          <a:chOff x="0" y="0"/>
+          <a:chExt cx="0" cy="0"/>
+        </a:xfrm>
+      </p:grpSpPr>
+      <p:sp>
+        <p:nvSpPr>
+          <p:cNvPr id="2" name="標題 1">
+            <a:extLst>
+              <a:ext uri="{FF2B5EF4-FFF2-40B4-BE49-F238E27FC236}">
+                <a16:creationId xmlns:a16="http://schemas.microsoft.com/office/drawing/2014/main" id="{BB94A7B9-4006-7542-B1E5-697486C4B638}"/>
+              </a:ext>
+            </a:extLst>
+          </p:cNvPr>
+          <p:cNvSpPr>
+            <a:spLocks noGrp="1"/>
+          </p:cNvSpPr>
+          <p:nvPr>
+            <p:ph type="title"/>
+          </p:nvPr>
+        </p:nvSpPr>
+        <p:spPr/>
+        <p:txBody>
+          <a:bodyPr/>
+          <a:lstStyle/>
+          <a:p>
+            <a:r>
+              <a:rPr kumimoji="1" lang="en-US" altLang="zh-TW" b="1" u="sng" dirty="0"/>
+              <a:t>Copy Model</a:t>
+            </a:r>
+            <a:r>
+              <a:rPr kumimoji="1" lang="en-US" altLang="zh-TW" dirty="0"/>
+              <a:t> </a:t>
+            </a:r>
+            <a:r>
+              <a:rPr kumimoji="1" lang="zh-TW" altLang="en-US" dirty="0"/>
+              <a:t> </a:t>
+            </a:r>
+            <a:r>
+              <a:rPr kumimoji="1" lang="en-US" altLang="zh-TW" dirty="0"/>
+              <a:t>VS  </a:t>
+            </a:r>
+            <a:r>
+              <a:rPr kumimoji="1" lang="en-US" altLang="zh-TW" b="1" u="sng" dirty="0"/>
+              <a:t>Control Model</a:t>
+            </a:r>
+            <a:endParaRPr kumimoji="1" lang="zh-TW" altLang="en-US" b="1" u="sng" dirty="0"/>
+          </a:p>
+        </p:txBody>
+      </p:sp>
+      <p:grpSp>
+        <p:nvGrpSpPr>
+          <p:cNvPr id="18" name="群組 17">
+            <a:extLst>
+              <a:ext uri="{FF2B5EF4-FFF2-40B4-BE49-F238E27FC236}">
+                <a16:creationId xmlns:a16="http://schemas.microsoft.com/office/drawing/2014/main" id="{AEF53F88-CBC8-BF46-AD0B-2210B5696E7C}"/>
+              </a:ext>
+            </a:extLst>
+          </p:cNvPr>
+          <p:cNvGrpSpPr/>
+          <p:nvPr/>
+        </p:nvGrpSpPr>
+        <p:grpSpPr>
+          <a:xfrm>
+            <a:off x="1495599" y="1626048"/>
+            <a:ext cx="7377469" cy="5059131"/>
+            <a:chOff x="12180790" y="11192034"/>
+            <a:chExt cx="8684076" cy="7942153"/>
+          </a:xfrm>
+        </p:grpSpPr>
+        <p:sp>
+          <p:nvSpPr>
+            <p:cNvPr id="19" name="圓角矩形 18">
+              <a:extLst>
+                <a:ext uri="{FF2B5EF4-FFF2-40B4-BE49-F238E27FC236}">
+                  <a16:creationId xmlns:a16="http://schemas.microsoft.com/office/drawing/2014/main" id="{3E218CF9-776B-0F41-ABC3-62EE4EC84330}"/>
+                </a:ext>
+              </a:extLst>
+            </p:cNvPr>
+            <p:cNvSpPr/>
+            <p:nvPr/>
+          </p:nvSpPr>
+          <p:spPr>
+            <a:xfrm>
+              <a:off x="17356466" y="17044488"/>
+              <a:ext cx="3508400" cy="912954"/>
+            </a:xfrm>
+            <a:prstGeom prst="roundRect">
+              <a:avLst/>
+            </a:prstGeom>
+            <a:solidFill>
+              <a:schemeClr val="accent1"/>
+            </a:solidFill>
+          </p:spPr>
+          <p:style>
+            <a:lnRef idx="2">
+              <a:schemeClr val="accent1">
+                <a:shade val="50000"/>
+              </a:schemeClr>
+            </a:lnRef>
+            <a:fillRef idx="1">
+              <a:schemeClr val="accent1"/>
+            </a:fillRef>
+            <a:effectRef idx="0">
+              <a:schemeClr val="accent1"/>
+            </a:effectRef>
+            <a:fontRef idx="minor">
+              <a:schemeClr val="lt1"/>
+            </a:fontRef>
+          </p:style>
+          <p:txBody>
+            <a:bodyPr rtlCol="0" anchor="ctr"/>
+            <a:lstStyle/>
+            <a:p>
+              <a:pPr algn="ctr"/>
+              <a:r>
+                <a:rPr kumimoji="1" lang="en-US" altLang="zh-TW" sz="2000" b="1" u="sng" dirty="0">
+                  <a:solidFill>
+                    <a:schemeClr val="bg1"/>
+                  </a:solidFill>
+                  <a:latin typeface="Microsoft JhengHei" panose="020B0604030504040204" pitchFamily="34" charset="-120"/>
+                  <a:ea typeface="Microsoft JhengHei" panose="020B0604030504040204" pitchFamily="34" charset="-120"/>
+                </a:rPr>
+                <a:t>Control Model</a:t>
+              </a:r>
+              <a:endParaRPr kumimoji="1" lang="zh-TW" altLang="en-US" sz="2000" b="1" u="sng" dirty="0">
+                <a:solidFill>
+                  <a:schemeClr val="bg1"/>
+                </a:solidFill>
+                <a:latin typeface="Microsoft JhengHei" panose="020B0604030504040204" pitchFamily="34" charset="-120"/>
+                <a:ea typeface="Microsoft JhengHei" panose="020B0604030504040204" pitchFamily="34" charset="-120"/>
+              </a:endParaRPr>
+            </a:p>
+          </p:txBody>
+        </p:sp>
+        <p:sp>
+          <p:nvSpPr>
+            <p:cNvPr id="20" name="圓角矩形 19">
+              <a:extLst>
+                <a:ext uri="{FF2B5EF4-FFF2-40B4-BE49-F238E27FC236}">
+                  <a16:creationId xmlns:a16="http://schemas.microsoft.com/office/drawing/2014/main" id="{1FDE5E49-27F1-4D40-8325-35756BB39A74}"/>
+                </a:ext>
+              </a:extLst>
+            </p:cNvPr>
+            <p:cNvSpPr/>
+            <p:nvPr/>
+          </p:nvSpPr>
+          <p:spPr>
+            <a:xfrm>
+              <a:off x="12180790" y="17030603"/>
+              <a:ext cx="3508396" cy="908288"/>
+            </a:xfrm>
+            <a:prstGeom prst="roundRect">
+              <a:avLst/>
+            </a:prstGeom>
+            <a:solidFill>
+              <a:schemeClr val="accent1"/>
+            </a:solidFill>
+          </p:spPr>
+          <p:style>
+            <a:lnRef idx="2">
+              <a:schemeClr val="accent1">
+                <a:shade val="50000"/>
+              </a:schemeClr>
+            </a:lnRef>
+            <a:fillRef idx="1">
+              <a:schemeClr val="accent1"/>
+            </a:fillRef>
+            <a:effectRef idx="0">
+              <a:schemeClr val="accent1"/>
+            </a:effectRef>
+            <a:fontRef idx="minor">
+              <a:schemeClr val="lt1"/>
+            </a:fontRef>
+          </p:style>
+          <p:txBody>
+            <a:bodyPr rtlCol="0" anchor="ctr"/>
+            <a:lstStyle/>
+            <a:p>
+              <a:pPr algn="ctr"/>
+              <a:r>
+                <a:rPr kumimoji="1" lang="en-US" altLang="zh-TW" sz="2000" b="1" u="sng" dirty="0">
+                  <a:solidFill>
+                    <a:schemeClr val="bg1"/>
+                  </a:solidFill>
+                  <a:latin typeface="Microsoft JhengHei" panose="020B0604030504040204" pitchFamily="34" charset="-120"/>
+                  <a:ea typeface="Microsoft JhengHei" panose="020B0604030504040204" pitchFamily="34" charset="-120"/>
+                </a:rPr>
+                <a:t>Copy Model</a:t>
+              </a:r>
+              <a:endParaRPr kumimoji="1" lang="zh-TW" altLang="en-US" sz="2000" b="1" u="sng" dirty="0">
+                <a:solidFill>
+                  <a:schemeClr val="bg1"/>
+                </a:solidFill>
+                <a:latin typeface="Microsoft JhengHei" panose="020B0604030504040204" pitchFamily="34" charset="-120"/>
+                <a:ea typeface="Microsoft JhengHei" panose="020B0604030504040204" pitchFamily="34" charset="-120"/>
+              </a:endParaRPr>
+            </a:p>
+          </p:txBody>
+        </p:sp>
+        <p:sp>
+          <p:nvSpPr>
+            <p:cNvPr id="21" name="文字方塊 20">
+              <a:extLst>
+                <a:ext uri="{FF2B5EF4-FFF2-40B4-BE49-F238E27FC236}">
+                  <a16:creationId xmlns:a16="http://schemas.microsoft.com/office/drawing/2014/main" id="{B948C4C0-0C30-EA40-AB36-97EACE8443A9}"/>
+                </a:ext>
+              </a:extLst>
+            </p:cNvPr>
+            <p:cNvSpPr txBox="1"/>
+            <p:nvPr/>
+          </p:nvSpPr>
+          <p:spPr>
+            <a:xfrm>
+              <a:off x="12274636" y="11192034"/>
+              <a:ext cx="8499008" cy="821385"/>
+            </a:xfrm>
+            <a:prstGeom prst="rect">
+              <a:avLst/>
+            </a:prstGeom>
+            <a:noFill/>
+          </p:spPr>
+          <p:txBody>
+            <a:bodyPr wrap="none" rtlCol="0">
+              <a:spAutoFit/>
+            </a:bodyPr>
+            <a:lstStyle/>
+            <a:p>
+              <a:r>
+                <a:rPr kumimoji="1" lang="en-US" altLang="zh-CN" sz="2800" dirty="0"/>
+                <a:t>( </a:t>
+              </a:r>
+              <a:r>
+                <a:rPr kumimoji="1" lang="en-US" altLang="zh-CN" sz="2800" b="1" dirty="0" err="1"/>
+                <a:t>X_copy_testing</a:t>
+              </a:r>
+              <a:r>
+                <a:rPr kumimoji="1" lang="en-US" altLang="zh-CN" sz="2800" dirty="0"/>
+                <a:t>, </a:t>
+              </a:r>
+              <a:r>
+                <a:rPr kumimoji="1" lang="en-US" altLang="zh-CN" sz="2800" b="1" dirty="0"/>
+                <a:t>Y_copy_training_label</a:t>
+              </a:r>
+              <a:r>
+                <a:rPr kumimoji="1" lang="en-US" altLang="zh-CN" sz="2800" dirty="0"/>
+                <a:t> )</a:t>
+              </a:r>
+            </a:p>
+          </p:txBody>
+        </p:sp>
+        <p:sp>
+          <p:nvSpPr>
+            <p:cNvPr id="22" name="圓角矩形 21">
+              <a:extLst>
+                <a:ext uri="{FF2B5EF4-FFF2-40B4-BE49-F238E27FC236}">
+                  <a16:creationId xmlns:a16="http://schemas.microsoft.com/office/drawing/2014/main" id="{FD9332D2-A776-E740-AED3-D272A2C0B401}"/>
+                </a:ext>
+              </a:extLst>
+            </p:cNvPr>
+            <p:cNvSpPr/>
+            <p:nvPr/>
+          </p:nvSpPr>
+          <p:spPr>
+            <a:xfrm>
+              <a:off x="13478329" y="12726646"/>
+              <a:ext cx="5903576" cy="1488176"/>
+            </a:xfrm>
+            <a:prstGeom prst="roundRect">
+              <a:avLst/>
+            </a:prstGeom>
+            <a:solidFill>
+              <a:schemeClr val="accent1"/>
+            </a:solidFill>
+          </p:spPr>
+          <p:style>
+            <a:lnRef idx="2">
+              <a:schemeClr val="accent1">
+                <a:shade val="50000"/>
+              </a:schemeClr>
+            </a:lnRef>
+            <a:fillRef idx="1">
+              <a:schemeClr val="accent1"/>
+            </a:fillRef>
+            <a:effectRef idx="0">
+              <a:schemeClr val="accent1"/>
+            </a:effectRef>
+            <a:fontRef idx="minor">
+              <a:schemeClr val="lt1"/>
+            </a:fontRef>
+          </p:style>
+          <p:txBody>
+            <a:bodyPr rtlCol="0" anchor="ctr"/>
+            <a:lstStyle/>
+            <a:p>
+              <a:pPr algn="ctr"/>
+              <a:r>
+                <a:rPr kumimoji="1" lang="en-US" altLang="zh-TW" sz="2000" dirty="0" smtClean="0">
+                  <a:solidFill>
+                    <a:schemeClr val="bg1"/>
+                  </a:solidFill>
+                  <a:latin typeface="Microsoft JhengHei" panose="020B0604030504040204" pitchFamily="34" charset="-120"/>
+                  <a:ea typeface="Microsoft JhengHei" panose="020B0604030504040204" pitchFamily="34" charset="-120"/>
+                </a:rPr>
+                <a:t>Target </a:t>
+              </a:r>
+              <a:r>
+                <a:rPr kumimoji="1" lang="en-US" altLang="zh-TW" sz="2000" dirty="0">
+                  <a:solidFill>
+                    <a:schemeClr val="bg1"/>
+                  </a:solidFill>
+                  <a:latin typeface="Microsoft JhengHei" panose="020B0604030504040204" pitchFamily="34" charset="-120"/>
+                  <a:ea typeface="Microsoft JhengHei" panose="020B0604030504040204" pitchFamily="34" charset="-120"/>
+                </a:rPr>
+                <a:t>model (pre-trained)</a:t>
+              </a:r>
+              <a:endParaRPr kumimoji="1" lang="zh-TW" altLang="en-US" sz="2000" dirty="0">
+                <a:solidFill>
+                  <a:schemeClr val="bg1"/>
+                </a:solidFill>
+                <a:latin typeface="Microsoft JhengHei" panose="020B0604030504040204" pitchFamily="34" charset="-120"/>
+                <a:ea typeface="Microsoft JhengHei" panose="020B0604030504040204" pitchFamily="34" charset="-120"/>
+              </a:endParaRPr>
+            </a:p>
+          </p:txBody>
+        </p:sp>
+        <p:sp>
+          <p:nvSpPr>
+            <p:cNvPr id="23" name="文字方塊 22">
+              <a:extLst>
+                <a:ext uri="{FF2B5EF4-FFF2-40B4-BE49-F238E27FC236}">
+                  <a16:creationId xmlns:a16="http://schemas.microsoft.com/office/drawing/2014/main" id="{B78AC362-02CB-2A49-9E3F-6239D44CC080}"/>
+                </a:ext>
+              </a:extLst>
+            </p:cNvPr>
+            <p:cNvSpPr txBox="1"/>
+            <p:nvPr/>
+          </p:nvSpPr>
+          <p:spPr>
+            <a:xfrm>
+              <a:off x="13955683" y="14639469"/>
+              <a:ext cx="5470257" cy="592002"/>
+            </a:xfrm>
+            <a:prstGeom prst="rect">
+              <a:avLst/>
+            </a:prstGeom>
+            <a:noFill/>
+          </p:spPr>
+          <p:txBody>
+            <a:bodyPr wrap="none" rtlCol="0">
+              <a:spAutoFit/>
+            </a:bodyPr>
+            <a:lstStyle/>
+            <a:p>
+              <a:r>
+                <a:rPr kumimoji="1" lang="en-US" altLang="zh-CN" sz="2400" b="1" dirty="0" err="1"/>
+                <a:t>Y_copy_training_probability</a:t>
+              </a:r>
+              <a:endParaRPr kumimoji="1" lang="en-US" altLang="zh-CN" sz="2400" dirty="0"/>
+            </a:p>
+          </p:txBody>
+        </p:sp>
+        <p:sp>
+          <p:nvSpPr>
+            <p:cNvPr id="24" name="向下箭號 23">
+              <a:extLst>
+                <a:ext uri="{FF2B5EF4-FFF2-40B4-BE49-F238E27FC236}">
+                  <a16:creationId xmlns:a16="http://schemas.microsoft.com/office/drawing/2014/main" id="{43E7651D-A75D-134C-B7AC-56164AE22E1C}"/>
+                </a:ext>
+              </a:extLst>
+            </p:cNvPr>
+            <p:cNvSpPr/>
+            <p:nvPr/>
+          </p:nvSpPr>
+          <p:spPr>
+            <a:xfrm>
+              <a:off x="14521580" y="12020204"/>
+              <a:ext cx="950494" cy="684072"/>
+            </a:xfrm>
+            <a:prstGeom prst="downArrow">
+              <a:avLst/>
+            </a:prstGeom>
+            <a:solidFill>
+              <a:schemeClr val="tx2">
+                <a:lumMod val="75000"/>
+              </a:schemeClr>
+            </a:solidFill>
+          </p:spPr>
+          <p:style>
+            <a:lnRef idx="2">
+              <a:schemeClr val="accent1">
+                <a:shade val="50000"/>
+              </a:schemeClr>
+            </a:lnRef>
+            <a:fillRef idx="1">
+              <a:schemeClr val="accent1"/>
+            </a:fillRef>
+            <a:effectRef idx="0">
+              <a:schemeClr val="accent1"/>
+            </a:effectRef>
+            <a:fontRef idx="minor">
+              <a:schemeClr val="lt1"/>
+            </a:fontRef>
+          </p:style>
+          <p:txBody>
+            <a:bodyPr rtlCol="0" anchor="ctr"/>
+            <a:lstStyle/>
+            <a:p>
+              <a:pPr algn="ctr"/>
+              <a:endParaRPr kumimoji="1" lang="zh-TW" altLang="en-US" dirty="0"/>
+            </a:p>
+          </p:txBody>
+        </p:sp>
+        <p:sp>
+          <p:nvSpPr>
+            <p:cNvPr id="25" name="向下箭號 24">
+              <a:extLst>
+                <a:ext uri="{FF2B5EF4-FFF2-40B4-BE49-F238E27FC236}">
+                  <a16:creationId xmlns:a16="http://schemas.microsoft.com/office/drawing/2014/main" id="{7F9E1DA1-4741-C744-B5FD-FDFB684D4D2A}"/>
+                </a:ext>
+              </a:extLst>
+            </p:cNvPr>
+            <p:cNvSpPr/>
+            <p:nvPr/>
+          </p:nvSpPr>
+          <p:spPr>
+            <a:xfrm>
+              <a:off x="15651380" y="14238340"/>
+              <a:ext cx="1338107" cy="479109"/>
+            </a:xfrm>
+            <a:prstGeom prst="downArrow">
+              <a:avLst/>
+            </a:prstGeom>
+            <a:solidFill>
+              <a:schemeClr val="tx2">
+                <a:lumMod val="75000"/>
+              </a:schemeClr>
+            </a:solidFill>
+          </p:spPr>
+          <p:style>
+            <a:lnRef idx="2">
+              <a:schemeClr val="accent1">
+                <a:shade val="50000"/>
+              </a:schemeClr>
+            </a:lnRef>
+            <a:fillRef idx="1">
+              <a:schemeClr val="accent1"/>
+            </a:fillRef>
+            <a:effectRef idx="0">
+              <a:schemeClr val="accent1"/>
+            </a:effectRef>
+            <a:fontRef idx="minor">
+              <a:schemeClr val="lt1"/>
+            </a:fontRef>
+          </p:style>
+          <p:txBody>
+            <a:bodyPr rtlCol="0" anchor="ctr"/>
+            <a:lstStyle/>
+            <a:p>
+              <a:pPr algn="ctr"/>
+              <a:endParaRPr kumimoji="1" lang="zh-TW" altLang="en-US" dirty="0"/>
+            </a:p>
+          </p:txBody>
+        </p:sp>
+        <p:sp>
+          <p:nvSpPr>
+            <p:cNvPr id="26" name="圓角矩形 25">
+              <a:extLst>
+                <a:ext uri="{FF2B5EF4-FFF2-40B4-BE49-F238E27FC236}">
+                  <a16:creationId xmlns:a16="http://schemas.microsoft.com/office/drawing/2014/main" id="{8BABEDD7-9CDC-BD43-872D-3A6CCE918022}"/>
+                </a:ext>
+              </a:extLst>
+            </p:cNvPr>
+            <p:cNvSpPr/>
+            <p:nvPr/>
+          </p:nvSpPr>
+          <p:spPr>
+            <a:xfrm>
+              <a:off x="12507193" y="16039829"/>
+              <a:ext cx="2690667" cy="430430"/>
+            </a:xfrm>
+            <a:prstGeom prst="roundRect">
+              <a:avLst/>
+            </a:prstGeom>
+            <a:solidFill>
+              <a:schemeClr val="accent1"/>
+            </a:solidFill>
+          </p:spPr>
+          <p:style>
+            <a:lnRef idx="2">
+              <a:schemeClr val="accent1">
+                <a:shade val="50000"/>
+              </a:schemeClr>
+            </a:lnRef>
+            <a:fillRef idx="1">
+              <a:schemeClr val="accent1"/>
+            </a:fillRef>
+            <a:effectRef idx="0">
+              <a:schemeClr val="accent1"/>
+            </a:effectRef>
+            <a:fontRef idx="minor">
+              <a:schemeClr val="lt1"/>
+            </a:fontRef>
+          </p:style>
+          <p:txBody>
+            <a:bodyPr rtlCol="0" anchor="ctr"/>
+            <a:lstStyle/>
+            <a:p>
+              <a:pPr algn="ctr"/>
+              <a:r>
+                <a:rPr kumimoji="1" lang="en-US" altLang="zh-TW" sz="2000" dirty="0">
+                  <a:solidFill>
+                    <a:schemeClr val="bg1"/>
+                  </a:solidFill>
+                  <a:latin typeface="Microsoft JhengHei" panose="020B0604030504040204" pitchFamily="34" charset="-120"/>
+                  <a:ea typeface="Microsoft JhengHei" panose="020B0604030504040204" pitchFamily="34" charset="-120"/>
+                </a:rPr>
+                <a:t>train</a:t>
+              </a:r>
+              <a:endParaRPr kumimoji="1" lang="zh-TW" altLang="en-US" sz="2000" dirty="0">
+                <a:solidFill>
+                  <a:schemeClr val="bg1"/>
+                </a:solidFill>
+                <a:latin typeface="Microsoft JhengHei" panose="020B0604030504040204" pitchFamily="34" charset="-120"/>
+                <a:ea typeface="Microsoft JhengHei" panose="020B0604030504040204" pitchFamily="34" charset="-120"/>
+              </a:endParaRPr>
+            </a:p>
+          </p:txBody>
+        </p:sp>
+        <p:sp>
+          <p:nvSpPr>
+            <p:cNvPr id="27" name="向下箭號 26">
+              <a:extLst>
+                <a:ext uri="{FF2B5EF4-FFF2-40B4-BE49-F238E27FC236}">
+                  <a16:creationId xmlns:a16="http://schemas.microsoft.com/office/drawing/2014/main" id="{CDE8FAAB-6612-0B46-BD02-B4B4CFC819BA}"/>
+                </a:ext>
+              </a:extLst>
+            </p:cNvPr>
+            <p:cNvSpPr/>
+            <p:nvPr/>
+          </p:nvSpPr>
+          <p:spPr>
+            <a:xfrm>
+              <a:off x="12697540" y="12088404"/>
+              <a:ext cx="403521" cy="3919308"/>
+            </a:xfrm>
+            <a:prstGeom prst="downArrow">
+              <a:avLst/>
+            </a:prstGeom>
+            <a:solidFill>
+              <a:schemeClr val="tx2">
+                <a:lumMod val="75000"/>
+              </a:schemeClr>
+            </a:solidFill>
+          </p:spPr>
+          <p:style>
+            <a:lnRef idx="2">
+              <a:schemeClr val="accent1">
+                <a:shade val="50000"/>
+              </a:schemeClr>
+            </a:lnRef>
+            <a:fillRef idx="1">
+              <a:schemeClr val="accent1"/>
+            </a:fillRef>
+            <a:effectRef idx="0">
+              <a:schemeClr val="accent1"/>
+            </a:effectRef>
+            <a:fontRef idx="minor">
+              <a:schemeClr val="lt1"/>
+            </a:fontRef>
+          </p:style>
+          <p:txBody>
+            <a:bodyPr rtlCol="0" anchor="ctr"/>
+            <a:lstStyle/>
+            <a:p>
+              <a:pPr algn="ctr"/>
+              <a:endParaRPr kumimoji="1" lang="zh-TW" altLang="en-US" dirty="0"/>
+            </a:p>
+          </p:txBody>
+        </p:sp>
+        <p:sp>
+          <p:nvSpPr>
+            <p:cNvPr id="28" name="向下箭號 27">
+              <a:extLst>
+                <a:ext uri="{FF2B5EF4-FFF2-40B4-BE49-F238E27FC236}">
+                  <a16:creationId xmlns:a16="http://schemas.microsoft.com/office/drawing/2014/main" id="{1A06FD12-29CB-BA40-876F-11CE1249EAC3}"/>
+                </a:ext>
+              </a:extLst>
+            </p:cNvPr>
+            <p:cNvSpPr/>
+            <p:nvPr/>
+          </p:nvSpPr>
+          <p:spPr>
+            <a:xfrm>
+              <a:off x="17899745" y="15418137"/>
+              <a:ext cx="403521" cy="589574"/>
+            </a:xfrm>
+            <a:prstGeom prst="downArrow">
+              <a:avLst/>
+            </a:prstGeom>
+            <a:solidFill>
+              <a:schemeClr val="tx2">
+                <a:lumMod val="75000"/>
+              </a:schemeClr>
+            </a:solidFill>
+          </p:spPr>
+          <p:style>
+            <a:lnRef idx="2">
+              <a:schemeClr val="accent1">
+                <a:shade val="50000"/>
+              </a:schemeClr>
+            </a:lnRef>
+            <a:fillRef idx="1">
+              <a:schemeClr val="accent1"/>
+            </a:fillRef>
+            <a:effectRef idx="0">
+              <a:schemeClr val="accent1"/>
+            </a:effectRef>
+            <a:fontRef idx="minor">
+              <a:schemeClr val="lt1"/>
+            </a:fontRef>
+          </p:style>
+          <p:txBody>
+            <a:bodyPr rtlCol="0" anchor="ctr"/>
+            <a:lstStyle/>
+            <a:p>
+              <a:pPr algn="ctr"/>
+              <a:endParaRPr kumimoji="1" lang="zh-TW" altLang="en-US" dirty="0"/>
+            </a:p>
+          </p:txBody>
+        </p:sp>
+        <p:sp>
+          <p:nvSpPr>
+            <p:cNvPr id="29" name="矩形 28">
+              <a:extLst>
+                <a:ext uri="{FF2B5EF4-FFF2-40B4-BE49-F238E27FC236}">
+                  <a16:creationId xmlns:a16="http://schemas.microsoft.com/office/drawing/2014/main" id="{E82DF509-2197-8E42-AE82-83D56FE76F16}"/>
+                </a:ext>
+              </a:extLst>
+            </p:cNvPr>
+            <p:cNvSpPr/>
+            <p:nvPr/>
+          </p:nvSpPr>
+          <p:spPr>
+            <a:xfrm>
+              <a:off x="13098324" y="12079766"/>
+              <a:ext cx="204213" cy="3346876"/>
+            </a:xfrm>
+            <a:prstGeom prst="rect">
+              <a:avLst/>
+            </a:prstGeom>
+            <a:solidFill>
+              <a:schemeClr val="tx2">
+                <a:lumMod val="75000"/>
+              </a:schemeClr>
+            </a:solidFill>
+          </p:spPr>
+          <p:style>
+            <a:lnRef idx="2">
+              <a:schemeClr val="accent1">
+                <a:shade val="50000"/>
+              </a:schemeClr>
+            </a:lnRef>
+            <a:fillRef idx="1">
+              <a:schemeClr val="accent1"/>
+            </a:fillRef>
+            <a:effectRef idx="0">
+              <a:schemeClr val="accent1"/>
+            </a:effectRef>
+            <a:fontRef idx="minor">
+              <a:schemeClr val="lt1"/>
+            </a:fontRef>
+          </p:style>
+          <p:txBody>
+            <a:bodyPr rtlCol="0" anchor="ctr"/>
+            <a:lstStyle/>
+            <a:p>
+              <a:pPr algn="ctr"/>
+              <a:endParaRPr kumimoji="1" lang="zh-TW" altLang="en-US" dirty="0"/>
+            </a:p>
+          </p:txBody>
+        </p:sp>
+        <p:sp>
+          <p:nvSpPr>
+            <p:cNvPr id="30" name="矩形 29">
+              <a:extLst>
+                <a:ext uri="{FF2B5EF4-FFF2-40B4-BE49-F238E27FC236}">
+                  <a16:creationId xmlns:a16="http://schemas.microsoft.com/office/drawing/2014/main" id="{C08245CA-C50A-4844-BFB0-4ED16053566F}"/>
+                </a:ext>
+              </a:extLst>
+            </p:cNvPr>
+            <p:cNvSpPr/>
+            <p:nvPr/>
+          </p:nvSpPr>
+          <p:spPr>
+            <a:xfrm rot="5400000">
+              <a:off x="15442813" y="13073648"/>
+              <a:ext cx="204213" cy="4893192"/>
+            </a:xfrm>
+            <a:prstGeom prst="rect">
+              <a:avLst/>
+            </a:prstGeom>
+            <a:solidFill>
+              <a:schemeClr val="tx2">
+                <a:lumMod val="75000"/>
+              </a:schemeClr>
+            </a:solidFill>
+          </p:spPr>
+          <p:style>
+            <a:lnRef idx="2">
+              <a:schemeClr val="accent1">
+                <a:shade val="50000"/>
+              </a:schemeClr>
+            </a:lnRef>
+            <a:fillRef idx="1">
+              <a:schemeClr val="accent1"/>
+            </a:fillRef>
+            <a:effectRef idx="0">
+              <a:schemeClr val="accent1"/>
+            </a:effectRef>
+            <a:fontRef idx="minor">
+              <a:schemeClr val="lt1"/>
+            </a:fontRef>
+          </p:style>
+          <p:txBody>
+            <a:bodyPr rtlCol="0" anchor="ctr"/>
+            <a:lstStyle/>
+            <a:p>
+              <a:pPr algn="ctr"/>
+              <a:endParaRPr kumimoji="1" lang="zh-TW" altLang="en-US" dirty="0"/>
+            </a:p>
+          </p:txBody>
+        </p:sp>
+        <p:sp>
+          <p:nvSpPr>
+            <p:cNvPr id="31" name="向下箭號 30">
+              <a:extLst>
+                <a:ext uri="{FF2B5EF4-FFF2-40B4-BE49-F238E27FC236}">
+                  <a16:creationId xmlns:a16="http://schemas.microsoft.com/office/drawing/2014/main" id="{6683D5DE-5FBE-8949-93A7-CB7E775BA286}"/>
+                </a:ext>
+              </a:extLst>
+            </p:cNvPr>
+            <p:cNvSpPr/>
+            <p:nvPr/>
+          </p:nvSpPr>
+          <p:spPr>
+            <a:xfrm>
+              <a:off x="19820292" y="12088404"/>
+              <a:ext cx="403521" cy="3919308"/>
+            </a:xfrm>
+            <a:prstGeom prst="downArrow">
+              <a:avLst/>
+            </a:prstGeom>
+            <a:solidFill>
+              <a:schemeClr val="tx2">
+                <a:lumMod val="75000"/>
+              </a:schemeClr>
+            </a:solidFill>
+          </p:spPr>
+          <p:style>
+            <a:lnRef idx="2">
+              <a:schemeClr val="accent1">
+                <a:shade val="50000"/>
+              </a:schemeClr>
+            </a:lnRef>
+            <a:fillRef idx="1">
+              <a:schemeClr val="accent1"/>
+            </a:fillRef>
+            <a:effectRef idx="0">
+              <a:schemeClr val="accent1"/>
+            </a:effectRef>
+            <a:fontRef idx="minor">
+              <a:schemeClr val="lt1"/>
+            </a:fontRef>
+          </p:style>
+          <p:txBody>
+            <a:bodyPr rtlCol="0" anchor="ctr"/>
+            <a:lstStyle/>
+            <a:p>
+              <a:pPr algn="ctr"/>
+              <a:endParaRPr kumimoji="1" lang="zh-TW" altLang="en-US" dirty="0"/>
+            </a:p>
+          </p:txBody>
+        </p:sp>
+        <p:sp>
+          <p:nvSpPr>
+            <p:cNvPr id="32" name="向下箭號 31">
+              <a:extLst>
+                <a:ext uri="{FF2B5EF4-FFF2-40B4-BE49-F238E27FC236}">
+                  <a16:creationId xmlns:a16="http://schemas.microsoft.com/office/drawing/2014/main" id="{80889E13-2CAF-BB46-AD2C-988627DA1BB5}"/>
+                </a:ext>
+              </a:extLst>
+            </p:cNvPr>
+            <p:cNvSpPr/>
+            <p:nvPr/>
+          </p:nvSpPr>
+          <p:spPr>
+            <a:xfrm>
+              <a:off x="14478171" y="15193435"/>
+              <a:ext cx="403521" cy="814276"/>
+            </a:xfrm>
+            <a:prstGeom prst="downArrow">
+              <a:avLst/>
+            </a:prstGeom>
+            <a:solidFill>
+              <a:schemeClr val="tx2">
+                <a:lumMod val="75000"/>
+              </a:schemeClr>
+            </a:solidFill>
+          </p:spPr>
+          <p:style>
+            <a:lnRef idx="2">
+              <a:schemeClr val="accent1">
+                <a:shade val="50000"/>
+              </a:schemeClr>
+            </a:lnRef>
+            <a:fillRef idx="1">
+              <a:schemeClr val="accent1"/>
+            </a:fillRef>
+            <a:effectRef idx="0">
+              <a:schemeClr val="accent1"/>
+            </a:effectRef>
+            <a:fontRef idx="minor">
+              <a:schemeClr val="lt1"/>
+            </a:fontRef>
+          </p:style>
+          <p:txBody>
+            <a:bodyPr rtlCol="0" anchor="ctr"/>
+            <a:lstStyle/>
+            <a:p>
+              <a:pPr algn="ctr"/>
+              <a:endParaRPr kumimoji="1" lang="zh-TW" altLang="en-US" dirty="0"/>
+            </a:p>
+          </p:txBody>
+        </p:sp>
+        <p:sp>
+          <p:nvSpPr>
+            <p:cNvPr id="33" name="圓角矩形 32">
+              <a:extLst>
+                <a:ext uri="{FF2B5EF4-FFF2-40B4-BE49-F238E27FC236}">
+                  <a16:creationId xmlns:a16="http://schemas.microsoft.com/office/drawing/2014/main" id="{F8F4EA00-9F54-104A-86E5-33A1826B7A21}"/>
+                </a:ext>
+              </a:extLst>
+            </p:cNvPr>
+            <p:cNvSpPr/>
+            <p:nvPr/>
+          </p:nvSpPr>
+          <p:spPr>
+            <a:xfrm>
+              <a:off x="17589638" y="16032692"/>
+              <a:ext cx="2690667" cy="430430"/>
+            </a:xfrm>
+            <a:prstGeom prst="roundRect">
+              <a:avLst/>
+            </a:prstGeom>
+            <a:solidFill>
+              <a:schemeClr val="accent1"/>
+            </a:solidFill>
+          </p:spPr>
+          <p:style>
+            <a:lnRef idx="2">
+              <a:schemeClr val="accent1">
+                <a:shade val="50000"/>
+              </a:schemeClr>
+            </a:lnRef>
+            <a:fillRef idx="1">
+              <a:schemeClr val="accent1"/>
+            </a:fillRef>
+            <a:effectRef idx="0">
+              <a:schemeClr val="accent1"/>
+            </a:effectRef>
+            <a:fontRef idx="minor">
+              <a:schemeClr val="lt1"/>
+            </a:fontRef>
+          </p:style>
+          <p:txBody>
+            <a:bodyPr rtlCol="0" anchor="ctr"/>
+            <a:lstStyle/>
+            <a:p>
+              <a:pPr algn="ctr"/>
+              <a:r>
+                <a:rPr kumimoji="1" lang="en-US" altLang="zh-TW" sz="2000" dirty="0">
+                  <a:solidFill>
+                    <a:schemeClr val="bg1"/>
+                  </a:solidFill>
+                  <a:latin typeface="Microsoft JhengHei" panose="020B0604030504040204" pitchFamily="34" charset="-120"/>
+                  <a:ea typeface="Microsoft JhengHei" panose="020B0604030504040204" pitchFamily="34" charset="-120"/>
+                </a:rPr>
+                <a:t>train</a:t>
+              </a:r>
+              <a:endParaRPr kumimoji="1" lang="zh-TW" altLang="en-US" sz="2000" dirty="0">
+                <a:solidFill>
+                  <a:schemeClr val="bg1"/>
+                </a:solidFill>
+                <a:latin typeface="Microsoft JhengHei" panose="020B0604030504040204" pitchFamily="34" charset="-120"/>
+                <a:ea typeface="Microsoft JhengHei" panose="020B0604030504040204" pitchFamily="34" charset="-120"/>
+              </a:endParaRPr>
+            </a:p>
+          </p:txBody>
+        </p:sp>
+        <p:sp>
+          <p:nvSpPr>
+            <p:cNvPr id="34" name="向下箭號 33">
+              <a:extLst>
+                <a:ext uri="{FF2B5EF4-FFF2-40B4-BE49-F238E27FC236}">
+                  <a16:creationId xmlns:a16="http://schemas.microsoft.com/office/drawing/2014/main" id="{F7B2D2FC-42B5-AC48-90C9-178AEF1EC405}"/>
+                </a:ext>
+              </a:extLst>
+            </p:cNvPr>
+            <p:cNvSpPr/>
+            <p:nvPr/>
+          </p:nvSpPr>
+          <p:spPr>
+            <a:xfrm>
+              <a:off x="13183472" y="16510747"/>
+              <a:ext cx="1338107" cy="479109"/>
+            </a:xfrm>
+            <a:prstGeom prst="downArrow">
+              <a:avLst/>
+            </a:prstGeom>
+            <a:solidFill>
+              <a:schemeClr val="tx2">
+                <a:lumMod val="75000"/>
+              </a:schemeClr>
+            </a:solidFill>
+          </p:spPr>
+          <p:style>
+            <a:lnRef idx="2">
+              <a:schemeClr val="accent1">
+                <a:shade val="50000"/>
+              </a:schemeClr>
+            </a:lnRef>
+            <a:fillRef idx="1">
+              <a:schemeClr val="accent1"/>
+            </a:fillRef>
+            <a:effectRef idx="0">
+              <a:schemeClr val="accent1"/>
+            </a:effectRef>
+            <a:fontRef idx="minor">
+              <a:schemeClr val="lt1"/>
+            </a:fontRef>
+          </p:style>
+          <p:txBody>
+            <a:bodyPr rtlCol="0" anchor="ctr"/>
+            <a:lstStyle/>
+            <a:p>
+              <a:pPr algn="ctr"/>
+              <a:endParaRPr kumimoji="1" lang="zh-TW" altLang="en-US" dirty="0"/>
+            </a:p>
+          </p:txBody>
+        </p:sp>
+        <p:sp>
+          <p:nvSpPr>
+            <p:cNvPr id="35" name="向下箭號 34">
+              <a:extLst>
+                <a:ext uri="{FF2B5EF4-FFF2-40B4-BE49-F238E27FC236}">
+                  <a16:creationId xmlns:a16="http://schemas.microsoft.com/office/drawing/2014/main" id="{688A26C7-2319-5040-A49D-7B30C2CCCBF6}"/>
+                </a:ext>
+              </a:extLst>
+            </p:cNvPr>
+            <p:cNvSpPr/>
+            <p:nvPr/>
+          </p:nvSpPr>
+          <p:spPr>
+            <a:xfrm>
+              <a:off x="18308563" y="16516397"/>
+              <a:ext cx="1338107" cy="479109"/>
+            </a:xfrm>
+            <a:prstGeom prst="downArrow">
+              <a:avLst/>
+            </a:prstGeom>
+            <a:solidFill>
+              <a:schemeClr val="tx2">
+                <a:lumMod val="75000"/>
+              </a:schemeClr>
+            </a:solidFill>
+          </p:spPr>
+          <p:style>
+            <a:lnRef idx="2">
+              <a:schemeClr val="accent1">
+                <a:shade val="50000"/>
+              </a:schemeClr>
+            </a:lnRef>
+            <a:fillRef idx="1">
+              <a:schemeClr val="accent1"/>
+            </a:fillRef>
+            <a:effectRef idx="0">
+              <a:schemeClr val="accent1"/>
+            </a:effectRef>
+            <a:fontRef idx="minor">
+              <a:schemeClr val="lt1"/>
+            </a:fontRef>
+          </p:style>
+          <p:txBody>
+            <a:bodyPr rtlCol="0" anchor="ctr"/>
+            <a:lstStyle/>
+            <a:p>
+              <a:pPr algn="ctr"/>
+              <a:endParaRPr kumimoji="1" lang="zh-TW" altLang="en-US" dirty="0"/>
+            </a:p>
+          </p:txBody>
+        </p:sp>
+        <p:sp>
+          <p:nvSpPr>
+            <p:cNvPr id="36" name="圓角矩形 35">
+              <a:extLst>
+                <a:ext uri="{FF2B5EF4-FFF2-40B4-BE49-F238E27FC236}">
+                  <a16:creationId xmlns:a16="http://schemas.microsoft.com/office/drawing/2014/main" id="{43EBD8AE-ABB7-D24D-8386-E65D2760EBC2}"/>
+                </a:ext>
+              </a:extLst>
+            </p:cNvPr>
+            <p:cNvSpPr/>
+            <p:nvPr/>
+          </p:nvSpPr>
+          <p:spPr>
+            <a:xfrm>
+              <a:off x="12183420" y="18225899"/>
+              <a:ext cx="8681442" cy="908288"/>
+            </a:xfrm>
+            <a:prstGeom prst="roundRect">
+              <a:avLst/>
+            </a:prstGeom>
+            <a:solidFill>
+              <a:schemeClr val="accent1"/>
+            </a:solidFill>
+          </p:spPr>
+          <p:style>
+            <a:lnRef idx="2">
+              <a:schemeClr val="accent1">
+                <a:shade val="50000"/>
+              </a:schemeClr>
+            </a:lnRef>
+            <a:fillRef idx="1">
+              <a:schemeClr val="accent1"/>
+            </a:fillRef>
+            <a:effectRef idx="0">
+              <a:schemeClr val="accent1"/>
+            </a:effectRef>
+            <a:fontRef idx="minor">
+              <a:schemeClr val="lt1"/>
+            </a:fontRef>
+          </p:style>
+          <p:txBody>
+            <a:bodyPr rtlCol="0" anchor="ctr"/>
+            <a:lstStyle/>
+            <a:p>
+              <a:pPr algn="ctr"/>
+              <a:r>
+                <a:rPr kumimoji="1" lang="en-US" altLang="zh-TW" sz="2000" dirty="0">
+                  <a:solidFill>
+                    <a:schemeClr val="bg1"/>
+                  </a:solidFill>
+                  <a:latin typeface="Microsoft JhengHei" panose="020B0604030504040204" pitchFamily="34" charset="-120"/>
+                  <a:ea typeface="Microsoft JhengHei" panose="020B0604030504040204" pitchFamily="34" charset="-120"/>
+                </a:rPr>
+                <a:t>Accuracy Evaluation (vs Target Model)</a:t>
+              </a:r>
+              <a:endParaRPr kumimoji="1" lang="zh-TW" altLang="en-US" sz="2000" dirty="0">
+                <a:solidFill>
+                  <a:schemeClr val="bg1"/>
+                </a:solidFill>
+                <a:latin typeface="Microsoft JhengHei" panose="020B0604030504040204" pitchFamily="34" charset="-120"/>
+                <a:ea typeface="Microsoft JhengHei" panose="020B0604030504040204" pitchFamily="34" charset="-120"/>
+              </a:endParaRPr>
+            </a:p>
+          </p:txBody>
+        </p:sp>
+      </p:grpSp>
+    </p:spTree>
+    <p:extLst>
+      <p:ext uri="{BB962C8B-B14F-4D97-AF65-F5344CB8AC3E}">
+        <p14:creationId xmlns:p14="http://schemas.microsoft.com/office/powerpoint/2010/main" val="3054505412"/>
+      </p:ext>
+    </p:extLst>
+  </p:cSld>
+  <p:clrMapOvr>
+    <a:masterClrMapping/>
+  </p:clrMapOvr>
+</p:sld>
+</file>
+
+<file path=ppt/slides/slide7.xml><?xml version="1.0" encoding="utf-8"?>
 <p:sld xmlns:a="http://schemas.openxmlformats.org/drawingml/2006/main" xmlns:r="http://schemas.openxmlformats.org/officeDocument/2006/relationships" xmlns:p="http://schemas.openxmlformats.org/presentationml/2006/main">
   <p:cSld>
     <p:spTree>
@@ -10405,7 +11105,7 @@
 </p:sld>
 </file>
 
-<file path=ppt/slides/slide7.xml><?xml version="1.0" encoding="utf-8"?>
+<file path=ppt/slides/slide8.xml><?xml version="1.0" encoding="utf-8"?>
 <p:sld xmlns:a="http://schemas.openxmlformats.org/drawingml/2006/main" xmlns:r="http://schemas.openxmlformats.org/officeDocument/2006/relationships" xmlns:p="http://schemas.openxmlformats.org/presentationml/2006/main">
   <p:cSld>
     <p:spTree>
@@ -10523,7 +11223,7 @@
 </p:sld>
 </file>
 
-<file path=ppt/slides/slide8.xml><?xml version="1.0" encoding="utf-8"?>
+<file path=ppt/slides/slide9.xml><?xml version="1.0" encoding="utf-8"?>
 <p:sld xmlns:a="http://schemas.openxmlformats.org/drawingml/2006/main" xmlns:r="http://schemas.openxmlformats.org/officeDocument/2006/relationships" xmlns:p="http://schemas.openxmlformats.org/presentationml/2006/main">
   <p:cSld>
     <p:spTree>
@@ -10591,298 +11291,6 @@
     <p:extLst>
       <p:ext uri="{BB962C8B-B14F-4D97-AF65-F5344CB8AC3E}">
         <p14:creationId xmlns:p14="http://schemas.microsoft.com/office/powerpoint/2010/main" val="4049162539"/>
-      </p:ext>
-    </p:extLst>
-  </p:cSld>
-  <p:clrMapOvr>
-    <a:masterClrMapping/>
-  </p:clrMapOvr>
-</p:sld>
-</file>
-
-<file path=ppt/slides/slide9.xml><?xml version="1.0" encoding="utf-8"?>
-<p:sld xmlns:a="http://schemas.openxmlformats.org/drawingml/2006/main" xmlns:r="http://schemas.openxmlformats.org/officeDocument/2006/relationships" xmlns:p="http://schemas.openxmlformats.org/presentationml/2006/main">
-  <p:cSld>
-    <p:spTree>
-      <p:nvGrpSpPr>
-        <p:cNvPr id="1" name=""/>
-        <p:cNvGrpSpPr/>
-        <p:nvPr/>
-      </p:nvGrpSpPr>
-      <p:grpSpPr>
-        <a:xfrm>
-          <a:off x="0" y="0"/>
-          <a:ext cx="0" cy="0"/>
-          <a:chOff x="0" y="0"/>
-          <a:chExt cx="0" cy="0"/>
-        </a:xfrm>
-      </p:grpSpPr>
-      <p:sp>
-        <p:nvSpPr>
-          <p:cNvPr id="2" name="標題 1"/>
-          <p:cNvSpPr>
-            <a:spLocks noGrp="1"/>
-          </p:cNvSpPr>
-          <p:nvPr>
-            <p:ph type="title"/>
-          </p:nvPr>
-        </p:nvSpPr>
-        <p:spPr/>
-        <p:txBody>
-          <a:bodyPr/>
-          <a:lstStyle/>
-          <a:p>
-            <a:r>
-              <a:rPr lang="en-US" altLang="zh-TW" dirty="0" smtClean="0"/>
-              <a:t>Training accuracy</a:t>
-            </a:r>
-            <a:endParaRPr lang="zh-TW" altLang="en-US" dirty="0"/>
-          </a:p>
-        </p:txBody>
-      </p:sp>
-      <p:pic>
-        <p:nvPicPr>
-          <p:cNvPr id="4" name="內容版面配置區 3"/>
-          <p:cNvPicPr>
-            <a:picLocks noGrp="1" noChangeAspect="1"/>
-          </p:cNvPicPr>
-          <p:nvPr>
-            <p:ph idx="1"/>
-          </p:nvPr>
-        </p:nvPicPr>
-        <p:blipFill>
-          <a:blip r:embed="rId2">
-            <a:extLst>
-              <a:ext uri="{28A0092B-C50C-407E-A947-70E740481C1C}">
-                <a14:useLocalDpi xmlns:a14="http://schemas.microsoft.com/office/drawing/2010/main" val="0"/>
-              </a:ext>
-            </a:extLst>
-          </a:blip>
-          <a:stretch>
-            <a:fillRect/>
-          </a:stretch>
-        </p:blipFill>
-        <p:spPr>
-          <a:xfrm>
-            <a:off x="6250389" y="1387188"/>
-            <a:ext cx="2520000" cy="2520000"/>
-          </a:xfrm>
-        </p:spPr>
-      </p:pic>
-      <p:pic>
-        <p:nvPicPr>
-          <p:cNvPr id="5" name="圖片 4"/>
-          <p:cNvPicPr>
-            <a:picLocks noChangeAspect="1"/>
-          </p:cNvPicPr>
-          <p:nvPr/>
-        </p:nvPicPr>
-        <p:blipFill>
-          <a:blip r:embed="rId3">
-            <a:extLst>
-              <a:ext uri="{28A0092B-C50C-407E-A947-70E740481C1C}">
-                <a14:useLocalDpi xmlns:a14="http://schemas.microsoft.com/office/drawing/2010/main" val="0"/>
-              </a:ext>
-            </a:extLst>
-          </a:blip>
-          <a:stretch>
-            <a:fillRect/>
-          </a:stretch>
-        </p:blipFill>
-        <p:spPr>
-          <a:xfrm>
-            <a:off x="6250389" y="4190953"/>
-            <a:ext cx="2520000" cy="2520000"/>
-          </a:xfrm>
-          <a:prstGeom prst="rect">
-            <a:avLst/>
-          </a:prstGeom>
-        </p:spPr>
-      </p:pic>
-      <p:pic>
-        <p:nvPicPr>
-          <p:cNvPr id="6" name="圖片 5"/>
-          <p:cNvPicPr>
-            <a:picLocks noChangeAspect="1"/>
-          </p:cNvPicPr>
-          <p:nvPr/>
-        </p:nvPicPr>
-        <p:blipFill>
-          <a:blip r:embed="rId4">
-            <a:extLst>
-              <a:ext uri="{28A0092B-C50C-407E-A947-70E740481C1C}">
-                <a14:useLocalDpi xmlns:a14="http://schemas.microsoft.com/office/drawing/2010/main" val="0"/>
-              </a:ext>
-            </a:extLst>
-          </a:blip>
-          <a:stretch>
-            <a:fillRect/>
-          </a:stretch>
-        </p:blipFill>
-        <p:spPr>
-          <a:xfrm>
-            <a:off x="473831" y="1387188"/>
-            <a:ext cx="2520000" cy="2520000"/>
-          </a:xfrm>
-          <a:prstGeom prst="rect">
-            <a:avLst/>
-          </a:prstGeom>
-        </p:spPr>
-      </p:pic>
-      <p:pic>
-        <p:nvPicPr>
-          <p:cNvPr id="7" name="圖片 6"/>
-          <p:cNvPicPr>
-            <a:picLocks noChangeAspect="1"/>
-          </p:cNvPicPr>
-          <p:nvPr/>
-        </p:nvPicPr>
-        <p:blipFill>
-          <a:blip r:embed="rId5">
-            <a:extLst>
-              <a:ext uri="{28A0092B-C50C-407E-A947-70E740481C1C}">
-                <a14:useLocalDpi xmlns:a14="http://schemas.microsoft.com/office/drawing/2010/main" val="0"/>
-              </a:ext>
-            </a:extLst>
-          </a:blip>
-          <a:stretch>
-            <a:fillRect/>
-          </a:stretch>
-        </p:blipFill>
-        <p:spPr>
-          <a:xfrm>
-            <a:off x="473831" y="4190953"/>
-            <a:ext cx="2520000" cy="2520000"/>
-          </a:xfrm>
-          <a:prstGeom prst="rect">
-            <a:avLst/>
-          </a:prstGeom>
-        </p:spPr>
-      </p:pic>
-      <p:pic>
-        <p:nvPicPr>
-          <p:cNvPr id="8" name="圖片 7"/>
-          <p:cNvPicPr>
-            <a:picLocks noChangeAspect="1"/>
-          </p:cNvPicPr>
-          <p:nvPr/>
-        </p:nvPicPr>
-        <p:blipFill>
-          <a:blip r:embed="rId6">
-            <a:extLst>
-              <a:ext uri="{28A0092B-C50C-407E-A947-70E740481C1C}">
-                <a14:useLocalDpi xmlns:a14="http://schemas.microsoft.com/office/drawing/2010/main" val="0"/>
-              </a:ext>
-            </a:extLst>
-          </a:blip>
-          <a:stretch>
-            <a:fillRect/>
-          </a:stretch>
-        </p:blipFill>
-        <p:spPr>
-          <a:xfrm>
-            <a:off x="3362110" y="1387188"/>
-            <a:ext cx="2520000" cy="2520000"/>
-          </a:xfrm>
-          <a:prstGeom prst="rect">
-            <a:avLst/>
-          </a:prstGeom>
-        </p:spPr>
-      </p:pic>
-      <p:pic>
-        <p:nvPicPr>
-          <p:cNvPr id="9" name="圖片 8"/>
-          <p:cNvPicPr>
-            <a:picLocks noChangeAspect="1"/>
-          </p:cNvPicPr>
-          <p:nvPr/>
-        </p:nvPicPr>
-        <p:blipFill>
-          <a:blip r:embed="rId7">
-            <a:extLst>
-              <a:ext uri="{28A0092B-C50C-407E-A947-70E740481C1C}">
-                <a14:useLocalDpi xmlns:a14="http://schemas.microsoft.com/office/drawing/2010/main" val="0"/>
-              </a:ext>
-            </a:extLst>
-          </a:blip>
-          <a:stretch>
-            <a:fillRect/>
-          </a:stretch>
-        </p:blipFill>
-        <p:spPr>
-          <a:xfrm>
-            <a:off x="3362110" y="4190953"/>
-            <a:ext cx="2520000" cy="2520000"/>
-          </a:xfrm>
-          <a:prstGeom prst="rect">
-            <a:avLst/>
-          </a:prstGeom>
-        </p:spPr>
-      </p:pic>
-      <p:pic>
-        <p:nvPicPr>
-          <p:cNvPr id="10" name="圖片 9"/>
-          <p:cNvPicPr>
-            <a:picLocks noChangeAspect="1"/>
-          </p:cNvPicPr>
-          <p:nvPr/>
-        </p:nvPicPr>
-        <p:blipFill>
-          <a:blip r:embed="rId8">
-            <a:extLst>
-              <a:ext uri="{28A0092B-C50C-407E-A947-70E740481C1C}">
-                <a14:useLocalDpi xmlns:a14="http://schemas.microsoft.com/office/drawing/2010/main" val="0"/>
-              </a:ext>
-            </a:extLst>
-          </a:blip>
-          <a:stretch>
-            <a:fillRect/>
-          </a:stretch>
-        </p:blipFill>
-        <p:spPr>
-          <a:xfrm>
-            <a:off x="9138669" y="1387188"/>
-            <a:ext cx="2520000" cy="2520000"/>
-          </a:xfrm>
-          <a:prstGeom prst="rect">
-            <a:avLst/>
-          </a:prstGeom>
-        </p:spPr>
-      </p:pic>
-      <p:pic>
-        <p:nvPicPr>
-          <p:cNvPr id="11" name="圖片 10"/>
-          <p:cNvPicPr>
-            <a:picLocks noChangeAspect="1"/>
-          </p:cNvPicPr>
-          <p:nvPr/>
-        </p:nvPicPr>
-        <p:blipFill>
-          <a:blip r:embed="rId9">
-            <a:extLst>
-              <a:ext uri="{28A0092B-C50C-407E-A947-70E740481C1C}">
-                <a14:useLocalDpi xmlns:a14="http://schemas.microsoft.com/office/drawing/2010/main" val="0"/>
-              </a:ext>
-            </a:extLst>
-          </a:blip>
-          <a:stretch>
-            <a:fillRect/>
-          </a:stretch>
-        </p:blipFill>
-        <p:spPr>
-          <a:xfrm>
-            <a:off x="9138669" y="4190953"/>
-            <a:ext cx="2520000" cy="2520000"/>
-          </a:xfrm>
-          <a:prstGeom prst="rect">
-            <a:avLst/>
-          </a:prstGeom>
-        </p:spPr>
-      </p:pic>
-    </p:spTree>
-    <p:extLst>
-      <p:ext uri="{BB962C8B-B14F-4D97-AF65-F5344CB8AC3E}">
-        <p14:creationId xmlns:p14="http://schemas.microsoft.com/office/powerpoint/2010/main" val="1430431042"/>
       </p:ext>
     </p:extLst>
   </p:cSld>

--- a/final_demo.pptx
+++ b/final_demo.pptx
@@ -5865,7 +5865,7 @@
           <a:lstStyle/>
           <a:p>
             <a:r>
-              <a:rPr lang="en-US" altLang="zh-TW" dirty="0" smtClean="0"/>
+              <a:rPr lang="en-US" altLang="zh-TW" dirty="0"/>
               <a:t>Training accuracy</a:t>
             </a:r>
             <a:endParaRPr lang="zh-TW" altLang="en-US" dirty="0"/>
@@ -6157,7 +6157,7 @@
           <a:lstStyle/>
           <a:p>
             <a:r>
-              <a:rPr lang="en-US" altLang="zh-TW" dirty="0" smtClean="0"/>
+              <a:rPr lang="en-US" altLang="zh-TW" dirty="0"/>
               <a:t>Testing Accuracy</a:t>
             </a:r>
             <a:endParaRPr lang="zh-TW" altLang="en-US" dirty="0"/>
@@ -6449,7 +6449,7 @@
           <a:lstStyle/>
           <a:p>
             <a:r>
-              <a:rPr lang="en-US" altLang="zh-TW" dirty="0" smtClean="0"/>
+              <a:rPr lang="en-US" altLang="zh-TW" dirty="0"/>
               <a:t>Motivation</a:t>
             </a:r>
             <a:endParaRPr lang="zh-TW" altLang="en-US" dirty="0"/>
@@ -6567,7 +6567,7 @@
                     <a:lstStyle/>
                     <a:p>
                       <a:r>
-                        <a:rPr lang="en-US" altLang="zh-TW" sz="2000" dirty="0" smtClean="0"/>
+                        <a:rPr lang="en-US" altLang="zh-TW" sz="2000" dirty="0"/>
                         <a:t>classes</a:t>
                       </a:r>
                       <a:endParaRPr lang="zh-TW" altLang="en-US" sz="2000" dirty="0"/>
@@ -6581,7 +6581,7 @@
                     <a:lstStyle/>
                     <a:p>
                       <a:r>
-                        <a:rPr lang="en-US" altLang="zh-TW" sz="2000" dirty="0" smtClean="0"/>
+                        <a:rPr lang="en-US" altLang="zh-TW" sz="2000" dirty="0"/>
                         <a:t>0</a:t>
                       </a:r>
                       <a:endParaRPr lang="zh-TW" altLang="en-US" sz="2000" dirty="0"/>
@@ -6595,7 +6595,7 @@
                     <a:lstStyle/>
                     <a:p>
                       <a:r>
-                        <a:rPr lang="en-US" altLang="zh-TW" sz="2000" dirty="0" smtClean="0"/>
+                        <a:rPr lang="en-US" altLang="zh-TW" sz="2000" dirty="0"/>
                         <a:t>1</a:t>
                       </a:r>
                       <a:endParaRPr lang="zh-TW" altLang="en-US" sz="2000" dirty="0"/>
@@ -6609,7 +6609,7 @@
                     <a:lstStyle/>
                     <a:p>
                       <a:r>
-                        <a:rPr lang="en-US" altLang="zh-TW" sz="2000" dirty="0" smtClean="0"/>
+                        <a:rPr lang="en-US" altLang="zh-TW" sz="2000" dirty="0"/>
                         <a:t>2</a:t>
                       </a:r>
                       <a:endParaRPr lang="zh-TW" altLang="en-US" sz="2000" dirty="0"/>
@@ -6623,7 +6623,7 @@
                     <a:lstStyle/>
                     <a:p>
                       <a:r>
-                        <a:rPr lang="en-US" altLang="zh-TW" sz="2000" dirty="0" smtClean="0"/>
+                        <a:rPr lang="en-US" altLang="zh-TW" sz="2000" dirty="0"/>
                         <a:t>3</a:t>
                       </a:r>
                       <a:endParaRPr lang="zh-TW" altLang="en-US" sz="2000" dirty="0"/>
@@ -6637,7 +6637,7 @@
                     <a:lstStyle/>
                     <a:p>
                       <a:r>
-                        <a:rPr lang="en-US" altLang="zh-TW" sz="2000" dirty="0" smtClean="0"/>
+                        <a:rPr lang="en-US" altLang="zh-TW" sz="2000" dirty="0"/>
                         <a:t>4</a:t>
                       </a:r>
                       <a:endParaRPr lang="zh-TW" altLang="en-US" sz="2000" dirty="0"/>
@@ -6651,7 +6651,7 @@
                     <a:lstStyle/>
                     <a:p>
                       <a:r>
-                        <a:rPr lang="en-US" altLang="zh-TW" sz="2000" dirty="0" smtClean="0"/>
+                        <a:rPr lang="en-US" altLang="zh-TW" sz="2000" dirty="0"/>
                         <a:t>5</a:t>
                       </a:r>
                       <a:endParaRPr lang="zh-TW" altLang="en-US" sz="2000" dirty="0"/>
@@ -6665,7 +6665,7 @@
                     <a:lstStyle/>
                     <a:p>
                       <a:r>
-                        <a:rPr lang="en-US" altLang="zh-TW" sz="2000" dirty="0" smtClean="0"/>
+                        <a:rPr lang="en-US" altLang="zh-TW" sz="2000" dirty="0"/>
                         <a:t>6</a:t>
                       </a:r>
                       <a:endParaRPr lang="zh-TW" altLang="en-US" sz="2000" dirty="0"/>
@@ -6679,7 +6679,7 @@
                     <a:lstStyle/>
                     <a:p>
                       <a:r>
-                        <a:rPr lang="en-US" altLang="zh-TW" sz="2000" dirty="0" smtClean="0"/>
+                        <a:rPr lang="en-US" altLang="zh-TW" sz="2000" dirty="0"/>
                         <a:t>7</a:t>
                       </a:r>
                       <a:endParaRPr lang="zh-TW" altLang="en-US" sz="2000" dirty="0"/>
@@ -6693,7 +6693,7 @@
                     <a:lstStyle/>
                     <a:p>
                       <a:r>
-                        <a:rPr lang="en-US" altLang="zh-TW" sz="2000" dirty="0" smtClean="0"/>
+                        <a:rPr lang="en-US" altLang="zh-TW" sz="2000" dirty="0"/>
                         <a:t>8</a:t>
                       </a:r>
                       <a:endParaRPr lang="zh-TW" altLang="en-US" sz="2000" dirty="0"/>
@@ -6707,7 +6707,7 @@
                     <a:lstStyle/>
                     <a:p>
                       <a:r>
-                        <a:rPr lang="en-US" altLang="zh-TW" sz="2000" dirty="0" smtClean="0"/>
+                        <a:rPr lang="en-US" altLang="zh-TW" sz="2000" dirty="0"/>
                         <a:t>9</a:t>
                       </a:r>
                       <a:endParaRPr lang="zh-TW" altLang="en-US" sz="2000" dirty="0"/>
@@ -6728,7 +6728,7 @@
                     <a:lstStyle/>
                     <a:p>
                       <a:r>
-                        <a:rPr lang="en-US" altLang="zh-TW" sz="2000" dirty="0" smtClean="0"/>
+                        <a:rPr lang="en-US" altLang="zh-TW" sz="2000" dirty="0"/>
                         <a:t>label</a:t>
                       </a:r>
                       <a:endParaRPr lang="zh-TW" altLang="en-US" sz="2000" dirty="0"/>
@@ -6742,7 +6742,7 @@
                     <a:lstStyle/>
                     <a:p>
                       <a:r>
-                        <a:rPr lang="en-US" altLang="zh-TW" sz="2000" dirty="0" smtClean="0"/>
+                        <a:rPr lang="en-US" altLang="zh-TW" sz="2000" dirty="0"/>
                         <a:t>0</a:t>
                       </a:r>
                       <a:endParaRPr lang="zh-TW" altLang="en-US" sz="2000" dirty="0"/>
@@ -6756,7 +6756,7 @@
                     <a:lstStyle/>
                     <a:p>
                       <a:r>
-                        <a:rPr lang="en-US" altLang="zh-TW" sz="2000" dirty="0" smtClean="0"/>
+                        <a:rPr lang="en-US" altLang="zh-TW" sz="2000" dirty="0"/>
                         <a:t>1</a:t>
                       </a:r>
                       <a:endParaRPr lang="zh-TW" altLang="en-US" sz="2000" dirty="0"/>
@@ -6770,7 +6770,7 @@
                     <a:lstStyle/>
                     <a:p>
                       <a:r>
-                        <a:rPr lang="en-US" altLang="zh-TW" sz="2000" dirty="0" smtClean="0"/>
+                        <a:rPr lang="en-US" altLang="zh-TW" sz="2000" dirty="0"/>
                         <a:t>0</a:t>
                       </a:r>
                       <a:endParaRPr lang="zh-TW" altLang="en-US" sz="2000" dirty="0"/>
@@ -6784,7 +6784,7 @@
                     <a:lstStyle/>
                     <a:p>
                       <a:r>
-                        <a:rPr lang="en-US" altLang="zh-TW" sz="2000" dirty="0" smtClean="0"/>
+                        <a:rPr lang="en-US" altLang="zh-TW" sz="2000" dirty="0"/>
                         <a:t>0</a:t>
                       </a:r>
                       <a:endParaRPr lang="zh-TW" altLang="en-US" sz="2000" dirty="0"/>
@@ -6798,7 +6798,7 @@
                     <a:lstStyle/>
                     <a:p>
                       <a:r>
-                        <a:rPr lang="en-US" altLang="zh-TW" sz="2000" dirty="0" smtClean="0"/>
+                        <a:rPr lang="en-US" altLang="zh-TW" sz="2000" dirty="0"/>
                         <a:t>0</a:t>
                       </a:r>
                       <a:endParaRPr lang="zh-TW" altLang="en-US" sz="2000" dirty="0"/>
@@ -6812,7 +6812,7 @@
                     <a:lstStyle/>
                     <a:p>
                       <a:r>
-                        <a:rPr lang="en-US" altLang="zh-TW" sz="2000" dirty="0" smtClean="0"/>
+                        <a:rPr lang="en-US" altLang="zh-TW" sz="2000" dirty="0"/>
                         <a:t>0</a:t>
                       </a:r>
                       <a:endParaRPr lang="zh-TW" altLang="en-US" sz="2000" dirty="0"/>
@@ -6826,7 +6826,7 @@
                     <a:lstStyle/>
                     <a:p>
                       <a:r>
-                        <a:rPr lang="en-US" altLang="zh-TW" sz="2000" dirty="0" smtClean="0"/>
+                        <a:rPr lang="en-US" altLang="zh-TW" sz="2000" dirty="0"/>
                         <a:t>0</a:t>
                       </a:r>
                       <a:endParaRPr lang="zh-TW" altLang="en-US" sz="2000" dirty="0"/>
@@ -6840,7 +6840,7 @@
                     <a:lstStyle/>
                     <a:p>
                       <a:r>
-                        <a:rPr lang="en-US" altLang="zh-TW" sz="2000" dirty="0" smtClean="0"/>
+                        <a:rPr lang="en-US" altLang="zh-TW" sz="2000" dirty="0"/>
                         <a:t>0</a:t>
                       </a:r>
                       <a:endParaRPr lang="zh-TW" altLang="en-US" sz="2000" dirty="0"/>
@@ -6854,7 +6854,7 @@
                     <a:lstStyle/>
                     <a:p>
                       <a:r>
-                        <a:rPr lang="en-US" altLang="zh-TW" sz="2000" dirty="0" smtClean="0"/>
+                        <a:rPr lang="en-US" altLang="zh-TW" sz="2000" dirty="0"/>
                         <a:t>0</a:t>
                       </a:r>
                       <a:endParaRPr lang="zh-TW" altLang="en-US" sz="2000" dirty="0"/>
@@ -6868,7 +6868,7 @@
                     <a:lstStyle/>
                     <a:p>
                       <a:r>
-                        <a:rPr lang="en-US" altLang="zh-TW" sz="2000" dirty="0" smtClean="0"/>
+                        <a:rPr lang="en-US" altLang="zh-TW" sz="2000" dirty="0"/>
                         <a:t>0</a:t>
                       </a:r>
                       <a:endParaRPr lang="zh-TW" altLang="en-US" sz="2000" dirty="0"/>
@@ -6889,7 +6889,7 @@
                     <a:lstStyle/>
                     <a:p>
                       <a:r>
-                        <a:rPr lang="en-US" altLang="zh-TW" sz="2000" dirty="0" smtClean="0"/>
+                        <a:rPr lang="en-US" altLang="zh-TW" sz="2000" dirty="0"/>
                         <a:t>probability</a:t>
                       </a:r>
                       <a:endParaRPr lang="zh-TW" altLang="en-US" sz="2000" dirty="0"/>
@@ -6903,7 +6903,7 @@
                     <a:lstStyle/>
                     <a:p>
                       <a:r>
-                        <a:rPr lang="en-US" altLang="zh-TW" sz="2000" dirty="0" smtClean="0"/>
+                        <a:rPr lang="en-US" altLang="zh-TW" sz="2000" dirty="0"/>
                         <a:t>0.005</a:t>
                       </a:r>
                       <a:endParaRPr lang="zh-TW" altLang="en-US" sz="2000" dirty="0"/>
@@ -6917,7 +6917,7 @@
                     <a:lstStyle/>
                     <a:p>
                       <a:r>
-                        <a:rPr lang="en-US" altLang="zh-TW" sz="2000" dirty="0" smtClean="0"/>
+                        <a:rPr lang="en-US" altLang="zh-TW" sz="2000" dirty="0"/>
                         <a:t>0.8</a:t>
                       </a:r>
                       <a:endParaRPr lang="zh-TW" altLang="en-US" sz="2000" dirty="0"/>
@@ -6931,7 +6931,7 @@
                     <a:lstStyle/>
                     <a:p>
                       <a:r>
-                        <a:rPr lang="en-US" altLang="zh-TW" sz="2000" dirty="0" smtClean="0"/>
+                        <a:rPr lang="en-US" altLang="zh-TW" sz="2000" dirty="0"/>
                         <a:t>0.005</a:t>
                       </a:r>
                       <a:endParaRPr lang="zh-TW" altLang="en-US" sz="2000" dirty="0"/>
@@ -6945,7 +6945,7 @@
                     <a:lstStyle/>
                     <a:p>
                       <a:r>
-                        <a:rPr lang="en-US" altLang="zh-TW" sz="2000" dirty="0" smtClean="0"/>
+                        <a:rPr lang="en-US" altLang="zh-TW" sz="2000" dirty="0"/>
                         <a:t>0.005</a:t>
                       </a:r>
                       <a:endParaRPr lang="zh-TW" altLang="en-US" sz="2000" dirty="0"/>
@@ -6959,7 +6959,7 @@
                     <a:lstStyle/>
                     <a:p>
                       <a:r>
-                        <a:rPr lang="en-US" altLang="zh-TW" sz="2000" dirty="0" smtClean="0"/>
+                        <a:rPr lang="en-US" altLang="zh-TW" sz="2000" dirty="0"/>
                         <a:t>0.005</a:t>
                       </a:r>
                       <a:endParaRPr lang="zh-TW" altLang="en-US" sz="2000" dirty="0"/>
@@ -6973,7 +6973,7 @@
                     <a:lstStyle/>
                     <a:p>
                       <a:r>
-                        <a:rPr lang="en-US" altLang="zh-TW" sz="2000" dirty="0" smtClean="0"/>
+                        <a:rPr lang="en-US" altLang="zh-TW" sz="2000" dirty="0"/>
                         <a:t>0.005</a:t>
                       </a:r>
                       <a:endParaRPr lang="zh-TW" altLang="en-US" sz="2000" dirty="0"/>
@@ -6987,7 +6987,7 @@
                     <a:lstStyle/>
                     <a:p>
                       <a:r>
-                        <a:rPr lang="en-US" altLang="zh-TW" sz="2000" dirty="0" smtClean="0"/>
+                        <a:rPr lang="en-US" altLang="zh-TW" sz="2000" dirty="0"/>
                         <a:t>0.005</a:t>
                       </a:r>
                       <a:endParaRPr lang="zh-TW" altLang="en-US" sz="2000" dirty="0"/>
@@ -7001,7 +7001,7 @@
                     <a:lstStyle/>
                     <a:p>
                       <a:r>
-                        <a:rPr lang="en-US" altLang="zh-TW" sz="2000" dirty="0" smtClean="0"/>
+                        <a:rPr lang="en-US" altLang="zh-TW" sz="2000" dirty="0"/>
                         <a:t>0.16</a:t>
                       </a:r>
                       <a:endParaRPr lang="zh-TW" altLang="en-US" sz="2000" dirty="0"/>
@@ -7015,7 +7015,7 @@
                     <a:lstStyle/>
                     <a:p>
                       <a:r>
-                        <a:rPr lang="en-US" altLang="zh-TW" sz="2000" dirty="0" smtClean="0"/>
+                        <a:rPr lang="en-US" altLang="zh-TW" sz="2000" dirty="0"/>
                         <a:t>0.005</a:t>
                       </a:r>
                       <a:endParaRPr lang="zh-TW" altLang="en-US" sz="2000" dirty="0"/>
@@ -7029,7 +7029,7 @@
                     <a:lstStyle/>
                     <a:p>
                       <a:r>
-                        <a:rPr lang="en-US" altLang="zh-TW" sz="2000" dirty="0" smtClean="0"/>
+                        <a:rPr lang="en-US" altLang="zh-TW" sz="2000" dirty="0"/>
                         <a:t>0.005</a:t>
                       </a:r>
                       <a:endParaRPr lang="zh-TW" altLang="en-US" sz="2000" dirty="0"/>
@@ -7130,7 +7130,7 @@
           <a:lstStyle/>
           <a:p>
             <a:r>
-              <a:rPr kumimoji="1" lang="en-US" altLang="zh-TW" dirty="0" smtClean="0"/>
+              <a:rPr kumimoji="1" lang="en-US" altLang="zh-TW" dirty="0"/>
               <a:t>Datasets</a:t>
             </a:r>
             <a:endParaRPr kumimoji="1" lang="zh-TW" altLang="en-US" sz="4000" dirty="0"/>
@@ -8866,16 +8866,6 @@
             <a:p>
               <a:pPr algn="ctr"/>
               <a:r>
-                <a:rPr kumimoji="1" lang="en-US" altLang="zh-TW" sz="2000" dirty="0" smtClean="0">
-                  <a:solidFill>
-                    <a:schemeClr val="bg1"/>
-                  </a:solidFill>
-                  <a:latin typeface="Microsoft JhengHei" panose="020B0604030504040204" pitchFamily="34" charset="-120"/>
-                  <a:ea typeface="Microsoft JhengHei" panose="020B0604030504040204" pitchFamily="34" charset="-120"/>
-                </a:rPr>
-                <a:t>Target </a:t>
-              </a:r>
-              <a:r>
                 <a:rPr kumimoji="1" lang="en-US" altLang="zh-TW" sz="2000" dirty="0">
                   <a:solidFill>
                     <a:schemeClr val="bg1"/>
@@ -8883,7 +8873,7 @@
                   <a:latin typeface="Microsoft JhengHei" panose="020B0604030504040204" pitchFamily="34" charset="-120"/>
                   <a:ea typeface="Microsoft JhengHei" panose="020B0604030504040204" pitchFamily="34" charset="-120"/>
                 </a:rPr>
-                <a:t>model (pre-trained)</a:t>
+                <a:t>Target model (pre-trained)</a:t>
               </a:r>
               <a:endParaRPr kumimoji="1" lang="zh-TW" altLang="en-US" sz="2000" dirty="0">
                 <a:solidFill>
@@ -11144,7 +11134,7 @@
           <a:lstStyle/>
           <a:p>
             <a:r>
-              <a:rPr kumimoji="1" lang="en-US" altLang="zh-TW" dirty="0" smtClean="0"/>
+              <a:rPr kumimoji="1" lang="en-US" altLang="zh-TW" dirty="0"/>
               <a:t>Conclusion</a:t>
             </a:r>
             <a:endParaRPr kumimoji="1" lang="zh-TW" altLang="en-US" dirty="0"/>
@@ -11261,7 +11251,7 @@
           <a:lstStyle/>
           <a:p>
             <a:r>
-              <a:rPr lang="en-US" altLang="zh-TW" dirty="0" smtClean="0"/>
+              <a:rPr lang="en-US" altLang="zh-TW" dirty="0"/>
               <a:t>Thanks for your listening</a:t>
             </a:r>
             <a:endParaRPr lang="zh-TW" altLang="en-US" dirty="0"/>

--- a/final_demo.pptx
+++ b/final_demo.pptx
@@ -8,14 +8,15 @@
     <p:sldId id="256" r:id="rId2"/>
     <p:sldId id="262" r:id="rId3"/>
     <p:sldId id="261" r:id="rId4"/>
-    <p:sldId id="267" r:id="rId5"/>
-    <p:sldId id="257" r:id="rId6"/>
-    <p:sldId id="258" r:id="rId7"/>
-    <p:sldId id="259" r:id="rId8"/>
-    <p:sldId id="260" r:id="rId9"/>
-    <p:sldId id="264" r:id="rId10"/>
-    <p:sldId id="265" r:id="rId11"/>
-    <p:sldId id="266" r:id="rId12"/>
+    <p:sldId id="268" r:id="rId5"/>
+    <p:sldId id="267" r:id="rId6"/>
+    <p:sldId id="257" r:id="rId7"/>
+    <p:sldId id="258" r:id="rId8"/>
+    <p:sldId id="259" r:id="rId9"/>
+    <p:sldId id="260" r:id="rId10"/>
+    <p:sldId id="264" r:id="rId11"/>
+    <p:sldId id="265" r:id="rId12"/>
+    <p:sldId id="266" r:id="rId13"/>
   </p:sldIdLst>
   <p:sldSz cx="12192000" cy="6858000"/>
   <p:notesSz cx="6858000" cy="9144000"/>
@@ -5726,61 +5727,61 @@
           <a:lstStyle/>
           <a:p>
             <a:r>
-              <a:rPr kumimoji="1" lang="zh-CN" altLang="en-US" sz="4400" dirty="0">
+              <a:rPr kumimoji="1" lang="zh-CN" altLang="en-US" dirty="0">
                 <a:latin typeface="Microsoft JhengHei" panose="020B0604030504040204" pitchFamily="34" charset="-120"/>
                 <a:ea typeface="Microsoft JhengHei" panose="020B0604030504040204" pitchFamily="34" charset="-120"/>
               </a:rPr>
               <a:t>利用</a:t>
             </a:r>
             <a:r>
-              <a:rPr kumimoji="1" lang="en-US" altLang="zh-CN" sz="4400" dirty="0">
+              <a:rPr kumimoji="1" lang="en-US" altLang="zh-CN" dirty="0">
                 <a:latin typeface="Microsoft JhengHei" panose="020B0604030504040204" pitchFamily="34" charset="-120"/>
                 <a:ea typeface="Microsoft JhengHei" panose="020B0604030504040204" pitchFamily="34" charset="-120"/>
               </a:rPr>
               <a:t>model output </a:t>
             </a:r>
             <a:r>
-              <a:rPr kumimoji="1" lang="zh-CN" altLang="en-US" sz="4400" dirty="0">
+              <a:rPr kumimoji="1" lang="zh-CN" altLang="en-US" dirty="0">
                 <a:latin typeface="Microsoft JhengHei" panose="020B0604030504040204" pitchFamily="34" charset="-120"/>
                 <a:ea typeface="Microsoft JhengHei" panose="020B0604030504040204" pitchFamily="34" charset="-120"/>
               </a:rPr>
               <a:t>偷取</a:t>
             </a:r>
             <a:r>
-              <a:rPr kumimoji="1" lang="en-US" altLang="zh-CN" sz="4400" dirty="0">
+              <a:rPr kumimoji="1" lang="en-US" altLang="zh-CN" dirty="0">
                 <a:latin typeface="Microsoft JhengHei" panose="020B0604030504040204" pitchFamily="34" charset="-120"/>
                 <a:ea typeface="Microsoft JhengHei" panose="020B0604030504040204" pitchFamily="34" charset="-120"/>
               </a:rPr>
               <a:t> </a:t>
             </a:r>
             <a:br>
-              <a:rPr kumimoji="1" lang="en-US" altLang="zh-CN" sz="4400" dirty="0">
+              <a:rPr kumimoji="1" lang="en-US" altLang="zh-CN" dirty="0">
                 <a:latin typeface="Microsoft JhengHei" panose="020B0604030504040204" pitchFamily="34" charset="-120"/>
                 <a:ea typeface="Microsoft JhengHei" panose="020B0604030504040204" pitchFamily="34" charset="-120"/>
               </a:rPr>
             </a:br>
             <a:r>
-              <a:rPr kumimoji="1" lang="en-US" altLang="zh-CN" sz="4400" dirty="0">
+              <a:rPr kumimoji="1" lang="en-US" altLang="zh-CN" dirty="0">
                 <a:latin typeface="Microsoft JhengHei" panose="020B0604030504040204" pitchFamily="34" charset="-120"/>
                 <a:ea typeface="Microsoft JhengHei" panose="020B0604030504040204" pitchFamily="34" charset="-120"/>
               </a:rPr>
               <a:t>Machine Learning-as-a-Service </a:t>
             </a:r>
             <a:r>
-              <a:rPr kumimoji="1" lang="zh-CN" altLang="en-US" sz="4400" dirty="0">
+              <a:rPr kumimoji="1" lang="zh-CN" altLang="en-US" dirty="0">
                 <a:latin typeface="Microsoft JhengHei" panose="020B0604030504040204" pitchFamily="34" charset="-120"/>
                 <a:ea typeface="Microsoft JhengHei" panose="020B0604030504040204" pitchFamily="34" charset="-120"/>
               </a:rPr>
               <a:t>平台</a:t>
             </a:r>
             <a:r>
-              <a:rPr kumimoji="1" lang="en-US" altLang="zh-CN" sz="4400" dirty="0">
+              <a:rPr kumimoji="1" lang="en-US" altLang="zh-CN" dirty="0">
                 <a:latin typeface="Microsoft JhengHei" panose="020B0604030504040204" pitchFamily="34" charset="-120"/>
                 <a:ea typeface="Microsoft JhengHei" panose="020B0604030504040204" pitchFamily="34" charset="-120"/>
               </a:rPr>
               <a:t> model</a:t>
             </a:r>
-            <a:endParaRPr kumimoji="1" lang="zh-TW" altLang="en-US" sz="4400" dirty="0"/>
+            <a:endParaRPr kumimoji="1" lang="zh-TW" altLang="en-US" dirty="0"/>
           </a:p>
         </p:txBody>
       </p:sp>
@@ -5813,9 +5814,97 @@
           <a:lstStyle/>
           <a:p>
             <a:r>
-              <a:rPr kumimoji="1" lang="zh-TW" altLang="en-US" sz="2800" dirty="0"/>
+              <a:rPr kumimoji="1" lang="zh-TW" altLang="en-US" sz="3200" b="1" dirty="0">
+                <a:solidFill>
+                  <a:schemeClr val="tx1"/>
+                </a:solidFill>
+              </a:rPr>
               <a:t>網路多媒體實驗</a:t>
             </a:r>
+          </a:p>
+        </p:txBody>
+      </p:sp>
+      <p:sp>
+        <p:nvSpPr>
+          <p:cNvPr id="4" name="文字方塊 3">
+            <a:extLst>
+              <a:ext uri="{FF2B5EF4-FFF2-40B4-BE49-F238E27FC236}">
+                <a16:creationId xmlns:a16="http://schemas.microsoft.com/office/drawing/2014/main" id="{C87EC87A-C787-174E-AA76-7F93796324EE}"/>
+              </a:ext>
+            </a:extLst>
+          </p:cNvPr>
+          <p:cNvSpPr txBox="1"/>
+          <p:nvPr/>
+        </p:nvSpPr>
+        <p:spPr>
+          <a:xfrm>
+            <a:off x="572822" y="5174930"/>
+            <a:ext cx="4817713" cy="1569660"/>
+          </a:xfrm>
+          <a:prstGeom prst="rect">
+            <a:avLst/>
+          </a:prstGeom>
+          <a:noFill/>
+        </p:spPr>
+        <p:txBody>
+          <a:bodyPr wrap="square" rtlCol="0">
+            <a:spAutoFit/>
+          </a:bodyPr>
+          <a:lstStyle/>
+          <a:p>
+            <a:r>
+              <a:rPr kumimoji="1" lang="zh-CN" altLang="en-US" sz="2400" b="1" dirty="0">
+                <a:latin typeface="Microsoft JhengHei" panose="020B0604030504040204" pitchFamily="34" charset="-120"/>
+                <a:ea typeface="Microsoft JhengHei" panose="020B0604030504040204" pitchFamily="34" charset="-120"/>
+              </a:rPr>
+              <a:t>組員：林承德、趙冠豪、李</a:t>
+            </a:r>
+            <a:r>
+              <a:rPr kumimoji="1" lang="zh-TW" altLang="en-US" sz="2400" b="1" dirty="0">
+                <a:latin typeface="Microsoft JhengHei" panose="020B0604030504040204" pitchFamily="34" charset="-120"/>
+                <a:ea typeface="Microsoft JhengHei" panose="020B0604030504040204" pitchFamily="34" charset="-120"/>
+              </a:rPr>
+              <a:t>羚毓</a:t>
+            </a:r>
+            <a:r>
+              <a:rPr kumimoji="1" lang="en-US" altLang="zh-TW" sz="2400" b="1" dirty="0">
+                <a:latin typeface="Microsoft JhengHei" panose="020B0604030504040204" pitchFamily="34" charset="-120"/>
+                <a:ea typeface="Microsoft JhengHei" panose="020B0604030504040204" pitchFamily="34" charset="-120"/>
+              </a:rPr>
+              <a:t>	</a:t>
+            </a:r>
+          </a:p>
+          <a:p>
+            <a:endParaRPr kumimoji="1" lang="en-US" altLang="zh-TW" sz="2400" b="1" dirty="0">
+              <a:latin typeface="Microsoft JhengHei" panose="020B0604030504040204" pitchFamily="34" charset="-120"/>
+              <a:ea typeface="Microsoft JhengHei" panose="020B0604030504040204" pitchFamily="34" charset="-120"/>
+            </a:endParaRPr>
+          </a:p>
+          <a:p>
+            <a:r>
+              <a:rPr kumimoji="1" lang="zh-CN" altLang="en-US" sz="2400" b="1" dirty="0">
+                <a:latin typeface="Microsoft JhengHei" panose="020B0604030504040204" pitchFamily="34" charset="-120"/>
+                <a:ea typeface="Microsoft JhengHei" panose="020B0604030504040204" pitchFamily="34" charset="-120"/>
+              </a:rPr>
+              <a:t>指導助教：曾煒傑</a:t>
+            </a:r>
+            <a:endParaRPr kumimoji="1" lang="en-US" altLang="zh-CN" sz="2400" b="1" dirty="0">
+              <a:latin typeface="Microsoft JhengHei" panose="020B0604030504040204" pitchFamily="34" charset="-120"/>
+              <a:ea typeface="Microsoft JhengHei" panose="020B0604030504040204" pitchFamily="34" charset="-120"/>
+            </a:endParaRPr>
+          </a:p>
+          <a:p>
+            <a:r>
+              <a:rPr kumimoji="1" lang="zh-CN" altLang="en-US" sz="2400" b="1" dirty="0">
+                <a:latin typeface="Microsoft JhengHei" panose="020B0604030504040204" pitchFamily="34" charset="-120"/>
+                <a:ea typeface="Microsoft JhengHei" panose="020B0604030504040204" pitchFamily="34" charset="-120"/>
+              </a:rPr>
+              <a:t>指導老師：林宗男教授</a:t>
+            </a:r>
+            <a:endParaRPr kumimoji="1" lang="zh-TW" altLang="en-US" sz="2400" b="1" dirty="0">
+              <a:latin typeface="Microsoft JhengHei" panose="020B0604030504040204" pitchFamily="34" charset="-120"/>
+              <a:ea typeface="Microsoft JhengHei" panose="020B0604030504040204" pitchFamily="34" charset="-120"/>
+            </a:endParaRPr>
           </a:p>
         </p:txBody>
       </p:sp>
@@ -5833,6 +5922,83 @@
 </file>
 
 <file path=ppt/slides/slide10.xml><?xml version="1.0" encoding="utf-8"?>
+<p:sld xmlns:a="http://schemas.openxmlformats.org/drawingml/2006/main" xmlns:r="http://schemas.openxmlformats.org/officeDocument/2006/relationships" xmlns:p="http://schemas.openxmlformats.org/presentationml/2006/main">
+  <p:cSld>
+    <p:spTree>
+      <p:nvGrpSpPr>
+        <p:cNvPr id="1" name=""/>
+        <p:cNvGrpSpPr/>
+        <p:nvPr/>
+      </p:nvGrpSpPr>
+      <p:grpSpPr>
+        <a:xfrm>
+          <a:off x="0" y="0"/>
+          <a:ext cx="0" cy="0"/>
+          <a:chOff x="0" y="0"/>
+          <a:chExt cx="0" cy="0"/>
+        </a:xfrm>
+      </p:grpSpPr>
+      <p:sp>
+        <p:nvSpPr>
+          <p:cNvPr id="2" name="標題 1"/>
+          <p:cNvSpPr>
+            <a:spLocks noGrp="1"/>
+          </p:cNvSpPr>
+          <p:nvPr>
+            <p:ph type="ctrTitle"/>
+          </p:nvPr>
+        </p:nvSpPr>
+        <p:spPr>
+          <a:xfrm>
+            <a:off x="1125415" y="2404534"/>
+            <a:ext cx="8379070" cy="1646302"/>
+          </a:xfrm>
+        </p:spPr>
+        <p:txBody>
+          <a:bodyPr/>
+          <a:lstStyle/>
+          <a:p>
+            <a:r>
+              <a:rPr lang="en-US" altLang="zh-TW" dirty="0"/>
+              <a:t>Thanks for your listening</a:t>
+            </a:r>
+            <a:endParaRPr lang="zh-TW" altLang="en-US" dirty="0"/>
+          </a:p>
+        </p:txBody>
+      </p:sp>
+      <p:sp>
+        <p:nvSpPr>
+          <p:cNvPr id="3" name="副標題 2"/>
+          <p:cNvSpPr>
+            <a:spLocks noGrp="1"/>
+          </p:cNvSpPr>
+          <p:nvPr>
+            <p:ph type="subTitle" idx="1"/>
+          </p:nvPr>
+        </p:nvSpPr>
+        <p:spPr/>
+        <p:txBody>
+          <a:bodyPr/>
+          <a:lstStyle/>
+          <a:p>
+            <a:endParaRPr lang="zh-TW" altLang="en-US"/>
+          </a:p>
+        </p:txBody>
+      </p:sp>
+    </p:spTree>
+    <p:extLst>
+      <p:ext uri="{BB962C8B-B14F-4D97-AF65-F5344CB8AC3E}">
+        <p14:creationId xmlns:p14="http://schemas.microsoft.com/office/powerpoint/2010/main" val="4049162539"/>
+      </p:ext>
+    </p:extLst>
+  </p:cSld>
+  <p:clrMapOvr>
+    <a:masterClrMapping/>
+  </p:clrMapOvr>
+</p:sld>
+</file>
+
+<file path=ppt/slides/slide11.xml><?xml version="1.0" encoding="utf-8"?>
 <p:sld xmlns:a="http://schemas.openxmlformats.org/drawingml/2006/main" xmlns:r="http://schemas.openxmlformats.org/officeDocument/2006/relationships" xmlns:p="http://schemas.openxmlformats.org/presentationml/2006/main">
   <p:cSld>
     <p:spTree>
@@ -6124,7 +6290,7 @@
 </p:sld>
 </file>
 
-<file path=ppt/slides/slide11.xml><?xml version="1.0" encoding="utf-8"?>
+<file path=ppt/slides/slide12.xml><?xml version="1.0" encoding="utf-8"?>
 <p:sld xmlns:a="http://schemas.openxmlformats.org/drawingml/2006/main" xmlns:r="http://schemas.openxmlformats.org/officeDocument/2006/relationships" xmlns:p="http://schemas.openxmlformats.org/presentationml/2006/main">
   <p:cSld>
     <p:spTree>
@@ -7245,7 +7411,155 @@
           <a:bodyPr/>
           <a:lstStyle/>
           <a:p>
-            <a:endParaRPr lang="zh-TW" altLang="en-US"/>
+            <a:r>
+              <a:rPr lang="zh-TW" altLang="en-US" dirty="0"/>
+              <a:t>實驗</a:t>
+            </a:r>
+            <a:r>
+              <a:rPr lang="zh-CN" altLang="en-US" dirty="0"/>
+              <a:t>目的</a:t>
+            </a:r>
+            <a:endParaRPr lang="zh-TW" altLang="en-US" dirty="0"/>
+          </a:p>
+        </p:txBody>
+      </p:sp>
+      <p:sp>
+        <p:nvSpPr>
+          <p:cNvPr id="3" name="內容版面配置區 2"/>
+          <p:cNvSpPr>
+            <a:spLocks noGrp="1"/>
+          </p:cNvSpPr>
+          <p:nvPr>
+            <p:ph idx="1"/>
+          </p:nvPr>
+        </p:nvSpPr>
+        <p:spPr/>
+        <p:txBody>
+          <a:bodyPr/>
+          <a:lstStyle/>
+          <a:p>
+            <a:r>
+              <a:rPr kumimoji="1" lang="en-US" altLang="zh-CN" dirty="0"/>
+              <a:t>1. </a:t>
+            </a:r>
+            <a:r>
+              <a:rPr kumimoji="1" lang="zh-CN" altLang="en-US" dirty="0"/>
+              <a:t>實作論文</a:t>
+            </a:r>
+            <a:r>
+              <a:rPr kumimoji="1" lang="en-US" altLang="zh-CN" dirty="0"/>
+              <a:t> ”Stealing Machine Learning Models via Prediction APIs”</a:t>
+            </a:r>
+            <a:r>
+              <a:rPr kumimoji="1" lang="zh-TW" altLang="en-US" dirty="0"/>
+              <a:t> </a:t>
+            </a:r>
+            <a:r>
+              <a:rPr kumimoji="1" lang="en-US" altLang="zh-TW" dirty="0"/>
+              <a:t>neural network </a:t>
+            </a:r>
+            <a:r>
+              <a:rPr kumimoji="1" lang="zh-TW" altLang="en-US" dirty="0"/>
+              <a:t>的方</a:t>
+            </a:r>
+            <a:r>
+              <a:rPr kumimoji="1" lang="zh-CN" altLang="en-US" dirty="0"/>
+              <a:t>法，偷取</a:t>
+            </a:r>
+            <a:r>
+              <a:rPr kumimoji="1" lang="en-US" altLang="zh-CN" dirty="0"/>
+              <a:t>ML model</a:t>
+            </a:r>
+          </a:p>
+          <a:p>
+            <a:pPr marL="0" indent="0">
+              <a:buNone/>
+            </a:pPr>
+            <a:endParaRPr kumimoji="1" lang="en-US" altLang="zh-CN" dirty="0"/>
+          </a:p>
+          <a:p>
+            <a:r>
+              <a:rPr kumimoji="1" lang="en-US" altLang="zh-CN" dirty="0"/>
+              <a:t>2. </a:t>
+            </a:r>
+            <a:r>
+              <a:rPr kumimoji="1" lang="zh-CN" altLang="en-US" dirty="0"/>
+              <a:t>利用</a:t>
+            </a:r>
+            <a:r>
+              <a:rPr kumimoji="1" lang="en-US" altLang="zh-CN" dirty="0"/>
+              <a:t> neural network </a:t>
+            </a:r>
+            <a:r>
+              <a:rPr kumimoji="1" lang="zh-CN" altLang="en-US" dirty="0"/>
+              <a:t>的方式實際嘗試偷取各種不同</a:t>
+            </a:r>
+            <a:r>
+              <a:rPr kumimoji="1" lang="en-US" altLang="zh-CN" dirty="0"/>
+              <a:t>Model</a:t>
+            </a:r>
+          </a:p>
+          <a:p>
+            <a:pPr marL="514350" indent="-514350">
+              <a:buFont typeface="+mj-lt"/>
+              <a:buAutoNum type="arabicParenR"/>
+            </a:pPr>
+            <a:endParaRPr kumimoji="1" lang="en-US" altLang="zh-CN" dirty="0"/>
+          </a:p>
+          <a:p>
+            <a:endParaRPr lang="zh-TW" altLang="en-US" dirty="0"/>
+          </a:p>
+        </p:txBody>
+      </p:sp>
+    </p:spTree>
+    <p:extLst>
+      <p:ext uri="{BB962C8B-B14F-4D97-AF65-F5344CB8AC3E}">
+        <p14:creationId xmlns:p14="http://schemas.microsoft.com/office/powerpoint/2010/main" val="2193207189"/>
+      </p:ext>
+    </p:extLst>
+  </p:cSld>
+  <p:clrMapOvr>
+    <a:masterClrMapping/>
+  </p:clrMapOvr>
+</p:sld>
+</file>
+
+<file path=ppt/slides/slide5.xml><?xml version="1.0" encoding="utf-8"?>
+<p:sld xmlns:a="http://schemas.openxmlformats.org/drawingml/2006/main" xmlns:r="http://schemas.openxmlformats.org/officeDocument/2006/relationships" xmlns:p="http://schemas.openxmlformats.org/presentationml/2006/main">
+  <p:cSld>
+    <p:spTree>
+      <p:nvGrpSpPr>
+        <p:cNvPr id="1" name=""/>
+        <p:cNvGrpSpPr/>
+        <p:nvPr/>
+      </p:nvGrpSpPr>
+      <p:grpSpPr>
+        <a:xfrm>
+          <a:off x="0" y="0"/>
+          <a:ext cx="0" cy="0"/>
+          <a:chOff x="0" y="0"/>
+          <a:chExt cx="0" cy="0"/>
+        </a:xfrm>
+      </p:grpSpPr>
+      <p:sp>
+        <p:nvSpPr>
+          <p:cNvPr id="2" name="標題 1"/>
+          <p:cNvSpPr>
+            <a:spLocks noGrp="1"/>
+          </p:cNvSpPr>
+          <p:nvPr>
+            <p:ph type="title"/>
+          </p:nvPr>
+        </p:nvSpPr>
+        <p:spPr/>
+        <p:txBody>
+          <a:bodyPr/>
+          <a:lstStyle/>
+          <a:p>
+            <a:r>
+              <a:rPr lang="zh-TW" altLang="en-US" dirty="0"/>
+              <a:t>實驗步驟</a:t>
+            </a:r>
           </a:p>
         </p:txBody>
       </p:sp>
@@ -7620,7 +7934,7 @@
 </p:sld>
 </file>
 
-<file path=ppt/slides/slide5.xml><?xml version="1.0" encoding="utf-8"?>
+<file path=ppt/slides/slide6.xml><?xml version="1.0" encoding="utf-8"?>
 <p:sld xmlns:a="http://schemas.openxmlformats.org/drawingml/2006/main" xmlns:r="http://schemas.openxmlformats.org/officeDocument/2006/relationships" xmlns:p="http://schemas.openxmlformats.org/presentationml/2006/main">
   <p:cSld>
     <p:spTree>
@@ -7674,37 +7988,12 @@
           </a:p>
         </p:txBody>
       </p:sp>
-      <p:sp>
-        <p:nvSpPr>
-          <p:cNvPr id="3" name="內容版面配置區 2">
+      <p:grpSp>
+        <p:nvGrpSpPr>
+          <p:cNvPr id="36" name="群組 35">
             <a:extLst>
               <a:ext uri="{FF2B5EF4-FFF2-40B4-BE49-F238E27FC236}">
-                <a16:creationId xmlns:a16="http://schemas.microsoft.com/office/drawing/2014/main" id="{341CF6B0-BE5B-7342-B154-83E19791310D}"/>
-              </a:ext>
-            </a:extLst>
-          </p:cNvPr>
-          <p:cNvSpPr>
-            <a:spLocks noGrp="1"/>
-          </p:cNvSpPr>
-          <p:nvPr>
-            <p:ph idx="1"/>
-          </p:nvPr>
-        </p:nvSpPr>
-        <p:spPr/>
-        <p:txBody>
-          <a:bodyPr/>
-          <a:lstStyle/>
-          <a:p>
-            <a:endParaRPr kumimoji="1" lang="zh-TW" altLang="en-US" dirty="0"/>
-          </a:p>
-        </p:txBody>
-      </p:sp>
-      <p:grpSp>
-        <p:nvGrpSpPr>
-          <p:cNvPr id="10" name="群組 9">
-            <a:extLst>
-              <a:ext uri="{FF2B5EF4-FFF2-40B4-BE49-F238E27FC236}">
-                <a16:creationId xmlns:a16="http://schemas.microsoft.com/office/drawing/2014/main" id="{F3E40C42-BE5D-1B44-A8E8-FEFA0ABBBC23}"/>
+                <a16:creationId xmlns:a16="http://schemas.microsoft.com/office/drawing/2014/main" id="{5B1CB48D-241A-8746-A1CD-6D50ABC91831}"/>
               </a:ext>
             </a:extLst>
           </p:cNvPr>
@@ -7713,18 +8002,18 @@
         </p:nvGrpSpPr>
         <p:grpSpPr>
           <a:xfrm>
-            <a:off x="1930401" y="1889617"/>
-            <a:ext cx="6570132" cy="4688561"/>
+            <a:off x="1850212" y="1496766"/>
+            <a:ext cx="7043531" cy="5041615"/>
             <a:chOff x="1166818" y="23117199"/>
-            <a:chExt cx="9074898" cy="6476006"/>
+            <a:chExt cx="9005602" cy="6446026"/>
           </a:xfrm>
         </p:grpSpPr>
         <p:sp>
           <p:nvSpPr>
-            <p:cNvPr id="11" name="圓角矩形 10">
+            <p:cNvPr id="37" name="圓角矩形 36">
               <a:extLst>
                 <a:ext uri="{FF2B5EF4-FFF2-40B4-BE49-F238E27FC236}">
-                  <a16:creationId xmlns:a16="http://schemas.microsoft.com/office/drawing/2014/main" id="{AE0F239D-FE19-3544-BD17-9B1464D9E269}"/>
+                  <a16:creationId xmlns:a16="http://schemas.microsoft.com/office/drawing/2014/main" id="{6EFE932B-7E2F-4A41-A4CF-FBEA616F7E70}"/>
                 </a:ext>
               </a:extLst>
             </p:cNvPr>
@@ -7765,7 +8054,7 @@
             <a:p>
               <a:pPr algn="ctr"/>
               <a:r>
-                <a:rPr kumimoji="1" lang="en-US" altLang="zh-TW" sz="2000" dirty="0">
+                <a:rPr kumimoji="1" lang="en-US" altLang="zh-TW" sz="2400" dirty="0">
                   <a:solidFill>
                     <a:schemeClr val="bg1"/>
                   </a:solidFill>
@@ -7774,7 +8063,7 @@
                 </a:rPr>
                 <a:t>Train Model</a:t>
               </a:r>
-              <a:endParaRPr kumimoji="1" lang="zh-TW" altLang="en-US" sz="2000" dirty="0">
+              <a:endParaRPr kumimoji="1" lang="zh-TW" altLang="en-US" sz="2400" dirty="0">
                 <a:solidFill>
                   <a:schemeClr val="bg1"/>
                 </a:solidFill>
@@ -7786,10 +8075,10 @@
         </p:sp>
         <p:sp>
           <p:nvSpPr>
-            <p:cNvPr id="12" name="圓角矩形 11">
+            <p:cNvPr id="38" name="圓角矩形 37">
               <a:extLst>
                 <a:ext uri="{FF2B5EF4-FFF2-40B4-BE49-F238E27FC236}">
-                  <a16:creationId xmlns:a16="http://schemas.microsoft.com/office/drawing/2014/main" id="{1892D5C7-EB47-6746-B314-661CF310298C}"/>
+                  <a16:creationId xmlns:a16="http://schemas.microsoft.com/office/drawing/2014/main" id="{3AC1B7FD-69C6-D242-B31F-1320E7A6E9EF}"/>
                 </a:ext>
               </a:extLst>
             </p:cNvPr>
@@ -7798,8 +8087,8 @@
           </p:nvSpPr>
           <p:spPr>
             <a:xfrm>
-              <a:off x="1361382" y="25993758"/>
-              <a:ext cx="2399642" cy="908288"/>
+              <a:off x="2034420" y="25993758"/>
+              <a:ext cx="3339806" cy="908288"/>
             </a:xfrm>
             <a:prstGeom prst="roundRect">
               <a:avLst/>
@@ -7830,7 +8119,7 @@
             <a:p>
               <a:pPr algn="ctr"/>
               <a:r>
-                <a:rPr kumimoji="1" lang="en-US" altLang="zh-TW" sz="2000" dirty="0" err="1">
+                <a:rPr kumimoji="1" lang="en-US" altLang="zh-TW" sz="2400" dirty="0" err="1">
                   <a:solidFill>
                     <a:schemeClr val="bg1"/>
                   </a:solidFill>
@@ -7839,7 +8128,7 @@
                 </a:rPr>
                 <a:t>Deepnet</a:t>
               </a:r>
-              <a:endParaRPr kumimoji="1" lang="zh-TW" altLang="en-US" sz="2000" dirty="0">
+              <a:endParaRPr kumimoji="1" lang="zh-TW" altLang="en-US" sz="2400" dirty="0">
                 <a:solidFill>
                   <a:schemeClr val="bg1"/>
                 </a:solidFill>
@@ -7851,10 +8140,10 @@
         </p:sp>
         <p:sp>
           <p:nvSpPr>
-            <p:cNvPr id="13" name="圓角矩形 12">
+            <p:cNvPr id="39" name="圓角矩形 38">
               <a:extLst>
                 <a:ext uri="{FF2B5EF4-FFF2-40B4-BE49-F238E27FC236}">
-                  <a16:creationId xmlns:a16="http://schemas.microsoft.com/office/drawing/2014/main" id="{D280BB8B-8612-E343-AD11-006BCD9F0B9C}"/>
+                  <a16:creationId xmlns:a16="http://schemas.microsoft.com/office/drawing/2014/main" id="{46EF18D9-DA05-E749-8105-63B086BC8915}"/>
                 </a:ext>
               </a:extLst>
             </p:cNvPr>
@@ -7863,8 +8152,8 @@
           </p:nvSpPr>
           <p:spPr>
             <a:xfrm>
-              <a:off x="4187230" y="25978260"/>
-              <a:ext cx="2814140" cy="908288"/>
+              <a:off x="5962107" y="25978260"/>
+              <a:ext cx="3345297" cy="908288"/>
             </a:xfrm>
             <a:prstGeom prst="roundRect">
               <a:avLst/>
@@ -7895,7 +8184,7 @@
             <a:p>
               <a:pPr algn="ctr"/>
               <a:r>
-                <a:rPr kumimoji="1" lang="en-US" altLang="zh-TW" sz="2000" dirty="0">
+                <a:rPr kumimoji="1" lang="en-US" altLang="zh-TW" sz="2400" dirty="0">
                   <a:solidFill>
                     <a:schemeClr val="bg1"/>
                   </a:solidFill>
@@ -7904,7 +8193,7 @@
                 </a:rPr>
                 <a:t>Decision Tree</a:t>
               </a:r>
-              <a:endParaRPr kumimoji="1" lang="zh-TW" altLang="en-US" sz="2000" dirty="0">
+              <a:endParaRPr kumimoji="1" lang="zh-TW" altLang="en-US" sz="2400" dirty="0">
                 <a:solidFill>
                   <a:schemeClr val="bg1"/>
                 </a:solidFill>
@@ -7916,75 +8205,10 @@
         </p:sp>
         <p:sp>
           <p:nvSpPr>
-            <p:cNvPr id="14" name="圓角矩形 13">
+            <p:cNvPr id="40" name="圓角矩形 39">
               <a:extLst>
                 <a:ext uri="{FF2B5EF4-FFF2-40B4-BE49-F238E27FC236}">
-                  <a16:creationId xmlns:a16="http://schemas.microsoft.com/office/drawing/2014/main" id="{A5F7FEC7-A0E0-4740-838D-5C3D7B8A4B52}"/>
-                </a:ext>
-              </a:extLst>
-            </p:cNvPr>
-            <p:cNvSpPr/>
-            <p:nvPr/>
-          </p:nvSpPr>
-          <p:spPr>
-            <a:xfrm>
-              <a:off x="7427576" y="25978260"/>
-              <a:ext cx="2814140" cy="908288"/>
-            </a:xfrm>
-            <a:prstGeom prst="roundRect">
-              <a:avLst/>
-            </a:prstGeom>
-            <a:solidFill>
-              <a:schemeClr val="accent1"/>
-            </a:solidFill>
-          </p:spPr>
-          <p:style>
-            <a:lnRef idx="2">
-              <a:schemeClr val="accent1">
-                <a:shade val="50000"/>
-              </a:schemeClr>
-            </a:lnRef>
-            <a:fillRef idx="1">
-              <a:schemeClr val="accent1"/>
-            </a:fillRef>
-            <a:effectRef idx="0">
-              <a:schemeClr val="accent1"/>
-            </a:effectRef>
-            <a:fontRef idx="minor">
-              <a:schemeClr val="lt1"/>
-            </a:fontRef>
-          </p:style>
-          <p:txBody>
-            <a:bodyPr rtlCol="0" anchor="ctr"/>
-            <a:lstStyle/>
-            <a:p>
-              <a:pPr algn="ctr"/>
-              <a:r>
-                <a:rPr kumimoji="1" lang="en-US" altLang="zh-TW" sz="2000" dirty="0">
-                  <a:solidFill>
-                    <a:schemeClr val="bg1"/>
-                  </a:solidFill>
-                  <a:latin typeface="Microsoft JhengHei" panose="020B0604030504040204" pitchFamily="34" charset="-120"/>
-                  <a:ea typeface="Microsoft JhengHei" panose="020B0604030504040204" pitchFamily="34" charset="-120"/>
-                </a:rPr>
-                <a:t>Ensemble</a:t>
-              </a:r>
-              <a:endParaRPr kumimoji="1" lang="zh-TW" altLang="en-US" sz="2000" dirty="0">
-                <a:solidFill>
-                  <a:schemeClr val="bg1"/>
-                </a:solidFill>
-                <a:latin typeface="Microsoft JhengHei" panose="020B0604030504040204" pitchFamily="34" charset="-120"/>
-                <a:ea typeface="Microsoft JhengHei" panose="020B0604030504040204" pitchFamily="34" charset="-120"/>
-              </a:endParaRPr>
-            </a:p>
-          </p:txBody>
-        </p:sp>
-        <p:sp>
-          <p:nvSpPr>
-            <p:cNvPr id="15" name="圓角矩形 14">
-              <a:extLst>
-                <a:ext uri="{FF2B5EF4-FFF2-40B4-BE49-F238E27FC236}">
-                  <a16:creationId xmlns:a16="http://schemas.microsoft.com/office/drawing/2014/main" id="{58F57881-3C14-5244-BF1F-48FD8CC91230}"/>
+                  <a16:creationId xmlns:a16="http://schemas.microsoft.com/office/drawing/2014/main" id="{3F750B36-09E1-EE48-8BAD-5DF33F4ADA61}"/>
                 </a:ext>
               </a:extLst>
             </p:cNvPr>
@@ -8025,7 +8249,7 @@
             <a:p>
               <a:pPr algn="ctr"/>
               <a:r>
-                <a:rPr kumimoji="1" lang="en-US" altLang="zh-TW" sz="2000" dirty="0">
+                <a:rPr kumimoji="1" lang="en-US" altLang="zh-TW" sz="2400" dirty="0">
                   <a:solidFill>
                     <a:schemeClr val="bg1"/>
                   </a:solidFill>
@@ -8035,7 +8259,7 @@
                 <a:t>Upload data to </a:t>
               </a:r>
               <a:r>
-                <a:rPr kumimoji="1" lang="en-US" altLang="zh-TW" sz="2000" b="1" dirty="0">
+                <a:rPr kumimoji="1" lang="en-US" altLang="zh-TW" sz="2400" b="1" dirty="0">
                   <a:solidFill>
                     <a:schemeClr val="bg1"/>
                   </a:solidFill>
@@ -8044,7 +8268,7 @@
                 </a:rPr>
                 <a:t>BigML</a:t>
               </a:r>
-              <a:endParaRPr kumimoji="1" lang="zh-TW" altLang="en-US" sz="2000" b="1" dirty="0">
+              <a:endParaRPr kumimoji="1" lang="zh-TW" altLang="en-US" sz="2400" b="1" dirty="0">
                 <a:solidFill>
                   <a:schemeClr val="bg1"/>
                 </a:solidFill>
@@ -8056,10 +8280,10 @@
         </p:sp>
         <p:sp>
           <p:nvSpPr>
-            <p:cNvPr id="16" name="向下箭號 15">
+            <p:cNvPr id="41" name="向下箭號 40">
               <a:extLst>
                 <a:ext uri="{FF2B5EF4-FFF2-40B4-BE49-F238E27FC236}">
-                  <a16:creationId xmlns:a16="http://schemas.microsoft.com/office/drawing/2014/main" id="{C6A4A9BC-03D2-7441-B806-AE833D5F5ECB}"/>
+                  <a16:creationId xmlns:a16="http://schemas.microsoft.com/office/drawing/2014/main" id="{FF6642C3-CED9-B64A-A5C0-AB52FE56F8C5}"/>
                 </a:ext>
               </a:extLst>
             </p:cNvPr>
@@ -8101,16 +8325,16 @@
             <a:lstStyle/>
             <a:p>
               <a:pPr algn="ctr"/>
-              <a:endParaRPr kumimoji="1" lang="zh-TW" altLang="en-US" sz="1200" dirty="0"/>
+              <a:endParaRPr kumimoji="1" lang="zh-TW" altLang="en-US" sz="1400" dirty="0"/>
             </a:p>
           </p:txBody>
         </p:sp>
         <p:sp>
           <p:nvSpPr>
-            <p:cNvPr id="17" name="向下箭號 16">
+            <p:cNvPr id="42" name="向下箭號 41">
               <a:extLst>
                 <a:ext uri="{FF2B5EF4-FFF2-40B4-BE49-F238E27FC236}">
-                  <a16:creationId xmlns:a16="http://schemas.microsoft.com/office/drawing/2014/main" id="{A9382121-20AF-8D49-81E7-AA00999743A4}"/>
+                  <a16:creationId xmlns:a16="http://schemas.microsoft.com/office/drawing/2014/main" id="{DF00D12E-DA63-9149-94E2-F46F94510EF5}"/>
                 </a:ext>
               </a:extLst>
             </p:cNvPr>
@@ -8119,7 +8343,7 @@
           </p:nvSpPr>
           <p:spPr>
             <a:xfrm>
-              <a:off x="2242574" y="25483873"/>
+              <a:off x="3257667" y="25483873"/>
               <a:ext cx="1338107" cy="479109"/>
             </a:xfrm>
             <a:prstGeom prst="downArrow">
@@ -8152,16 +8376,16 @@
             <a:lstStyle/>
             <a:p>
               <a:pPr algn="ctr"/>
-              <a:endParaRPr kumimoji="1" lang="zh-TW" altLang="en-US" sz="1200" dirty="0"/>
+              <a:endParaRPr kumimoji="1" lang="zh-TW" altLang="en-US" sz="1400" dirty="0"/>
             </a:p>
           </p:txBody>
         </p:sp>
         <p:sp>
           <p:nvSpPr>
-            <p:cNvPr id="18" name="向下箭號 17">
+            <p:cNvPr id="43" name="向下箭號 42">
               <a:extLst>
                 <a:ext uri="{FF2B5EF4-FFF2-40B4-BE49-F238E27FC236}">
-                  <a16:creationId xmlns:a16="http://schemas.microsoft.com/office/drawing/2014/main" id="{77C85F1E-E056-1D4A-930C-1976EE84291C}"/>
+                  <a16:creationId xmlns:a16="http://schemas.microsoft.com/office/drawing/2014/main" id="{18EB2BAD-F5AB-514E-97F1-7371CDD062BA}"/>
                 </a:ext>
               </a:extLst>
             </p:cNvPr>
@@ -8170,7 +8394,7 @@
           </p:nvSpPr>
           <p:spPr>
             <a:xfrm>
-              <a:off x="5015143" y="26915350"/>
+              <a:off x="3260243" y="26915350"/>
               <a:ext cx="1338107" cy="479109"/>
             </a:xfrm>
             <a:prstGeom prst="downArrow">
@@ -8203,16 +8427,16 @@
             <a:lstStyle/>
             <a:p>
               <a:pPr algn="ctr"/>
-              <a:endParaRPr kumimoji="1" lang="zh-TW" altLang="en-US" sz="1200" dirty="0"/>
+              <a:endParaRPr kumimoji="1" lang="zh-TW" altLang="en-US" sz="1400" dirty="0"/>
             </a:p>
           </p:txBody>
         </p:sp>
         <p:sp>
           <p:nvSpPr>
-            <p:cNvPr id="19" name="向下箭號 18">
+            <p:cNvPr id="44" name="圓角矩形 43">
               <a:extLst>
                 <a:ext uri="{FF2B5EF4-FFF2-40B4-BE49-F238E27FC236}">
-                  <a16:creationId xmlns:a16="http://schemas.microsoft.com/office/drawing/2014/main" id="{CD6B3275-3FA8-A64B-B244-BBFC67C8B7A1}"/>
+                  <a16:creationId xmlns:a16="http://schemas.microsoft.com/office/drawing/2014/main" id="{4B37D24A-2200-6B4C-8E7E-01FEA2BB9BD5}"/>
                 </a:ext>
               </a:extLst>
             </p:cNvPr>
@@ -8221,7 +8445,156 @@
           </p:nvSpPr>
           <p:spPr>
             <a:xfrm>
-              <a:off x="7455579" y="25483871"/>
+              <a:off x="1166818" y="28470105"/>
+              <a:ext cx="4278907" cy="1093120"/>
+            </a:xfrm>
+            <a:prstGeom prst="roundRect">
+              <a:avLst/>
+            </a:prstGeom>
+            <a:solidFill>
+              <a:schemeClr val="accent1"/>
+            </a:solidFill>
+          </p:spPr>
+          <p:style>
+            <a:lnRef idx="2">
+              <a:schemeClr val="accent1">
+                <a:shade val="50000"/>
+              </a:schemeClr>
+            </a:lnRef>
+            <a:fillRef idx="1">
+              <a:schemeClr val="accent1"/>
+            </a:fillRef>
+            <a:effectRef idx="0">
+              <a:schemeClr val="accent1"/>
+            </a:effectRef>
+            <a:fontRef idx="minor">
+              <a:schemeClr val="lt1"/>
+            </a:fontRef>
+          </p:style>
+          <p:txBody>
+            <a:bodyPr rtlCol="0" anchor="ctr"/>
+            <a:lstStyle/>
+            <a:p>
+              <a:pPr algn="ctr"/>
+              <a:r>
+                <a:rPr kumimoji="1" lang="en-US" altLang="zh-TW" sz="2400" dirty="0">
+                  <a:solidFill>
+                    <a:schemeClr val="bg1"/>
+                  </a:solidFill>
+                  <a:latin typeface="Microsoft JhengHei" panose="020B0604030504040204" pitchFamily="34" charset="-120"/>
+                  <a:ea typeface="Microsoft JhengHei" panose="020B0604030504040204" pitchFamily="34" charset="-120"/>
+                </a:rPr>
+                <a:t>Local : </a:t>
+              </a:r>
+            </a:p>
+            <a:p>
+              <a:pPr algn="ctr"/>
+              <a:r>
+                <a:rPr kumimoji="1" lang="en-US" altLang="zh-TW" sz="2400" dirty="0">
+                  <a:solidFill>
+                    <a:schemeClr val="bg1"/>
+                  </a:solidFill>
+                  <a:latin typeface="Microsoft JhengHei" panose="020B0604030504040204" pitchFamily="34" charset="-120"/>
+                  <a:ea typeface="Microsoft JhengHei" panose="020B0604030504040204" pitchFamily="34" charset="-120"/>
+                </a:rPr>
+                <a:t>Model parameters</a:t>
+              </a:r>
+              <a:endParaRPr kumimoji="1" lang="zh-TW" altLang="en-US" sz="2400" dirty="0">
+                <a:solidFill>
+                  <a:schemeClr val="bg1"/>
+                </a:solidFill>
+                <a:latin typeface="Microsoft JhengHei" panose="020B0604030504040204" pitchFamily="34" charset="-120"/>
+                <a:ea typeface="Microsoft JhengHei" panose="020B0604030504040204" pitchFamily="34" charset="-120"/>
+              </a:endParaRPr>
+            </a:p>
+          </p:txBody>
+        </p:sp>
+        <p:sp>
+          <p:nvSpPr>
+            <p:cNvPr id="45" name="圓角矩形 44">
+              <a:extLst>
+                <a:ext uri="{FF2B5EF4-FFF2-40B4-BE49-F238E27FC236}">
+                  <a16:creationId xmlns:a16="http://schemas.microsoft.com/office/drawing/2014/main" id="{1F15EB0C-D237-B541-9931-20F9565B0465}"/>
+                </a:ext>
+              </a:extLst>
+            </p:cNvPr>
+            <p:cNvSpPr/>
+            <p:nvPr/>
+          </p:nvSpPr>
+          <p:spPr>
+            <a:xfrm>
+              <a:off x="5571000" y="28470105"/>
+              <a:ext cx="4601420" cy="1088702"/>
+            </a:xfrm>
+            <a:prstGeom prst="roundRect">
+              <a:avLst/>
+            </a:prstGeom>
+            <a:solidFill>
+              <a:schemeClr val="accent1"/>
+            </a:solidFill>
+          </p:spPr>
+          <p:style>
+            <a:lnRef idx="2">
+              <a:schemeClr val="accent1">
+                <a:shade val="50000"/>
+              </a:schemeClr>
+            </a:lnRef>
+            <a:fillRef idx="1">
+              <a:schemeClr val="accent1"/>
+            </a:fillRef>
+            <a:effectRef idx="0">
+              <a:schemeClr val="accent1"/>
+            </a:effectRef>
+            <a:fontRef idx="minor">
+              <a:schemeClr val="lt1"/>
+            </a:fontRef>
+          </p:style>
+          <p:txBody>
+            <a:bodyPr rtlCol="0" anchor="ctr"/>
+            <a:lstStyle/>
+            <a:p>
+              <a:pPr algn="ctr"/>
+              <a:r>
+                <a:rPr kumimoji="1" lang="en-US" altLang="zh-TW" sz="2400" dirty="0">
+                  <a:solidFill>
+                    <a:schemeClr val="bg1"/>
+                  </a:solidFill>
+                  <a:latin typeface="Microsoft JhengHei" panose="020B0604030504040204" pitchFamily="34" charset="-120"/>
+                  <a:ea typeface="Microsoft JhengHei" panose="020B0604030504040204" pitchFamily="34" charset="-120"/>
+                </a:rPr>
+                <a:t>BigML Server : </a:t>
+              </a:r>
+            </a:p>
+            <a:p>
+              <a:pPr algn="ctr"/>
+              <a:r>
+                <a:rPr kumimoji="1" lang="en-US" altLang="zh-TW" sz="2400" dirty="0">
+                  <a:solidFill>
+                    <a:schemeClr val="bg1"/>
+                  </a:solidFill>
+                  <a:latin typeface="Microsoft JhengHei" panose="020B0604030504040204" pitchFamily="34" charset="-120"/>
+                  <a:ea typeface="Microsoft JhengHei" panose="020B0604030504040204" pitchFamily="34" charset="-120"/>
+                </a:rPr>
+                <a:t>Available for prediction</a:t>
+              </a:r>
+            </a:p>
+          </p:txBody>
+        </p:sp>
+        <p:sp>
+          <p:nvSpPr>
+            <p:cNvPr id="46" name="向下箭號 45">
+              <a:extLst>
+                <a:ext uri="{FF2B5EF4-FFF2-40B4-BE49-F238E27FC236}">
+                  <a16:creationId xmlns:a16="http://schemas.microsoft.com/office/drawing/2014/main" id="{00C888CB-9B4C-9148-A12A-866DA54E579C}"/>
+                </a:ext>
+              </a:extLst>
+            </p:cNvPr>
+            <p:cNvSpPr/>
+            <p:nvPr/>
+          </p:nvSpPr>
+          <p:spPr>
+            <a:xfrm>
+              <a:off x="6834701" y="25475198"/>
               <a:ext cx="1338107" cy="479109"/>
             </a:xfrm>
             <a:prstGeom prst="downArrow">
@@ -8254,16 +8627,16 @@
             <a:lstStyle/>
             <a:p>
               <a:pPr algn="ctr"/>
-              <a:endParaRPr kumimoji="1" lang="zh-TW" altLang="en-US" sz="1200" dirty="0"/>
+              <a:endParaRPr kumimoji="1" lang="zh-TW" altLang="en-US" sz="1400" dirty="0"/>
             </a:p>
           </p:txBody>
         </p:sp>
         <p:sp>
           <p:nvSpPr>
-            <p:cNvPr id="20" name="圓角矩形 19">
+            <p:cNvPr id="47" name="圓角矩形 46">
               <a:extLst>
                 <a:ext uri="{FF2B5EF4-FFF2-40B4-BE49-F238E27FC236}">
-                  <a16:creationId xmlns:a16="http://schemas.microsoft.com/office/drawing/2014/main" id="{8423031B-48CE-AC46-A388-08C2739A7794}"/>
+                  <a16:creationId xmlns:a16="http://schemas.microsoft.com/office/drawing/2014/main" id="{1E596479-5345-1542-8B6D-7F083E842795}"/>
                 </a:ext>
               </a:extLst>
             </p:cNvPr>
@@ -8272,8 +8645,8 @@
           </p:nvSpPr>
           <p:spPr>
             <a:xfrm>
-              <a:off x="1166818" y="28500085"/>
-              <a:ext cx="4278907" cy="1093120"/>
+              <a:off x="2766070" y="27414687"/>
+              <a:ext cx="5903576" cy="908288"/>
             </a:xfrm>
             <a:prstGeom prst="roundRect">
               <a:avLst/>
@@ -8304,207 +8677,7 @@
             <a:p>
               <a:pPr algn="ctr"/>
               <a:r>
-                <a:rPr kumimoji="1" lang="en-US" altLang="zh-TW" sz="2000" dirty="0">
-                  <a:solidFill>
-                    <a:schemeClr val="bg1"/>
-                  </a:solidFill>
-                  <a:latin typeface="Microsoft JhengHei" panose="020B0604030504040204" pitchFamily="34" charset="-120"/>
-                  <a:ea typeface="Microsoft JhengHei" panose="020B0604030504040204" pitchFamily="34" charset="-120"/>
-                </a:rPr>
-                <a:t>Local : </a:t>
-              </a:r>
-            </a:p>
-            <a:p>
-              <a:pPr algn="ctr"/>
-              <a:r>
-                <a:rPr kumimoji="1" lang="en-US" altLang="zh-TW" sz="2000" dirty="0">
-                  <a:solidFill>
-                    <a:schemeClr val="bg1"/>
-                  </a:solidFill>
-                  <a:latin typeface="Microsoft JhengHei" panose="020B0604030504040204" pitchFamily="34" charset="-120"/>
-                  <a:ea typeface="Microsoft JhengHei" panose="020B0604030504040204" pitchFamily="34" charset="-120"/>
-                </a:rPr>
-                <a:t>Model parameters</a:t>
-              </a:r>
-              <a:endParaRPr kumimoji="1" lang="zh-TW" altLang="en-US" sz="2000" dirty="0">
-                <a:solidFill>
-                  <a:schemeClr val="bg1"/>
-                </a:solidFill>
-                <a:latin typeface="Microsoft JhengHei" panose="020B0604030504040204" pitchFamily="34" charset="-120"/>
-                <a:ea typeface="Microsoft JhengHei" panose="020B0604030504040204" pitchFamily="34" charset="-120"/>
-              </a:endParaRPr>
-            </a:p>
-          </p:txBody>
-        </p:sp>
-        <p:sp>
-          <p:nvSpPr>
-            <p:cNvPr id="21" name="圓角矩形 20">
-              <a:extLst>
-                <a:ext uri="{FF2B5EF4-FFF2-40B4-BE49-F238E27FC236}">
-                  <a16:creationId xmlns:a16="http://schemas.microsoft.com/office/drawing/2014/main" id="{1906E4A1-3BA2-3C4D-9731-9ADAB56A87A9}"/>
-                </a:ext>
-              </a:extLst>
-            </p:cNvPr>
-            <p:cNvSpPr/>
-            <p:nvPr/>
-          </p:nvSpPr>
-          <p:spPr>
-            <a:xfrm>
-              <a:off x="5571000" y="28500085"/>
-              <a:ext cx="4601420" cy="1088702"/>
-            </a:xfrm>
-            <a:prstGeom prst="roundRect">
-              <a:avLst/>
-            </a:prstGeom>
-            <a:solidFill>
-              <a:schemeClr val="accent1"/>
-            </a:solidFill>
-          </p:spPr>
-          <p:style>
-            <a:lnRef idx="2">
-              <a:schemeClr val="accent1">
-                <a:shade val="50000"/>
-              </a:schemeClr>
-            </a:lnRef>
-            <a:fillRef idx="1">
-              <a:schemeClr val="accent1"/>
-            </a:fillRef>
-            <a:effectRef idx="0">
-              <a:schemeClr val="accent1"/>
-            </a:effectRef>
-            <a:fontRef idx="minor">
-              <a:schemeClr val="lt1"/>
-            </a:fontRef>
-          </p:style>
-          <p:txBody>
-            <a:bodyPr rtlCol="0" anchor="ctr"/>
-            <a:lstStyle/>
-            <a:p>
-              <a:pPr algn="ctr"/>
-              <a:r>
-                <a:rPr kumimoji="1" lang="en-US" altLang="zh-TW" sz="2000" dirty="0">
-                  <a:solidFill>
-                    <a:schemeClr val="bg1"/>
-                  </a:solidFill>
-                  <a:latin typeface="Microsoft JhengHei" panose="020B0604030504040204" pitchFamily="34" charset="-120"/>
-                  <a:ea typeface="Microsoft JhengHei" panose="020B0604030504040204" pitchFamily="34" charset="-120"/>
-                </a:rPr>
-                <a:t>BigML Server : </a:t>
-              </a:r>
-            </a:p>
-            <a:p>
-              <a:pPr algn="ctr"/>
-              <a:r>
-                <a:rPr kumimoji="1" lang="en-US" altLang="zh-TW" sz="2000" dirty="0">
-                  <a:solidFill>
-                    <a:schemeClr val="bg1"/>
-                  </a:solidFill>
-                  <a:latin typeface="Microsoft JhengHei" panose="020B0604030504040204" pitchFamily="34" charset="-120"/>
-                  <a:ea typeface="Microsoft JhengHei" panose="020B0604030504040204" pitchFamily="34" charset="-120"/>
-                </a:rPr>
-                <a:t>Available for prediction</a:t>
-              </a:r>
-            </a:p>
-          </p:txBody>
-        </p:sp>
-        <p:sp>
-          <p:nvSpPr>
-            <p:cNvPr id="22" name="向下箭號 21">
-              <a:extLst>
-                <a:ext uri="{FF2B5EF4-FFF2-40B4-BE49-F238E27FC236}">
-                  <a16:creationId xmlns:a16="http://schemas.microsoft.com/office/drawing/2014/main" id="{0F8DE2E6-1B71-A54D-92CC-42FD0B41B360}"/>
-                </a:ext>
-              </a:extLst>
-            </p:cNvPr>
-            <p:cNvSpPr/>
-            <p:nvPr/>
-          </p:nvSpPr>
-          <p:spPr>
-            <a:xfrm>
-              <a:off x="5077890" y="25515957"/>
-              <a:ext cx="1338107" cy="479109"/>
-            </a:xfrm>
-            <a:prstGeom prst="downArrow">
-              <a:avLst/>
-            </a:prstGeom>
-            <a:solidFill>
-              <a:schemeClr val="tx2">
-                <a:lumMod val="75000"/>
-              </a:schemeClr>
-            </a:solidFill>
-          </p:spPr>
-          <p:style>
-            <a:lnRef idx="2">
-              <a:schemeClr val="accent1">
-                <a:shade val="50000"/>
-              </a:schemeClr>
-            </a:lnRef>
-            <a:fillRef idx="1">
-              <a:schemeClr val="accent1"/>
-            </a:fillRef>
-            <a:effectRef idx="0">
-              <a:schemeClr val="accent1"/>
-            </a:effectRef>
-            <a:fontRef idx="minor">
-              <a:schemeClr val="lt1"/>
-            </a:fontRef>
-          </p:style>
-          <p:txBody>
-            <a:bodyPr rtlCol="0" anchor="ctr"/>
-            <a:lstStyle/>
-            <a:p>
-              <a:pPr algn="ctr"/>
-              <a:endParaRPr kumimoji="1" lang="zh-TW" altLang="en-US" sz="1200" dirty="0"/>
-            </a:p>
-          </p:txBody>
-        </p:sp>
-        <p:sp>
-          <p:nvSpPr>
-            <p:cNvPr id="23" name="圓角矩形 22">
-              <a:extLst>
-                <a:ext uri="{FF2B5EF4-FFF2-40B4-BE49-F238E27FC236}">
-                  <a16:creationId xmlns:a16="http://schemas.microsoft.com/office/drawing/2014/main" id="{76755201-5237-B444-866E-41D89F55A754}"/>
-                </a:ext>
-              </a:extLst>
-            </p:cNvPr>
-            <p:cNvSpPr/>
-            <p:nvPr/>
-          </p:nvSpPr>
-          <p:spPr>
-            <a:xfrm>
-              <a:off x="2766070" y="27429677"/>
-              <a:ext cx="5903576" cy="908288"/>
-            </a:xfrm>
-            <a:prstGeom prst="roundRect">
-              <a:avLst/>
-            </a:prstGeom>
-            <a:solidFill>
-              <a:schemeClr val="accent1"/>
-            </a:solidFill>
-          </p:spPr>
-          <p:style>
-            <a:lnRef idx="2">
-              <a:schemeClr val="accent1">
-                <a:shade val="50000"/>
-              </a:schemeClr>
-            </a:lnRef>
-            <a:fillRef idx="1">
-              <a:schemeClr val="accent1"/>
-            </a:fillRef>
-            <a:effectRef idx="0">
-              <a:schemeClr val="accent1"/>
-            </a:effectRef>
-            <a:fontRef idx="minor">
-              <a:schemeClr val="lt1"/>
-            </a:fontRef>
-          </p:style>
-          <p:txBody>
-            <a:bodyPr rtlCol="0" anchor="ctr"/>
-            <a:lstStyle/>
-            <a:p>
-              <a:pPr algn="ctr"/>
-              <a:r>
-                <a:rPr kumimoji="1" lang="en-US" altLang="zh-TW" sz="2000" b="1" u="sng" dirty="0">
+                <a:rPr kumimoji="1" lang="en-US" altLang="zh-TW" sz="2400" b="1" u="sng" dirty="0">
                   <a:solidFill>
                     <a:schemeClr val="bg1"/>
                   </a:solidFill>
@@ -8514,7 +8687,7 @@
                 <a:t>Target Model</a:t>
               </a:r>
               <a:r>
-                <a:rPr kumimoji="1" lang="en-US" altLang="zh-TW" sz="2000" b="1" dirty="0">
+                <a:rPr kumimoji="1" lang="en-US" altLang="zh-TW" sz="2400" b="1" dirty="0">
                   <a:solidFill>
                     <a:schemeClr val="bg1"/>
                   </a:solidFill>
@@ -8524,7 +8697,7 @@
                 <a:t> </a:t>
               </a:r>
               <a:r>
-                <a:rPr kumimoji="1" lang="en-US" altLang="zh-TW" sz="2000" dirty="0">
+                <a:rPr kumimoji="1" lang="en-US" altLang="zh-TW" sz="2400" dirty="0">
                   <a:solidFill>
                     <a:schemeClr val="bg1"/>
                   </a:solidFill>
@@ -8533,7 +8706,7 @@
                 </a:rPr>
                 <a:t>Available</a:t>
               </a:r>
-              <a:endParaRPr kumimoji="1" lang="zh-TW" altLang="en-US" sz="2000" dirty="0">
+              <a:endParaRPr kumimoji="1" lang="zh-TW" altLang="en-US" sz="2400" dirty="0">
                 <a:solidFill>
                   <a:schemeClr val="bg1"/>
                 </a:solidFill>
@@ -8544,6 +8717,57 @@
           </p:txBody>
         </p:sp>
       </p:grpSp>
+      <p:sp>
+        <p:nvSpPr>
+          <p:cNvPr id="48" name="向下箭號 47">
+            <a:extLst>
+              <a:ext uri="{FF2B5EF4-FFF2-40B4-BE49-F238E27FC236}">
+                <a16:creationId xmlns:a16="http://schemas.microsoft.com/office/drawing/2014/main" id="{FD552717-ECD0-5041-B824-74FF98EA8F5F}"/>
+              </a:ext>
+            </a:extLst>
+          </p:cNvPr>
+          <p:cNvSpPr/>
+          <p:nvPr/>
+        </p:nvSpPr>
+        <p:spPr>
+          <a:xfrm>
+            <a:off x="6385679" y="4456999"/>
+            <a:ext cx="1046571" cy="374724"/>
+          </a:xfrm>
+          <a:prstGeom prst="downArrow">
+            <a:avLst/>
+          </a:prstGeom>
+          <a:solidFill>
+            <a:schemeClr val="tx2">
+              <a:lumMod val="75000"/>
+            </a:schemeClr>
+          </a:solidFill>
+        </p:spPr>
+        <p:style>
+          <a:lnRef idx="2">
+            <a:schemeClr val="accent1">
+              <a:shade val="50000"/>
+            </a:schemeClr>
+          </a:lnRef>
+          <a:fillRef idx="1">
+            <a:schemeClr val="accent1"/>
+          </a:fillRef>
+          <a:effectRef idx="0">
+            <a:schemeClr val="accent1"/>
+          </a:effectRef>
+          <a:fontRef idx="minor">
+            <a:schemeClr val="lt1"/>
+          </a:fontRef>
+        </p:style>
+        <p:txBody>
+          <a:bodyPr rtlCol="0" anchor="ctr"/>
+          <a:lstStyle/>
+          <a:p>
+            <a:pPr algn="ctr"/>
+            <a:endParaRPr kumimoji="1" lang="zh-TW" altLang="en-US" sz="1400" dirty="0"/>
+          </a:p>
+        </p:txBody>
+      </p:sp>
     </p:spTree>
     <p:extLst>
       <p:ext uri="{BB962C8B-B14F-4D97-AF65-F5344CB8AC3E}">
@@ -8557,7 +8781,7 @@
 </p:sld>
 </file>
 
-<file path=ppt/slides/slide6.xml><?xml version="1.0" encoding="utf-8"?>
+<file path=ppt/slides/slide7.xml><?xml version="1.0" encoding="utf-8"?>
 <p:sld xmlns:a="http://schemas.openxmlformats.org/drawingml/2006/main" xmlns:r="http://schemas.openxmlformats.org/officeDocument/2006/relationships" xmlns:p="http://schemas.openxmlformats.org/presentationml/2006/main">
   <p:cSld>
     <p:spTree>
@@ -8621,10 +8845,10 @@
       </p:sp>
       <p:grpSp>
         <p:nvGrpSpPr>
-          <p:cNvPr id="18" name="群組 17">
+          <p:cNvPr id="37" name="群組 36">
             <a:extLst>
               <a:ext uri="{FF2B5EF4-FFF2-40B4-BE49-F238E27FC236}">
-                <a16:creationId xmlns:a16="http://schemas.microsoft.com/office/drawing/2014/main" id="{AEF53F88-CBC8-BF46-AD0B-2210B5696E7C}"/>
+                <a16:creationId xmlns:a16="http://schemas.microsoft.com/office/drawing/2014/main" id="{E137B5D8-12E9-1347-86FA-181D743BFB0B}"/>
               </a:ext>
             </a:extLst>
           </p:cNvPr>
@@ -8633,18 +8857,18 @@
         </p:nvGrpSpPr>
         <p:grpSpPr>
           <a:xfrm>
-            <a:off x="1495599" y="1626048"/>
-            <a:ext cx="7377469" cy="5059131"/>
-            <a:chOff x="12180790" y="11192034"/>
-            <a:chExt cx="8684076" cy="7942153"/>
+            <a:off x="1729724" y="1327518"/>
+            <a:ext cx="7271774" cy="5356697"/>
+            <a:chOff x="12180790" y="11328000"/>
+            <a:chExt cx="8684076" cy="7806187"/>
           </a:xfrm>
         </p:grpSpPr>
         <p:sp>
           <p:nvSpPr>
-            <p:cNvPr id="19" name="圓角矩形 18">
+            <p:cNvPr id="38" name="圓角矩形 37">
               <a:extLst>
                 <a:ext uri="{FF2B5EF4-FFF2-40B4-BE49-F238E27FC236}">
-                  <a16:creationId xmlns:a16="http://schemas.microsoft.com/office/drawing/2014/main" id="{3E218CF9-776B-0F41-ABC3-62EE4EC84330}"/>
+                  <a16:creationId xmlns:a16="http://schemas.microsoft.com/office/drawing/2014/main" id="{763C87A9-6E7E-5C48-8C04-F52999FBD726}"/>
                 </a:ext>
               </a:extLst>
             </p:cNvPr>
@@ -8685,7 +8909,7 @@
             <a:p>
               <a:pPr algn="ctr"/>
               <a:r>
-                <a:rPr kumimoji="1" lang="en-US" altLang="zh-TW" sz="2000" b="1" u="sng" dirty="0">
+                <a:rPr kumimoji="1" lang="en-US" altLang="zh-TW" sz="2400" b="1" u="sng" dirty="0">
                   <a:solidFill>
                     <a:schemeClr val="bg1"/>
                   </a:solidFill>
@@ -8694,7 +8918,7 @@
                 </a:rPr>
                 <a:t>Control Model</a:t>
               </a:r>
-              <a:endParaRPr kumimoji="1" lang="zh-TW" altLang="en-US" sz="2000" b="1" u="sng" dirty="0">
+              <a:endParaRPr kumimoji="1" lang="zh-TW" altLang="en-US" sz="2400" b="1" u="sng" dirty="0">
                 <a:solidFill>
                   <a:schemeClr val="bg1"/>
                 </a:solidFill>
@@ -8706,10 +8930,10 @@
         </p:sp>
         <p:sp>
           <p:nvSpPr>
-            <p:cNvPr id="20" name="圓角矩形 19">
+            <p:cNvPr id="39" name="圓角矩形 38">
               <a:extLst>
                 <a:ext uri="{FF2B5EF4-FFF2-40B4-BE49-F238E27FC236}">
-                  <a16:creationId xmlns:a16="http://schemas.microsoft.com/office/drawing/2014/main" id="{1FDE5E49-27F1-4D40-8325-35756BB39A74}"/>
+                  <a16:creationId xmlns:a16="http://schemas.microsoft.com/office/drawing/2014/main" id="{969ADDB3-5B52-C441-99B9-C86577099821}"/>
                 </a:ext>
               </a:extLst>
             </p:cNvPr>
@@ -8750,7 +8974,7 @@
             <a:p>
               <a:pPr algn="ctr"/>
               <a:r>
-                <a:rPr kumimoji="1" lang="en-US" altLang="zh-TW" sz="2000" b="1" u="sng" dirty="0">
+                <a:rPr kumimoji="1" lang="en-US" altLang="zh-TW" sz="2400" b="1" u="sng" dirty="0">
                   <a:solidFill>
                     <a:schemeClr val="bg1"/>
                   </a:solidFill>
@@ -8759,7 +8983,7 @@
                 </a:rPr>
                 <a:t>Copy Model</a:t>
               </a:r>
-              <a:endParaRPr kumimoji="1" lang="zh-TW" altLang="en-US" sz="2000" b="1" u="sng" dirty="0">
+              <a:endParaRPr kumimoji="1" lang="zh-TW" altLang="en-US" sz="2400" b="1" u="sng" dirty="0">
                 <a:solidFill>
                   <a:schemeClr val="bg1"/>
                 </a:solidFill>
@@ -8771,10 +8995,10 @@
         </p:sp>
         <p:sp>
           <p:nvSpPr>
-            <p:cNvPr id="21" name="文字方塊 20">
+            <p:cNvPr id="40" name="文字方塊 39">
               <a:extLst>
                 <a:ext uri="{FF2B5EF4-FFF2-40B4-BE49-F238E27FC236}">
-                  <a16:creationId xmlns:a16="http://schemas.microsoft.com/office/drawing/2014/main" id="{B948C4C0-0C30-EA40-AB36-97EACE8443A9}"/>
+                  <a16:creationId xmlns:a16="http://schemas.microsoft.com/office/drawing/2014/main" id="{6A46963A-49F3-2F4A-8F4D-E5C7682F6992}"/>
                 </a:ext>
               </a:extLst>
             </p:cNvPr>
@@ -8783,8 +9007,8 @@
           </p:nvSpPr>
           <p:spPr>
             <a:xfrm>
-              <a:off x="12274636" y="11192034"/>
-              <a:ext cx="8499008" cy="821385"/>
+              <a:off x="12598169" y="11328000"/>
+              <a:ext cx="4278949" cy="762476"/>
             </a:xfrm>
             <a:prstGeom prst="rect">
               <a:avLst/>
@@ -8807,14 +9031,6 @@
               </a:r>
               <a:r>
                 <a:rPr kumimoji="1" lang="en-US" altLang="zh-CN" sz="2800" dirty="0"/>
-                <a:t>, </a:t>
-              </a:r>
-              <a:r>
-                <a:rPr kumimoji="1" lang="en-US" altLang="zh-CN" sz="2800" b="1" dirty="0"/>
-                <a:t>Y_copy_training_label</a:t>
-              </a:r>
-              <a:r>
-                <a:rPr kumimoji="1" lang="en-US" altLang="zh-CN" sz="2800" dirty="0"/>
                 <a:t> )</a:t>
               </a:r>
             </a:p>
@@ -8822,10 +9038,10 @@
         </p:sp>
         <p:sp>
           <p:nvSpPr>
-            <p:cNvPr id="22" name="圓角矩形 21">
+            <p:cNvPr id="41" name="圓角矩形 40">
               <a:extLst>
                 <a:ext uri="{FF2B5EF4-FFF2-40B4-BE49-F238E27FC236}">
-                  <a16:creationId xmlns:a16="http://schemas.microsoft.com/office/drawing/2014/main" id="{FD9332D2-A776-E740-AED3-D272A2C0B401}"/>
+                  <a16:creationId xmlns:a16="http://schemas.microsoft.com/office/drawing/2014/main" id="{5237820B-6ADF-CB44-80D2-97F9674FFB82}"/>
                 </a:ext>
               </a:extLst>
             </p:cNvPr>
@@ -8866,7 +9082,7 @@
             <a:p>
               <a:pPr algn="ctr"/>
               <a:r>
-                <a:rPr kumimoji="1" lang="en-US" altLang="zh-TW" sz="2000" dirty="0">
+                <a:rPr kumimoji="1" lang="en-US" altLang="zh-TW" sz="2400" dirty="0">
                   <a:solidFill>
                     <a:schemeClr val="bg1"/>
                   </a:solidFill>
@@ -8875,7 +9091,7 @@
                 </a:rPr>
                 <a:t>Target model (pre-trained)</a:t>
               </a:r>
-              <a:endParaRPr kumimoji="1" lang="zh-TW" altLang="en-US" sz="2000" dirty="0">
+              <a:endParaRPr kumimoji="1" lang="zh-TW" altLang="en-US" sz="2400" dirty="0">
                 <a:solidFill>
                   <a:schemeClr val="bg1"/>
                 </a:solidFill>
@@ -8887,10 +9103,10 @@
         </p:sp>
         <p:sp>
           <p:nvSpPr>
-            <p:cNvPr id="23" name="文字方塊 22">
+            <p:cNvPr id="42" name="文字方塊 41">
               <a:extLst>
                 <a:ext uri="{FF2B5EF4-FFF2-40B4-BE49-F238E27FC236}">
-                  <a16:creationId xmlns:a16="http://schemas.microsoft.com/office/drawing/2014/main" id="{B78AC362-02CB-2A49-9E3F-6239D44CC080}"/>
+                  <a16:creationId xmlns:a16="http://schemas.microsoft.com/office/drawing/2014/main" id="{611F6DFE-C932-EA4A-8AD5-B993CB34FEFF}"/>
                 </a:ext>
               </a:extLst>
             </p:cNvPr>
@@ -8899,8 +9115,8 @@
           </p:nvSpPr>
           <p:spPr>
             <a:xfrm>
-              <a:off x="13955683" y="14639469"/>
-              <a:ext cx="5470257" cy="592002"/>
+              <a:off x="13837890" y="14624456"/>
+              <a:ext cx="7026970" cy="672774"/>
             </a:xfrm>
             <a:prstGeom prst="rect">
               <a:avLst/>
@@ -8908,14 +9124,30 @@
             <a:noFill/>
           </p:spPr>
           <p:txBody>
-            <a:bodyPr wrap="none" rtlCol="0">
+            <a:bodyPr wrap="square" rtlCol="0">
               <a:spAutoFit/>
             </a:bodyPr>
             <a:lstStyle/>
             <a:p>
               <a:r>
+                <a:rPr kumimoji="1" lang="en-US" altLang="zh-CN" sz="2400" b="1" dirty="0"/>
+                <a:t>( </a:t>
+              </a:r>
+              <a:r>
                 <a:rPr kumimoji="1" lang="en-US" altLang="zh-CN" sz="2400" b="1" dirty="0" err="1"/>
-                <a:t>Y_copy_training_probability</a:t>
+                <a:t>Y_target_probability</a:t>
+              </a:r>
+              <a:r>
+                <a:rPr kumimoji="1" lang="en-US" altLang="zh-CN" sz="2400" dirty="0"/>
+                <a:t> , </a:t>
+              </a:r>
+              <a:r>
+                <a:rPr kumimoji="1" lang="en-US" altLang="zh-CN" sz="2400" b="1" dirty="0" err="1"/>
+                <a:t>Y_target_label</a:t>
+              </a:r>
+              <a:r>
+                <a:rPr kumimoji="1" lang="en-US" altLang="zh-CN" sz="2400" b="1" dirty="0"/>
+                <a:t> )</a:t>
               </a:r>
               <a:endParaRPr kumimoji="1" lang="en-US" altLang="zh-CN" sz="2400" dirty="0"/>
             </a:p>
@@ -8923,10 +9155,10 @@
         </p:sp>
         <p:sp>
           <p:nvSpPr>
-            <p:cNvPr id="24" name="向下箭號 23">
+            <p:cNvPr id="43" name="向下箭號 42">
               <a:extLst>
                 <a:ext uri="{FF2B5EF4-FFF2-40B4-BE49-F238E27FC236}">
-                  <a16:creationId xmlns:a16="http://schemas.microsoft.com/office/drawing/2014/main" id="{43E7651D-A75D-134C-B7AC-56164AE22E1C}"/>
+                  <a16:creationId xmlns:a16="http://schemas.microsoft.com/office/drawing/2014/main" id="{16439768-8595-BC49-88E2-83397F7A9C85}"/>
                 </a:ext>
               </a:extLst>
             </p:cNvPr>
@@ -8968,16 +9200,16 @@
             <a:lstStyle/>
             <a:p>
               <a:pPr algn="ctr"/>
-              <a:endParaRPr kumimoji="1" lang="zh-TW" altLang="en-US" dirty="0"/>
+              <a:endParaRPr kumimoji="1" lang="zh-TW" altLang="en-US" sz="1400" dirty="0"/>
             </a:p>
           </p:txBody>
         </p:sp>
         <p:sp>
           <p:nvSpPr>
-            <p:cNvPr id="25" name="向下箭號 24">
+            <p:cNvPr id="44" name="向下箭號 43">
               <a:extLst>
                 <a:ext uri="{FF2B5EF4-FFF2-40B4-BE49-F238E27FC236}">
-                  <a16:creationId xmlns:a16="http://schemas.microsoft.com/office/drawing/2014/main" id="{7F9E1DA1-4741-C744-B5FD-FDFB684D4D2A}"/>
+                  <a16:creationId xmlns:a16="http://schemas.microsoft.com/office/drawing/2014/main" id="{ECB3F12C-F2E7-2C45-B7C4-E62F72BAAE99}"/>
                 </a:ext>
               </a:extLst>
             </p:cNvPr>
@@ -9019,16 +9251,16 @@
             <a:lstStyle/>
             <a:p>
               <a:pPr algn="ctr"/>
-              <a:endParaRPr kumimoji="1" lang="zh-TW" altLang="en-US" dirty="0"/>
+              <a:endParaRPr kumimoji="1" lang="zh-TW" altLang="en-US" sz="1400" dirty="0"/>
             </a:p>
           </p:txBody>
         </p:sp>
         <p:sp>
           <p:nvSpPr>
-            <p:cNvPr id="26" name="圓角矩形 25">
+            <p:cNvPr id="45" name="圓角矩形 44">
               <a:extLst>
                 <a:ext uri="{FF2B5EF4-FFF2-40B4-BE49-F238E27FC236}">
-                  <a16:creationId xmlns:a16="http://schemas.microsoft.com/office/drawing/2014/main" id="{8BABEDD7-9CDC-BD43-872D-3A6CCE918022}"/>
+                  <a16:creationId xmlns:a16="http://schemas.microsoft.com/office/drawing/2014/main" id="{D3D6A1A5-8200-6248-B743-38A02999CE41}"/>
                 </a:ext>
               </a:extLst>
             </p:cNvPr>
@@ -9069,7 +9301,7 @@
             <a:p>
               <a:pPr algn="ctr"/>
               <a:r>
-                <a:rPr kumimoji="1" lang="en-US" altLang="zh-TW" sz="2000" dirty="0">
+                <a:rPr kumimoji="1" lang="en-US" altLang="zh-TW" sz="2400" dirty="0">
                   <a:solidFill>
                     <a:schemeClr val="bg1"/>
                   </a:solidFill>
@@ -9078,7 +9310,7 @@
                 </a:rPr>
                 <a:t>train</a:t>
               </a:r>
-              <a:endParaRPr kumimoji="1" lang="zh-TW" altLang="en-US" sz="2000" dirty="0">
+              <a:endParaRPr kumimoji="1" lang="zh-TW" altLang="en-US" sz="2400" dirty="0">
                 <a:solidFill>
                   <a:schemeClr val="bg1"/>
                 </a:solidFill>
@@ -9090,10 +9322,10 @@
         </p:sp>
         <p:sp>
           <p:nvSpPr>
-            <p:cNvPr id="27" name="向下箭號 26">
+            <p:cNvPr id="46" name="向下箭號 45">
               <a:extLst>
                 <a:ext uri="{FF2B5EF4-FFF2-40B4-BE49-F238E27FC236}">
-                  <a16:creationId xmlns:a16="http://schemas.microsoft.com/office/drawing/2014/main" id="{CDE8FAAB-6612-0B46-BD02-B4B4CFC819BA}"/>
+                  <a16:creationId xmlns:a16="http://schemas.microsoft.com/office/drawing/2014/main" id="{A1038F3D-579B-5249-B369-8A744A7A8047}"/>
                 </a:ext>
               </a:extLst>
             </p:cNvPr>
@@ -9135,16 +9367,16 @@
             <a:lstStyle/>
             <a:p>
               <a:pPr algn="ctr"/>
-              <a:endParaRPr kumimoji="1" lang="zh-TW" altLang="en-US" dirty="0"/>
+              <a:endParaRPr kumimoji="1" lang="zh-TW" altLang="en-US" sz="1400" dirty="0"/>
             </a:p>
           </p:txBody>
         </p:sp>
         <p:sp>
           <p:nvSpPr>
-            <p:cNvPr id="28" name="向下箭號 27">
+            <p:cNvPr id="47" name="向下箭號 46">
               <a:extLst>
                 <a:ext uri="{FF2B5EF4-FFF2-40B4-BE49-F238E27FC236}">
-                  <a16:creationId xmlns:a16="http://schemas.microsoft.com/office/drawing/2014/main" id="{1A06FD12-29CB-BA40-876F-11CE1249EAC3}"/>
+                  <a16:creationId xmlns:a16="http://schemas.microsoft.com/office/drawing/2014/main" id="{F47B0495-3344-CC43-8284-01956B15691C}"/>
                 </a:ext>
               </a:extLst>
             </p:cNvPr>
@@ -9186,16 +9418,16 @@
             <a:lstStyle/>
             <a:p>
               <a:pPr algn="ctr"/>
-              <a:endParaRPr kumimoji="1" lang="zh-TW" altLang="en-US" dirty="0"/>
+              <a:endParaRPr kumimoji="1" lang="zh-TW" altLang="en-US" sz="1400" dirty="0"/>
             </a:p>
           </p:txBody>
         </p:sp>
         <p:sp>
           <p:nvSpPr>
-            <p:cNvPr id="29" name="矩形 28">
+            <p:cNvPr id="48" name="矩形 47">
               <a:extLst>
                 <a:ext uri="{FF2B5EF4-FFF2-40B4-BE49-F238E27FC236}">
-                  <a16:creationId xmlns:a16="http://schemas.microsoft.com/office/drawing/2014/main" id="{E82DF509-2197-8E42-AE82-83D56FE76F16}"/>
+                  <a16:creationId xmlns:a16="http://schemas.microsoft.com/office/drawing/2014/main" id="{E697AEB9-6C65-E048-856F-26EEE6C4215E}"/>
                 </a:ext>
               </a:extLst>
             </p:cNvPr>
@@ -9237,16 +9469,16 @@
             <a:lstStyle/>
             <a:p>
               <a:pPr algn="ctr"/>
-              <a:endParaRPr kumimoji="1" lang="zh-TW" altLang="en-US" dirty="0"/>
+              <a:endParaRPr kumimoji="1" lang="zh-TW" altLang="en-US" sz="1400" dirty="0"/>
             </a:p>
           </p:txBody>
         </p:sp>
         <p:sp>
           <p:nvSpPr>
-            <p:cNvPr id="30" name="矩形 29">
+            <p:cNvPr id="49" name="矩形 48">
               <a:extLst>
                 <a:ext uri="{FF2B5EF4-FFF2-40B4-BE49-F238E27FC236}">
-                  <a16:creationId xmlns:a16="http://schemas.microsoft.com/office/drawing/2014/main" id="{C08245CA-C50A-4844-BFB0-4ED16053566F}"/>
+                  <a16:creationId xmlns:a16="http://schemas.microsoft.com/office/drawing/2014/main" id="{3D626B99-9297-414A-AA00-BE27741A6691}"/>
                 </a:ext>
               </a:extLst>
             </p:cNvPr>
@@ -9288,16 +9520,16 @@
             <a:lstStyle/>
             <a:p>
               <a:pPr algn="ctr"/>
-              <a:endParaRPr kumimoji="1" lang="zh-TW" altLang="en-US" dirty="0"/>
+              <a:endParaRPr kumimoji="1" lang="zh-TW" altLang="en-US" sz="1400" dirty="0"/>
             </a:p>
           </p:txBody>
         </p:sp>
         <p:sp>
           <p:nvSpPr>
-            <p:cNvPr id="31" name="向下箭號 30">
+            <p:cNvPr id="50" name="向下箭號 49">
               <a:extLst>
                 <a:ext uri="{FF2B5EF4-FFF2-40B4-BE49-F238E27FC236}">
-                  <a16:creationId xmlns:a16="http://schemas.microsoft.com/office/drawing/2014/main" id="{6683D5DE-5FBE-8949-93A7-CB7E775BA286}"/>
+                  <a16:creationId xmlns:a16="http://schemas.microsoft.com/office/drawing/2014/main" id="{40ACC1BC-D8DB-8342-8D22-D09936385D9D}"/>
                 </a:ext>
               </a:extLst>
             </p:cNvPr>
@@ -9306,8 +9538,8 @@
           </p:nvSpPr>
           <p:spPr>
             <a:xfrm>
-              <a:off x="19820292" y="12088404"/>
-              <a:ext cx="403521" cy="3919308"/>
+              <a:off x="19820292" y="15299548"/>
+              <a:ext cx="403521" cy="708164"/>
             </a:xfrm>
             <a:prstGeom prst="downArrow">
               <a:avLst/>
@@ -9339,16 +9571,16 @@
             <a:lstStyle/>
             <a:p>
               <a:pPr algn="ctr"/>
-              <a:endParaRPr kumimoji="1" lang="zh-TW" altLang="en-US" dirty="0"/>
+              <a:endParaRPr kumimoji="1" lang="zh-TW" altLang="en-US" sz="1400" dirty="0"/>
             </a:p>
           </p:txBody>
         </p:sp>
         <p:sp>
           <p:nvSpPr>
-            <p:cNvPr id="32" name="向下箭號 31">
+            <p:cNvPr id="51" name="向下箭號 50">
               <a:extLst>
                 <a:ext uri="{FF2B5EF4-FFF2-40B4-BE49-F238E27FC236}">
-                  <a16:creationId xmlns:a16="http://schemas.microsoft.com/office/drawing/2014/main" id="{80889E13-2CAF-BB46-AD2C-988627DA1BB5}"/>
+                  <a16:creationId xmlns:a16="http://schemas.microsoft.com/office/drawing/2014/main" id="{339BA08B-90EB-3347-945E-B09649F2AC8D}"/>
                 </a:ext>
               </a:extLst>
             </p:cNvPr>
@@ -9390,16 +9622,16 @@
             <a:lstStyle/>
             <a:p>
               <a:pPr algn="ctr"/>
-              <a:endParaRPr kumimoji="1" lang="zh-TW" altLang="en-US" dirty="0"/>
+              <a:endParaRPr kumimoji="1" lang="zh-TW" altLang="en-US" sz="1400" dirty="0"/>
             </a:p>
           </p:txBody>
         </p:sp>
         <p:sp>
           <p:nvSpPr>
-            <p:cNvPr id="33" name="圓角矩形 32">
+            <p:cNvPr id="52" name="圓角矩形 51">
               <a:extLst>
                 <a:ext uri="{FF2B5EF4-FFF2-40B4-BE49-F238E27FC236}">
-                  <a16:creationId xmlns:a16="http://schemas.microsoft.com/office/drawing/2014/main" id="{F8F4EA00-9F54-104A-86E5-33A1826B7A21}"/>
+                  <a16:creationId xmlns:a16="http://schemas.microsoft.com/office/drawing/2014/main" id="{C13A533C-7633-A342-AE3B-1A80FEAC0BA1}"/>
                 </a:ext>
               </a:extLst>
             </p:cNvPr>
@@ -9440,7 +9672,7 @@
             <a:p>
               <a:pPr algn="ctr"/>
               <a:r>
-                <a:rPr kumimoji="1" lang="en-US" altLang="zh-TW" sz="2000" dirty="0">
+                <a:rPr kumimoji="1" lang="en-US" altLang="zh-TW" sz="2400" dirty="0">
                   <a:solidFill>
                     <a:schemeClr val="bg1"/>
                   </a:solidFill>
@@ -9449,7 +9681,7 @@
                 </a:rPr>
                 <a:t>train</a:t>
               </a:r>
-              <a:endParaRPr kumimoji="1" lang="zh-TW" altLang="en-US" sz="2000" dirty="0">
+              <a:endParaRPr kumimoji="1" lang="zh-TW" altLang="en-US" sz="2400" dirty="0">
                 <a:solidFill>
                   <a:schemeClr val="bg1"/>
                 </a:solidFill>
@@ -9461,10 +9693,10 @@
         </p:sp>
         <p:sp>
           <p:nvSpPr>
-            <p:cNvPr id="34" name="向下箭號 33">
+            <p:cNvPr id="53" name="向下箭號 52">
               <a:extLst>
                 <a:ext uri="{FF2B5EF4-FFF2-40B4-BE49-F238E27FC236}">
-                  <a16:creationId xmlns:a16="http://schemas.microsoft.com/office/drawing/2014/main" id="{F7B2D2FC-42B5-AC48-90C9-178AEF1EC405}"/>
+                  <a16:creationId xmlns:a16="http://schemas.microsoft.com/office/drawing/2014/main" id="{B38BC5FB-FE22-F34C-A117-2705E15D0F02}"/>
                 </a:ext>
               </a:extLst>
             </p:cNvPr>
@@ -9506,16 +9738,16 @@
             <a:lstStyle/>
             <a:p>
               <a:pPr algn="ctr"/>
-              <a:endParaRPr kumimoji="1" lang="zh-TW" altLang="en-US" dirty="0"/>
+              <a:endParaRPr kumimoji="1" lang="zh-TW" altLang="en-US" sz="1400" dirty="0"/>
             </a:p>
           </p:txBody>
         </p:sp>
         <p:sp>
           <p:nvSpPr>
-            <p:cNvPr id="35" name="向下箭號 34">
+            <p:cNvPr id="54" name="向下箭號 53">
               <a:extLst>
                 <a:ext uri="{FF2B5EF4-FFF2-40B4-BE49-F238E27FC236}">
-                  <a16:creationId xmlns:a16="http://schemas.microsoft.com/office/drawing/2014/main" id="{688A26C7-2319-5040-A49D-7B30C2CCCBF6}"/>
+                  <a16:creationId xmlns:a16="http://schemas.microsoft.com/office/drawing/2014/main" id="{3B45ACCE-2839-2A45-8739-BA48B97B2F95}"/>
                 </a:ext>
               </a:extLst>
             </p:cNvPr>
@@ -9557,16 +9789,16 @@
             <a:lstStyle/>
             <a:p>
               <a:pPr algn="ctr"/>
-              <a:endParaRPr kumimoji="1" lang="zh-TW" altLang="en-US" dirty="0"/>
+              <a:endParaRPr kumimoji="1" lang="zh-TW" altLang="en-US" sz="1400" dirty="0"/>
             </a:p>
           </p:txBody>
         </p:sp>
         <p:sp>
           <p:nvSpPr>
-            <p:cNvPr id="36" name="圓角矩形 35">
+            <p:cNvPr id="55" name="圓角矩形 54">
               <a:extLst>
                 <a:ext uri="{FF2B5EF4-FFF2-40B4-BE49-F238E27FC236}">
-                  <a16:creationId xmlns:a16="http://schemas.microsoft.com/office/drawing/2014/main" id="{43EBD8AE-ABB7-D24D-8386-E65D2760EBC2}"/>
+                  <a16:creationId xmlns:a16="http://schemas.microsoft.com/office/drawing/2014/main" id="{E10678D1-68E4-0749-8D20-B44A327D2288}"/>
                 </a:ext>
               </a:extLst>
             </p:cNvPr>
@@ -9607,7 +9839,7 @@
             <a:p>
               <a:pPr algn="ctr"/>
               <a:r>
-                <a:rPr kumimoji="1" lang="en-US" altLang="zh-TW" sz="2000" dirty="0">
+                <a:rPr kumimoji="1" lang="en-US" altLang="zh-TW" sz="2400" dirty="0">
                   <a:solidFill>
                     <a:schemeClr val="bg1"/>
                   </a:solidFill>
@@ -9616,7 +9848,7 @@
                 </a:rPr>
                 <a:t>Accuracy Evaluation (vs Target Model)</a:t>
               </a:r>
-              <a:endParaRPr kumimoji="1" lang="zh-TW" altLang="en-US" sz="2000" dirty="0">
+              <a:endParaRPr kumimoji="1" lang="zh-TW" altLang="en-US" sz="2400" dirty="0">
                 <a:solidFill>
                   <a:schemeClr val="bg1"/>
                 </a:solidFill>
@@ -9640,7 +9872,7 @@
 </p:sld>
 </file>
 
-<file path=ppt/slides/slide7.xml><?xml version="1.0" encoding="utf-8"?>
+<file path=ppt/slides/slide8.xml><?xml version="1.0" encoding="utf-8"?>
 <p:sld xmlns:a="http://schemas.openxmlformats.org/drawingml/2006/main" xmlns:r="http://schemas.openxmlformats.org/officeDocument/2006/relationships" xmlns:p="http://schemas.openxmlformats.org/presentationml/2006/main">
   <p:cSld>
     <p:spTree>
@@ -9681,56 +9913,19 @@
           <a:lstStyle/>
           <a:p>
             <a:r>
-              <a:rPr kumimoji="1" lang="en-US" altLang="zh-CN" b="1" u="sng" dirty="0" err="1"/>
-              <a:t>Trainning</a:t>
-            </a:r>
-            <a:r>
               <a:rPr kumimoji="1" lang="en-US" altLang="zh-CN" b="1" u="sng" dirty="0"/>
-              <a:t> of </a:t>
-            </a:r>
-            <a:r>
-              <a:rPr kumimoji="1" lang="en-US" altLang="zh-CN" b="1" u="sng" dirty="0" err="1"/>
-              <a:t>Contorl</a:t>
-            </a:r>
-            <a:r>
-              <a:rPr kumimoji="1" lang="en-US" altLang="zh-CN" b="1" u="sng" dirty="0"/>
-              <a:t>/Copy Model</a:t>
+              <a:t>Training of Control / Copy Model</a:t>
             </a:r>
             <a:endParaRPr kumimoji="1" lang="zh-TW" altLang="en-US" b="1" u="sng" dirty="0"/>
-          </a:p>
-        </p:txBody>
-      </p:sp>
-      <p:sp>
-        <p:nvSpPr>
-          <p:cNvPr id="3" name="內容版面配置區 2">
-            <a:extLst>
-              <a:ext uri="{FF2B5EF4-FFF2-40B4-BE49-F238E27FC236}">
-                <a16:creationId xmlns:a16="http://schemas.microsoft.com/office/drawing/2014/main" id="{21B9608D-56BE-DE44-88C1-8F9E8C225ED9}"/>
-              </a:ext>
-            </a:extLst>
-          </p:cNvPr>
-          <p:cNvSpPr>
-            <a:spLocks noGrp="1"/>
-          </p:cNvSpPr>
-          <p:nvPr>
-            <p:ph idx="1"/>
-          </p:nvPr>
-        </p:nvSpPr>
-        <p:spPr/>
-        <p:txBody>
-          <a:bodyPr/>
-          <a:lstStyle/>
-          <a:p>
-            <a:endParaRPr kumimoji="1" lang="zh-TW" altLang="en-US"/>
           </a:p>
         </p:txBody>
       </p:sp>
       <p:grpSp>
         <p:nvGrpSpPr>
-          <p:cNvPr id="4" name="群組 3">
+          <p:cNvPr id="30" name="群組 29">
             <a:extLst>
               <a:ext uri="{FF2B5EF4-FFF2-40B4-BE49-F238E27FC236}">
-                <a16:creationId xmlns:a16="http://schemas.microsoft.com/office/drawing/2014/main" id="{8A194117-BA61-1B4C-94D0-A509A6276F75}"/>
+                <a16:creationId xmlns:a16="http://schemas.microsoft.com/office/drawing/2014/main" id="{E8E1930C-31DB-E641-A6EF-44B400BE8157}"/>
               </a:ext>
             </a:extLst>
           </p:cNvPr>
@@ -9739,18 +9934,18 @@
         </p:nvGrpSpPr>
         <p:grpSpPr>
           <a:xfrm>
-            <a:off x="1465124" y="1779829"/>
-            <a:ext cx="8280398" cy="4965627"/>
+            <a:off x="1346715" y="1580615"/>
+            <a:ext cx="7785410" cy="5088287"/>
             <a:chOff x="14526124" y="7242222"/>
             <a:chExt cx="8387863" cy="6468724"/>
           </a:xfrm>
         </p:grpSpPr>
         <p:sp>
           <p:nvSpPr>
-            <p:cNvPr id="5" name="橢圓 4">
+            <p:cNvPr id="31" name="橢圓 30">
               <a:extLst>
                 <a:ext uri="{FF2B5EF4-FFF2-40B4-BE49-F238E27FC236}">
-                  <a16:creationId xmlns:a16="http://schemas.microsoft.com/office/drawing/2014/main" id="{D612E1BA-A3C2-D54A-8CFB-273567309A3E}"/>
+                  <a16:creationId xmlns:a16="http://schemas.microsoft.com/office/drawing/2014/main" id="{D4E6AAC9-3F41-BA48-8C90-C60C7EE1E8D8}"/>
                 </a:ext>
               </a:extLst>
             </p:cNvPr>
@@ -9796,74 +9991,66 @@
             <a:p>
               <a:pPr algn="ctr"/>
               <a:r>
-                <a:rPr lang="en-US" altLang="zh-TW" sz="1600" dirty="0"/>
+                <a:rPr lang="en-US" altLang="zh-TW" sz="1400" dirty="0"/>
                 <a:t>Training Data</a:t>
               </a:r>
             </a:p>
             <a:p>
               <a:pPr algn="ctr"/>
               <a:r>
-                <a:rPr lang="en-US" altLang="zh-TW" sz="1600" dirty="0"/>
-                <a:t>Size : 100</a:t>
+                <a:rPr lang="en-US" altLang="zh-TW" sz="1400" dirty="0"/>
+                <a:t>Size : 500</a:t>
               </a:r>
               <a:r>
-                <a:rPr lang="zh-TW" altLang="en-US" sz="1600" dirty="0"/>
+                <a:rPr lang="zh-TW" altLang="en-US" sz="1400" dirty="0"/>
                 <a:t>、</a:t>
               </a:r>
               <a:r>
-                <a:rPr lang="en-US" altLang="zh-TW" sz="1600" dirty="0"/>
-                <a:t>200</a:t>
+                <a:rPr lang="en-US" altLang="zh-TW" sz="1400" dirty="0"/>
+                <a:t>1000</a:t>
               </a:r>
               <a:r>
-                <a:rPr lang="zh-TW" altLang="en-US" sz="1600" dirty="0"/>
+                <a:rPr lang="zh-TW" altLang="en-US" sz="1400" dirty="0"/>
                 <a:t>、</a:t>
               </a:r>
               <a:r>
-                <a:rPr lang="en-US" altLang="zh-TW" sz="1600" dirty="0"/>
-                <a:t>500</a:t>
+                <a:rPr lang="en-US" altLang="zh-TW" sz="1400" dirty="0"/>
+                <a:t>3000</a:t>
               </a:r>
               <a:r>
-                <a:rPr lang="zh-TW" altLang="en-US" sz="1600" dirty="0"/>
+                <a:rPr lang="zh-TW" altLang="en-US" sz="1400" dirty="0"/>
                 <a:t>、</a:t>
               </a:r>
               <a:r>
-                <a:rPr lang="en-US" altLang="zh-TW" sz="1600" dirty="0"/>
-                <a:t>1000</a:t>
+                <a:rPr lang="en-US" altLang="zh-TW" sz="1400" dirty="0"/>
+                <a:t>5000</a:t>
               </a:r>
               <a:r>
-                <a:rPr lang="zh-TW" altLang="en-US" sz="1600" dirty="0"/>
+                <a:rPr lang="zh-TW" altLang="en-US" sz="1400" dirty="0"/>
                 <a:t>、</a:t>
               </a:r>
               <a:r>
-                <a:rPr lang="en-US" altLang="zh-TW" sz="1600" dirty="0"/>
-                <a:t>2000</a:t>
+                <a:rPr lang="en-US" altLang="zh-TW" sz="1400" dirty="0"/>
+                <a:t>7000</a:t>
               </a:r>
               <a:r>
-                <a:rPr lang="zh-TW" altLang="en-US" sz="1600" dirty="0"/>
+                <a:rPr lang="zh-TW" altLang="en-US" sz="1400" dirty="0"/>
                 <a:t>、</a:t>
               </a:r>
               <a:r>
-                <a:rPr lang="en-US" altLang="zh-TW" sz="1600" dirty="0"/>
-                <a:t>5000</a:t>
+                <a:rPr lang="en-US" altLang="zh-TW" sz="1400" dirty="0"/>
+                <a:t>9000</a:t>
               </a:r>
-              <a:r>
-                <a:rPr lang="zh-TW" altLang="en-US" sz="1600" dirty="0"/>
-                <a:t>、</a:t>
-              </a:r>
-              <a:r>
-                <a:rPr lang="en-US" altLang="zh-TW" sz="1600" dirty="0"/>
-                <a:t>7000</a:t>
-              </a:r>
-              <a:endParaRPr lang="zh-TW" altLang="en-US" sz="1600" dirty="0"/>
+              <a:endParaRPr lang="zh-TW" altLang="en-US" sz="1400" dirty="0"/>
             </a:p>
           </p:txBody>
         </p:sp>
         <p:grpSp>
           <p:nvGrpSpPr>
-            <p:cNvPr id="6" name="群組 5">
+            <p:cNvPr id="32" name="群組 31">
               <a:extLst>
                 <a:ext uri="{FF2B5EF4-FFF2-40B4-BE49-F238E27FC236}">
-                  <a16:creationId xmlns:a16="http://schemas.microsoft.com/office/drawing/2014/main" id="{24F98F98-8A91-B74A-A968-69590283A38B}"/>
+                  <a16:creationId xmlns:a16="http://schemas.microsoft.com/office/drawing/2014/main" id="{CA964489-0CA7-394C-A4A9-3106B428EFA2}"/>
                 </a:ext>
               </a:extLst>
             </p:cNvPr>
@@ -9880,10 +10067,10 @@
           </p:grpSpPr>
           <p:sp>
             <p:nvSpPr>
-              <p:cNvPr id="17" name="矩形 16">
+              <p:cNvPr id="43" name="矩形 42">
                 <a:extLst>
                   <a:ext uri="{FF2B5EF4-FFF2-40B4-BE49-F238E27FC236}">
-                    <a16:creationId xmlns:a16="http://schemas.microsoft.com/office/drawing/2014/main" id="{4074F68D-3B8F-794F-B384-EA91752F6CDA}"/>
+                    <a16:creationId xmlns:a16="http://schemas.microsoft.com/office/drawing/2014/main" id="{612322FF-B6DF-C040-8E73-EA3BE5BE5EF9}"/>
                   </a:ext>
                 </a:extLst>
               </p:cNvPr>
@@ -9921,19 +10108,19 @@
               <a:p>
                 <a:pPr algn="ctr"/>
                 <a:r>
-                  <a:rPr lang="en-US" altLang="zh-TW" dirty="0"/>
+                  <a:rPr lang="en-US" altLang="zh-TW" sz="1600" dirty="0"/>
                   <a:t>Fully-Connected</a:t>
                 </a:r>
                 <a:r>
-                  <a:rPr lang="zh-TW" altLang="en-US" dirty="0"/>
+                  <a:rPr lang="zh-TW" altLang="en-US" sz="1600" dirty="0"/>
                   <a:t>（</a:t>
                 </a:r>
                 <a:r>
-                  <a:rPr lang="en-US" altLang="zh-TW" dirty="0"/>
+                  <a:rPr lang="en-US" altLang="zh-TW" sz="1600" dirty="0"/>
                   <a:t>784x100</a:t>
                 </a:r>
                 <a:r>
-                  <a:rPr lang="zh-TW" altLang="en-US" dirty="0"/>
+                  <a:rPr lang="zh-TW" altLang="en-US" sz="1600" dirty="0"/>
                   <a:t>）</a:t>
                 </a:r>
               </a:p>
@@ -9941,10 +10128,10 @@
           </p:sp>
           <p:sp>
             <p:nvSpPr>
-              <p:cNvPr id="18" name="矩形 17">
+              <p:cNvPr id="44" name="矩形 43">
                 <a:extLst>
                   <a:ext uri="{FF2B5EF4-FFF2-40B4-BE49-F238E27FC236}">
-                    <a16:creationId xmlns:a16="http://schemas.microsoft.com/office/drawing/2014/main" id="{F8BBF369-A880-3E4F-AC1B-534B547181C0}"/>
+                    <a16:creationId xmlns:a16="http://schemas.microsoft.com/office/drawing/2014/main" id="{6C8DD6F7-CF72-6843-A760-D1D647859496}"/>
                   </a:ext>
                 </a:extLst>
               </p:cNvPr>
@@ -9982,19 +10169,19 @@
               <a:p>
                 <a:pPr algn="ctr"/>
                 <a:r>
-                  <a:rPr lang="en-US" altLang="zh-TW" dirty="0"/>
+                  <a:rPr lang="en-US" altLang="zh-TW" sz="1600" dirty="0"/>
                   <a:t>Fully-Connected</a:t>
                 </a:r>
                 <a:r>
-                  <a:rPr lang="zh-TW" altLang="en-US" dirty="0"/>
+                  <a:rPr lang="zh-TW" altLang="en-US" sz="1600" dirty="0"/>
                   <a:t>（</a:t>
                 </a:r>
                 <a:r>
-                  <a:rPr lang="en-US" altLang="zh-TW" dirty="0"/>
+                  <a:rPr lang="en-US" altLang="zh-TW" sz="1600" dirty="0"/>
                   <a:t>100x100</a:t>
                 </a:r>
                 <a:r>
-                  <a:rPr lang="zh-TW" altLang="en-US" dirty="0"/>
+                  <a:rPr lang="zh-TW" altLang="en-US" sz="1600" dirty="0"/>
                   <a:t>）</a:t>
                 </a:r>
               </a:p>
@@ -10002,10 +10189,10 @@
           </p:sp>
           <p:sp>
             <p:nvSpPr>
-              <p:cNvPr id="19" name="矩形 18">
+              <p:cNvPr id="45" name="矩形 44">
                 <a:extLst>
                   <a:ext uri="{FF2B5EF4-FFF2-40B4-BE49-F238E27FC236}">
-                    <a16:creationId xmlns:a16="http://schemas.microsoft.com/office/drawing/2014/main" id="{D11D7EA3-B48A-AD45-A74F-F4B214087C2C}"/>
+                    <a16:creationId xmlns:a16="http://schemas.microsoft.com/office/drawing/2014/main" id="{C52F3D75-C788-154B-AD8B-CDADD538C81A}"/>
                   </a:ext>
                 </a:extLst>
               </p:cNvPr>
@@ -10043,19 +10230,19 @@
               <a:p>
                 <a:pPr algn="ctr"/>
                 <a:r>
-                  <a:rPr lang="en-US" altLang="zh-TW" dirty="0"/>
+                  <a:rPr lang="en-US" altLang="zh-TW" sz="1600" dirty="0"/>
                   <a:t>Fully-Connected</a:t>
                 </a:r>
                 <a:r>
-                  <a:rPr lang="zh-TW" altLang="en-US" dirty="0"/>
+                  <a:rPr lang="zh-TW" altLang="en-US" sz="1600" dirty="0"/>
                   <a:t>（</a:t>
                 </a:r>
                 <a:r>
-                  <a:rPr lang="en-US" altLang="zh-TW" dirty="0"/>
+                  <a:rPr lang="en-US" altLang="zh-TW" sz="1600" dirty="0"/>
                   <a:t>100x10</a:t>
                 </a:r>
                 <a:r>
-                  <a:rPr lang="zh-TW" altLang="en-US" dirty="0"/>
+                  <a:rPr lang="zh-TW" altLang="en-US" sz="1600" dirty="0"/>
                   <a:t>）</a:t>
                 </a:r>
               </a:p>
@@ -10063,10 +10250,10 @@
           </p:sp>
           <p:sp>
             <p:nvSpPr>
-              <p:cNvPr id="20" name="矩形 19">
+              <p:cNvPr id="46" name="矩形 45">
                 <a:extLst>
                   <a:ext uri="{FF2B5EF4-FFF2-40B4-BE49-F238E27FC236}">
-                    <a16:creationId xmlns:a16="http://schemas.microsoft.com/office/drawing/2014/main" id="{296EB499-E44C-0F48-AEE2-32C7EA9A076A}"/>
+                    <a16:creationId xmlns:a16="http://schemas.microsoft.com/office/drawing/2014/main" id="{C26C3C14-8E89-3C49-8A4C-6CDFFAF7867B}"/>
                   </a:ext>
                 </a:extLst>
               </p:cNvPr>
@@ -10104,19 +10291,19 @@
               <a:p>
                 <a:pPr algn="ctr"/>
                 <a:r>
-                  <a:rPr lang="en-US" altLang="zh-TW" dirty="0" err="1"/>
+                  <a:rPr lang="en-US" altLang="zh-TW" sz="1600" dirty="0" err="1"/>
                   <a:t>ReLU</a:t>
                 </a:r>
-                <a:endParaRPr lang="zh-TW" altLang="en-US" sz="1400" dirty="0"/>
+                <a:endParaRPr lang="zh-TW" altLang="en-US" sz="1200" dirty="0"/>
               </a:p>
             </p:txBody>
           </p:sp>
           <p:sp>
             <p:nvSpPr>
-              <p:cNvPr id="21" name="矩形 20">
+              <p:cNvPr id="47" name="矩形 46">
                 <a:extLst>
                   <a:ext uri="{FF2B5EF4-FFF2-40B4-BE49-F238E27FC236}">
-                    <a16:creationId xmlns:a16="http://schemas.microsoft.com/office/drawing/2014/main" id="{D09EEC95-7E96-894B-A6BF-1B4195CE3375}"/>
+                    <a16:creationId xmlns:a16="http://schemas.microsoft.com/office/drawing/2014/main" id="{CA21B3BD-68EE-B444-BBB4-8B30584D55C3}"/>
                   </a:ext>
                 </a:extLst>
               </p:cNvPr>
@@ -10154,19 +10341,19 @@
               <a:p>
                 <a:pPr algn="ctr"/>
                 <a:r>
-                  <a:rPr lang="en-US" altLang="zh-TW" dirty="0" err="1"/>
+                  <a:rPr lang="en-US" altLang="zh-TW" sz="1600" dirty="0" err="1"/>
                   <a:t>ReLU</a:t>
                 </a:r>
-                <a:endParaRPr lang="zh-TW" altLang="en-US" dirty="0"/>
+                <a:endParaRPr lang="zh-TW" altLang="en-US" sz="1600" dirty="0"/>
               </a:p>
             </p:txBody>
           </p:sp>
           <p:sp>
             <p:nvSpPr>
-              <p:cNvPr id="22" name="矩形 21">
+              <p:cNvPr id="48" name="矩形 47">
                 <a:extLst>
                   <a:ext uri="{FF2B5EF4-FFF2-40B4-BE49-F238E27FC236}">
-                    <a16:creationId xmlns:a16="http://schemas.microsoft.com/office/drawing/2014/main" id="{511F620B-6537-1247-A76F-5309F7C27D18}"/>
+                    <a16:creationId xmlns:a16="http://schemas.microsoft.com/office/drawing/2014/main" id="{4FD80DF3-DED6-324F-BC2E-7394472AEEE1}"/>
                   </a:ext>
                 </a:extLst>
               </p:cNvPr>
@@ -10204,19 +10391,19 @@
               <a:p>
                 <a:pPr algn="ctr"/>
                 <a:r>
-                  <a:rPr lang="en-US" altLang="zh-TW" dirty="0" err="1"/>
+                  <a:rPr lang="en-US" altLang="zh-TW" sz="1600" dirty="0" err="1"/>
                   <a:t>Softmax</a:t>
                 </a:r>
-                <a:endParaRPr lang="zh-TW" altLang="en-US" dirty="0"/>
+                <a:endParaRPr lang="zh-TW" altLang="en-US" sz="1600" dirty="0"/>
               </a:p>
             </p:txBody>
           </p:sp>
           <p:sp>
             <p:nvSpPr>
-              <p:cNvPr id="23" name="向下箭號 22">
+              <p:cNvPr id="49" name="向下箭號 48">
                 <a:extLst>
                   <a:ext uri="{FF2B5EF4-FFF2-40B4-BE49-F238E27FC236}">
-                    <a16:creationId xmlns:a16="http://schemas.microsoft.com/office/drawing/2014/main" id="{D033D9B0-6CC9-2A41-AEF4-312863AAF484}"/>
+                    <a16:creationId xmlns:a16="http://schemas.microsoft.com/office/drawing/2014/main" id="{4F9B52FC-1FD3-B14F-8D9E-6B44AC06279E}"/>
                   </a:ext>
                 </a:extLst>
               </p:cNvPr>
@@ -10253,16 +10440,16 @@
               <a:lstStyle/>
               <a:p>
                 <a:pPr algn="ctr"/>
-                <a:endParaRPr lang="zh-TW" altLang="en-US" sz="1400"/>
+                <a:endParaRPr lang="zh-TW" altLang="en-US" sz="1200"/>
               </a:p>
             </p:txBody>
           </p:sp>
           <p:sp>
             <p:nvSpPr>
-              <p:cNvPr id="24" name="向下箭號 23">
+              <p:cNvPr id="50" name="向下箭號 49">
                 <a:extLst>
                   <a:ext uri="{FF2B5EF4-FFF2-40B4-BE49-F238E27FC236}">
-                    <a16:creationId xmlns:a16="http://schemas.microsoft.com/office/drawing/2014/main" id="{4FB985F0-9432-CA42-9467-2F192DB33EE9}"/>
+                    <a16:creationId xmlns:a16="http://schemas.microsoft.com/office/drawing/2014/main" id="{95407A70-6B12-0148-87B7-95748D4142D1}"/>
                   </a:ext>
                 </a:extLst>
               </p:cNvPr>
@@ -10299,16 +10486,16 @@
               <a:lstStyle/>
               <a:p>
                 <a:pPr algn="ctr"/>
-                <a:endParaRPr lang="zh-TW" altLang="en-US" sz="1400"/>
+                <a:endParaRPr lang="zh-TW" altLang="en-US" sz="1200"/>
               </a:p>
             </p:txBody>
           </p:sp>
           <p:sp>
             <p:nvSpPr>
-              <p:cNvPr id="25" name="向下箭號 24">
+              <p:cNvPr id="51" name="向下箭號 50">
                 <a:extLst>
                   <a:ext uri="{FF2B5EF4-FFF2-40B4-BE49-F238E27FC236}">
-                    <a16:creationId xmlns:a16="http://schemas.microsoft.com/office/drawing/2014/main" id="{A0F67D39-80F5-C84F-BD32-850B483AC195}"/>
+                    <a16:creationId xmlns:a16="http://schemas.microsoft.com/office/drawing/2014/main" id="{5479FBE8-6C0D-5944-9068-4CBDC7508F84}"/>
                   </a:ext>
                 </a:extLst>
               </p:cNvPr>
@@ -10345,16 +10532,16 @@
               <a:lstStyle/>
               <a:p>
                 <a:pPr algn="ctr"/>
-                <a:endParaRPr lang="zh-TW" altLang="en-US" sz="1400"/>
+                <a:endParaRPr lang="zh-TW" altLang="en-US" sz="1200"/>
               </a:p>
             </p:txBody>
           </p:sp>
           <p:sp>
             <p:nvSpPr>
-              <p:cNvPr id="26" name="向下箭號 25">
+              <p:cNvPr id="52" name="向下箭號 51">
                 <a:extLst>
                   <a:ext uri="{FF2B5EF4-FFF2-40B4-BE49-F238E27FC236}">
-                    <a16:creationId xmlns:a16="http://schemas.microsoft.com/office/drawing/2014/main" id="{42248D18-FEF6-0448-AEED-DA79109A1227}"/>
+                    <a16:creationId xmlns:a16="http://schemas.microsoft.com/office/drawing/2014/main" id="{604AC496-8FCD-3D4F-A21E-1FA318DC01D4}"/>
                   </a:ext>
                 </a:extLst>
               </p:cNvPr>
@@ -10391,16 +10578,16 @@
               <a:lstStyle/>
               <a:p>
                 <a:pPr algn="ctr"/>
-                <a:endParaRPr lang="zh-TW" altLang="en-US" sz="1400"/>
+                <a:endParaRPr lang="zh-TW" altLang="en-US" sz="1200"/>
               </a:p>
             </p:txBody>
           </p:sp>
           <p:sp>
             <p:nvSpPr>
-              <p:cNvPr id="27" name="框架 26">
+              <p:cNvPr id="53" name="框架 52">
                 <a:extLst>
                   <a:ext uri="{FF2B5EF4-FFF2-40B4-BE49-F238E27FC236}">
-                    <a16:creationId xmlns:a16="http://schemas.microsoft.com/office/drawing/2014/main" id="{3C4CA143-A2E1-CD4A-9BE3-721D74B6B471}"/>
+                    <a16:creationId xmlns:a16="http://schemas.microsoft.com/office/drawing/2014/main" id="{3F3D57EF-DE45-114D-BE51-99FDF0EABE93}"/>
                   </a:ext>
                 </a:extLst>
               </p:cNvPr>
@@ -10439,7 +10626,7 @@
               <a:lstStyle/>
               <a:p>
                 <a:pPr algn="ctr"/>
-                <a:endParaRPr lang="zh-TW" altLang="en-US" sz="1400">
+                <a:endParaRPr lang="zh-TW" altLang="en-US" sz="1200">
                   <a:solidFill>
                     <a:schemeClr val="tx1"/>
                   </a:solidFill>
@@ -10449,10 +10636,10 @@
           </p:sp>
           <p:sp>
             <p:nvSpPr>
-              <p:cNvPr id="28" name="文字方塊 27">
+              <p:cNvPr id="54" name="文字方塊 53">
                 <a:extLst>
                   <a:ext uri="{FF2B5EF4-FFF2-40B4-BE49-F238E27FC236}">
-                    <a16:creationId xmlns:a16="http://schemas.microsoft.com/office/drawing/2014/main" id="{0A0F0B3A-0F0E-1D4F-82BB-1E44843E7944}"/>
+                    <a16:creationId xmlns:a16="http://schemas.microsoft.com/office/drawing/2014/main" id="{280145FD-EA6C-3A47-8D08-A90125261B49}"/>
                   </a:ext>
                 </a:extLst>
               </p:cNvPr>
@@ -10462,7 +10649,7 @@
             <p:spPr>
               <a:xfrm>
                 <a:off x="1345223" y="947479"/>
-                <a:ext cx="1004984" cy="521223"/>
+                <a:ext cx="1043810" cy="469531"/>
               </a:xfrm>
               <a:prstGeom prst="rect">
                 <a:avLst/>
@@ -10476,19 +10663,19 @@
               <a:lstStyle/>
               <a:p>
                 <a:r>
-                  <a:rPr lang="en-US" altLang="zh-TW" sz="2000" b="1" dirty="0"/>
+                  <a:rPr lang="en-US" altLang="zh-TW" b="1" dirty="0"/>
                   <a:t>Model</a:t>
                 </a:r>
-                <a:endParaRPr lang="zh-TW" altLang="en-US" sz="1400" b="1" dirty="0"/>
+                <a:endParaRPr lang="zh-TW" altLang="en-US" sz="1200" b="1" dirty="0"/>
               </a:p>
             </p:txBody>
           </p:sp>
           <p:sp>
             <p:nvSpPr>
-              <p:cNvPr id="29" name="向下箭號 28">
+              <p:cNvPr id="55" name="向下箭號 54">
                 <a:extLst>
                   <a:ext uri="{FF2B5EF4-FFF2-40B4-BE49-F238E27FC236}">
-                    <a16:creationId xmlns:a16="http://schemas.microsoft.com/office/drawing/2014/main" id="{9E00BDC0-15A4-D149-A01E-251A4C964F68}"/>
+                    <a16:creationId xmlns:a16="http://schemas.microsoft.com/office/drawing/2014/main" id="{D4EA260D-7E53-9A4C-8C96-AFB329615A7F}"/>
                   </a:ext>
                 </a:extLst>
               </p:cNvPr>
@@ -10525,17 +10712,17 @@
               <a:lstStyle/>
               <a:p>
                 <a:pPr algn="ctr"/>
-                <a:endParaRPr lang="zh-TW" altLang="en-US" sz="1400"/>
+                <a:endParaRPr lang="zh-TW" altLang="en-US" sz="1200"/>
               </a:p>
             </p:txBody>
           </p:sp>
         </p:grpSp>
         <p:sp>
           <p:nvSpPr>
-            <p:cNvPr id="7" name="向下箭號 6">
+            <p:cNvPr id="33" name="向下箭號 32">
               <a:extLst>
                 <a:ext uri="{FF2B5EF4-FFF2-40B4-BE49-F238E27FC236}">
-                  <a16:creationId xmlns:a16="http://schemas.microsoft.com/office/drawing/2014/main" id="{3B8701DD-BA25-C941-A354-94B48F0AF38B}"/>
+                  <a16:creationId xmlns:a16="http://schemas.microsoft.com/office/drawing/2014/main" id="{3D98B88D-6455-8D41-BE80-2EE755570850}"/>
                 </a:ext>
               </a:extLst>
             </p:cNvPr>
@@ -10577,16 +10764,16 @@
             <a:lstStyle/>
             <a:p>
               <a:pPr algn="ctr"/>
-              <a:endParaRPr lang="zh-TW" altLang="en-US" sz="1400"/>
+              <a:endParaRPr lang="zh-TW" altLang="en-US" sz="1200"/>
             </a:p>
           </p:txBody>
         </p:sp>
         <p:sp>
           <p:nvSpPr>
-            <p:cNvPr id="8" name="橢圓 7">
+            <p:cNvPr id="34" name="橢圓 33">
               <a:extLst>
                 <a:ext uri="{FF2B5EF4-FFF2-40B4-BE49-F238E27FC236}">
-                  <a16:creationId xmlns:a16="http://schemas.microsoft.com/office/drawing/2014/main" id="{944012CF-5198-8F4F-A47A-ACF906095CA2}"/>
+                  <a16:creationId xmlns:a16="http://schemas.microsoft.com/office/drawing/2014/main" id="{932BE677-F06E-024B-956C-E6E5751C7336}"/>
                 </a:ext>
               </a:extLst>
             </p:cNvPr>
@@ -10624,34 +10811,34 @@
             <a:p>
               <a:pPr algn="ctr"/>
               <a:r>
-                <a:rPr lang="en-US" altLang="zh-TW" dirty="0"/>
+                <a:rPr lang="en-US" altLang="zh-TW" sz="1600" dirty="0"/>
                 <a:t>Control Model :</a:t>
               </a:r>
               <a:r>
-                <a:rPr lang="zh-TW" altLang="en-US" dirty="0"/>
+                <a:rPr lang="zh-TW" altLang="en-US" sz="1600" dirty="0"/>
                 <a:t> </a:t>
               </a:r>
               <a:r>
-                <a:rPr lang="en-US" altLang="zh-TW" dirty="0"/>
-                <a:t>label of each data</a:t>
+                <a:rPr lang="en-US" altLang="zh-TW" sz="1600" dirty="0"/>
+                <a:t>label from target model</a:t>
               </a:r>
             </a:p>
             <a:p>
               <a:pPr algn="ctr"/>
               <a:r>
-                <a:rPr lang="en-US" altLang="zh-TW" dirty="0"/>
+                <a:rPr lang="en-US" altLang="zh-TW" sz="1600" dirty="0"/>
                 <a:t>Copy Model : probability of each data given by target model</a:t>
               </a:r>
-              <a:endParaRPr lang="zh-TW" altLang="en-US" dirty="0"/>
+              <a:endParaRPr lang="zh-TW" altLang="en-US" sz="1600" dirty="0"/>
             </a:p>
           </p:txBody>
         </p:sp>
         <p:sp>
           <p:nvSpPr>
-            <p:cNvPr id="9" name="矩形 8">
+            <p:cNvPr id="35" name="矩形 34">
               <a:extLst>
                 <a:ext uri="{FF2B5EF4-FFF2-40B4-BE49-F238E27FC236}">
-                  <a16:creationId xmlns:a16="http://schemas.microsoft.com/office/drawing/2014/main" id="{639254A9-6F63-4A4D-AE78-4D5BA6738B6A}"/>
+                  <a16:creationId xmlns:a16="http://schemas.microsoft.com/office/drawing/2014/main" id="{1AA0FAE4-2B74-D14A-BE5C-6712C5C04FEA}"/>
                 </a:ext>
               </a:extLst>
             </p:cNvPr>
@@ -10689,50 +10876,42 @@
             <a:p>
               <a:pPr algn="ctr"/>
               <a:r>
-                <a:rPr lang="en-US" altLang="zh-TW" sz="3200" dirty="0"/>
+                <a:rPr lang="en-US" altLang="zh-TW" sz="2800" dirty="0"/>
                 <a:t>Loss function</a:t>
               </a:r>
             </a:p>
             <a:p>
               <a:pPr algn="ctr"/>
               <a:r>
-                <a:rPr lang="en-US" altLang="zh-TW" sz="1600" dirty="0"/>
+                <a:rPr lang="en-US" altLang="zh-TW" sz="1400" dirty="0"/>
                 <a:t>Control Model : </a:t>
               </a:r>
               <a:r>
-                <a:rPr lang="en-US" altLang="zh-TW" sz="1600" dirty="0" err="1"/>
+                <a:rPr lang="en-US" altLang="zh-TW" sz="1400" dirty="0" err="1"/>
                 <a:t>CorssEntropy</a:t>
               </a:r>
-              <a:endParaRPr lang="en-US" altLang="zh-TW" sz="1600" dirty="0"/>
+              <a:endParaRPr lang="en-US" altLang="zh-TW" sz="1400" dirty="0"/>
             </a:p>
             <a:p>
               <a:pPr algn="ctr"/>
               <a:r>
-                <a:rPr lang="en-US" altLang="zh-TW" sz="1600" dirty="0"/>
+                <a:rPr lang="en-US" altLang="zh-TW" sz="1400" dirty="0"/>
                 <a:t>Copy Model : </a:t>
               </a:r>
               <a:r>
-                <a:rPr lang="en-US" altLang="zh-TW" sz="1600" dirty="0" err="1"/>
+                <a:rPr lang="en-US" altLang="zh-TW" sz="1400" dirty="0" err="1"/>
                 <a:t>BCEloss</a:t>
               </a:r>
-              <a:r>
-                <a:rPr lang="en-US" altLang="zh-TW" sz="1600" dirty="0"/>
-                <a:t>, </a:t>
-              </a:r>
-              <a:r>
-                <a:rPr lang="en-US" altLang="zh-TW" sz="1600" dirty="0" err="1"/>
-                <a:t>MSELoss</a:t>
-              </a:r>
-              <a:endParaRPr lang="zh-TW" altLang="en-US" sz="1600" dirty="0"/>
+              <a:endParaRPr lang="zh-TW" altLang="en-US" sz="1400" dirty="0"/>
             </a:p>
           </p:txBody>
         </p:sp>
         <p:sp>
           <p:nvSpPr>
-            <p:cNvPr id="10" name="迴轉箭號 9">
+            <p:cNvPr id="36" name="迴轉箭號 35">
               <a:extLst>
                 <a:ext uri="{FF2B5EF4-FFF2-40B4-BE49-F238E27FC236}">
-                  <a16:creationId xmlns:a16="http://schemas.microsoft.com/office/drawing/2014/main" id="{EA98D559-077D-C44D-8C5D-E6FAA5706694}"/>
+                  <a16:creationId xmlns:a16="http://schemas.microsoft.com/office/drawing/2014/main" id="{5A17E872-236C-4F49-8145-726ECC21F2CF}"/>
                 </a:ext>
               </a:extLst>
             </p:cNvPr>
@@ -10775,7 +10954,7 @@
             <a:lstStyle/>
             <a:p>
               <a:pPr algn="ctr"/>
-              <a:endParaRPr lang="zh-TW" altLang="en-US" sz="1400">
+              <a:endParaRPr lang="zh-TW" altLang="en-US" sz="1200">
                 <a:solidFill>
                   <a:schemeClr val="tx1"/>
                 </a:solidFill>
@@ -10785,10 +10964,10 @@
         </p:sp>
         <p:sp>
           <p:nvSpPr>
-            <p:cNvPr id="11" name="向下箭號 10">
+            <p:cNvPr id="37" name="向下箭號 36">
               <a:extLst>
                 <a:ext uri="{FF2B5EF4-FFF2-40B4-BE49-F238E27FC236}">
-                  <a16:creationId xmlns:a16="http://schemas.microsoft.com/office/drawing/2014/main" id="{B50F3B0F-C0C4-4F4A-91C5-6A339B3D122E}"/>
+                  <a16:creationId xmlns:a16="http://schemas.microsoft.com/office/drawing/2014/main" id="{573DC790-D8A5-AA48-815A-7EE9550E6EBE}"/>
                 </a:ext>
               </a:extLst>
             </p:cNvPr>
@@ -10830,16 +11009,16 @@
             <a:lstStyle/>
             <a:p>
               <a:pPr algn="ctr"/>
-              <a:endParaRPr lang="zh-TW" altLang="en-US" sz="1400"/>
+              <a:endParaRPr lang="zh-TW" altLang="en-US" sz="1200"/>
             </a:p>
           </p:txBody>
         </p:sp>
         <p:sp>
           <p:nvSpPr>
-            <p:cNvPr id="12" name="矩形 11">
+            <p:cNvPr id="38" name="矩形 37">
               <a:extLst>
                 <a:ext uri="{FF2B5EF4-FFF2-40B4-BE49-F238E27FC236}">
-                  <a16:creationId xmlns:a16="http://schemas.microsoft.com/office/drawing/2014/main" id="{27EC48CA-23C9-4D4C-9A64-1938E5908F2C}"/>
+                  <a16:creationId xmlns:a16="http://schemas.microsoft.com/office/drawing/2014/main" id="{8F2254A5-ECBC-284D-85DA-5F30227133E5}"/>
                 </a:ext>
               </a:extLst>
             </p:cNvPr>
@@ -10877,34 +11056,33 @@
             <a:p>
               <a:pPr algn="ctr"/>
               <a:r>
-                <a:rPr lang="en-US" altLang="zh-TW" sz="3200" dirty="0" err="1"/>
-                <a:t>Optimizar</a:t>
+                <a:rPr lang="en-US" altLang="zh-TW" sz="2800" dirty="0"/>
+                <a:t>Optimizer</a:t>
               </a:r>
-              <a:endParaRPr lang="en-US" altLang="zh-TW" sz="3200" dirty="0"/>
             </a:p>
             <a:p>
               <a:pPr algn="ctr"/>
               <a:r>
-                <a:rPr lang="en-US" altLang="zh-TW" sz="1600" dirty="0"/>
+                <a:rPr lang="en-US" altLang="zh-TW" sz="1400" dirty="0"/>
                 <a:t>Adam</a:t>
               </a:r>
             </a:p>
             <a:p>
               <a:pPr algn="ctr"/>
               <a:r>
-                <a:rPr lang="en-US" altLang="zh-TW" sz="1600" dirty="0"/>
+                <a:rPr lang="en-US" altLang="zh-TW" sz="1400" dirty="0"/>
                 <a:t>Learning rate : 1e-5, 5e-5, 1e-4</a:t>
               </a:r>
-              <a:endParaRPr lang="zh-TW" altLang="en-US" sz="1600" dirty="0"/>
+              <a:endParaRPr lang="zh-TW" altLang="en-US" sz="1400" dirty="0"/>
             </a:p>
           </p:txBody>
         </p:sp>
         <p:sp>
           <p:nvSpPr>
-            <p:cNvPr id="13" name="向下箭號 12">
+            <p:cNvPr id="39" name="向下箭號 38">
               <a:extLst>
                 <a:ext uri="{FF2B5EF4-FFF2-40B4-BE49-F238E27FC236}">
-                  <a16:creationId xmlns:a16="http://schemas.microsoft.com/office/drawing/2014/main" id="{7E298B2C-7464-F44C-9B3E-8A8AEB0249C9}"/>
+                  <a16:creationId xmlns:a16="http://schemas.microsoft.com/office/drawing/2014/main" id="{4B36377F-31D8-AF4E-9A4F-716091FD7510}"/>
                 </a:ext>
               </a:extLst>
             </p:cNvPr>
@@ -10946,16 +11124,16 @@
             <a:lstStyle/>
             <a:p>
               <a:pPr algn="ctr"/>
-              <a:endParaRPr lang="zh-TW" altLang="en-US" sz="1400"/>
+              <a:endParaRPr lang="zh-TW" altLang="en-US" sz="1200"/>
             </a:p>
           </p:txBody>
         </p:sp>
         <p:sp>
           <p:nvSpPr>
-            <p:cNvPr id="14" name="文字方塊 13">
+            <p:cNvPr id="40" name="文字方塊 39">
               <a:extLst>
                 <a:ext uri="{FF2B5EF4-FFF2-40B4-BE49-F238E27FC236}">
-                  <a16:creationId xmlns:a16="http://schemas.microsoft.com/office/drawing/2014/main" id="{55AE8B5D-3215-1D4C-AA74-727D56738A7B}"/>
+                  <a16:creationId xmlns:a16="http://schemas.microsoft.com/office/drawing/2014/main" id="{512BD009-47CC-4E47-8026-C318D0EE3689}"/>
                 </a:ext>
               </a:extLst>
             </p:cNvPr>
@@ -10964,8 +11142,8 @@
           </p:nvSpPr>
           <p:spPr>
             <a:xfrm>
-              <a:off x="21528101" y="9854627"/>
-              <a:ext cx="779530" cy="521223"/>
+              <a:off x="21528100" y="9854627"/>
+              <a:ext cx="815565" cy="469531"/>
             </a:xfrm>
             <a:prstGeom prst="rect">
               <a:avLst/>
@@ -10979,19 +11157,19 @@
             <a:lstStyle/>
             <a:p>
               <a:r>
-                <a:rPr lang="en-US" altLang="zh-TW" sz="2000" b="1" dirty="0"/>
+                <a:rPr lang="en-US" altLang="zh-TW" b="1" dirty="0"/>
                 <a:t>Loss</a:t>
               </a:r>
-              <a:endParaRPr lang="zh-TW" altLang="en-US" sz="1400" b="1" dirty="0"/>
+              <a:endParaRPr lang="zh-TW" altLang="en-US" sz="1200" b="1" dirty="0"/>
             </a:p>
           </p:txBody>
         </p:sp>
         <p:sp>
           <p:nvSpPr>
-            <p:cNvPr id="15" name="向下箭號 14">
+            <p:cNvPr id="41" name="向下箭號 40">
               <a:extLst>
                 <a:ext uri="{FF2B5EF4-FFF2-40B4-BE49-F238E27FC236}">
-                  <a16:creationId xmlns:a16="http://schemas.microsoft.com/office/drawing/2014/main" id="{B4843F85-65F0-4F44-B047-19AE82F00D40}"/>
+                  <a16:creationId xmlns:a16="http://schemas.microsoft.com/office/drawing/2014/main" id="{3952BE53-CA71-8D4E-A245-EA9896BEFB7B}"/>
                 </a:ext>
               </a:extLst>
             </p:cNvPr>
@@ -11033,16 +11211,16 @@
             <a:lstStyle/>
             <a:p>
               <a:pPr algn="ctr"/>
-              <a:endParaRPr lang="zh-TW" altLang="en-US" sz="1400"/>
+              <a:endParaRPr lang="zh-TW" altLang="en-US" sz="1200"/>
             </a:p>
           </p:txBody>
         </p:sp>
         <p:sp>
           <p:nvSpPr>
-            <p:cNvPr id="16" name="文字方塊 15">
+            <p:cNvPr id="42" name="文字方塊 41">
               <a:extLst>
                 <a:ext uri="{FF2B5EF4-FFF2-40B4-BE49-F238E27FC236}">
-                  <a16:creationId xmlns:a16="http://schemas.microsoft.com/office/drawing/2014/main" id="{860D4DDB-4A75-0D42-88FB-8F742AFE39A4}"/>
+                  <a16:creationId xmlns:a16="http://schemas.microsoft.com/office/drawing/2014/main" id="{856E359E-C829-934E-97B3-2DEE138551DC}"/>
                 </a:ext>
               </a:extLst>
             </p:cNvPr>
@@ -11051,8 +11229,8 @@
           </p:nvSpPr>
           <p:spPr>
             <a:xfrm>
-              <a:off x="18130467" y="9396702"/>
-              <a:ext cx="1814816" cy="922163"/>
+              <a:off x="18102279" y="9396702"/>
+              <a:ext cx="1871194" cy="821679"/>
             </a:xfrm>
             <a:prstGeom prst="rect">
               <a:avLst/>
@@ -11067,17 +11245,17 @@
             <a:p>
               <a:pPr algn="ctr"/>
               <a:r>
-                <a:rPr lang="en-US" altLang="zh-TW" sz="2000" b="1" dirty="0"/>
+                <a:rPr lang="en-US" altLang="zh-TW" b="1" dirty="0"/>
                 <a:t>Back </a:t>
               </a:r>
             </a:p>
             <a:p>
               <a:pPr algn="ctr"/>
               <a:r>
-                <a:rPr lang="en-US" altLang="zh-TW" sz="2000" b="1" dirty="0"/>
+                <a:rPr lang="en-US" altLang="zh-TW" b="1" dirty="0"/>
                 <a:t>propagation</a:t>
               </a:r>
-              <a:endParaRPr lang="zh-TW" altLang="en-US" sz="1400" b="1" dirty="0"/>
+              <a:endParaRPr lang="zh-TW" altLang="en-US" sz="1200" b="1" dirty="0"/>
             </a:p>
           </p:txBody>
         </p:sp>
@@ -11095,7 +11273,7 @@
 </p:sld>
 </file>
 
-<file path=ppt/slides/slide8.xml><?xml version="1.0" encoding="utf-8"?>
+<file path=ppt/slides/slide9.xml><?xml version="1.0" encoding="utf-8"?>
 <p:sld xmlns:a="http://schemas.openxmlformats.org/drawingml/2006/main" xmlns:r="http://schemas.openxmlformats.org/officeDocument/2006/relationships" xmlns:p="http://schemas.openxmlformats.org/presentationml/2006/main">
   <p:cSld>
     <p:spTree>
@@ -11204,83 +11382,6 @@
     <p:extLst>
       <p:ext uri="{BB962C8B-B14F-4D97-AF65-F5344CB8AC3E}">
         <p14:creationId xmlns:p14="http://schemas.microsoft.com/office/powerpoint/2010/main" val="3732519401"/>
-      </p:ext>
-    </p:extLst>
-  </p:cSld>
-  <p:clrMapOvr>
-    <a:masterClrMapping/>
-  </p:clrMapOvr>
-</p:sld>
-</file>
-
-<file path=ppt/slides/slide9.xml><?xml version="1.0" encoding="utf-8"?>
-<p:sld xmlns:a="http://schemas.openxmlformats.org/drawingml/2006/main" xmlns:r="http://schemas.openxmlformats.org/officeDocument/2006/relationships" xmlns:p="http://schemas.openxmlformats.org/presentationml/2006/main">
-  <p:cSld>
-    <p:spTree>
-      <p:nvGrpSpPr>
-        <p:cNvPr id="1" name=""/>
-        <p:cNvGrpSpPr/>
-        <p:nvPr/>
-      </p:nvGrpSpPr>
-      <p:grpSpPr>
-        <a:xfrm>
-          <a:off x="0" y="0"/>
-          <a:ext cx="0" cy="0"/>
-          <a:chOff x="0" y="0"/>
-          <a:chExt cx="0" cy="0"/>
-        </a:xfrm>
-      </p:grpSpPr>
-      <p:sp>
-        <p:nvSpPr>
-          <p:cNvPr id="2" name="標題 1"/>
-          <p:cNvSpPr>
-            <a:spLocks noGrp="1"/>
-          </p:cNvSpPr>
-          <p:nvPr>
-            <p:ph type="ctrTitle"/>
-          </p:nvPr>
-        </p:nvSpPr>
-        <p:spPr>
-          <a:xfrm>
-            <a:off x="1125415" y="2404534"/>
-            <a:ext cx="8379070" cy="1646302"/>
-          </a:xfrm>
-        </p:spPr>
-        <p:txBody>
-          <a:bodyPr/>
-          <a:lstStyle/>
-          <a:p>
-            <a:r>
-              <a:rPr lang="en-US" altLang="zh-TW" dirty="0"/>
-              <a:t>Thanks for your listening</a:t>
-            </a:r>
-            <a:endParaRPr lang="zh-TW" altLang="en-US" dirty="0"/>
-          </a:p>
-        </p:txBody>
-      </p:sp>
-      <p:sp>
-        <p:nvSpPr>
-          <p:cNvPr id="3" name="副標題 2"/>
-          <p:cNvSpPr>
-            <a:spLocks noGrp="1"/>
-          </p:cNvSpPr>
-          <p:nvPr>
-            <p:ph type="subTitle" idx="1"/>
-          </p:nvPr>
-        </p:nvSpPr>
-        <p:spPr/>
-        <p:txBody>
-          <a:bodyPr/>
-          <a:lstStyle/>
-          <a:p>
-            <a:endParaRPr lang="zh-TW" altLang="en-US"/>
-          </a:p>
-        </p:txBody>
-      </p:sp>
-    </p:spTree>
-    <p:extLst>
-      <p:ext uri="{BB962C8B-B14F-4D97-AF65-F5344CB8AC3E}">
-        <p14:creationId xmlns:p14="http://schemas.microsoft.com/office/powerpoint/2010/main" val="4049162539"/>
       </p:ext>
     </p:extLst>
   </p:cSld>

--- a/final_demo.pptx
+++ b/final_demo.pptx
@@ -8857,7 +8857,7 @@
         </p:nvGrpSpPr>
         <p:grpSpPr>
           <a:xfrm>
-            <a:off x="1729724" y="1327518"/>
+            <a:off x="1729725" y="1327518"/>
             <a:ext cx="7271774" cy="5356697"/>
             <a:chOff x="12180790" y="11328000"/>
             <a:chExt cx="8684076" cy="7806187"/>
@@ -9007,8 +9007,8 @@
           </p:nvSpPr>
           <p:spPr>
             <a:xfrm>
-              <a:off x="12598169" y="11328000"/>
-              <a:ext cx="4278949" cy="762476"/>
+              <a:off x="14458582" y="11328000"/>
+              <a:ext cx="3970711" cy="762476"/>
             </a:xfrm>
             <a:prstGeom prst="rect">
               <a:avLst/>
@@ -9026,12 +9026,16 @@
                 <a:t>( </a:t>
               </a:r>
               <a:r>
-                <a:rPr kumimoji="1" lang="en-US" altLang="zh-CN" sz="2800" b="1" dirty="0" err="1"/>
-                <a:t>X_copy_testing</a:t>
+                <a:rPr kumimoji="1" lang="en-US" altLang="zh-CN" sz="2800" b="1" dirty="0" err="1" smtClean="0"/>
+                <a:t>X_training_data</a:t>
+              </a:r>
+              <a:r>
+                <a:rPr kumimoji="1" lang="en-US" altLang="zh-CN" sz="2800" dirty="0" smtClean="0"/>
+                <a:t> </a:t>
               </a:r>
               <a:r>
                 <a:rPr kumimoji="1" lang="en-US" altLang="zh-CN" sz="2800" dirty="0"/>
-                <a:t> )</a:t>
+                <a:t>)</a:t>
               </a:r>
             </a:p>
           </p:txBody>
@@ -9115,8 +9119,8 @@
           </p:nvSpPr>
           <p:spPr>
             <a:xfrm>
-              <a:off x="13837890" y="14624456"/>
-              <a:ext cx="7026970" cy="672774"/>
+              <a:off x="12916632" y="14624456"/>
+              <a:ext cx="7026970" cy="672773"/>
             </a:xfrm>
             <a:prstGeom prst="rect">
               <a:avLst/>
@@ -9167,7 +9171,7 @@
           </p:nvSpPr>
           <p:spPr>
             <a:xfrm>
-              <a:off x="14521580" y="12020204"/>
+              <a:off x="15954870" y="12059072"/>
               <a:ext cx="950494" cy="684072"/>
             </a:xfrm>
             <a:prstGeom prst="downArrow">
@@ -9218,7 +9222,7 @@
           </p:nvSpPr>
           <p:spPr>
             <a:xfrm>
-              <a:off x="15651380" y="14238340"/>
+              <a:off x="15855086" y="14214245"/>
               <a:ext cx="1338107" cy="479109"/>
             </a:xfrm>
             <a:prstGeom prst="downArrow">
@@ -9334,8 +9338,8 @@
           </p:nvSpPr>
           <p:spPr>
             <a:xfrm>
-              <a:off x="12697540" y="12088404"/>
-              <a:ext cx="403521" cy="3919308"/>
+              <a:off x="12697540" y="11629088"/>
+              <a:ext cx="403521" cy="4378625"/>
             </a:xfrm>
             <a:prstGeom prst="downArrow">
               <a:avLst/>
@@ -9385,8 +9389,8 @@
           </p:nvSpPr>
           <p:spPr>
             <a:xfrm>
-              <a:off x="17899745" y="15418137"/>
-              <a:ext cx="403521" cy="589574"/>
+              <a:off x="17899745" y="15193437"/>
+              <a:ext cx="403521" cy="814276"/>
             </a:xfrm>
             <a:prstGeom prst="downArrow">
               <a:avLst/>
@@ -9436,8 +9440,8 @@
           </p:nvSpPr>
           <p:spPr>
             <a:xfrm>
-              <a:off x="13098324" y="12079766"/>
-              <a:ext cx="204213" cy="3346876"/>
+              <a:off x="18338654" y="11615349"/>
+              <a:ext cx="1769465" cy="195996"/>
             </a:xfrm>
             <a:prstGeom prst="rect">
               <a:avLst/>
@@ -9487,8 +9491,8 @@
           </p:nvSpPr>
           <p:spPr>
             <a:xfrm rot="5400000">
-              <a:off x="15442813" y="13073648"/>
-              <a:ext cx="204213" cy="4893192"/>
+              <a:off x="13554984" y="10844749"/>
+              <a:ext cx="204214" cy="1728977"/>
             </a:xfrm>
             <a:prstGeom prst="rect">
               <a:avLst/>
@@ -9538,8 +9542,8 @@
           </p:nvSpPr>
           <p:spPr>
             <a:xfrm>
-              <a:off x="19820292" y="15299548"/>
-              <a:ext cx="403521" cy="708164"/>
+              <a:off x="19820291" y="11629088"/>
+              <a:ext cx="403521" cy="4378624"/>
             </a:xfrm>
             <a:prstGeom prst="downArrow">
               <a:avLst/>
